--- a/applications/SHIELD/support/docs/syphilis_natural_history.pptx
+++ b/applications/SHIELD/support/docs/syphilis_natural_history.pptx
@@ -5,17 +5,18 @@
     <p:sldMasterId id="2147483648" r:id="rId1"/>
   </p:sldMasterIdLst>
   <p:notesMasterIdLst>
-    <p:notesMasterId r:id="rId10"/>
+    <p:notesMasterId r:id="rId11"/>
   </p:notesMasterIdLst>
   <p:sldIdLst>
-    <p:sldId id="256" r:id="rId2"/>
-    <p:sldId id="257" r:id="rId3"/>
-    <p:sldId id="263" r:id="rId4"/>
-    <p:sldId id="259" r:id="rId5"/>
-    <p:sldId id="258" r:id="rId6"/>
-    <p:sldId id="260" r:id="rId7"/>
-    <p:sldId id="262" r:id="rId8"/>
-    <p:sldId id="261" r:id="rId9"/>
+    <p:sldId id="264" r:id="rId2"/>
+    <p:sldId id="256" r:id="rId3"/>
+    <p:sldId id="257" r:id="rId4"/>
+    <p:sldId id="263" r:id="rId5"/>
+    <p:sldId id="259" r:id="rId6"/>
+    <p:sldId id="258" r:id="rId7"/>
+    <p:sldId id="260" r:id="rId8"/>
+    <p:sldId id="262" r:id="rId9"/>
+    <p:sldId id="261" r:id="rId10"/>
   </p:sldIdLst>
   <p:sldSz cx="12192000" cy="6858000"/>
   <p:notesSz cx="6858000" cy="9144000"/>
@@ -126,19 +127,19 @@
 <pc:chgInfo xmlns:a="http://schemas.openxmlformats.org/drawingml/2006/main" xmlns:r="http://schemas.openxmlformats.org/officeDocument/2006/relationships" xmlns:ac="http://schemas.microsoft.com/office/drawing/2013/main/command" xmlns:pc="http://schemas.microsoft.com/office/powerpoint/2013/main/command">
   <pc:docChgLst>
     <pc:chgData name="Parastu Kasaie" userId="1e6f2ad9-07d6-4e69-b2cb-e8eac35e5cb9" providerId="ADAL" clId="{85650039-FCA9-F147-BFFD-B79F95AFAFC0}"/>
-    <pc:docChg chg="undo custSel addSld modSld">
-      <pc:chgData name="Parastu Kasaie" userId="1e6f2ad9-07d6-4e69-b2cb-e8eac35e5cb9" providerId="ADAL" clId="{85650039-FCA9-F147-BFFD-B79F95AFAFC0}" dt="2024-11-18T18:21:40.591" v="1310" actId="20577"/>
+    <pc:docChg chg="undo custSel addSld modSld sldOrd">
+      <pc:chgData name="Parastu Kasaie" userId="1e6f2ad9-07d6-4e69-b2cb-e8eac35e5cb9" providerId="ADAL" clId="{85650039-FCA9-F147-BFFD-B79F95AFAFC0}" dt="2024-11-21T16:37:40.212" v="1318" actId="1076"/>
       <pc:docMkLst>
         <pc:docMk/>
       </pc:docMkLst>
       <pc:sldChg chg="addSp modSp mod">
-        <pc:chgData name="Parastu Kasaie" userId="1e6f2ad9-07d6-4e69-b2cb-e8eac35e5cb9" providerId="ADAL" clId="{85650039-FCA9-F147-BFFD-B79F95AFAFC0}" dt="2024-11-18T17:43:49.935" v="369" actId="20577"/>
+        <pc:chgData name="Parastu Kasaie" userId="1e6f2ad9-07d6-4e69-b2cb-e8eac35e5cb9" providerId="ADAL" clId="{85650039-FCA9-F147-BFFD-B79F95AFAFC0}" dt="2024-11-21T16:37:40.212" v="1318" actId="1076"/>
         <pc:sldMkLst>
           <pc:docMk/>
           <pc:sldMk cId="3378712915" sldId="256"/>
         </pc:sldMkLst>
         <pc:spChg chg="add mod">
-          <ac:chgData name="Parastu Kasaie" userId="1e6f2ad9-07d6-4e69-b2cb-e8eac35e5cb9" providerId="ADAL" clId="{85650039-FCA9-F147-BFFD-B79F95AFAFC0}" dt="2024-11-18T17:43:49.935" v="369" actId="20577"/>
+          <ac:chgData name="Parastu Kasaie" userId="1e6f2ad9-07d6-4e69-b2cb-e8eac35e5cb9" providerId="ADAL" clId="{85650039-FCA9-F147-BFFD-B79F95AFAFC0}" dt="2024-11-21T16:37:40.212" v="1318" actId="1076"/>
           <ac:spMkLst>
             <pc:docMk/>
             <pc:sldMk cId="3378712915" sldId="256"/>
@@ -176,22 +177,6 @@
           <pc:docMk/>
           <pc:sldMk cId="3998735513" sldId="257"/>
         </pc:sldMkLst>
-        <pc:spChg chg="add del mod">
-          <ac:chgData name="Parastu Kasaie" userId="1e6f2ad9-07d6-4e69-b2cb-e8eac35e5cb9" providerId="ADAL" clId="{85650039-FCA9-F147-BFFD-B79F95AFAFC0}" dt="2024-11-18T17:28:05.351" v="36" actId="478"/>
-          <ac:spMkLst>
-            <pc:docMk/>
-            <pc:sldMk cId="3998735513" sldId="257"/>
-            <ac:spMk id="2" creationId="{E0D0F657-BF76-8CB8-4722-039B2F820715}"/>
-          </ac:spMkLst>
-        </pc:spChg>
-        <pc:spChg chg="add mod">
-          <ac:chgData name="Parastu Kasaie" userId="1e6f2ad9-07d6-4e69-b2cb-e8eac35e5cb9" providerId="ADAL" clId="{85650039-FCA9-F147-BFFD-B79F95AFAFC0}" dt="2024-11-18T17:26:42.298" v="15"/>
-          <ac:spMkLst>
-            <pc:docMk/>
-            <pc:sldMk cId="3998735513" sldId="257"/>
-            <ac:spMk id="9" creationId="{556C9A02-33AC-0EB4-481B-6E49A28FD64E}"/>
-          </ac:spMkLst>
-        </pc:spChg>
         <pc:spChg chg="add mod">
           <ac:chgData name="Parastu Kasaie" userId="1e6f2ad9-07d6-4e69-b2cb-e8eac35e5cb9" providerId="ADAL" clId="{85650039-FCA9-F147-BFFD-B79F95AFAFC0}" dt="2024-11-18T17:28:07.850" v="38" actId="1076"/>
           <ac:spMkLst>
@@ -262,126 +247,6 @@
             <pc:docMk/>
             <pc:sldMk cId="3998735513" sldId="257"/>
             <ac:spMk id="26" creationId="{7400C33D-FDF4-C653-EC0F-F8CA47EE7FBF}"/>
-          </ac:spMkLst>
-        </pc:spChg>
-        <pc:spChg chg="add mod">
-          <ac:chgData name="Parastu Kasaie" userId="1e6f2ad9-07d6-4e69-b2cb-e8eac35e5cb9" providerId="ADAL" clId="{85650039-FCA9-F147-BFFD-B79F95AFAFC0}" dt="2024-11-18T17:29:57.717" v="58" actId="1076"/>
-          <ac:spMkLst>
-            <pc:docMk/>
-            <pc:sldMk cId="3998735513" sldId="257"/>
-            <ac:spMk id="27" creationId="{F2CF6BDA-C631-0CDF-0EBB-5272649700E8}"/>
-          </ac:spMkLst>
-        </pc:spChg>
-        <pc:spChg chg="add mod">
-          <ac:chgData name="Parastu Kasaie" userId="1e6f2ad9-07d6-4e69-b2cb-e8eac35e5cb9" providerId="ADAL" clId="{85650039-FCA9-F147-BFFD-B79F95AFAFC0}" dt="2024-11-18T17:29:57.717" v="58" actId="1076"/>
-          <ac:spMkLst>
-            <pc:docMk/>
-            <pc:sldMk cId="3998735513" sldId="257"/>
-            <ac:spMk id="28" creationId="{0FCE9DD6-3132-51AA-B844-A6A15DEA6B2C}"/>
-          </ac:spMkLst>
-        </pc:spChg>
-        <pc:spChg chg="add mod">
-          <ac:chgData name="Parastu Kasaie" userId="1e6f2ad9-07d6-4e69-b2cb-e8eac35e5cb9" providerId="ADAL" clId="{85650039-FCA9-F147-BFFD-B79F95AFAFC0}" dt="2024-11-18T17:29:57.717" v="58" actId="1076"/>
-          <ac:spMkLst>
-            <pc:docMk/>
-            <pc:sldMk cId="3998735513" sldId="257"/>
-            <ac:spMk id="29" creationId="{0960FFD5-E3DD-C465-76DB-F873DF93E9B2}"/>
-          </ac:spMkLst>
-        </pc:spChg>
-        <pc:spChg chg="add mod">
-          <ac:chgData name="Parastu Kasaie" userId="1e6f2ad9-07d6-4e69-b2cb-e8eac35e5cb9" providerId="ADAL" clId="{85650039-FCA9-F147-BFFD-B79F95AFAFC0}" dt="2024-11-18T17:29:57.717" v="58" actId="1076"/>
-          <ac:spMkLst>
-            <pc:docMk/>
-            <pc:sldMk cId="3998735513" sldId="257"/>
-            <ac:spMk id="31" creationId="{81C5E328-2DE2-7B9A-C0F0-9B618241BA99}"/>
-          </ac:spMkLst>
-        </pc:spChg>
-        <pc:spChg chg="add mod">
-          <ac:chgData name="Parastu Kasaie" userId="1e6f2ad9-07d6-4e69-b2cb-e8eac35e5cb9" providerId="ADAL" clId="{85650039-FCA9-F147-BFFD-B79F95AFAFC0}" dt="2024-11-18T17:29:57.717" v="58" actId="1076"/>
-          <ac:spMkLst>
-            <pc:docMk/>
-            <pc:sldMk cId="3998735513" sldId="257"/>
-            <ac:spMk id="32" creationId="{2C13968D-012D-8484-A166-F5427AF97DA6}"/>
-          </ac:spMkLst>
-        </pc:spChg>
-        <pc:spChg chg="add mod">
-          <ac:chgData name="Parastu Kasaie" userId="1e6f2ad9-07d6-4e69-b2cb-e8eac35e5cb9" providerId="ADAL" clId="{85650039-FCA9-F147-BFFD-B79F95AFAFC0}" dt="2024-11-18T17:29:57.717" v="58" actId="1076"/>
-          <ac:spMkLst>
-            <pc:docMk/>
-            <pc:sldMk cId="3998735513" sldId="257"/>
-            <ac:spMk id="34" creationId="{EA9948B7-22CF-4590-9171-307B8D1C8EFD}"/>
-          </ac:spMkLst>
-        </pc:spChg>
-        <pc:spChg chg="add mod">
-          <ac:chgData name="Parastu Kasaie" userId="1e6f2ad9-07d6-4e69-b2cb-e8eac35e5cb9" providerId="ADAL" clId="{85650039-FCA9-F147-BFFD-B79F95AFAFC0}" dt="2024-11-18T17:29:57.717" v="58" actId="1076"/>
-          <ac:spMkLst>
-            <pc:docMk/>
-            <pc:sldMk cId="3998735513" sldId="257"/>
-            <ac:spMk id="39" creationId="{84FA0359-9BD6-4E0E-D0F0-D0DDDD985247}"/>
-          </ac:spMkLst>
-        </pc:spChg>
-        <pc:spChg chg="add mod">
-          <ac:chgData name="Parastu Kasaie" userId="1e6f2ad9-07d6-4e69-b2cb-e8eac35e5cb9" providerId="ADAL" clId="{85650039-FCA9-F147-BFFD-B79F95AFAFC0}" dt="2024-11-18T17:29:57.717" v="58" actId="1076"/>
-          <ac:spMkLst>
-            <pc:docMk/>
-            <pc:sldMk cId="3998735513" sldId="257"/>
-            <ac:spMk id="40" creationId="{298D1A6B-713D-ABFC-0287-79A743D99411}"/>
-          </ac:spMkLst>
-        </pc:spChg>
-        <pc:spChg chg="add mod">
-          <ac:chgData name="Parastu Kasaie" userId="1e6f2ad9-07d6-4e69-b2cb-e8eac35e5cb9" providerId="ADAL" clId="{85650039-FCA9-F147-BFFD-B79F95AFAFC0}" dt="2024-11-18T17:29:57.717" v="58" actId="1076"/>
-          <ac:spMkLst>
-            <pc:docMk/>
-            <pc:sldMk cId="3998735513" sldId="257"/>
-            <ac:spMk id="41" creationId="{D9236B7F-63DA-6AB9-1B0E-1CFA16FEB32F}"/>
-          </ac:spMkLst>
-        </pc:spChg>
-        <pc:spChg chg="add mod">
-          <ac:chgData name="Parastu Kasaie" userId="1e6f2ad9-07d6-4e69-b2cb-e8eac35e5cb9" providerId="ADAL" clId="{85650039-FCA9-F147-BFFD-B79F95AFAFC0}" dt="2024-11-18T17:29:57.717" v="58" actId="1076"/>
-          <ac:spMkLst>
-            <pc:docMk/>
-            <pc:sldMk cId="3998735513" sldId="257"/>
-            <ac:spMk id="42" creationId="{8B7489B8-2CE3-69EF-4FFF-9BEE0705FB7F}"/>
-          </ac:spMkLst>
-        </pc:spChg>
-        <pc:spChg chg="add mod">
-          <ac:chgData name="Parastu Kasaie" userId="1e6f2ad9-07d6-4e69-b2cb-e8eac35e5cb9" providerId="ADAL" clId="{85650039-FCA9-F147-BFFD-B79F95AFAFC0}" dt="2024-11-18T17:29:57.717" v="58" actId="1076"/>
-          <ac:spMkLst>
-            <pc:docMk/>
-            <pc:sldMk cId="3998735513" sldId="257"/>
-            <ac:spMk id="43" creationId="{E6901516-0C8E-FD1C-5F53-E0F7E0AA8D4A}"/>
-          </ac:spMkLst>
-        </pc:spChg>
-        <pc:spChg chg="add mod">
-          <ac:chgData name="Parastu Kasaie" userId="1e6f2ad9-07d6-4e69-b2cb-e8eac35e5cb9" providerId="ADAL" clId="{85650039-FCA9-F147-BFFD-B79F95AFAFC0}" dt="2024-11-18T17:29:57.717" v="58" actId="1076"/>
-          <ac:spMkLst>
-            <pc:docMk/>
-            <pc:sldMk cId="3998735513" sldId="257"/>
-            <ac:spMk id="45" creationId="{75685C14-E658-CAF0-5BCD-723AD14ADB38}"/>
-          </ac:spMkLst>
-        </pc:spChg>
-        <pc:spChg chg="add mod">
-          <ac:chgData name="Parastu Kasaie" userId="1e6f2ad9-07d6-4e69-b2cb-e8eac35e5cb9" providerId="ADAL" clId="{85650039-FCA9-F147-BFFD-B79F95AFAFC0}" dt="2024-11-18T17:29:57.717" v="58" actId="1076"/>
-          <ac:spMkLst>
-            <pc:docMk/>
-            <pc:sldMk cId="3998735513" sldId="257"/>
-            <ac:spMk id="46" creationId="{AEC2871A-6218-C538-814A-65E4B3AEF397}"/>
-          </ac:spMkLst>
-        </pc:spChg>
-        <pc:spChg chg="add mod">
-          <ac:chgData name="Parastu Kasaie" userId="1e6f2ad9-07d6-4e69-b2cb-e8eac35e5cb9" providerId="ADAL" clId="{85650039-FCA9-F147-BFFD-B79F95AFAFC0}" dt="2024-11-18T17:29:57.717" v="58" actId="1076"/>
-          <ac:spMkLst>
-            <pc:docMk/>
-            <pc:sldMk cId="3998735513" sldId="257"/>
-            <ac:spMk id="50" creationId="{D19BB03E-B161-6BAB-6805-CADEB7C5468D}"/>
-          </ac:spMkLst>
-        </pc:spChg>
-        <pc:spChg chg="add mod">
-          <ac:chgData name="Parastu Kasaie" userId="1e6f2ad9-07d6-4e69-b2cb-e8eac35e5cb9" providerId="ADAL" clId="{85650039-FCA9-F147-BFFD-B79F95AFAFC0}" dt="2024-11-18T17:29:57.717" v="58" actId="1076"/>
-          <ac:spMkLst>
-            <pc:docMk/>
-            <pc:sldMk cId="3998735513" sldId="257"/>
-            <ac:spMk id="51" creationId="{34E71070-4530-5609-B0B7-778A9FF69DC7}"/>
           </ac:spMkLst>
         </pc:spChg>
         <pc:spChg chg="add mod">
@@ -513,86 +378,6 @@
           </ac:cxnSpMkLst>
         </pc:cxnChg>
         <pc:cxnChg chg="add mod">
-          <ac:chgData name="Parastu Kasaie" userId="1e6f2ad9-07d6-4e69-b2cb-e8eac35e5cb9" providerId="ADAL" clId="{85650039-FCA9-F147-BFFD-B79F95AFAFC0}" dt="2024-11-18T17:29:57.717" v="58" actId="1076"/>
-          <ac:cxnSpMkLst>
-            <pc:docMk/>
-            <pc:sldMk cId="3998735513" sldId="257"/>
-            <ac:cxnSpMk id="30" creationId="{04B357B9-8FA7-61B2-CF50-70175182FFDF}"/>
-          </ac:cxnSpMkLst>
-        </pc:cxnChg>
-        <pc:cxnChg chg="add mod">
-          <ac:chgData name="Parastu Kasaie" userId="1e6f2ad9-07d6-4e69-b2cb-e8eac35e5cb9" providerId="ADAL" clId="{85650039-FCA9-F147-BFFD-B79F95AFAFC0}" dt="2024-11-18T17:29:57.717" v="58" actId="1076"/>
-          <ac:cxnSpMkLst>
-            <pc:docMk/>
-            <pc:sldMk cId="3998735513" sldId="257"/>
-            <ac:cxnSpMk id="33" creationId="{3DE45D25-ECF3-6537-C888-CA59D688636F}"/>
-          </ac:cxnSpMkLst>
-        </pc:cxnChg>
-        <pc:cxnChg chg="add mod">
-          <ac:chgData name="Parastu Kasaie" userId="1e6f2ad9-07d6-4e69-b2cb-e8eac35e5cb9" providerId="ADAL" clId="{85650039-FCA9-F147-BFFD-B79F95AFAFC0}" dt="2024-11-18T17:29:57.717" v="58" actId="1076"/>
-          <ac:cxnSpMkLst>
-            <pc:docMk/>
-            <pc:sldMk cId="3998735513" sldId="257"/>
-            <ac:cxnSpMk id="35" creationId="{3AB75F7B-AD4C-B0AB-C2FA-7F7A355C2ADC}"/>
-          </ac:cxnSpMkLst>
-        </pc:cxnChg>
-        <pc:cxnChg chg="add mod">
-          <ac:chgData name="Parastu Kasaie" userId="1e6f2ad9-07d6-4e69-b2cb-e8eac35e5cb9" providerId="ADAL" clId="{85650039-FCA9-F147-BFFD-B79F95AFAFC0}" dt="2024-11-18T17:29:57.717" v="58" actId="1076"/>
-          <ac:cxnSpMkLst>
-            <pc:docMk/>
-            <pc:sldMk cId="3998735513" sldId="257"/>
-            <ac:cxnSpMk id="36" creationId="{4DB9F6D2-50FC-71D1-F45D-77A67D85B4F3}"/>
-          </ac:cxnSpMkLst>
-        </pc:cxnChg>
-        <pc:cxnChg chg="add mod">
-          <ac:chgData name="Parastu Kasaie" userId="1e6f2ad9-07d6-4e69-b2cb-e8eac35e5cb9" providerId="ADAL" clId="{85650039-FCA9-F147-BFFD-B79F95AFAFC0}" dt="2024-11-18T17:29:57.717" v="58" actId="1076"/>
-          <ac:cxnSpMkLst>
-            <pc:docMk/>
-            <pc:sldMk cId="3998735513" sldId="257"/>
-            <ac:cxnSpMk id="37" creationId="{4FE7D6B4-5EA6-5B01-B4B2-EA9E8BED5BDF}"/>
-          </ac:cxnSpMkLst>
-        </pc:cxnChg>
-        <pc:cxnChg chg="add mod">
-          <ac:chgData name="Parastu Kasaie" userId="1e6f2ad9-07d6-4e69-b2cb-e8eac35e5cb9" providerId="ADAL" clId="{85650039-FCA9-F147-BFFD-B79F95AFAFC0}" dt="2024-11-18T17:29:57.717" v="58" actId="1076"/>
-          <ac:cxnSpMkLst>
-            <pc:docMk/>
-            <pc:sldMk cId="3998735513" sldId="257"/>
-            <ac:cxnSpMk id="38" creationId="{31D1E548-536B-93F1-5B13-12C787075BDB}"/>
-          </ac:cxnSpMkLst>
-        </pc:cxnChg>
-        <pc:cxnChg chg="add mod">
-          <ac:chgData name="Parastu Kasaie" userId="1e6f2ad9-07d6-4e69-b2cb-e8eac35e5cb9" providerId="ADAL" clId="{85650039-FCA9-F147-BFFD-B79F95AFAFC0}" dt="2024-11-18T17:29:57.717" v="58" actId="1076"/>
-          <ac:cxnSpMkLst>
-            <pc:docMk/>
-            <pc:sldMk cId="3998735513" sldId="257"/>
-            <ac:cxnSpMk id="44" creationId="{D4099640-C22C-D3B6-A610-73D54EA66DCB}"/>
-          </ac:cxnSpMkLst>
-        </pc:cxnChg>
-        <pc:cxnChg chg="add mod">
-          <ac:chgData name="Parastu Kasaie" userId="1e6f2ad9-07d6-4e69-b2cb-e8eac35e5cb9" providerId="ADAL" clId="{85650039-FCA9-F147-BFFD-B79F95AFAFC0}" dt="2024-11-18T17:29:57.717" v="58" actId="1076"/>
-          <ac:cxnSpMkLst>
-            <pc:docMk/>
-            <pc:sldMk cId="3998735513" sldId="257"/>
-            <ac:cxnSpMk id="47" creationId="{D70CD6C2-53C5-65AC-4F9A-3CE0DC595E58}"/>
-          </ac:cxnSpMkLst>
-        </pc:cxnChg>
-        <pc:cxnChg chg="add mod">
-          <ac:chgData name="Parastu Kasaie" userId="1e6f2ad9-07d6-4e69-b2cb-e8eac35e5cb9" providerId="ADAL" clId="{85650039-FCA9-F147-BFFD-B79F95AFAFC0}" dt="2024-11-18T17:29:57.717" v="58" actId="1076"/>
-          <ac:cxnSpMkLst>
-            <pc:docMk/>
-            <pc:sldMk cId="3998735513" sldId="257"/>
-            <ac:cxnSpMk id="48" creationId="{478A46AF-92AB-8B41-8107-81CA75C32F0B}"/>
-          </ac:cxnSpMkLst>
-        </pc:cxnChg>
-        <pc:cxnChg chg="add mod">
-          <ac:chgData name="Parastu Kasaie" userId="1e6f2ad9-07d6-4e69-b2cb-e8eac35e5cb9" providerId="ADAL" clId="{85650039-FCA9-F147-BFFD-B79F95AFAFC0}" dt="2024-11-18T17:29:57.717" v="58" actId="1076"/>
-          <ac:cxnSpMkLst>
-            <pc:docMk/>
-            <pc:sldMk cId="3998735513" sldId="257"/>
-            <ac:cxnSpMk id="49" creationId="{7F05C702-7523-19C3-2B0B-9FF1AF46395D}"/>
-          </ac:cxnSpMkLst>
-        </pc:cxnChg>
-        <pc:cxnChg chg="add mod">
           <ac:chgData name="Parastu Kasaie" userId="1e6f2ad9-07d6-4e69-b2cb-e8eac35e5cb9" providerId="ADAL" clId="{85650039-FCA9-F147-BFFD-B79F95AFAFC0}" dt="2024-11-18T17:30:01.562" v="60" actId="1076"/>
           <ac:cxnSpMkLst>
             <pc:docMk/>
@@ -679,14 +464,6 @@
           <pc:docMk/>
           <pc:sldMk cId="866495063" sldId="259"/>
         </pc:sldMkLst>
-        <pc:spChg chg="add del mod">
-          <ac:chgData name="Parastu Kasaie" userId="1e6f2ad9-07d6-4e69-b2cb-e8eac35e5cb9" providerId="ADAL" clId="{85650039-FCA9-F147-BFFD-B79F95AFAFC0}" dt="2024-11-18T17:34:11.137" v="141"/>
-          <ac:spMkLst>
-            <pc:docMk/>
-            <pc:sldMk cId="866495063" sldId="259"/>
-            <ac:spMk id="2" creationId="{1125D72E-6369-2C57-D6F6-530C39036A7C}"/>
-          </ac:spMkLst>
-        </pc:spChg>
         <pc:spChg chg="add mod">
           <ac:chgData name="Parastu Kasaie" userId="1e6f2ad9-07d6-4e69-b2cb-e8eac35e5cb9" providerId="ADAL" clId="{85650039-FCA9-F147-BFFD-B79F95AFAFC0}" dt="2024-11-18T17:35:17.236" v="203" actId="20577"/>
           <ac:spMkLst>
@@ -766,22 +543,6 @@
           <pc:docMk/>
           <pc:sldMk cId="567694059" sldId="263"/>
         </pc:sldMkLst>
-        <pc:spChg chg="del">
-          <ac:chgData name="Parastu Kasaie" userId="1e6f2ad9-07d6-4e69-b2cb-e8eac35e5cb9" providerId="ADAL" clId="{85650039-FCA9-F147-BFFD-B79F95AFAFC0}" dt="2024-11-18T17:51:12.312" v="471" actId="478"/>
-          <ac:spMkLst>
-            <pc:docMk/>
-            <pc:sldMk cId="567694059" sldId="263"/>
-            <ac:spMk id="2" creationId="{B06C60C4-CC99-9D88-C730-201176253527}"/>
-          </ac:spMkLst>
-        </pc:spChg>
-        <pc:spChg chg="del">
-          <ac:chgData name="Parastu Kasaie" userId="1e6f2ad9-07d6-4e69-b2cb-e8eac35e5cb9" providerId="ADAL" clId="{85650039-FCA9-F147-BFFD-B79F95AFAFC0}" dt="2024-11-18T17:51:12.312" v="471" actId="478"/>
-          <ac:spMkLst>
-            <pc:docMk/>
-            <pc:sldMk cId="567694059" sldId="263"/>
-            <ac:spMk id="3" creationId="{5C28A03D-0C6D-AFF6-916C-E03A84133FFC}"/>
-          </ac:spMkLst>
-        </pc:spChg>
         <pc:spChg chg="add mod">
           <ac:chgData name="Parastu Kasaie" userId="1e6f2ad9-07d6-4e69-b2cb-e8eac35e5cb9" providerId="ADAL" clId="{85650039-FCA9-F147-BFFD-B79F95AFAFC0}" dt="2024-11-18T18:16:45.450" v="870" actId="1037"/>
           <ac:spMkLst>
@@ -910,44 +671,12 @@
             <ac:cxnSpMk id="11" creationId="{1C68ECEB-9E62-B5E9-60B3-747CD9C59CE6}"/>
           </ac:cxnSpMkLst>
         </pc:cxnChg>
-        <pc:cxnChg chg="add del mod">
-          <ac:chgData name="Parastu Kasaie" userId="1e6f2ad9-07d6-4e69-b2cb-e8eac35e5cb9" providerId="ADAL" clId="{85650039-FCA9-F147-BFFD-B79F95AFAFC0}" dt="2024-11-18T18:15:40.965" v="820" actId="478"/>
-          <ac:cxnSpMkLst>
-            <pc:docMk/>
-            <pc:sldMk cId="567694059" sldId="263"/>
-            <ac:cxnSpMk id="12" creationId="{1360B826-4EC5-F7A8-1C23-1C9CDB27ACE4}"/>
-          </ac:cxnSpMkLst>
-        </pc:cxnChg>
         <pc:cxnChg chg="add mod">
           <ac:chgData name="Parastu Kasaie" userId="1e6f2ad9-07d6-4e69-b2cb-e8eac35e5cb9" providerId="ADAL" clId="{85650039-FCA9-F147-BFFD-B79F95AFAFC0}" dt="2024-11-18T18:19:13.407" v="922" actId="1035"/>
           <ac:cxnSpMkLst>
             <pc:docMk/>
             <pc:sldMk cId="567694059" sldId="263"/>
             <ac:cxnSpMk id="15" creationId="{C124A7C3-07BE-3981-2BCD-796B8056D502}"/>
-          </ac:cxnSpMkLst>
-        </pc:cxnChg>
-        <pc:cxnChg chg="add del mod">
-          <ac:chgData name="Parastu Kasaie" userId="1e6f2ad9-07d6-4e69-b2cb-e8eac35e5cb9" providerId="ADAL" clId="{85650039-FCA9-F147-BFFD-B79F95AFAFC0}" dt="2024-11-18T18:17:34.051" v="893" actId="478"/>
-          <ac:cxnSpMkLst>
-            <pc:docMk/>
-            <pc:sldMk cId="567694059" sldId="263"/>
-            <ac:cxnSpMk id="17" creationId="{FC7F0A89-005B-99EE-B1A1-E25AF1231C5B}"/>
-          </ac:cxnSpMkLst>
-        </pc:cxnChg>
-        <pc:cxnChg chg="add del mod">
-          <ac:chgData name="Parastu Kasaie" userId="1e6f2ad9-07d6-4e69-b2cb-e8eac35e5cb9" providerId="ADAL" clId="{85650039-FCA9-F147-BFFD-B79F95AFAFC0}" dt="2024-11-18T17:52:05.818" v="518" actId="478"/>
-          <ac:cxnSpMkLst>
-            <pc:docMk/>
-            <pc:sldMk cId="567694059" sldId="263"/>
-            <ac:cxnSpMk id="20" creationId="{B6E8DD57-3383-16ED-6372-4267D09DA9BA}"/>
-          </ac:cxnSpMkLst>
-        </pc:cxnChg>
-        <pc:cxnChg chg="add del mod">
-          <ac:chgData name="Parastu Kasaie" userId="1e6f2ad9-07d6-4e69-b2cb-e8eac35e5cb9" providerId="ADAL" clId="{85650039-FCA9-F147-BFFD-B79F95AFAFC0}" dt="2024-11-18T18:18:45.924" v="912" actId="478"/>
-          <ac:cxnSpMkLst>
-            <pc:docMk/>
-            <pc:sldMk cId="567694059" sldId="263"/>
-            <ac:cxnSpMk id="29" creationId="{B7B35540-DEF7-03A7-09DB-A4AA852929D2}"/>
           </ac:cxnSpMkLst>
         </pc:cxnChg>
         <pc:cxnChg chg="add mod">
@@ -974,22 +703,6 @@
             <ac:cxnSpMk id="43" creationId="{C47AB831-5354-15B2-A3B8-9E5584224B6F}"/>
           </ac:cxnSpMkLst>
         </pc:cxnChg>
-        <pc:cxnChg chg="add del mod">
-          <ac:chgData name="Parastu Kasaie" userId="1e6f2ad9-07d6-4e69-b2cb-e8eac35e5cb9" providerId="ADAL" clId="{85650039-FCA9-F147-BFFD-B79F95AFAFC0}" dt="2024-11-18T18:17:34.051" v="893" actId="478"/>
-          <ac:cxnSpMkLst>
-            <pc:docMk/>
-            <pc:sldMk cId="567694059" sldId="263"/>
-            <ac:cxnSpMk id="50" creationId="{91E07FC3-C54D-7F4C-3ED0-28BA9A939740}"/>
-          </ac:cxnSpMkLst>
-        </pc:cxnChg>
-        <pc:cxnChg chg="add del mod">
-          <ac:chgData name="Parastu Kasaie" userId="1e6f2ad9-07d6-4e69-b2cb-e8eac35e5cb9" providerId="ADAL" clId="{85650039-FCA9-F147-BFFD-B79F95AFAFC0}" dt="2024-11-18T18:17:34.051" v="893" actId="478"/>
-          <ac:cxnSpMkLst>
-            <pc:docMk/>
-            <pc:sldMk cId="567694059" sldId="263"/>
-            <ac:cxnSpMk id="53" creationId="{80C1D412-BE57-9E1D-7CAB-E78097442130}"/>
-          </ac:cxnSpMkLst>
-        </pc:cxnChg>
         <pc:cxnChg chg="add mod">
           <ac:chgData name="Parastu Kasaie" userId="1e6f2ad9-07d6-4e69-b2cb-e8eac35e5cb9" providerId="ADAL" clId="{85650039-FCA9-F147-BFFD-B79F95AFAFC0}" dt="2024-11-18T18:19:37.830" v="941" actId="1076"/>
           <ac:cxnSpMkLst>
@@ -998,6 +711,21 @@
             <ac:cxnSpMk id="58" creationId="{1D07EDFD-17E8-83D3-8C47-540423F097EB}"/>
           </ac:cxnSpMkLst>
         </pc:cxnChg>
+      </pc:sldChg>
+      <pc:sldChg chg="modSp new mod ord">
+        <pc:chgData name="Parastu Kasaie" userId="1e6f2ad9-07d6-4e69-b2cb-e8eac35e5cb9" providerId="ADAL" clId="{85650039-FCA9-F147-BFFD-B79F95AFAFC0}" dt="2024-11-21T14:51:56.329" v="1317" actId="20577"/>
+        <pc:sldMkLst>
+          <pc:docMk/>
+          <pc:sldMk cId="1306503906" sldId="264"/>
+        </pc:sldMkLst>
+        <pc:spChg chg="mod">
+          <ac:chgData name="Parastu Kasaie" userId="1e6f2ad9-07d6-4e69-b2cb-e8eac35e5cb9" providerId="ADAL" clId="{85650039-FCA9-F147-BFFD-B79F95AFAFC0}" dt="2024-11-21T14:51:56.329" v="1317" actId="20577"/>
+          <ac:spMkLst>
+            <pc:docMk/>
+            <pc:sldMk cId="1306503906" sldId="264"/>
+            <ac:spMk id="2" creationId="{6ADB367A-C39A-EF09-13CE-4B1D1DD8E80E}"/>
+          </ac:spMkLst>
+        </pc:spChg>
       </pc:sldChg>
     </pc:docChg>
   </pc:docChgLst>
@@ -1418,7 +1146,7 @@
           <a:p>
             <a:fld id="{9F478499-5041-AB43-859B-5B3E6198C339}" type="slidenum">
               <a:rPr lang="en-US" smtClean="0"/>
-              <a:t>6</a:t>
+              <a:t>7</a:t>
             </a:fld>
             <a:endParaRPr lang="en-US"/>
           </a:p>
@@ -1549,7 +1277,7 @@
           <a:p>
             <a:fld id="{9F478499-5041-AB43-859B-5B3E6198C339}" type="slidenum">
               <a:rPr lang="en-US" smtClean="0"/>
-              <a:t>7</a:t>
+              <a:t>8</a:t>
             </a:fld>
             <a:endParaRPr lang="en-US"/>
           </a:p>
@@ -4784,6 +4512,86 @@
       </p:grpSpPr>
       <p:sp>
         <p:nvSpPr>
+          <p:cNvPr id="2" name="Title 1">
+            <a:extLst>
+              <a:ext uri="{FF2B5EF4-FFF2-40B4-BE49-F238E27FC236}">
+                <a16:creationId xmlns:a16="http://schemas.microsoft.com/office/drawing/2014/main" id="{6ADB367A-C39A-EF09-13CE-4B1D1DD8E80E}"/>
+              </a:ext>
+            </a:extLst>
+          </p:cNvPr>
+          <p:cNvSpPr>
+            <a:spLocks noGrp="1"/>
+          </p:cNvSpPr>
+          <p:nvPr>
+            <p:ph type="title"/>
+          </p:nvPr>
+        </p:nvSpPr>
+        <p:spPr/>
+        <p:txBody>
+          <a:bodyPr/>
+          <a:lstStyle/>
+          <a:p>
+            <a:endParaRPr lang="en-US" dirty="0"/>
+          </a:p>
+        </p:txBody>
+      </p:sp>
+      <p:sp>
+        <p:nvSpPr>
+          <p:cNvPr id="3" name="Content Placeholder 2">
+            <a:extLst>
+              <a:ext uri="{FF2B5EF4-FFF2-40B4-BE49-F238E27FC236}">
+                <a16:creationId xmlns:a16="http://schemas.microsoft.com/office/drawing/2014/main" id="{6E36A6E0-B35E-1DD1-DD67-459EADA7F195}"/>
+              </a:ext>
+            </a:extLst>
+          </p:cNvPr>
+          <p:cNvSpPr>
+            <a:spLocks noGrp="1"/>
+          </p:cNvSpPr>
+          <p:nvPr>
+            <p:ph idx="1"/>
+          </p:nvPr>
+        </p:nvSpPr>
+        <p:spPr/>
+        <p:txBody>
+          <a:bodyPr/>
+          <a:lstStyle/>
+          <a:p>
+            <a:endParaRPr lang="en-US"/>
+          </a:p>
+        </p:txBody>
+      </p:sp>
+    </p:spTree>
+    <p:extLst>
+      <p:ext uri="{BB962C8B-B14F-4D97-AF65-F5344CB8AC3E}">
+        <p14:creationId xmlns:p14="http://schemas.microsoft.com/office/powerpoint/2010/main" val="1306503906"/>
+      </p:ext>
+    </p:extLst>
+  </p:cSld>
+  <p:clrMapOvr>
+    <a:masterClrMapping/>
+  </p:clrMapOvr>
+</p:sld>
+</file>
+
+<file path=ppt/slides/slide2.xml><?xml version="1.0" encoding="utf-8"?>
+<p:sld xmlns:a="http://schemas.openxmlformats.org/drawingml/2006/main" xmlns:r="http://schemas.openxmlformats.org/officeDocument/2006/relationships" xmlns:p="http://schemas.openxmlformats.org/presentationml/2006/main">
+  <p:cSld>
+    <p:spTree>
+      <p:nvGrpSpPr>
+        <p:cNvPr id="1" name=""/>
+        <p:cNvGrpSpPr/>
+        <p:nvPr/>
+      </p:nvGrpSpPr>
+      <p:grpSpPr>
+        <a:xfrm>
+          <a:off x="0" y="0"/>
+          <a:ext cx="0" cy="0"/>
+          <a:chOff x="0" y="0"/>
+          <a:chExt cx="0" cy="0"/>
+        </a:xfrm>
+      </p:grpSpPr>
+      <p:sp>
+        <p:nvSpPr>
           <p:cNvPr id="4" name="Rounded Rectangle 3">
             <a:extLst>
               <a:ext uri="{FF2B5EF4-FFF2-40B4-BE49-F238E27FC236}">
@@ -6071,7 +5879,7 @@
         </p:nvSpPr>
         <p:spPr>
           <a:xfrm>
-            <a:off x="3100638" y="4208015"/>
+            <a:off x="1124323" y="3999670"/>
             <a:ext cx="3580147" cy="1200329"/>
           </a:xfrm>
           <a:prstGeom prst="rect">
@@ -6127,7 +5935,7 @@
 </p:sld>
 </file>
 
-<file path=ppt/slides/slide2.xml><?xml version="1.0" encoding="utf-8"?>
+<file path=ppt/slides/slide3.xml><?xml version="1.0" encoding="utf-8"?>
 <p:sld xmlns:a="http://schemas.openxmlformats.org/drawingml/2006/main" xmlns:r="http://schemas.openxmlformats.org/officeDocument/2006/relationships" xmlns:p="http://schemas.openxmlformats.org/presentationml/2006/main">
   <p:cSld>
     <p:spTree>
@@ -8242,7 +8050,7 @@
 </p:sld>
 </file>
 
-<file path=ppt/slides/slide3.xml><?xml version="1.0" encoding="utf-8"?>
+<file path=ppt/slides/slide4.xml><?xml version="1.0" encoding="utf-8"?>
 <p:sld xmlns:a="http://schemas.openxmlformats.org/drawingml/2006/main" xmlns:r="http://schemas.openxmlformats.org/officeDocument/2006/relationships" xmlns:p="http://schemas.openxmlformats.org/presentationml/2006/main">
   <p:cSld>
     <p:spTree>
@@ -9443,2086 +9251,6 @@
     <p:extLst>
       <p:ext uri="{BB962C8B-B14F-4D97-AF65-F5344CB8AC3E}">
         <p14:creationId xmlns:p14="http://schemas.microsoft.com/office/powerpoint/2010/main" val="567694059"/>
-      </p:ext>
-    </p:extLst>
-  </p:cSld>
-  <p:clrMapOvr>
-    <a:masterClrMapping/>
-  </p:clrMapOvr>
-</p:sld>
-</file>
-
-<file path=ppt/slides/slide4.xml><?xml version="1.0" encoding="utf-8"?>
-<p:sld xmlns:a="http://schemas.openxmlformats.org/drawingml/2006/main" xmlns:r="http://schemas.openxmlformats.org/officeDocument/2006/relationships" xmlns:p="http://schemas.openxmlformats.org/presentationml/2006/main">
-  <p:cSld>
-    <p:spTree>
-      <p:nvGrpSpPr>
-        <p:cNvPr id="1" name=""/>
-        <p:cNvGrpSpPr/>
-        <p:nvPr/>
-      </p:nvGrpSpPr>
-      <p:grpSpPr>
-        <a:xfrm>
-          <a:off x="0" y="0"/>
-          <a:ext cx="0" cy="0"/>
-          <a:chOff x="0" y="0"/>
-          <a:chExt cx="0" cy="0"/>
-        </a:xfrm>
-      </p:grpSpPr>
-      <p:sp>
-        <p:nvSpPr>
-          <p:cNvPr id="4" name="Rectangle 3">
-            <a:extLst>
-              <a:ext uri="{FF2B5EF4-FFF2-40B4-BE49-F238E27FC236}">
-                <a16:creationId xmlns:a16="http://schemas.microsoft.com/office/drawing/2014/main" id="{E65B927E-D31B-213E-AD6B-E61D2C422DB1}"/>
-              </a:ext>
-            </a:extLst>
-          </p:cNvPr>
-          <p:cNvSpPr/>
-          <p:nvPr/>
-        </p:nvSpPr>
-        <p:spPr>
-          <a:xfrm>
-            <a:off x="1161493" y="1008046"/>
-            <a:ext cx="1463040" cy="694746"/>
-          </a:xfrm>
-          <a:prstGeom prst="rect">
-            <a:avLst/>
-          </a:prstGeom>
-          <a:solidFill>
-            <a:srgbClr val="AED9D8"/>
-          </a:solidFill>
-          <a:ln w="25400">
-            <a:solidFill>
-              <a:schemeClr val="tx1"/>
-            </a:solidFill>
-          </a:ln>
-        </p:spPr>
-        <p:style>
-          <a:lnRef idx="2">
-            <a:schemeClr val="dk1"/>
-          </a:lnRef>
-          <a:fillRef idx="1">
-            <a:schemeClr val="lt1"/>
-          </a:fillRef>
-          <a:effectRef idx="0">
-            <a:schemeClr val="dk1"/>
-          </a:effectRef>
-          <a:fontRef idx="minor">
-            <a:schemeClr val="dk1"/>
-          </a:fontRef>
-        </p:style>
-        <p:txBody>
-          <a:bodyPr rtlCol="0" anchor="ctr"/>
-          <a:lstStyle/>
-          <a:p>
-            <a:pPr algn="ctr"/>
-            <a:r>
-              <a:rPr lang="en-US" dirty="0">
-                <a:latin typeface="Arial" panose="020B0604020202020204" pitchFamily="34" charset="0"/>
-                <a:cs typeface="Arial" panose="020B0604020202020204" pitchFamily="34" charset="0"/>
-              </a:rPr>
-              <a:t>Primary/</a:t>
-            </a:r>
-          </a:p>
-          <a:p>
-            <a:pPr algn="ctr"/>
-            <a:r>
-              <a:rPr lang="en-US" dirty="0">
-                <a:latin typeface="Arial" panose="020B0604020202020204" pitchFamily="34" charset="0"/>
-                <a:cs typeface="Arial" panose="020B0604020202020204" pitchFamily="34" charset="0"/>
-              </a:rPr>
-              <a:t>Secondary</a:t>
-            </a:r>
-          </a:p>
-        </p:txBody>
-      </p:sp>
-      <p:sp>
-        <p:nvSpPr>
-          <p:cNvPr id="5" name="Rectangle 4">
-            <a:extLst>
-              <a:ext uri="{FF2B5EF4-FFF2-40B4-BE49-F238E27FC236}">
-                <a16:creationId xmlns:a16="http://schemas.microsoft.com/office/drawing/2014/main" id="{BF54F361-4E65-B884-B7EC-998E06BA9CFB}"/>
-              </a:ext>
-            </a:extLst>
-          </p:cNvPr>
-          <p:cNvSpPr/>
-          <p:nvPr/>
-        </p:nvSpPr>
-        <p:spPr>
-          <a:xfrm>
-            <a:off x="97942" y="2157363"/>
-            <a:ext cx="1463040" cy="694746"/>
-          </a:xfrm>
-          <a:prstGeom prst="rect">
-            <a:avLst/>
-          </a:prstGeom>
-          <a:solidFill>
-            <a:srgbClr val="AED9D8"/>
-          </a:solidFill>
-          <a:ln w="25400">
-            <a:solidFill>
-              <a:schemeClr val="tx1"/>
-            </a:solidFill>
-          </a:ln>
-        </p:spPr>
-        <p:style>
-          <a:lnRef idx="2">
-            <a:schemeClr val="dk1"/>
-          </a:lnRef>
-          <a:fillRef idx="1">
-            <a:schemeClr val="lt1"/>
-          </a:fillRef>
-          <a:effectRef idx="0">
-            <a:schemeClr val="dk1"/>
-          </a:effectRef>
-          <a:fontRef idx="minor">
-            <a:schemeClr val="dk1"/>
-          </a:fontRef>
-        </p:style>
-        <p:txBody>
-          <a:bodyPr rtlCol="0" anchor="ctr"/>
-          <a:lstStyle/>
-          <a:p>
-            <a:pPr algn="ctr"/>
-            <a:r>
-              <a:rPr lang="en-US" dirty="0">
-                <a:latin typeface="Arial" panose="020B0604020202020204" pitchFamily="34" charset="0"/>
-                <a:cs typeface="Arial" panose="020B0604020202020204" pitchFamily="34" charset="0"/>
-              </a:rPr>
-              <a:t>Early latent</a:t>
-            </a:r>
-          </a:p>
-        </p:txBody>
-      </p:sp>
-      <p:sp>
-        <p:nvSpPr>
-          <p:cNvPr id="6" name="Rectangle 5">
-            <a:extLst>
-              <a:ext uri="{FF2B5EF4-FFF2-40B4-BE49-F238E27FC236}">
-                <a16:creationId xmlns:a16="http://schemas.microsoft.com/office/drawing/2014/main" id="{E76764DA-B11A-4AA9-DC20-C5A9E40C1A13}"/>
-              </a:ext>
-            </a:extLst>
-          </p:cNvPr>
-          <p:cNvSpPr/>
-          <p:nvPr/>
-        </p:nvSpPr>
-        <p:spPr>
-          <a:xfrm>
-            <a:off x="1155140" y="3935604"/>
-            <a:ext cx="1463040" cy="694746"/>
-          </a:xfrm>
-          <a:prstGeom prst="rect">
-            <a:avLst/>
-          </a:prstGeom>
-          <a:solidFill>
-            <a:srgbClr val="AED9D8"/>
-          </a:solidFill>
-          <a:ln w="25400">
-            <a:solidFill>
-              <a:schemeClr val="tx1"/>
-            </a:solidFill>
-          </a:ln>
-        </p:spPr>
-        <p:style>
-          <a:lnRef idx="2">
-            <a:schemeClr val="dk1"/>
-          </a:lnRef>
-          <a:fillRef idx="1">
-            <a:schemeClr val="lt1"/>
-          </a:fillRef>
-          <a:effectRef idx="0">
-            <a:schemeClr val="dk1"/>
-          </a:effectRef>
-          <a:fontRef idx="minor">
-            <a:schemeClr val="dk1"/>
-          </a:fontRef>
-        </p:style>
-        <p:txBody>
-          <a:bodyPr rtlCol="0" anchor="ctr"/>
-          <a:lstStyle/>
-          <a:p>
-            <a:pPr algn="ctr"/>
-            <a:r>
-              <a:rPr lang="en-US" dirty="0">
-                <a:latin typeface="Arial" panose="020B0604020202020204" pitchFamily="34" charset="0"/>
-                <a:cs typeface="Arial" panose="020B0604020202020204" pitchFamily="34" charset="0"/>
-              </a:rPr>
-              <a:t>Late latent</a:t>
-            </a:r>
-          </a:p>
-        </p:txBody>
-      </p:sp>
-      <p:cxnSp>
-        <p:nvCxnSpPr>
-          <p:cNvPr id="7" name="Straight Arrow Connector 6">
-            <a:extLst>
-              <a:ext uri="{FF2B5EF4-FFF2-40B4-BE49-F238E27FC236}">
-                <a16:creationId xmlns:a16="http://schemas.microsoft.com/office/drawing/2014/main" id="{21AEEB49-A31A-8F11-DFA7-AD75AE8BFAFC}"/>
-              </a:ext>
-            </a:extLst>
-          </p:cNvPr>
-          <p:cNvCxnSpPr>
-            <a:cxnSpLocks/>
-            <a:stCxn id="8" idx="2"/>
-            <a:endCxn id="4" idx="0"/>
-          </p:cNvCxnSpPr>
-          <p:nvPr/>
-        </p:nvCxnSpPr>
-        <p:spPr>
-          <a:xfrm>
-            <a:off x="1886660" y="589506"/>
-            <a:ext cx="6353" cy="418540"/>
-          </a:xfrm>
-          <a:prstGeom prst="straightConnector1">
-            <a:avLst/>
-          </a:prstGeom>
-          <a:ln w="25400" cmpd="sng">
-            <a:solidFill>
-              <a:schemeClr val="tx1"/>
-            </a:solidFill>
-            <a:headEnd type="none"/>
-            <a:tailEnd type="triangle" w="lg" len="med"/>
-          </a:ln>
-        </p:spPr>
-        <p:style>
-          <a:lnRef idx="2">
-            <a:schemeClr val="accent5">
-              <a:shade val="50000"/>
-            </a:schemeClr>
-          </a:lnRef>
-          <a:fillRef idx="1">
-            <a:schemeClr val="accent5"/>
-          </a:fillRef>
-          <a:effectRef idx="0">
-            <a:schemeClr val="accent5"/>
-          </a:effectRef>
-          <a:fontRef idx="minor">
-            <a:schemeClr val="lt1"/>
-          </a:fontRef>
-        </p:style>
-      </p:cxnSp>
-      <p:sp>
-        <p:nvSpPr>
-          <p:cNvPr id="8" name="Rectangle 7">
-            <a:extLst>
-              <a:ext uri="{FF2B5EF4-FFF2-40B4-BE49-F238E27FC236}">
-                <a16:creationId xmlns:a16="http://schemas.microsoft.com/office/drawing/2014/main" id="{93F10A78-E0F9-ABA1-935C-39B13C6231AF}"/>
-              </a:ext>
-            </a:extLst>
-          </p:cNvPr>
-          <p:cNvSpPr/>
-          <p:nvPr/>
-        </p:nvSpPr>
-        <p:spPr>
-          <a:xfrm>
-            <a:off x="1155140" y="-105240"/>
-            <a:ext cx="1463040" cy="694746"/>
-          </a:xfrm>
-          <a:prstGeom prst="rect">
-            <a:avLst/>
-          </a:prstGeom>
-          <a:solidFill>
-            <a:srgbClr val="AED9D8"/>
-          </a:solidFill>
-          <a:ln w="25400">
-            <a:solidFill>
-              <a:schemeClr val="tx1"/>
-            </a:solidFill>
-          </a:ln>
-        </p:spPr>
-        <p:style>
-          <a:lnRef idx="2">
-            <a:schemeClr val="dk1"/>
-          </a:lnRef>
-          <a:fillRef idx="1">
-            <a:schemeClr val="lt1"/>
-          </a:fillRef>
-          <a:effectRef idx="0">
-            <a:schemeClr val="dk1"/>
-          </a:effectRef>
-          <a:fontRef idx="minor">
-            <a:schemeClr val="dk1"/>
-          </a:fontRef>
-        </p:style>
-        <p:txBody>
-          <a:bodyPr rtlCol="0" anchor="ctr"/>
-          <a:lstStyle/>
-          <a:p>
-            <a:pPr algn="ctr"/>
-            <a:r>
-              <a:rPr lang="en-US" dirty="0">
-                <a:latin typeface="Arial" panose="020B0604020202020204" pitchFamily="34" charset="0"/>
-                <a:cs typeface="Arial" panose="020B0604020202020204" pitchFamily="34" charset="0"/>
-              </a:rPr>
-              <a:t>Susceptible</a:t>
-            </a:r>
-          </a:p>
-        </p:txBody>
-      </p:sp>
-      <p:sp>
-        <p:nvSpPr>
-          <p:cNvPr id="9" name="Rectangle 8">
-            <a:extLst>
-              <a:ext uri="{FF2B5EF4-FFF2-40B4-BE49-F238E27FC236}">
-                <a16:creationId xmlns:a16="http://schemas.microsoft.com/office/drawing/2014/main" id="{A67D36C6-E4EB-AC60-9AD2-F180F5321E75}"/>
-              </a:ext>
-            </a:extLst>
-          </p:cNvPr>
-          <p:cNvSpPr/>
-          <p:nvPr/>
-        </p:nvSpPr>
-        <p:spPr>
-          <a:xfrm>
-            <a:off x="3206890" y="6713108"/>
-            <a:ext cx="1937173" cy="369333"/>
-          </a:xfrm>
-          <a:prstGeom prst="rect">
-            <a:avLst/>
-          </a:prstGeom>
-          <a:solidFill>
-            <a:srgbClr val="AED9D8"/>
-          </a:solidFill>
-          <a:ln w="25400">
-            <a:solidFill>
-              <a:schemeClr val="tx1"/>
-            </a:solidFill>
-          </a:ln>
-        </p:spPr>
-        <p:style>
-          <a:lnRef idx="2">
-            <a:schemeClr val="dk1"/>
-          </a:lnRef>
-          <a:fillRef idx="1">
-            <a:schemeClr val="lt1"/>
-          </a:fillRef>
-          <a:effectRef idx="0">
-            <a:schemeClr val="dk1"/>
-          </a:effectRef>
-          <a:fontRef idx="minor">
-            <a:schemeClr val="dk1"/>
-          </a:fontRef>
-        </p:style>
-        <p:txBody>
-          <a:bodyPr rtlCol="0" anchor="ctr"/>
-          <a:lstStyle/>
-          <a:p>
-            <a:pPr algn="ctr"/>
-            <a:r>
-              <a:rPr lang="en-US" dirty="0">
-                <a:latin typeface="Arial" panose="020B0604020202020204" pitchFamily="34" charset="0"/>
-                <a:cs typeface="Arial" panose="020B0604020202020204" pitchFamily="34" charset="0"/>
-              </a:rPr>
-              <a:t>Cardiovascular </a:t>
-            </a:r>
-            <a:endParaRPr lang="en-US" sz="1800" dirty="0">
-              <a:latin typeface="Arial" panose="020B0604020202020204" pitchFamily="34" charset="0"/>
-              <a:cs typeface="Arial" panose="020B0604020202020204" pitchFamily="34" charset="0"/>
-            </a:endParaRPr>
-          </a:p>
-        </p:txBody>
-      </p:sp>
-      <p:cxnSp>
-        <p:nvCxnSpPr>
-          <p:cNvPr id="10" name="Straight Arrow Connector 9">
-            <a:extLst>
-              <a:ext uri="{FF2B5EF4-FFF2-40B4-BE49-F238E27FC236}">
-                <a16:creationId xmlns:a16="http://schemas.microsoft.com/office/drawing/2014/main" id="{28075405-613A-E9B6-881C-A0861623E1AA}"/>
-              </a:ext>
-            </a:extLst>
-          </p:cNvPr>
-          <p:cNvCxnSpPr>
-            <a:cxnSpLocks/>
-            <a:stCxn id="5" idx="2"/>
-            <a:endCxn id="11" idx="0"/>
-          </p:cNvCxnSpPr>
-          <p:nvPr/>
-        </p:nvCxnSpPr>
-        <p:spPr>
-          <a:xfrm>
-            <a:off x="829462" y="2852109"/>
-            <a:ext cx="0" cy="165863"/>
-          </a:xfrm>
-          <a:prstGeom prst="straightConnector1">
-            <a:avLst/>
-          </a:prstGeom>
-          <a:ln w="25400" cmpd="sng">
-            <a:solidFill>
-              <a:schemeClr val="tx1"/>
-            </a:solidFill>
-            <a:headEnd type="none"/>
-            <a:tailEnd type="triangle" w="lg" len="med"/>
-          </a:ln>
-        </p:spPr>
-        <p:style>
-          <a:lnRef idx="2">
-            <a:schemeClr val="accent5">
-              <a:shade val="50000"/>
-            </a:schemeClr>
-          </a:lnRef>
-          <a:fillRef idx="1">
-            <a:schemeClr val="accent5"/>
-          </a:fillRef>
-          <a:effectRef idx="0">
-            <a:schemeClr val="accent5"/>
-          </a:effectRef>
-          <a:fontRef idx="minor">
-            <a:schemeClr val="lt1"/>
-          </a:fontRef>
-        </p:style>
-      </p:cxnSp>
-      <p:sp>
-        <p:nvSpPr>
-          <p:cNvPr id="11" name="Rectangle 10">
-            <a:extLst>
-              <a:ext uri="{FF2B5EF4-FFF2-40B4-BE49-F238E27FC236}">
-                <a16:creationId xmlns:a16="http://schemas.microsoft.com/office/drawing/2014/main" id="{384F387A-319B-12D3-1FF8-D5B5FB8E514E}"/>
-              </a:ext>
-            </a:extLst>
-          </p:cNvPr>
-          <p:cNvSpPr/>
-          <p:nvPr/>
-        </p:nvSpPr>
-        <p:spPr>
-          <a:xfrm>
-            <a:off x="97942" y="3017972"/>
-            <a:ext cx="1463040" cy="694746"/>
-          </a:xfrm>
-          <a:prstGeom prst="rect">
-            <a:avLst/>
-          </a:prstGeom>
-          <a:solidFill>
-            <a:srgbClr val="AED9D8"/>
-          </a:solidFill>
-          <a:ln w="25400">
-            <a:solidFill>
-              <a:schemeClr val="tx1"/>
-            </a:solidFill>
-          </a:ln>
-        </p:spPr>
-        <p:style>
-          <a:lnRef idx="2">
-            <a:schemeClr val="dk1"/>
-          </a:lnRef>
-          <a:fillRef idx="1">
-            <a:schemeClr val="lt1"/>
-          </a:fillRef>
-          <a:effectRef idx="0">
-            <a:schemeClr val="dk1"/>
-          </a:effectRef>
-          <a:fontRef idx="minor">
-            <a:schemeClr val="dk1"/>
-          </a:fontRef>
-        </p:style>
-        <p:txBody>
-          <a:bodyPr rtlCol="0" anchor="ctr"/>
-          <a:lstStyle/>
-          <a:p>
-            <a:pPr algn="ctr"/>
-            <a:r>
-              <a:rPr lang="en-US" dirty="0">
-                <a:latin typeface="Arial" panose="020B0604020202020204" pitchFamily="34" charset="0"/>
-                <a:cs typeface="Arial" panose="020B0604020202020204" pitchFamily="34" charset="0"/>
-              </a:rPr>
-              <a:t>Relapsed secondary</a:t>
-            </a:r>
-          </a:p>
-        </p:txBody>
-      </p:sp>
-      <p:cxnSp>
-        <p:nvCxnSpPr>
-          <p:cNvPr id="12" name="Elbow Connector 11">
-            <a:extLst>
-              <a:ext uri="{FF2B5EF4-FFF2-40B4-BE49-F238E27FC236}">
-                <a16:creationId xmlns:a16="http://schemas.microsoft.com/office/drawing/2014/main" id="{AEA635C4-0CCE-5CEE-DF2E-4DFE3BD3D712}"/>
-              </a:ext>
-            </a:extLst>
-          </p:cNvPr>
-          <p:cNvCxnSpPr>
-            <a:cxnSpLocks/>
-            <a:stCxn id="6" idx="2"/>
-            <a:endCxn id="9" idx="1"/>
-          </p:cNvCxnSpPr>
-          <p:nvPr/>
-        </p:nvCxnSpPr>
-        <p:spPr>
-          <a:xfrm rot="16200000" flipH="1">
-            <a:off x="1413063" y="5103947"/>
-            <a:ext cx="2267425" cy="1320230"/>
-          </a:xfrm>
-          <a:prstGeom prst="bentConnector2">
-            <a:avLst/>
-          </a:prstGeom>
-          <a:ln w="25400" cmpd="sng">
-            <a:solidFill>
-              <a:schemeClr val="tx1"/>
-            </a:solidFill>
-            <a:headEnd type="none"/>
-            <a:tailEnd type="triangle" w="lg" len="med"/>
-          </a:ln>
-        </p:spPr>
-        <p:style>
-          <a:lnRef idx="2">
-            <a:schemeClr val="accent5">
-              <a:shade val="50000"/>
-            </a:schemeClr>
-          </a:lnRef>
-          <a:fillRef idx="1">
-            <a:schemeClr val="accent5"/>
-          </a:fillRef>
-          <a:effectRef idx="0">
-            <a:schemeClr val="accent5"/>
-          </a:effectRef>
-          <a:fontRef idx="minor">
-            <a:schemeClr val="lt1"/>
-          </a:fontRef>
-        </p:style>
-      </p:cxnSp>
-      <p:cxnSp>
-        <p:nvCxnSpPr>
-          <p:cNvPr id="13" name="Elbow Connector 12">
-            <a:extLst>
-              <a:ext uri="{FF2B5EF4-FFF2-40B4-BE49-F238E27FC236}">
-                <a16:creationId xmlns:a16="http://schemas.microsoft.com/office/drawing/2014/main" id="{E408B0B4-7AF9-D606-263F-6F4D56E448FF}"/>
-              </a:ext>
-            </a:extLst>
-          </p:cNvPr>
-          <p:cNvCxnSpPr>
-            <a:cxnSpLocks/>
-            <a:stCxn id="11" idx="2"/>
-            <a:endCxn id="6" idx="1"/>
-          </p:cNvCxnSpPr>
-          <p:nvPr/>
-        </p:nvCxnSpPr>
-        <p:spPr>
-          <a:xfrm rot="16200000" flipH="1">
-            <a:off x="707172" y="3835008"/>
-            <a:ext cx="570259" cy="325678"/>
-          </a:xfrm>
-          <a:prstGeom prst="bentConnector2">
-            <a:avLst/>
-          </a:prstGeom>
-          <a:ln w="25400" cmpd="sng">
-            <a:solidFill>
-              <a:schemeClr val="tx1"/>
-            </a:solidFill>
-            <a:headEnd type="none"/>
-            <a:tailEnd type="triangle" w="lg" len="med"/>
-          </a:ln>
-        </p:spPr>
-        <p:style>
-          <a:lnRef idx="2">
-            <a:schemeClr val="accent5">
-              <a:shade val="50000"/>
-            </a:schemeClr>
-          </a:lnRef>
-          <a:fillRef idx="1">
-            <a:schemeClr val="accent5"/>
-          </a:fillRef>
-          <a:effectRef idx="0">
-            <a:schemeClr val="accent5"/>
-          </a:effectRef>
-          <a:fontRef idx="minor">
-            <a:schemeClr val="lt1"/>
-          </a:fontRef>
-        </p:style>
-      </p:cxnSp>
-      <p:cxnSp>
-        <p:nvCxnSpPr>
-          <p:cNvPr id="14" name="Elbow Connector 13">
-            <a:extLst>
-              <a:ext uri="{FF2B5EF4-FFF2-40B4-BE49-F238E27FC236}">
-                <a16:creationId xmlns:a16="http://schemas.microsoft.com/office/drawing/2014/main" id="{36C5D74F-5083-5882-4961-F0F3709E1B84}"/>
-              </a:ext>
-            </a:extLst>
-          </p:cNvPr>
-          <p:cNvCxnSpPr>
-            <a:cxnSpLocks/>
-            <a:stCxn id="4" idx="2"/>
-            <a:endCxn id="6" idx="3"/>
-          </p:cNvCxnSpPr>
-          <p:nvPr/>
-        </p:nvCxnSpPr>
-        <p:spPr>
-          <a:xfrm rot="16200000" flipH="1">
-            <a:off x="965504" y="2630300"/>
-            <a:ext cx="2580185" cy="725167"/>
-          </a:xfrm>
-          <a:prstGeom prst="bentConnector4">
-            <a:avLst>
-              <a:gd name="adj1" fmla="val 8683"/>
-              <a:gd name="adj2" fmla="val 132400"/>
-            </a:avLst>
-          </a:prstGeom>
-          <a:ln w="25400" cmpd="sng">
-            <a:solidFill>
-              <a:schemeClr val="tx1"/>
-            </a:solidFill>
-            <a:headEnd type="none"/>
-            <a:tailEnd type="triangle" w="lg" len="med"/>
-          </a:ln>
-        </p:spPr>
-        <p:style>
-          <a:lnRef idx="2">
-            <a:schemeClr val="accent5">
-              <a:shade val="50000"/>
-            </a:schemeClr>
-          </a:lnRef>
-          <a:fillRef idx="1">
-            <a:schemeClr val="accent5"/>
-          </a:fillRef>
-          <a:effectRef idx="0">
-            <a:schemeClr val="accent5"/>
-          </a:effectRef>
-          <a:fontRef idx="minor">
-            <a:schemeClr val="lt1"/>
-          </a:fontRef>
-        </p:style>
-      </p:cxnSp>
-      <p:cxnSp>
-        <p:nvCxnSpPr>
-          <p:cNvPr id="15" name="Elbow Connector 14">
-            <a:extLst>
-              <a:ext uri="{FF2B5EF4-FFF2-40B4-BE49-F238E27FC236}">
-                <a16:creationId xmlns:a16="http://schemas.microsoft.com/office/drawing/2014/main" id="{FC69E15E-EB9D-9F2C-87F3-5A91B881A484}"/>
-              </a:ext>
-            </a:extLst>
-          </p:cNvPr>
-          <p:cNvCxnSpPr>
-            <a:cxnSpLocks/>
-            <a:stCxn id="4" idx="2"/>
-            <a:endCxn id="5" idx="0"/>
-          </p:cNvCxnSpPr>
-          <p:nvPr/>
-        </p:nvCxnSpPr>
-        <p:spPr>
-          <a:xfrm rot="5400000">
-            <a:off x="1133953" y="1398302"/>
-            <a:ext cx="454571" cy="1063551"/>
-          </a:xfrm>
-          <a:prstGeom prst="bentConnector3">
-            <a:avLst>
-              <a:gd name="adj1" fmla="val 50000"/>
-            </a:avLst>
-          </a:prstGeom>
-          <a:ln w="25400" cmpd="sng">
-            <a:solidFill>
-              <a:schemeClr val="tx1"/>
-            </a:solidFill>
-            <a:headEnd type="none"/>
-            <a:tailEnd type="triangle" w="lg" len="med"/>
-          </a:ln>
-        </p:spPr>
-        <p:style>
-          <a:lnRef idx="2">
-            <a:schemeClr val="accent5">
-              <a:shade val="50000"/>
-            </a:schemeClr>
-          </a:lnRef>
-          <a:fillRef idx="1">
-            <a:schemeClr val="accent5"/>
-          </a:fillRef>
-          <a:effectRef idx="0">
-            <a:schemeClr val="accent5"/>
-          </a:effectRef>
-          <a:fontRef idx="minor">
-            <a:schemeClr val="lt1"/>
-          </a:fontRef>
-        </p:style>
-      </p:cxnSp>
-      <p:sp>
-        <p:nvSpPr>
-          <p:cNvPr id="16" name="TextBox 15">
-            <a:extLst>
-              <a:ext uri="{FF2B5EF4-FFF2-40B4-BE49-F238E27FC236}">
-                <a16:creationId xmlns:a16="http://schemas.microsoft.com/office/drawing/2014/main" id="{A25CFECF-B3E7-259F-0311-30C6427A9733}"/>
-              </a:ext>
-            </a:extLst>
-          </p:cNvPr>
-          <p:cNvSpPr txBox="1"/>
-          <p:nvPr/>
-        </p:nvSpPr>
-        <p:spPr>
-          <a:xfrm>
-            <a:off x="545560" y="1587104"/>
-            <a:ext cx="622286" cy="369332"/>
-          </a:xfrm>
-          <a:prstGeom prst="rect">
-            <a:avLst/>
-          </a:prstGeom>
-          <a:noFill/>
-        </p:spPr>
-        <p:txBody>
-          <a:bodyPr wrap="none" rtlCol="0">
-            <a:spAutoFit/>
-          </a:bodyPr>
-          <a:lstStyle/>
-          <a:p>
-            <a:r>
-              <a:rPr lang="en-US" dirty="0"/>
-              <a:t>25%</a:t>
-            </a:r>
-          </a:p>
-        </p:txBody>
-      </p:sp>
-      <p:sp>
-        <p:nvSpPr>
-          <p:cNvPr id="17" name="TextBox 16">
-            <a:extLst>
-              <a:ext uri="{FF2B5EF4-FFF2-40B4-BE49-F238E27FC236}">
-                <a16:creationId xmlns:a16="http://schemas.microsoft.com/office/drawing/2014/main" id="{EDA329F7-9E7F-ED87-45D6-349913604E06}"/>
-              </a:ext>
-            </a:extLst>
-          </p:cNvPr>
-          <p:cNvSpPr txBox="1"/>
-          <p:nvPr/>
-        </p:nvSpPr>
-        <p:spPr>
-          <a:xfrm>
-            <a:off x="2584604" y="1622406"/>
-            <a:ext cx="622286" cy="369332"/>
-          </a:xfrm>
-          <a:prstGeom prst="rect">
-            <a:avLst/>
-          </a:prstGeom>
-          <a:noFill/>
-        </p:spPr>
-        <p:txBody>
-          <a:bodyPr wrap="none" rtlCol="0">
-            <a:spAutoFit/>
-          </a:bodyPr>
-          <a:lstStyle/>
-          <a:p>
-            <a:r>
-              <a:rPr lang="en-US" dirty="0"/>
-              <a:t>75%</a:t>
-            </a:r>
-          </a:p>
-        </p:txBody>
-      </p:sp>
-      <p:sp>
-        <p:nvSpPr>
-          <p:cNvPr id="22" name="Rectangle 21">
-            <a:extLst>
-              <a:ext uri="{FF2B5EF4-FFF2-40B4-BE49-F238E27FC236}">
-                <a16:creationId xmlns:a16="http://schemas.microsoft.com/office/drawing/2014/main" id="{75A747FA-C7C4-0BE4-1020-CC34B56A2F89}"/>
-              </a:ext>
-            </a:extLst>
-          </p:cNvPr>
-          <p:cNvSpPr/>
-          <p:nvPr/>
-        </p:nvSpPr>
-        <p:spPr>
-          <a:xfrm>
-            <a:off x="3206889" y="7248158"/>
-            <a:ext cx="1937173" cy="369333"/>
-          </a:xfrm>
-          <a:prstGeom prst="rect">
-            <a:avLst/>
-          </a:prstGeom>
-          <a:solidFill>
-            <a:srgbClr val="AED9D8"/>
-          </a:solidFill>
-          <a:ln w="25400">
-            <a:solidFill>
-              <a:schemeClr val="tx1"/>
-            </a:solidFill>
-          </a:ln>
-        </p:spPr>
-        <p:style>
-          <a:lnRef idx="2">
-            <a:schemeClr val="dk1"/>
-          </a:lnRef>
-          <a:fillRef idx="1">
-            <a:schemeClr val="lt1"/>
-          </a:fillRef>
-          <a:effectRef idx="0">
-            <a:schemeClr val="dk1"/>
-          </a:effectRef>
-          <a:fontRef idx="minor">
-            <a:schemeClr val="dk1"/>
-          </a:fontRef>
-        </p:style>
-        <p:txBody>
-          <a:bodyPr rtlCol="0" anchor="ctr"/>
-          <a:lstStyle/>
-          <a:p>
-            <a:pPr algn="ctr"/>
-            <a:r>
-              <a:rPr lang="en-US" dirty="0" err="1">
-                <a:latin typeface="Arial" panose="020B0604020202020204" pitchFamily="34" charset="0"/>
-                <a:cs typeface="Arial" panose="020B0604020202020204" pitchFamily="34" charset="0"/>
-              </a:rPr>
-              <a:t>Gummatous</a:t>
-            </a:r>
-            <a:endParaRPr lang="en-US" sz="1800" dirty="0">
-              <a:latin typeface="Arial" panose="020B0604020202020204" pitchFamily="34" charset="0"/>
-              <a:cs typeface="Arial" panose="020B0604020202020204" pitchFamily="34" charset="0"/>
-            </a:endParaRPr>
-          </a:p>
-        </p:txBody>
-      </p:sp>
-      <p:sp>
-        <p:nvSpPr>
-          <p:cNvPr id="24" name="TextBox 23">
-            <a:extLst>
-              <a:ext uri="{FF2B5EF4-FFF2-40B4-BE49-F238E27FC236}">
-                <a16:creationId xmlns:a16="http://schemas.microsoft.com/office/drawing/2014/main" id="{1407927C-0F27-86F1-6418-514BB219217C}"/>
-              </a:ext>
-            </a:extLst>
-          </p:cNvPr>
-          <p:cNvSpPr txBox="1"/>
-          <p:nvPr/>
-        </p:nvSpPr>
-        <p:spPr>
-          <a:xfrm>
-            <a:off x="5542379" y="3247063"/>
-            <a:ext cx="6885464" cy="4001095"/>
-          </a:xfrm>
-          <a:prstGeom prst="rect">
-            <a:avLst/>
-          </a:prstGeom>
-          <a:noFill/>
-        </p:spPr>
-        <p:txBody>
-          <a:bodyPr wrap="square" rtlCol="0">
-            <a:spAutoFit/>
-          </a:bodyPr>
-          <a:lstStyle/>
-          <a:p>
-            <a:r>
-              <a:rPr lang="en-US" sz="1100" i="1" dirty="0" err="1">
-                <a:solidFill>
-                  <a:srgbClr val="555555"/>
-                </a:solidFill>
-                <a:effectLst/>
-                <a:latin typeface="Times"/>
-              </a:rPr>
-              <a:t>Garnette</a:t>
-            </a:r>
-            <a:r>
-              <a:rPr lang="en-US" sz="1100" i="1" dirty="0">
-                <a:solidFill>
-                  <a:srgbClr val="555555"/>
-                </a:solidFill>
-                <a:effectLst/>
-                <a:latin typeface="Times"/>
-              </a:rPr>
-              <a:t>: Over </a:t>
-            </a:r>
-            <a:r>
-              <a:rPr lang="en-US" sz="1100" i="1" dirty="0">
-                <a:solidFill>
-                  <a:srgbClr val="696969"/>
-                </a:solidFill>
-                <a:effectLst/>
-                <a:latin typeface="Times"/>
-              </a:rPr>
-              <a:t>a </a:t>
-            </a:r>
-            <a:r>
-              <a:rPr lang="en-US" sz="1100" i="1" dirty="0">
-                <a:solidFill>
-                  <a:srgbClr val="555555"/>
-                </a:solidFill>
-                <a:effectLst/>
-                <a:latin typeface="Times"/>
-              </a:rPr>
-              <a:t>period </a:t>
-            </a:r>
-            <a:r>
-              <a:rPr lang="en-US" sz="1100" i="1" dirty="0">
-                <a:solidFill>
-                  <a:srgbClr val="696969"/>
-                </a:solidFill>
-                <a:effectLst/>
-                <a:latin typeface="Times"/>
-              </a:rPr>
-              <a:t>of 35 years, </a:t>
-            </a:r>
-            <a:r>
-              <a:rPr lang="en-US" sz="1100" i="1" dirty="0">
-                <a:solidFill>
-                  <a:srgbClr val="555555"/>
-                </a:solidFill>
-                <a:effectLst/>
-                <a:latin typeface="Times"/>
-              </a:rPr>
-              <a:t>benign late </a:t>
-            </a:r>
-            <a:r>
-              <a:rPr lang="en-US" sz="1100" i="1" dirty="0">
-                <a:solidFill>
-                  <a:srgbClr val="696969"/>
-                </a:solidFill>
-                <a:effectLst/>
-                <a:latin typeface="Times"/>
-              </a:rPr>
-              <a:t>syphilis </a:t>
-            </a:r>
-            <a:r>
-              <a:rPr lang="en-US" sz="1100" i="1" dirty="0">
-                <a:solidFill>
-                  <a:srgbClr val="555555"/>
-                </a:solidFill>
-                <a:effectLst/>
-                <a:latin typeface="Times"/>
-              </a:rPr>
-              <a:t>had developed in one </a:t>
-            </a:r>
-            <a:r>
-              <a:rPr lang="en-US" sz="1100" i="1" dirty="0">
-                <a:solidFill>
-                  <a:srgbClr val="696969"/>
-                </a:solidFill>
-                <a:effectLst/>
-                <a:latin typeface="Times"/>
-              </a:rPr>
-              <a:t>sixth of </a:t>
-            </a:r>
-            <a:r>
-              <a:rPr lang="en-US" sz="1100" i="1" dirty="0">
-                <a:solidFill>
-                  <a:srgbClr val="555555"/>
-                </a:solidFill>
-                <a:effectLst/>
-                <a:latin typeface="Times"/>
-              </a:rPr>
-              <a:t>the men </a:t>
-            </a:r>
-            <a:r>
-              <a:rPr lang="en-US" sz="1100" i="1" dirty="0">
-                <a:solidFill>
-                  <a:srgbClr val="696969"/>
-                </a:solidFill>
-                <a:effectLst/>
-                <a:latin typeface="Times"/>
-              </a:rPr>
-              <a:t>and one fifth of </a:t>
-            </a:r>
-            <a:r>
-              <a:rPr lang="en-US" sz="1100" i="1" dirty="0">
-                <a:solidFill>
-                  <a:srgbClr val="555555"/>
-                </a:solidFill>
-                <a:effectLst/>
-                <a:latin typeface="Times"/>
-              </a:rPr>
-              <a:t>the </a:t>
-            </a:r>
-            <a:r>
-              <a:rPr lang="en-US" sz="1100" i="1" dirty="0">
-                <a:solidFill>
-                  <a:srgbClr val="696969"/>
-                </a:solidFill>
-                <a:effectLst/>
-                <a:latin typeface="Times"/>
-              </a:rPr>
-              <a:t>women. </a:t>
-            </a:r>
-            <a:r>
-              <a:rPr lang="en-US" sz="1100" i="1" dirty="0">
-                <a:solidFill>
-                  <a:srgbClr val="555555"/>
-                </a:solidFill>
-                <a:effectLst/>
-                <a:latin typeface="Times"/>
-              </a:rPr>
-              <a:t>For 953 patients, </a:t>
-            </a:r>
-            <a:r>
-              <a:rPr lang="en-US" sz="1100" i="1" dirty="0">
-                <a:solidFill>
-                  <a:srgbClr val="696969"/>
-                </a:solidFill>
-                <a:effectLst/>
-                <a:latin typeface="Times"/>
-              </a:rPr>
-              <a:t>cardiovascular syphilis </a:t>
-            </a:r>
-            <a:r>
-              <a:rPr lang="en-US" sz="1100" i="1" dirty="0">
-                <a:solidFill>
-                  <a:srgbClr val="555555"/>
-                </a:solidFill>
-                <a:effectLst/>
-                <a:latin typeface="Times"/>
-              </a:rPr>
-              <a:t>developed in 14% </a:t>
-            </a:r>
-            <a:r>
-              <a:rPr lang="en-US" sz="1100" i="1" dirty="0">
-                <a:solidFill>
-                  <a:srgbClr val="696969"/>
-                </a:solidFill>
-                <a:effectLst/>
-                <a:latin typeface="Times"/>
-              </a:rPr>
-              <a:t>of </a:t>
-            </a:r>
-            <a:r>
-              <a:rPr lang="en-US" sz="1100" i="1" dirty="0">
-                <a:solidFill>
-                  <a:srgbClr val="555555"/>
-                </a:solidFill>
-                <a:effectLst/>
-                <a:latin typeface="Times"/>
-              </a:rPr>
-              <a:t>men </a:t>
-            </a:r>
-            <a:r>
-              <a:rPr lang="en-US" sz="1100" i="1" dirty="0">
-                <a:solidFill>
-                  <a:srgbClr val="696969"/>
-                </a:solidFill>
-                <a:effectLst/>
-                <a:latin typeface="Times"/>
-              </a:rPr>
-              <a:t>and 8% of women, and </a:t>
-            </a:r>
-            <a:r>
-              <a:rPr lang="en-US" sz="1100" i="1" dirty="0">
-                <a:solidFill>
-                  <a:srgbClr val="555555"/>
-                </a:solidFill>
-                <a:effectLst/>
-                <a:latin typeface="Times"/>
-              </a:rPr>
-              <a:t>neurosyphilis developed in </a:t>
-            </a:r>
-            <a:r>
-              <a:rPr lang="en-US" sz="1100" i="1" dirty="0">
-                <a:solidFill>
-                  <a:srgbClr val="696969"/>
-                </a:solidFill>
-                <a:effectLst/>
-                <a:latin typeface="Times"/>
-              </a:rPr>
-              <a:t>31 of 331 </a:t>
-            </a:r>
-            <a:r>
-              <a:rPr lang="en-US" sz="1100" i="1" dirty="0">
-                <a:solidFill>
-                  <a:srgbClr val="555555"/>
-                </a:solidFill>
-                <a:effectLst/>
-                <a:latin typeface="Times"/>
-              </a:rPr>
-              <a:t>men </a:t>
-            </a:r>
-            <a:r>
-              <a:rPr lang="en-US" sz="1100" i="1" dirty="0">
-                <a:solidFill>
-                  <a:srgbClr val="696969"/>
-                </a:solidFill>
-                <a:effectLst/>
-                <a:latin typeface="Times"/>
-              </a:rPr>
-              <a:t>(9%) </a:t>
-            </a:r>
-            <a:r>
-              <a:rPr lang="en-US" sz="1100" i="1" dirty="0">
-                <a:solidFill>
-                  <a:srgbClr val="555555"/>
-                </a:solidFill>
-                <a:effectLst/>
-                <a:latin typeface="Times"/>
-              </a:rPr>
-              <a:t>and </a:t>
-            </a:r>
-            <a:r>
-              <a:rPr lang="en-US" sz="1100" i="1" dirty="0">
-                <a:solidFill>
-                  <a:srgbClr val="696969"/>
-                </a:solidFill>
-                <a:effectLst/>
-                <a:latin typeface="Times"/>
-              </a:rPr>
-              <a:t>31 </a:t>
-            </a:r>
-            <a:r>
-              <a:rPr lang="en-US" sz="1100" i="1" dirty="0">
-                <a:solidFill>
-                  <a:srgbClr val="555555"/>
-                </a:solidFill>
-                <a:effectLst/>
-                <a:latin typeface="Times"/>
-              </a:rPr>
-              <a:t>of 622 </a:t>
-            </a:r>
-            <a:r>
-              <a:rPr lang="en-US" sz="1100" i="1" dirty="0">
-                <a:solidFill>
-                  <a:srgbClr val="696969"/>
-                </a:solidFill>
-                <a:effectLst/>
-                <a:latin typeface="Times"/>
-              </a:rPr>
-              <a:t>women (5%). </a:t>
-            </a:r>
-            <a:r>
-              <a:rPr lang="en-US" sz="1100" i="1" dirty="0">
-                <a:solidFill>
-                  <a:srgbClr val="555555"/>
-                </a:solidFill>
-                <a:effectLst/>
-                <a:latin typeface="Times"/>
-              </a:rPr>
-              <a:t>Of 694 known to have died, </a:t>
-            </a:r>
-            <a:r>
-              <a:rPr lang="en-US" sz="1100" i="1" dirty="0">
-                <a:solidFill>
-                  <a:srgbClr val="696969"/>
-                </a:solidFill>
-                <a:effectLst/>
-                <a:latin typeface="Times"/>
-              </a:rPr>
-              <a:t>syphilis </a:t>
-            </a:r>
-            <a:r>
-              <a:rPr lang="en-US" sz="1100" i="1" dirty="0">
-                <a:solidFill>
-                  <a:srgbClr val="555555"/>
-                </a:solidFill>
-                <a:effectLst/>
-                <a:latin typeface="Times"/>
-              </a:rPr>
-              <a:t>was recorded </a:t>
-            </a:r>
-            <a:r>
-              <a:rPr lang="en-US" sz="1100" i="1" dirty="0">
-                <a:solidFill>
-                  <a:srgbClr val="696969"/>
-                </a:solidFill>
-                <a:effectLst/>
-                <a:latin typeface="Times"/>
-              </a:rPr>
-              <a:t>as </a:t>
-            </a:r>
-            <a:r>
-              <a:rPr lang="en-US" sz="1100" i="1" dirty="0">
-                <a:solidFill>
-                  <a:srgbClr val="555555"/>
-                </a:solidFill>
-                <a:effectLst/>
-                <a:latin typeface="Times"/>
-              </a:rPr>
-              <a:t>the primary </a:t>
-            </a:r>
-            <a:r>
-              <a:rPr lang="en-US" sz="1100" i="1" dirty="0">
-                <a:solidFill>
-                  <a:srgbClr val="696969"/>
-                </a:solidFill>
-                <a:effectLst/>
-                <a:latin typeface="Times"/>
-              </a:rPr>
-              <a:t>cause of </a:t>
-            </a:r>
-            <a:r>
-              <a:rPr lang="en-US" sz="1100" i="1" dirty="0">
-                <a:solidFill>
-                  <a:srgbClr val="555555"/>
-                </a:solidFill>
-                <a:effectLst/>
-                <a:latin typeface="Times"/>
-              </a:rPr>
-              <a:t>death in 74 </a:t>
-            </a:r>
-            <a:r>
-              <a:rPr lang="en-US" sz="1100" i="1" dirty="0">
-                <a:solidFill>
-                  <a:srgbClr val="696969"/>
-                </a:solidFill>
-                <a:effectLst/>
-                <a:latin typeface="Times"/>
-              </a:rPr>
-              <a:t>(11 </a:t>
-            </a:r>
-            <a:r>
-              <a:rPr lang="en-US" sz="1100" i="1" dirty="0">
-                <a:solidFill>
-                  <a:srgbClr val="959595"/>
-                </a:solidFill>
-                <a:effectLst/>
-                <a:latin typeface="Times"/>
-              </a:rPr>
-              <a:t>%).</a:t>
-            </a:r>
-            <a:endParaRPr lang="en-US" sz="1100" dirty="0">
-              <a:solidFill>
-                <a:srgbClr val="555555"/>
-              </a:solidFill>
-              <a:effectLst/>
-              <a:latin typeface="Times"/>
-            </a:endParaRPr>
-          </a:p>
-          <a:p>
-            <a:endParaRPr lang="en-US" sz="1400" dirty="0"/>
-          </a:p>
-          <a:p>
-            <a:r>
-              <a:rPr lang="en-US" sz="1400" dirty="0"/>
-              <a:t>If we assume a constant rate over 35 period, we can model probability of developing disease using an exponential growth model:</a:t>
-            </a:r>
-          </a:p>
-          <a:p>
-            <a:r>
-              <a:rPr lang="en-US" sz="1400" b="0" i="0" u="none" strike="noStrike" dirty="0">
-                <a:solidFill>
-                  <a:srgbClr val="000000"/>
-                </a:solidFill>
-                <a:effectLst/>
-              </a:rPr>
-              <a:t>P=1-e</a:t>
-            </a:r>
-            <a:r>
-              <a:rPr lang="en-US" sz="1400" b="0" i="0" u="none" strike="noStrike" baseline="30000" dirty="0">
-                <a:solidFill>
-                  <a:srgbClr val="000000"/>
-                </a:solidFill>
-                <a:effectLst/>
-              </a:rPr>
-              <a:t>−r⋅t</a:t>
-            </a:r>
-          </a:p>
-          <a:p>
-            <a:pPr marL="285750" indent="-285750">
-              <a:buFont typeface="Arial" panose="020B0604020202020204" pitchFamily="34" charset="0"/>
-              <a:buChar char="•"/>
-            </a:pPr>
-            <a:r>
-              <a:rPr lang="en-US" sz="1400" dirty="0"/>
-              <a:t>P is the probability of developing the disease </a:t>
-            </a:r>
-          </a:p>
-          <a:p>
-            <a:pPr marL="285750" indent="-285750">
-              <a:buFont typeface="Arial" panose="020B0604020202020204" pitchFamily="34" charset="0"/>
-              <a:buChar char="•"/>
-            </a:pPr>
-            <a:r>
-              <a:rPr lang="en-US" sz="1400" dirty="0"/>
-              <a:t>r is the annual rate</a:t>
-            </a:r>
-          </a:p>
-          <a:p>
-            <a:pPr marL="285750" indent="-285750">
-              <a:buFont typeface="Arial" panose="020B0604020202020204" pitchFamily="34" charset="0"/>
-              <a:buChar char="•"/>
-            </a:pPr>
-            <a:r>
-              <a:rPr lang="en-US" sz="1400" dirty="0"/>
-              <a:t>t is the time in years  </a:t>
-            </a:r>
-          </a:p>
-          <a:p>
-            <a:endParaRPr lang="en-US" sz="1400" dirty="0"/>
-          </a:p>
-          <a:p>
-            <a:r>
-              <a:rPr lang="en-US" sz="1400" b="0" i="0" u="none" strike="noStrike" dirty="0">
-                <a:solidFill>
-                  <a:srgbClr val="000000"/>
-                </a:solidFill>
-                <a:effectLst/>
-              </a:rPr>
-              <a:t>r=−ln(1−P)​/t</a:t>
-            </a:r>
-          </a:p>
-          <a:p>
-            <a:endParaRPr lang="en-US" sz="1400" b="0" i="1" u="none" strike="noStrike" dirty="0">
-              <a:solidFill>
-                <a:srgbClr val="000000"/>
-              </a:solidFill>
-              <a:effectLst/>
-              <a:latin typeface="-webkit-standard"/>
-            </a:endParaRPr>
-          </a:p>
-          <a:p>
-            <a:r>
-              <a:rPr lang="en-US" sz="1400" i="1" dirty="0">
-                <a:solidFill>
-                  <a:srgbClr val="000000"/>
-                </a:solidFill>
-                <a:latin typeface="-webkit-standard"/>
-              </a:rPr>
-              <a:t>Cardio: </a:t>
-            </a:r>
-            <a:r>
-              <a:rPr lang="en-US" sz="1400" b="0" i="1" u="none" strike="noStrike" dirty="0">
-                <a:solidFill>
-                  <a:srgbClr val="000000"/>
-                </a:solidFill>
-                <a:effectLst/>
-                <a:latin typeface="-webkit-standard"/>
-              </a:rPr>
-              <a:t>Men: 0.43% per year </a:t>
-            </a:r>
-            <a:r>
-              <a:rPr lang="en-US" sz="1400" i="1" dirty="0">
-                <a:solidFill>
-                  <a:srgbClr val="000000"/>
-                </a:solidFill>
-                <a:latin typeface="-webkit-standard"/>
-              </a:rPr>
-              <a:t>Women: 24% per year</a:t>
-            </a:r>
-            <a:endParaRPr lang="en-US" sz="1400" i="1" dirty="0"/>
-          </a:p>
-          <a:p>
-            <a:r>
-              <a:rPr lang="en-US" sz="1400" b="0" i="0" u="none" strike="noStrike" dirty="0">
-                <a:solidFill>
-                  <a:srgbClr val="000000"/>
-                </a:solidFill>
-                <a:effectLst/>
-              </a:rPr>
-              <a:t>Gumm: </a:t>
-            </a:r>
-            <a:r>
-              <a:rPr lang="en-US" sz="1400" i="1" dirty="0"/>
-              <a:t>Men: 0.52% per year, Women: 0.64% per year</a:t>
-            </a:r>
-          </a:p>
-          <a:p>
-            <a:r>
-              <a:rPr lang="en-US" sz="1400" i="1" dirty="0"/>
-              <a:t>Neuro: Men: 0.27% per year, Women: 0.15% per year</a:t>
-            </a:r>
-          </a:p>
-          <a:p>
-            <a:endParaRPr lang="en-US" sz="1400" b="0" i="0" u="none" strike="noStrike" dirty="0">
-              <a:solidFill>
-                <a:srgbClr val="000000"/>
-              </a:solidFill>
-              <a:effectLst/>
-            </a:endParaRPr>
-          </a:p>
-          <a:p>
-            <a:endParaRPr lang="en-US" sz="1400" dirty="0"/>
-          </a:p>
-        </p:txBody>
-      </p:sp>
-      <p:sp>
-        <p:nvSpPr>
-          <p:cNvPr id="31" name="Rectangle 30">
-            <a:extLst>
-              <a:ext uri="{FF2B5EF4-FFF2-40B4-BE49-F238E27FC236}">
-                <a16:creationId xmlns:a16="http://schemas.microsoft.com/office/drawing/2014/main" id="{7B768FA7-1BE4-099C-93CA-2F50BB30F71B}"/>
-              </a:ext>
-            </a:extLst>
-          </p:cNvPr>
-          <p:cNvSpPr/>
-          <p:nvPr/>
-        </p:nvSpPr>
-        <p:spPr>
-          <a:xfrm>
-            <a:off x="4810858" y="2104268"/>
-            <a:ext cx="1937173" cy="2834676"/>
-          </a:xfrm>
-          <a:prstGeom prst="rect">
-            <a:avLst/>
-          </a:prstGeom>
-          <a:solidFill>
-            <a:srgbClr val="AED9D8"/>
-          </a:solidFill>
-          <a:ln w="25400">
-            <a:solidFill>
-              <a:schemeClr val="tx1"/>
-            </a:solidFill>
-          </a:ln>
-        </p:spPr>
-        <p:style>
-          <a:lnRef idx="2">
-            <a:schemeClr val="dk1"/>
-          </a:lnRef>
-          <a:fillRef idx="1">
-            <a:schemeClr val="lt1"/>
-          </a:fillRef>
-          <a:effectRef idx="0">
-            <a:schemeClr val="dk1"/>
-          </a:effectRef>
-          <a:fontRef idx="minor">
-            <a:schemeClr val="dk1"/>
-          </a:fontRef>
-        </p:style>
-        <p:txBody>
-          <a:bodyPr rtlCol="0" anchor="ctr"/>
-          <a:lstStyle/>
-          <a:p>
-            <a:pPr algn="ctr"/>
-            <a:r>
-              <a:rPr lang="en-US" dirty="0">
-                <a:latin typeface="Arial" panose="020B0604020202020204" pitchFamily="34" charset="0"/>
-                <a:cs typeface="Arial" panose="020B0604020202020204" pitchFamily="34" charset="0"/>
-              </a:rPr>
-              <a:t>Neurosyphilis</a:t>
-            </a:r>
-            <a:endParaRPr lang="en-US" sz="1800" dirty="0">
-              <a:latin typeface="Arial" panose="020B0604020202020204" pitchFamily="34" charset="0"/>
-              <a:cs typeface="Arial" panose="020B0604020202020204" pitchFamily="34" charset="0"/>
-            </a:endParaRPr>
-          </a:p>
-        </p:txBody>
-      </p:sp>
-      <p:cxnSp>
-        <p:nvCxnSpPr>
-          <p:cNvPr id="32" name="Elbow Connector 31">
-            <a:extLst>
-              <a:ext uri="{FF2B5EF4-FFF2-40B4-BE49-F238E27FC236}">
-                <a16:creationId xmlns:a16="http://schemas.microsoft.com/office/drawing/2014/main" id="{2FFCBDC5-FE6E-9393-DF9E-64DC9C40F124}"/>
-              </a:ext>
-            </a:extLst>
-          </p:cNvPr>
-          <p:cNvCxnSpPr>
-            <a:cxnSpLocks/>
-            <a:stCxn id="6" idx="2"/>
-            <a:endCxn id="22" idx="1"/>
-          </p:cNvCxnSpPr>
-          <p:nvPr/>
-        </p:nvCxnSpPr>
-        <p:spPr>
-          <a:xfrm rot="16200000" flipH="1">
-            <a:off x="1145537" y="5371472"/>
-            <a:ext cx="2802475" cy="1320229"/>
-          </a:xfrm>
-          <a:prstGeom prst="bentConnector2">
-            <a:avLst/>
-          </a:prstGeom>
-          <a:ln w="25400" cmpd="sng">
-            <a:solidFill>
-              <a:schemeClr val="tx1"/>
-            </a:solidFill>
-            <a:headEnd type="none"/>
-            <a:tailEnd type="triangle" w="lg" len="med"/>
-          </a:ln>
-        </p:spPr>
-        <p:style>
-          <a:lnRef idx="2">
-            <a:schemeClr val="accent5">
-              <a:shade val="50000"/>
-            </a:schemeClr>
-          </a:lnRef>
-          <a:fillRef idx="1">
-            <a:schemeClr val="accent5"/>
-          </a:fillRef>
-          <a:effectRef idx="0">
-            <a:schemeClr val="accent5"/>
-          </a:effectRef>
-          <a:fontRef idx="minor">
-            <a:schemeClr val="lt1"/>
-          </a:fontRef>
-        </p:style>
-      </p:cxnSp>
-      <p:cxnSp>
-        <p:nvCxnSpPr>
-          <p:cNvPr id="35" name="Elbow Connector 34">
-            <a:extLst>
-              <a:ext uri="{FF2B5EF4-FFF2-40B4-BE49-F238E27FC236}">
-                <a16:creationId xmlns:a16="http://schemas.microsoft.com/office/drawing/2014/main" id="{384A074E-973F-E17A-7E4D-21A551D1F3FE}"/>
-              </a:ext>
-            </a:extLst>
-          </p:cNvPr>
-          <p:cNvCxnSpPr>
-            <a:cxnSpLocks/>
-            <a:stCxn id="6" idx="2"/>
-            <a:endCxn id="31" idx="1"/>
-          </p:cNvCxnSpPr>
-          <p:nvPr/>
-        </p:nvCxnSpPr>
-        <p:spPr>
-          <a:xfrm rot="5400000" flipH="1" flipV="1">
-            <a:off x="2794387" y="2613879"/>
-            <a:ext cx="1108744" cy="2924198"/>
-          </a:xfrm>
-          <a:prstGeom prst="bentConnector4">
-            <a:avLst>
-              <a:gd name="adj1" fmla="val -20618"/>
-              <a:gd name="adj2" fmla="val 62508"/>
-            </a:avLst>
-          </a:prstGeom>
-          <a:ln w="25400" cmpd="sng">
-            <a:solidFill>
-              <a:schemeClr val="tx1"/>
-            </a:solidFill>
-            <a:headEnd type="none"/>
-            <a:tailEnd type="triangle" w="lg" len="med"/>
-          </a:ln>
-        </p:spPr>
-        <p:style>
-          <a:lnRef idx="2">
-            <a:schemeClr val="accent5">
-              <a:shade val="50000"/>
-            </a:schemeClr>
-          </a:lnRef>
-          <a:fillRef idx="1">
-            <a:schemeClr val="accent5"/>
-          </a:fillRef>
-          <a:effectRef idx="0">
-            <a:schemeClr val="accent5"/>
-          </a:effectRef>
-          <a:fontRef idx="minor">
-            <a:schemeClr val="lt1"/>
-          </a:fontRef>
-        </p:style>
-      </p:cxnSp>
-      <p:sp>
-        <p:nvSpPr>
-          <p:cNvPr id="50" name="TextBox 49">
-            <a:extLst>
-              <a:ext uri="{FF2B5EF4-FFF2-40B4-BE49-F238E27FC236}">
-                <a16:creationId xmlns:a16="http://schemas.microsoft.com/office/drawing/2014/main" id="{FF17560D-7CBA-F6C4-36F5-D7925938CA2C}"/>
-              </a:ext>
-            </a:extLst>
-          </p:cNvPr>
-          <p:cNvSpPr txBox="1"/>
-          <p:nvPr/>
-        </p:nvSpPr>
-        <p:spPr>
-          <a:xfrm>
-            <a:off x="5598631" y="7086941"/>
-            <a:ext cx="6096000" cy="1200329"/>
-          </a:xfrm>
-          <a:prstGeom prst="rect">
-            <a:avLst/>
-          </a:prstGeom>
-          <a:noFill/>
-        </p:spPr>
-        <p:txBody>
-          <a:bodyPr wrap="square">
-            <a:spAutoFit/>
-          </a:bodyPr>
-          <a:lstStyle/>
-          <a:p>
-            <a:r>
-              <a:rPr lang="en-US" i="1" dirty="0">
-                <a:effectLst/>
-                <a:latin typeface="Times"/>
-              </a:rPr>
-              <a:t>Gross (2011): Chapter13: There is a 72% chance of spontaneous healing for all untreated patients, the remaining 28% patients will proceed to tertiary syphilis (after 3–10 years) or to quaternary syphilis (after 3 or 4 decades) [</a:t>
-            </a:r>
-            <a:r>
-              <a:rPr lang="en-US" i="1" dirty="0">
-                <a:solidFill>
-                  <a:srgbClr val="0000FB"/>
-                </a:solidFill>
-                <a:effectLst/>
-                <a:latin typeface="Times"/>
-              </a:rPr>
-              <a:t>10</a:t>
-            </a:r>
-            <a:r>
-              <a:rPr lang="en-US" i="1" dirty="0">
-                <a:effectLst/>
-                <a:latin typeface="Times"/>
-              </a:rPr>
-              <a:t>].</a:t>
-            </a:r>
-            <a:endParaRPr lang="en-US" dirty="0">
-              <a:effectLst/>
-              <a:latin typeface="Times"/>
-            </a:endParaRPr>
-          </a:p>
-        </p:txBody>
-      </p:sp>
-      <p:cxnSp>
-        <p:nvCxnSpPr>
-          <p:cNvPr id="51" name="Elbow Connector 50">
-            <a:extLst>
-              <a:ext uri="{FF2B5EF4-FFF2-40B4-BE49-F238E27FC236}">
-                <a16:creationId xmlns:a16="http://schemas.microsoft.com/office/drawing/2014/main" id="{4D7B894B-6E12-1570-2A8B-2F08970C9F48}"/>
-              </a:ext>
-            </a:extLst>
-          </p:cNvPr>
-          <p:cNvCxnSpPr>
-            <a:cxnSpLocks/>
-            <a:stCxn id="6" idx="2"/>
-            <a:endCxn id="53" idx="0"/>
-          </p:cNvCxnSpPr>
-          <p:nvPr/>
-        </p:nvCxnSpPr>
-        <p:spPr>
-          <a:xfrm rot="5400000">
-            <a:off x="741237" y="4674343"/>
-            <a:ext cx="1189416" cy="1101430"/>
-          </a:xfrm>
-          <a:prstGeom prst="bentConnector3">
-            <a:avLst>
-              <a:gd name="adj1" fmla="val 50000"/>
-            </a:avLst>
-          </a:prstGeom>
-          <a:ln w="25400" cmpd="sng">
-            <a:solidFill>
-              <a:schemeClr val="tx1"/>
-            </a:solidFill>
-            <a:headEnd type="none"/>
-            <a:tailEnd type="triangle" w="lg" len="med"/>
-          </a:ln>
-        </p:spPr>
-        <p:style>
-          <a:lnRef idx="2">
-            <a:schemeClr val="accent5">
-              <a:shade val="50000"/>
-            </a:schemeClr>
-          </a:lnRef>
-          <a:fillRef idx="1">
-            <a:schemeClr val="accent5"/>
-          </a:fillRef>
-          <a:effectRef idx="0">
-            <a:schemeClr val="accent5"/>
-          </a:effectRef>
-          <a:fontRef idx="minor">
-            <a:schemeClr val="lt1"/>
-          </a:fontRef>
-        </p:style>
-      </p:cxnSp>
-      <p:sp>
-        <p:nvSpPr>
-          <p:cNvPr id="53" name="Rectangle 52">
-            <a:extLst>
-              <a:ext uri="{FF2B5EF4-FFF2-40B4-BE49-F238E27FC236}">
-                <a16:creationId xmlns:a16="http://schemas.microsoft.com/office/drawing/2014/main" id="{9CB46B1C-2EE4-7C4D-A4D9-B41F710FCB6A}"/>
-              </a:ext>
-            </a:extLst>
-          </p:cNvPr>
-          <p:cNvSpPr/>
-          <p:nvPr/>
-        </p:nvSpPr>
-        <p:spPr>
-          <a:xfrm>
-            <a:off x="53710" y="5819766"/>
-            <a:ext cx="1463040" cy="694746"/>
-          </a:xfrm>
-          <a:prstGeom prst="rect">
-            <a:avLst/>
-          </a:prstGeom>
-          <a:solidFill>
-            <a:srgbClr val="AED9D8"/>
-          </a:solidFill>
-          <a:ln w="25400">
-            <a:solidFill>
-              <a:schemeClr val="tx1"/>
-            </a:solidFill>
-          </a:ln>
-        </p:spPr>
-        <p:style>
-          <a:lnRef idx="2">
-            <a:schemeClr val="dk1"/>
-          </a:lnRef>
-          <a:fillRef idx="1">
-            <a:schemeClr val="lt1"/>
-          </a:fillRef>
-          <a:effectRef idx="0">
-            <a:schemeClr val="dk1"/>
-          </a:effectRef>
-          <a:fontRef idx="minor">
-            <a:schemeClr val="dk1"/>
-          </a:fontRef>
-        </p:style>
-        <p:txBody>
-          <a:bodyPr rtlCol="0" anchor="ctr"/>
-          <a:lstStyle/>
-          <a:p>
-            <a:pPr algn="ctr"/>
-            <a:r>
-              <a:rPr lang="en-US" dirty="0">
-                <a:latin typeface="Arial" panose="020B0604020202020204" pitchFamily="34" charset="0"/>
-                <a:cs typeface="Arial" panose="020B0604020202020204" pitchFamily="34" charset="0"/>
-              </a:rPr>
-              <a:t>Recovered ?</a:t>
-            </a:r>
-          </a:p>
-        </p:txBody>
-      </p:sp>
-      <p:sp>
-        <p:nvSpPr>
-          <p:cNvPr id="56" name="TextBox 55">
-            <a:extLst>
-              <a:ext uri="{FF2B5EF4-FFF2-40B4-BE49-F238E27FC236}">
-                <a16:creationId xmlns:a16="http://schemas.microsoft.com/office/drawing/2014/main" id="{01D848A1-2961-F0F9-B433-175A56DD3B90}"/>
-              </a:ext>
-            </a:extLst>
-          </p:cNvPr>
-          <p:cNvSpPr txBox="1"/>
-          <p:nvPr/>
-        </p:nvSpPr>
-        <p:spPr>
-          <a:xfrm>
-            <a:off x="819100" y="4881452"/>
-            <a:ext cx="622286" cy="369332"/>
-          </a:xfrm>
-          <a:prstGeom prst="rect">
-            <a:avLst/>
-          </a:prstGeom>
-          <a:noFill/>
-        </p:spPr>
-        <p:txBody>
-          <a:bodyPr wrap="none" rtlCol="0">
-            <a:spAutoFit/>
-          </a:bodyPr>
-          <a:lstStyle/>
-          <a:p>
-            <a:r>
-              <a:rPr lang="en-US" dirty="0"/>
-              <a:t>72%</a:t>
-            </a:r>
-          </a:p>
-        </p:txBody>
-      </p:sp>
-      <p:sp>
-        <p:nvSpPr>
-          <p:cNvPr id="57" name="TextBox 56">
-            <a:extLst>
-              <a:ext uri="{FF2B5EF4-FFF2-40B4-BE49-F238E27FC236}">
-                <a16:creationId xmlns:a16="http://schemas.microsoft.com/office/drawing/2014/main" id="{56757C1F-017D-4B8D-0C5C-D0C987060042}"/>
-              </a:ext>
-            </a:extLst>
-          </p:cNvPr>
-          <p:cNvSpPr txBox="1"/>
-          <p:nvPr/>
-        </p:nvSpPr>
-        <p:spPr>
-          <a:xfrm>
-            <a:off x="2065867" y="5520267"/>
-            <a:ext cx="784189" cy="369332"/>
-          </a:xfrm>
-          <a:prstGeom prst="rect">
-            <a:avLst/>
-          </a:prstGeom>
-          <a:noFill/>
-        </p:spPr>
-        <p:txBody>
-          <a:bodyPr wrap="none" rtlCol="0">
-            <a:spAutoFit/>
-          </a:bodyPr>
-          <a:lstStyle/>
-          <a:p>
-            <a:r>
-              <a:rPr lang="en-US" dirty="0"/>
-              <a:t>28%? </a:t>
-            </a:r>
-          </a:p>
-        </p:txBody>
-      </p:sp>
-      <p:sp>
-        <p:nvSpPr>
-          <p:cNvPr id="59" name="TextBox 58">
-            <a:extLst>
-              <a:ext uri="{FF2B5EF4-FFF2-40B4-BE49-F238E27FC236}">
-                <a16:creationId xmlns:a16="http://schemas.microsoft.com/office/drawing/2014/main" id="{F8DE58A2-4943-93F6-CDDF-805ACB169C44}"/>
-              </a:ext>
-            </a:extLst>
-          </p:cNvPr>
-          <p:cNvSpPr txBox="1"/>
-          <p:nvPr/>
-        </p:nvSpPr>
-        <p:spPr>
-          <a:xfrm>
-            <a:off x="5452533" y="220133"/>
-            <a:ext cx="6933373" cy="646331"/>
-          </a:xfrm>
-          <a:prstGeom prst="rect">
-            <a:avLst/>
-          </a:prstGeom>
-          <a:noFill/>
-        </p:spPr>
-        <p:txBody>
-          <a:bodyPr wrap="none" rtlCol="0">
-            <a:spAutoFit/>
-          </a:bodyPr>
-          <a:lstStyle/>
-          <a:p>
-            <a:r>
-              <a:rPr lang="en-US" dirty="0"/>
-              <a:t>Breaking down tertiary syphilis </a:t>
-            </a:r>
-          </a:p>
-          <a:p>
-            <a:r>
-              <a:rPr lang="en-US" dirty="0"/>
-              <a:t>What proportion of cases actually develop tertiary or get recovered? </a:t>
-            </a:r>
-          </a:p>
-        </p:txBody>
-      </p:sp>
-      <p:sp>
-        <p:nvSpPr>
-          <p:cNvPr id="3" name="TextBox 2">
-            <a:extLst>
-              <a:ext uri="{FF2B5EF4-FFF2-40B4-BE49-F238E27FC236}">
-                <a16:creationId xmlns:a16="http://schemas.microsoft.com/office/drawing/2014/main" id="{D1090A29-09AE-AF7B-FA63-14834AD4351A}"/>
-              </a:ext>
-            </a:extLst>
-          </p:cNvPr>
-          <p:cNvSpPr txBox="1"/>
-          <p:nvPr/>
-        </p:nvSpPr>
-        <p:spPr>
-          <a:xfrm>
-            <a:off x="-1932968" y="6601827"/>
-            <a:ext cx="3140155" cy="646331"/>
-          </a:xfrm>
-          <a:prstGeom prst="rect">
-            <a:avLst/>
-          </a:prstGeom>
-          <a:noFill/>
-        </p:spPr>
-        <p:txBody>
-          <a:bodyPr wrap="none" rtlCol="0">
-            <a:spAutoFit/>
-          </a:bodyPr>
-          <a:lstStyle/>
-          <a:p>
-            <a:r>
-              <a:rPr lang="en-US" dirty="0"/>
-              <a:t>Does it worth adding this?</a:t>
-            </a:r>
-          </a:p>
-          <a:p>
-            <a:r>
-              <a:rPr lang="en-US" dirty="0"/>
-              <a:t>Helps us map mortality better</a:t>
-            </a:r>
-          </a:p>
-        </p:txBody>
-      </p:sp>
-      <p:sp>
-        <p:nvSpPr>
-          <p:cNvPr id="18" name="TextBox 17">
-            <a:extLst>
-              <a:ext uri="{FF2B5EF4-FFF2-40B4-BE49-F238E27FC236}">
-                <a16:creationId xmlns:a16="http://schemas.microsoft.com/office/drawing/2014/main" id="{3C5BD241-7DA0-C85D-A2FE-56DC7ED793E4}"/>
-              </a:ext>
-            </a:extLst>
-          </p:cNvPr>
-          <p:cNvSpPr txBox="1"/>
-          <p:nvPr/>
-        </p:nvSpPr>
-        <p:spPr>
-          <a:xfrm>
-            <a:off x="5795158" y="1104405"/>
-            <a:ext cx="1289135" cy="369332"/>
-          </a:xfrm>
-          <a:prstGeom prst="rect">
-            <a:avLst/>
-          </a:prstGeom>
-          <a:noFill/>
-        </p:spPr>
-        <p:txBody>
-          <a:bodyPr wrap="none" rtlCol="0">
-            <a:spAutoFit/>
-          </a:bodyPr>
-          <a:lstStyle/>
-          <a:p>
-            <a:r>
-              <a:rPr lang="en-US" dirty="0"/>
-              <a:t>Immunity? </a:t>
-            </a:r>
-          </a:p>
-        </p:txBody>
-      </p:sp>
-      <p:cxnSp>
-        <p:nvCxnSpPr>
-          <p:cNvPr id="28" name="Elbow Connector 27">
-            <a:extLst>
-              <a:ext uri="{FF2B5EF4-FFF2-40B4-BE49-F238E27FC236}">
-                <a16:creationId xmlns:a16="http://schemas.microsoft.com/office/drawing/2014/main" id="{E8B89A95-A9E4-47FB-89AA-E99C36299625}"/>
-              </a:ext>
-            </a:extLst>
-          </p:cNvPr>
-          <p:cNvCxnSpPr>
-            <a:cxnSpLocks/>
-            <a:stCxn id="8" idx="2"/>
-            <a:endCxn id="31" idx="0"/>
-          </p:cNvCxnSpPr>
-          <p:nvPr/>
-        </p:nvCxnSpPr>
-        <p:spPr>
-          <a:xfrm rot="16200000" flipH="1">
-            <a:off x="3075671" y="-599506"/>
-            <a:ext cx="1514762" cy="3892785"/>
-          </a:xfrm>
-          <a:prstGeom prst="bentConnector3">
-            <a:avLst>
-              <a:gd name="adj1" fmla="val 50000"/>
-            </a:avLst>
-          </a:prstGeom>
-          <a:ln w="25400" cmpd="sng">
-            <a:solidFill>
-              <a:schemeClr val="tx1"/>
-            </a:solidFill>
-            <a:headEnd type="none"/>
-            <a:tailEnd type="triangle" w="lg" len="med"/>
-          </a:ln>
-        </p:spPr>
-        <p:style>
-          <a:lnRef idx="2">
-            <a:schemeClr val="accent5">
-              <a:shade val="50000"/>
-            </a:schemeClr>
-          </a:lnRef>
-          <a:fillRef idx="1">
-            <a:schemeClr val="accent5"/>
-          </a:fillRef>
-          <a:effectRef idx="0">
-            <a:schemeClr val="accent5"/>
-          </a:effectRef>
-          <a:fontRef idx="minor">
-            <a:schemeClr val="lt1"/>
-          </a:fontRef>
-        </p:style>
-      </p:cxnSp>
-      <p:cxnSp>
-        <p:nvCxnSpPr>
-          <p:cNvPr id="33" name="Elbow Connector 32">
-            <a:extLst>
-              <a:ext uri="{FF2B5EF4-FFF2-40B4-BE49-F238E27FC236}">
-                <a16:creationId xmlns:a16="http://schemas.microsoft.com/office/drawing/2014/main" id="{B5FFE9C9-BA10-C588-BC67-040DC5936108}"/>
-              </a:ext>
-            </a:extLst>
-          </p:cNvPr>
-          <p:cNvCxnSpPr>
-            <a:cxnSpLocks/>
-            <a:stCxn id="5" idx="3"/>
-            <a:endCxn id="31" idx="0"/>
-          </p:cNvCxnSpPr>
-          <p:nvPr/>
-        </p:nvCxnSpPr>
-        <p:spPr>
-          <a:xfrm flipV="1">
-            <a:off x="1560982" y="2104268"/>
-            <a:ext cx="4218463" cy="400468"/>
-          </a:xfrm>
-          <a:prstGeom prst="bentConnector4">
-            <a:avLst>
-              <a:gd name="adj1" fmla="val 38520"/>
-              <a:gd name="adj2" fmla="val 157083"/>
-            </a:avLst>
-          </a:prstGeom>
-          <a:ln w="25400" cmpd="sng">
-            <a:solidFill>
-              <a:schemeClr val="tx1"/>
-            </a:solidFill>
-            <a:headEnd type="none"/>
-            <a:tailEnd type="triangle" w="lg" len="med"/>
-          </a:ln>
-        </p:spPr>
-        <p:style>
-          <a:lnRef idx="2">
-            <a:schemeClr val="accent5">
-              <a:shade val="50000"/>
-            </a:schemeClr>
-          </a:lnRef>
-          <a:fillRef idx="1">
-            <a:schemeClr val="accent5"/>
-          </a:fillRef>
-          <a:effectRef idx="0">
-            <a:schemeClr val="accent5"/>
-          </a:effectRef>
-          <a:fontRef idx="minor">
-            <a:schemeClr val="lt1"/>
-          </a:fontRef>
-        </p:style>
-      </p:cxnSp>
-      <p:cxnSp>
-        <p:nvCxnSpPr>
-          <p:cNvPr id="37" name="Elbow Connector 36">
-            <a:extLst>
-              <a:ext uri="{FF2B5EF4-FFF2-40B4-BE49-F238E27FC236}">
-                <a16:creationId xmlns:a16="http://schemas.microsoft.com/office/drawing/2014/main" id="{AF97A98F-98C9-773D-E2E4-4437313853A4}"/>
-              </a:ext>
-            </a:extLst>
-          </p:cNvPr>
-          <p:cNvCxnSpPr>
-            <a:cxnSpLocks/>
-            <a:stCxn id="11" idx="3"/>
-            <a:endCxn id="31" idx="0"/>
-          </p:cNvCxnSpPr>
-          <p:nvPr/>
-        </p:nvCxnSpPr>
-        <p:spPr>
-          <a:xfrm flipV="1">
-            <a:off x="1560982" y="2104268"/>
-            <a:ext cx="4218463" cy="1261077"/>
-          </a:xfrm>
-          <a:prstGeom prst="bentConnector4">
-            <a:avLst>
-              <a:gd name="adj1" fmla="val 38520"/>
-              <a:gd name="adj2" fmla="val 118127"/>
-            </a:avLst>
-          </a:prstGeom>
-          <a:ln w="25400" cmpd="sng">
-            <a:solidFill>
-              <a:schemeClr val="tx1"/>
-            </a:solidFill>
-            <a:headEnd type="none"/>
-            <a:tailEnd type="triangle" w="lg" len="med"/>
-          </a:ln>
-        </p:spPr>
-        <p:style>
-          <a:lnRef idx="2">
-            <a:schemeClr val="accent5">
-              <a:shade val="50000"/>
-            </a:schemeClr>
-          </a:lnRef>
-          <a:fillRef idx="1">
-            <a:schemeClr val="accent5"/>
-          </a:fillRef>
-          <a:effectRef idx="0">
-            <a:schemeClr val="accent5"/>
-          </a:effectRef>
-          <a:fontRef idx="minor">
-            <a:schemeClr val="lt1"/>
-          </a:fontRef>
-        </p:style>
-      </p:cxnSp>
-      <p:sp>
-        <p:nvSpPr>
-          <p:cNvPr id="44" name="TextBox 43">
-            <a:extLst>
-              <a:ext uri="{FF2B5EF4-FFF2-40B4-BE49-F238E27FC236}">
-                <a16:creationId xmlns:a16="http://schemas.microsoft.com/office/drawing/2014/main" id="{193D914B-2E87-5317-5CDD-1078B7545C4D}"/>
-              </a:ext>
-            </a:extLst>
-          </p:cNvPr>
-          <p:cNvSpPr txBox="1"/>
-          <p:nvPr/>
-        </p:nvSpPr>
-        <p:spPr>
-          <a:xfrm>
-            <a:off x="6852062" y="2446317"/>
-            <a:ext cx="4889608" cy="646331"/>
-          </a:xfrm>
-          <a:prstGeom prst="rect">
-            <a:avLst/>
-          </a:prstGeom>
-          <a:noFill/>
-        </p:spPr>
-        <p:txBody>
-          <a:bodyPr wrap="none" rtlCol="0">
-            <a:spAutoFit/>
-          </a:bodyPr>
-          <a:lstStyle/>
-          <a:p>
-            <a:r>
-              <a:rPr lang="en-US" dirty="0"/>
-              <a:t>Dominant stage</a:t>
-            </a:r>
-          </a:p>
-          <a:p>
-            <a:r>
-              <a:rPr lang="en-US" dirty="0"/>
-              <a:t>Need to make sure how it’s captured in the data </a:t>
-            </a:r>
-          </a:p>
-        </p:txBody>
-      </p:sp>
-    </p:spTree>
-    <p:extLst>
-      <p:ext uri="{BB962C8B-B14F-4D97-AF65-F5344CB8AC3E}">
-        <p14:creationId xmlns:p14="http://schemas.microsoft.com/office/powerpoint/2010/main" val="866495063"/>
       </p:ext>
     </p:extLst>
   </p:cSld>
@@ -11549,158 +9277,673 @@
           <a:chExt cx="0" cy="0"/>
         </a:xfrm>
       </p:grpSpPr>
+      <p:sp>
+        <p:nvSpPr>
+          <p:cNvPr id="4" name="Rectangle 3">
+            <a:extLst>
+              <a:ext uri="{FF2B5EF4-FFF2-40B4-BE49-F238E27FC236}">
+                <a16:creationId xmlns:a16="http://schemas.microsoft.com/office/drawing/2014/main" id="{E65B927E-D31B-213E-AD6B-E61D2C422DB1}"/>
+              </a:ext>
+            </a:extLst>
+          </p:cNvPr>
+          <p:cNvSpPr/>
+          <p:nvPr/>
+        </p:nvSpPr>
+        <p:spPr>
+          <a:xfrm>
+            <a:off x="1161493" y="1008046"/>
+            <a:ext cx="1463040" cy="694746"/>
+          </a:xfrm>
+          <a:prstGeom prst="rect">
+            <a:avLst/>
+          </a:prstGeom>
+          <a:solidFill>
+            <a:srgbClr val="AED9D8"/>
+          </a:solidFill>
+          <a:ln w="25400">
+            <a:solidFill>
+              <a:schemeClr val="tx1"/>
+            </a:solidFill>
+          </a:ln>
+        </p:spPr>
+        <p:style>
+          <a:lnRef idx="2">
+            <a:schemeClr val="dk1"/>
+          </a:lnRef>
+          <a:fillRef idx="1">
+            <a:schemeClr val="lt1"/>
+          </a:fillRef>
+          <a:effectRef idx="0">
+            <a:schemeClr val="dk1"/>
+          </a:effectRef>
+          <a:fontRef idx="minor">
+            <a:schemeClr val="dk1"/>
+          </a:fontRef>
+        </p:style>
+        <p:txBody>
+          <a:bodyPr rtlCol="0" anchor="ctr"/>
+          <a:lstStyle/>
+          <a:p>
+            <a:pPr algn="ctr"/>
+            <a:r>
+              <a:rPr lang="en-US" dirty="0">
+                <a:latin typeface="Arial" panose="020B0604020202020204" pitchFamily="34" charset="0"/>
+                <a:cs typeface="Arial" panose="020B0604020202020204" pitchFamily="34" charset="0"/>
+              </a:rPr>
+              <a:t>Primary/</a:t>
+            </a:r>
+          </a:p>
+          <a:p>
+            <a:pPr algn="ctr"/>
+            <a:r>
+              <a:rPr lang="en-US" dirty="0">
+                <a:latin typeface="Arial" panose="020B0604020202020204" pitchFamily="34" charset="0"/>
+                <a:cs typeface="Arial" panose="020B0604020202020204" pitchFamily="34" charset="0"/>
+              </a:rPr>
+              <a:t>Secondary</a:t>
+            </a:r>
+          </a:p>
+        </p:txBody>
+      </p:sp>
+      <p:sp>
+        <p:nvSpPr>
+          <p:cNvPr id="5" name="Rectangle 4">
+            <a:extLst>
+              <a:ext uri="{FF2B5EF4-FFF2-40B4-BE49-F238E27FC236}">
+                <a16:creationId xmlns:a16="http://schemas.microsoft.com/office/drawing/2014/main" id="{BF54F361-4E65-B884-B7EC-998E06BA9CFB}"/>
+              </a:ext>
+            </a:extLst>
+          </p:cNvPr>
+          <p:cNvSpPr/>
+          <p:nvPr/>
+        </p:nvSpPr>
+        <p:spPr>
+          <a:xfrm>
+            <a:off x="97942" y="2157363"/>
+            <a:ext cx="1463040" cy="694746"/>
+          </a:xfrm>
+          <a:prstGeom prst="rect">
+            <a:avLst/>
+          </a:prstGeom>
+          <a:solidFill>
+            <a:srgbClr val="AED9D8"/>
+          </a:solidFill>
+          <a:ln w="25400">
+            <a:solidFill>
+              <a:schemeClr val="tx1"/>
+            </a:solidFill>
+          </a:ln>
+        </p:spPr>
+        <p:style>
+          <a:lnRef idx="2">
+            <a:schemeClr val="dk1"/>
+          </a:lnRef>
+          <a:fillRef idx="1">
+            <a:schemeClr val="lt1"/>
+          </a:fillRef>
+          <a:effectRef idx="0">
+            <a:schemeClr val="dk1"/>
+          </a:effectRef>
+          <a:fontRef idx="minor">
+            <a:schemeClr val="dk1"/>
+          </a:fontRef>
+        </p:style>
+        <p:txBody>
+          <a:bodyPr rtlCol="0" anchor="ctr"/>
+          <a:lstStyle/>
+          <a:p>
+            <a:pPr algn="ctr"/>
+            <a:r>
+              <a:rPr lang="en-US" dirty="0">
+                <a:latin typeface="Arial" panose="020B0604020202020204" pitchFamily="34" charset="0"/>
+                <a:cs typeface="Arial" panose="020B0604020202020204" pitchFamily="34" charset="0"/>
+              </a:rPr>
+              <a:t>Early latent</a:t>
+            </a:r>
+          </a:p>
+        </p:txBody>
+      </p:sp>
+      <p:sp>
+        <p:nvSpPr>
+          <p:cNvPr id="6" name="Rectangle 5">
+            <a:extLst>
+              <a:ext uri="{FF2B5EF4-FFF2-40B4-BE49-F238E27FC236}">
+                <a16:creationId xmlns:a16="http://schemas.microsoft.com/office/drawing/2014/main" id="{E76764DA-B11A-4AA9-DC20-C5A9E40C1A13}"/>
+              </a:ext>
+            </a:extLst>
+          </p:cNvPr>
+          <p:cNvSpPr/>
+          <p:nvPr/>
+        </p:nvSpPr>
+        <p:spPr>
+          <a:xfrm>
+            <a:off x="1155140" y="3935604"/>
+            <a:ext cx="1463040" cy="694746"/>
+          </a:xfrm>
+          <a:prstGeom prst="rect">
+            <a:avLst/>
+          </a:prstGeom>
+          <a:solidFill>
+            <a:srgbClr val="AED9D8"/>
+          </a:solidFill>
+          <a:ln w="25400">
+            <a:solidFill>
+              <a:schemeClr val="tx1"/>
+            </a:solidFill>
+          </a:ln>
+        </p:spPr>
+        <p:style>
+          <a:lnRef idx="2">
+            <a:schemeClr val="dk1"/>
+          </a:lnRef>
+          <a:fillRef idx="1">
+            <a:schemeClr val="lt1"/>
+          </a:fillRef>
+          <a:effectRef idx="0">
+            <a:schemeClr val="dk1"/>
+          </a:effectRef>
+          <a:fontRef idx="minor">
+            <a:schemeClr val="dk1"/>
+          </a:fontRef>
+        </p:style>
+        <p:txBody>
+          <a:bodyPr rtlCol="0" anchor="ctr"/>
+          <a:lstStyle/>
+          <a:p>
+            <a:pPr algn="ctr"/>
+            <a:r>
+              <a:rPr lang="en-US" dirty="0">
+                <a:latin typeface="Arial" panose="020B0604020202020204" pitchFamily="34" charset="0"/>
+                <a:cs typeface="Arial" panose="020B0604020202020204" pitchFamily="34" charset="0"/>
+              </a:rPr>
+              <a:t>Late latent</a:t>
+            </a:r>
+          </a:p>
+        </p:txBody>
+      </p:sp>
       <p:cxnSp>
         <p:nvCxnSpPr>
-          <p:cNvPr id="5" name="Straight Arrow Connector 4">
-            <a:extLst>
-              <a:ext uri="{FF2B5EF4-FFF2-40B4-BE49-F238E27FC236}">
-                <a16:creationId xmlns:a16="http://schemas.microsoft.com/office/drawing/2014/main" id="{8792FB08-2CB7-40F8-640A-3926FFA8C226}"/>
-              </a:ext>
-            </a:extLst>
-          </p:cNvPr>
-          <p:cNvCxnSpPr/>
+          <p:cNvPr id="7" name="Straight Arrow Connector 6">
+            <a:extLst>
+              <a:ext uri="{FF2B5EF4-FFF2-40B4-BE49-F238E27FC236}">
+                <a16:creationId xmlns:a16="http://schemas.microsoft.com/office/drawing/2014/main" id="{21AEEB49-A31A-8F11-DFA7-AD75AE8BFAFC}"/>
+              </a:ext>
+            </a:extLst>
+          </p:cNvPr>
+          <p:cNvCxnSpPr>
+            <a:cxnSpLocks/>
+            <a:stCxn id="8" idx="2"/>
+            <a:endCxn id="4" idx="0"/>
+          </p:cNvCxnSpPr>
           <p:nvPr/>
         </p:nvCxnSpPr>
         <p:spPr>
           <a:xfrm>
-            <a:off x="1586429" y="1322024"/>
-            <a:ext cx="9507557" cy="0"/>
+            <a:off x="1886660" y="589506"/>
+            <a:ext cx="6353" cy="418540"/>
           </a:xfrm>
           <a:prstGeom prst="straightConnector1">
             <a:avLst/>
           </a:prstGeom>
-          <a:ln>
-            <a:tailEnd type="triangle"/>
+          <a:ln w="25400" cmpd="sng">
+            <a:solidFill>
+              <a:schemeClr val="tx1"/>
+            </a:solidFill>
+            <a:headEnd type="none"/>
+            <a:tailEnd type="triangle" w="lg" len="med"/>
           </a:ln>
         </p:spPr>
         <p:style>
           <a:lnRef idx="2">
-            <a:schemeClr val="accent1"/>
+            <a:schemeClr val="accent5">
+              <a:shade val="50000"/>
+            </a:schemeClr>
           </a:lnRef>
-          <a:fillRef idx="0">
-            <a:schemeClr val="accent1"/>
+          <a:fillRef idx="1">
+            <a:schemeClr val="accent5"/>
           </a:fillRef>
-          <a:effectRef idx="1">
-            <a:schemeClr val="accent1"/>
+          <a:effectRef idx="0">
+            <a:schemeClr val="accent5"/>
           </a:effectRef>
           <a:fontRef idx="minor">
-            <a:schemeClr val="tx1"/>
+            <a:schemeClr val="lt1"/>
           </a:fontRef>
         </p:style>
       </p:cxnSp>
       <p:sp>
         <p:nvSpPr>
-          <p:cNvPr id="6" name="TextBox 5">
-            <a:extLst>
-              <a:ext uri="{FF2B5EF4-FFF2-40B4-BE49-F238E27FC236}">
-                <a16:creationId xmlns:a16="http://schemas.microsoft.com/office/drawing/2014/main" id="{C78820EC-FEB7-541C-562B-5A385E0A2B47}"/>
-              </a:ext>
-            </a:extLst>
-          </p:cNvPr>
-          <p:cNvSpPr txBox="1"/>
-          <p:nvPr/>
-        </p:nvSpPr>
-        <p:spPr>
-          <a:xfrm>
-            <a:off x="2040928" y="5010004"/>
-            <a:ext cx="937501" cy="369332"/>
+          <p:cNvPr id="8" name="Rectangle 7">
+            <a:extLst>
+              <a:ext uri="{FF2B5EF4-FFF2-40B4-BE49-F238E27FC236}">
+                <a16:creationId xmlns:a16="http://schemas.microsoft.com/office/drawing/2014/main" id="{93F10A78-E0F9-ABA1-935C-39B13C6231AF}"/>
+              </a:ext>
+            </a:extLst>
+          </p:cNvPr>
+          <p:cNvSpPr/>
+          <p:nvPr/>
+        </p:nvSpPr>
+        <p:spPr>
+          <a:xfrm>
+            <a:off x="1155140" y="-105240"/>
+            <a:ext cx="1463040" cy="694746"/>
           </a:xfrm>
           <a:prstGeom prst="rect">
             <a:avLst/>
           </a:prstGeom>
-          <a:noFill/>
-        </p:spPr>
-        <p:txBody>
-          <a:bodyPr wrap="none" rtlCol="0">
-            <a:spAutoFit/>
-          </a:bodyPr>
-          <a:lstStyle/>
-          <a:p>
-            <a:r>
-              <a:rPr lang="en-US" dirty="0"/>
-              <a:t>3weeks</a:t>
-            </a:r>
+          <a:solidFill>
+            <a:srgbClr val="AED9D8"/>
+          </a:solidFill>
+          <a:ln w="25400">
+            <a:solidFill>
+              <a:schemeClr val="tx1"/>
+            </a:solidFill>
+          </a:ln>
+        </p:spPr>
+        <p:style>
+          <a:lnRef idx="2">
+            <a:schemeClr val="dk1"/>
+          </a:lnRef>
+          <a:fillRef idx="1">
+            <a:schemeClr val="lt1"/>
+          </a:fillRef>
+          <a:effectRef idx="0">
+            <a:schemeClr val="dk1"/>
+          </a:effectRef>
+          <a:fontRef idx="minor">
+            <a:schemeClr val="dk1"/>
+          </a:fontRef>
+        </p:style>
+        <p:txBody>
+          <a:bodyPr rtlCol="0" anchor="ctr"/>
+          <a:lstStyle/>
+          <a:p>
+            <a:pPr algn="ctr"/>
+            <a:r>
+              <a:rPr lang="en-US" dirty="0">
+                <a:latin typeface="Arial" panose="020B0604020202020204" pitchFamily="34" charset="0"/>
+                <a:cs typeface="Arial" panose="020B0604020202020204" pitchFamily="34" charset="0"/>
+              </a:rPr>
+              <a:t>Susceptible</a:t>
+            </a:r>
+          </a:p>
+        </p:txBody>
+      </p:sp>
+      <p:sp>
+        <p:nvSpPr>
+          <p:cNvPr id="9" name="Rectangle 8">
+            <a:extLst>
+              <a:ext uri="{FF2B5EF4-FFF2-40B4-BE49-F238E27FC236}">
+                <a16:creationId xmlns:a16="http://schemas.microsoft.com/office/drawing/2014/main" id="{A67D36C6-E4EB-AC60-9AD2-F180F5321E75}"/>
+              </a:ext>
+            </a:extLst>
+          </p:cNvPr>
+          <p:cNvSpPr/>
+          <p:nvPr/>
+        </p:nvSpPr>
+        <p:spPr>
+          <a:xfrm>
+            <a:off x="3206890" y="6713108"/>
+            <a:ext cx="1937173" cy="369333"/>
+          </a:xfrm>
+          <a:prstGeom prst="rect">
+            <a:avLst/>
+          </a:prstGeom>
+          <a:solidFill>
+            <a:srgbClr val="AED9D8"/>
+          </a:solidFill>
+          <a:ln w="25400">
+            <a:solidFill>
+              <a:schemeClr val="tx1"/>
+            </a:solidFill>
+          </a:ln>
+        </p:spPr>
+        <p:style>
+          <a:lnRef idx="2">
+            <a:schemeClr val="dk1"/>
+          </a:lnRef>
+          <a:fillRef idx="1">
+            <a:schemeClr val="lt1"/>
+          </a:fillRef>
+          <a:effectRef idx="0">
+            <a:schemeClr val="dk1"/>
+          </a:effectRef>
+          <a:fontRef idx="minor">
+            <a:schemeClr val="dk1"/>
+          </a:fontRef>
+        </p:style>
+        <p:txBody>
+          <a:bodyPr rtlCol="0" anchor="ctr"/>
+          <a:lstStyle/>
+          <a:p>
+            <a:pPr algn="ctr"/>
+            <a:r>
+              <a:rPr lang="en-US" dirty="0">
+                <a:latin typeface="Arial" panose="020B0604020202020204" pitchFamily="34" charset="0"/>
+                <a:cs typeface="Arial" panose="020B0604020202020204" pitchFamily="34" charset="0"/>
+              </a:rPr>
+              <a:t>Cardiovascular </a:t>
+            </a:r>
+            <a:endParaRPr lang="en-US" sz="1800" dirty="0">
+              <a:latin typeface="Arial" panose="020B0604020202020204" pitchFamily="34" charset="0"/>
+              <a:cs typeface="Arial" panose="020B0604020202020204" pitchFamily="34" charset="0"/>
+            </a:endParaRPr>
           </a:p>
         </p:txBody>
       </p:sp>
       <p:cxnSp>
         <p:nvCxnSpPr>
-          <p:cNvPr id="8" name="Straight Connector 7">
-            <a:extLst>
-              <a:ext uri="{FF2B5EF4-FFF2-40B4-BE49-F238E27FC236}">
-                <a16:creationId xmlns:a16="http://schemas.microsoft.com/office/drawing/2014/main" id="{C84FA524-4E60-CED1-3860-A13D513A5164}"/>
-              </a:ext>
-            </a:extLst>
-          </p:cNvPr>
-          <p:cNvCxnSpPr/>
+          <p:cNvPr id="10" name="Straight Arrow Connector 9">
+            <a:extLst>
+              <a:ext uri="{FF2B5EF4-FFF2-40B4-BE49-F238E27FC236}">
+                <a16:creationId xmlns:a16="http://schemas.microsoft.com/office/drawing/2014/main" id="{28075405-613A-E9B6-881C-A0861623E1AA}"/>
+              </a:ext>
+            </a:extLst>
+          </p:cNvPr>
+          <p:cNvCxnSpPr>
+            <a:cxnSpLocks/>
+            <a:stCxn id="5" idx="2"/>
+            <a:endCxn id="11" idx="0"/>
+          </p:cNvCxnSpPr>
           <p:nvPr/>
         </p:nvCxnSpPr>
         <p:spPr>
           <a:xfrm>
-            <a:off x="1586429" y="1112704"/>
-            <a:ext cx="0" cy="396607"/>
-          </a:xfrm>
-          <a:prstGeom prst="line">
+            <a:off x="829462" y="2852109"/>
+            <a:ext cx="0" cy="165863"/>
+          </a:xfrm>
+          <a:prstGeom prst="straightConnector1">
             <a:avLst/>
           </a:prstGeom>
+          <a:ln w="25400" cmpd="sng">
+            <a:solidFill>
+              <a:schemeClr val="tx1"/>
+            </a:solidFill>
+            <a:headEnd type="none"/>
+            <a:tailEnd type="triangle" w="lg" len="med"/>
+          </a:ln>
         </p:spPr>
         <p:style>
           <a:lnRef idx="2">
-            <a:schemeClr val="accent1"/>
+            <a:schemeClr val="accent5">
+              <a:shade val="50000"/>
+            </a:schemeClr>
           </a:lnRef>
-          <a:fillRef idx="0">
-            <a:schemeClr val="accent1"/>
+          <a:fillRef idx="1">
+            <a:schemeClr val="accent5"/>
           </a:fillRef>
-          <a:effectRef idx="1">
-            <a:schemeClr val="accent1"/>
+          <a:effectRef idx="0">
+            <a:schemeClr val="accent5"/>
           </a:effectRef>
           <a:fontRef idx="minor">
-            <a:schemeClr val="tx1"/>
+            <a:schemeClr val="lt1"/>
+          </a:fontRef>
+        </p:style>
+      </p:cxnSp>
+      <p:sp>
+        <p:nvSpPr>
+          <p:cNvPr id="11" name="Rectangle 10">
+            <a:extLst>
+              <a:ext uri="{FF2B5EF4-FFF2-40B4-BE49-F238E27FC236}">
+                <a16:creationId xmlns:a16="http://schemas.microsoft.com/office/drawing/2014/main" id="{384F387A-319B-12D3-1FF8-D5B5FB8E514E}"/>
+              </a:ext>
+            </a:extLst>
+          </p:cNvPr>
+          <p:cNvSpPr/>
+          <p:nvPr/>
+        </p:nvSpPr>
+        <p:spPr>
+          <a:xfrm>
+            <a:off x="97942" y="3017972"/>
+            <a:ext cx="1463040" cy="694746"/>
+          </a:xfrm>
+          <a:prstGeom prst="rect">
+            <a:avLst/>
+          </a:prstGeom>
+          <a:solidFill>
+            <a:srgbClr val="AED9D8"/>
+          </a:solidFill>
+          <a:ln w="25400">
+            <a:solidFill>
+              <a:schemeClr val="tx1"/>
+            </a:solidFill>
+          </a:ln>
+        </p:spPr>
+        <p:style>
+          <a:lnRef idx="2">
+            <a:schemeClr val="dk1"/>
+          </a:lnRef>
+          <a:fillRef idx="1">
+            <a:schemeClr val="lt1"/>
+          </a:fillRef>
+          <a:effectRef idx="0">
+            <a:schemeClr val="dk1"/>
+          </a:effectRef>
+          <a:fontRef idx="minor">
+            <a:schemeClr val="dk1"/>
+          </a:fontRef>
+        </p:style>
+        <p:txBody>
+          <a:bodyPr rtlCol="0" anchor="ctr"/>
+          <a:lstStyle/>
+          <a:p>
+            <a:pPr algn="ctr"/>
+            <a:r>
+              <a:rPr lang="en-US" dirty="0">
+                <a:latin typeface="Arial" panose="020B0604020202020204" pitchFamily="34" charset="0"/>
+                <a:cs typeface="Arial" panose="020B0604020202020204" pitchFamily="34" charset="0"/>
+              </a:rPr>
+              <a:t>Relapsed secondary</a:t>
+            </a:r>
+          </a:p>
+        </p:txBody>
+      </p:sp>
+      <p:cxnSp>
+        <p:nvCxnSpPr>
+          <p:cNvPr id="12" name="Elbow Connector 11">
+            <a:extLst>
+              <a:ext uri="{FF2B5EF4-FFF2-40B4-BE49-F238E27FC236}">
+                <a16:creationId xmlns:a16="http://schemas.microsoft.com/office/drawing/2014/main" id="{AEA635C4-0CCE-5CEE-DF2E-4DFE3BD3D712}"/>
+              </a:ext>
+            </a:extLst>
+          </p:cNvPr>
+          <p:cNvCxnSpPr>
+            <a:cxnSpLocks/>
+            <a:stCxn id="6" idx="2"/>
+            <a:endCxn id="9" idx="1"/>
+          </p:cNvCxnSpPr>
+          <p:nvPr/>
+        </p:nvCxnSpPr>
+        <p:spPr>
+          <a:xfrm rot="16200000" flipH="1">
+            <a:off x="1413063" y="5103947"/>
+            <a:ext cx="2267425" cy="1320230"/>
+          </a:xfrm>
+          <a:prstGeom prst="bentConnector2">
+            <a:avLst/>
+          </a:prstGeom>
+          <a:ln w="25400" cmpd="sng">
+            <a:solidFill>
+              <a:schemeClr val="tx1"/>
+            </a:solidFill>
+            <a:headEnd type="none"/>
+            <a:tailEnd type="triangle" w="lg" len="med"/>
+          </a:ln>
+        </p:spPr>
+        <p:style>
+          <a:lnRef idx="2">
+            <a:schemeClr val="accent5">
+              <a:shade val="50000"/>
+            </a:schemeClr>
+          </a:lnRef>
+          <a:fillRef idx="1">
+            <a:schemeClr val="accent5"/>
+          </a:fillRef>
+          <a:effectRef idx="0">
+            <a:schemeClr val="accent5"/>
+          </a:effectRef>
+          <a:fontRef idx="minor">
+            <a:schemeClr val="lt1"/>
           </a:fontRef>
         </p:style>
       </p:cxnSp>
       <p:cxnSp>
         <p:nvCxnSpPr>
-          <p:cNvPr id="9" name="Straight Connector 8">
-            <a:extLst>
-              <a:ext uri="{FF2B5EF4-FFF2-40B4-BE49-F238E27FC236}">
-                <a16:creationId xmlns:a16="http://schemas.microsoft.com/office/drawing/2014/main" id="{6F4C5A24-9010-296F-8BA3-35E5F8695B90}"/>
-              </a:ext>
-            </a:extLst>
-          </p:cNvPr>
-          <p:cNvCxnSpPr/>
+          <p:cNvPr id="13" name="Elbow Connector 12">
+            <a:extLst>
+              <a:ext uri="{FF2B5EF4-FFF2-40B4-BE49-F238E27FC236}">
+                <a16:creationId xmlns:a16="http://schemas.microsoft.com/office/drawing/2014/main" id="{E408B0B4-7AF9-D606-263F-6F4D56E448FF}"/>
+              </a:ext>
+            </a:extLst>
+          </p:cNvPr>
+          <p:cNvCxnSpPr>
+            <a:cxnSpLocks/>
+            <a:stCxn id="11" idx="2"/>
+            <a:endCxn id="6" idx="1"/>
+          </p:cNvCxnSpPr>
           <p:nvPr/>
         </p:nvCxnSpPr>
         <p:spPr>
-          <a:xfrm>
-            <a:off x="3556612" y="1112703"/>
-            <a:ext cx="0" cy="396607"/>
-          </a:xfrm>
-          <a:prstGeom prst="line">
+          <a:xfrm rot="16200000" flipH="1">
+            <a:off x="707172" y="3835008"/>
+            <a:ext cx="570259" cy="325678"/>
+          </a:xfrm>
+          <a:prstGeom prst="bentConnector2">
             <a:avLst/>
           </a:prstGeom>
+          <a:ln w="25400" cmpd="sng">
+            <a:solidFill>
+              <a:schemeClr val="tx1"/>
+            </a:solidFill>
+            <a:headEnd type="none"/>
+            <a:tailEnd type="triangle" w="lg" len="med"/>
+          </a:ln>
         </p:spPr>
         <p:style>
           <a:lnRef idx="2">
-            <a:schemeClr val="accent1"/>
+            <a:schemeClr val="accent5">
+              <a:shade val="50000"/>
+            </a:schemeClr>
           </a:lnRef>
-          <a:fillRef idx="0">
-            <a:schemeClr val="accent1"/>
+          <a:fillRef idx="1">
+            <a:schemeClr val="accent5"/>
           </a:fillRef>
-          <a:effectRef idx="1">
-            <a:schemeClr val="accent1"/>
+          <a:effectRef idx="0">
+            <a:schemeClr val="accent5"/>
           </a:effectRef>
           <a:fontRef idx="minor">
-            <a:schemeClr val="tx1"/>
+            <a:schemeClr val="lt1"/>
           </a:fontRef>
         </p:style>
       </p:cxnSp>
-      <p:sp>
-        <p:nvSpPr>
-          <p:cNvPr id="10" name="TextBox 9">
-            <a:extLst>
-              <a:ext uri="{FF2B5EF4-FFF2-40B4-BE49-F238E27FC236}">
-                <a16:creationId xmlns:a16="http://schemas.microsoft.com/office/drawing/2014/main" id="{DE59BACB-497E-FB39-69A2-14690DAA2229}"/>
+      <p:cxnSp>
+        <p:nvCxnSpPr>
+          <p:cNvPr id="14" name="Elbow Connector 13">
+            <a:extLst>
+              <a:ext uri="{FF2B5EF4-FFF2-40B4-BE49-F238E27FC236}">
+                <a16:creationId xmlns:a16="http://schemas.microsoft.com/office/drawing/2014/main" id="{36C5D74F-5083-5882-4961-F0F3709E1B84}"/>
+              </a:ext>
+            </a:extLst>
+          </p:cNvPr>
+          <p:cNvCxnSpPr>
+            <a:cxnSpLocks/>
+            <a:stCxn id="4" idx="2"/>
+            <a:endCxn id="6" idx="3"/>
+          </p:cNvCxnSpPr>
+          <p:nvPr/>
+        </p:nvCxnSpPr>
+        <p:spPr>
+          <a:xfrm rot="16200000" flipH="1">
+            <a:off x="965504" y="2630300"/>
+            <a:ext cx="2580185" cy="725167"/>
+          </a:xfrm>
+          <a:prstGeom prst="bentConnector4">
+            <a:avLst>
+              <a:gd name="adj1" fmla="val 8683"/>
+              <a:gd name="adj2" fmla="val 132400"/>
+            </a:avLst>
+          </a:prstGeom>
+          <a:ln w="25400" cmpd="sng">
+            <a:solidFill>
+              <a:schemeClr val="tx1"/>
+            </a:solidFill>
+            <a:headEnd type="none"/>
+            <a:tailEnd type="triangle" w="lg" len="med"/>
+          </a:ln>
+        </p:spPr>
+        <p:style>
+          <a:lnRef idx="2">
+            <a:schemeClr val="accent5">
+              <a:shade val="50000"/>
+            </a:schemeClr>
+          </a:lnRef>
+          <a:fillRef idx="1">
+            <a:schemeClr val="accent5"/>
+          </a:fillRef>
+          <a:effectRef idx="0">
+            <a:schemeClr val="accent5"/>
+          </a:effectRef>
+          <a:fontRef idx="minor">
+            <a:schemeClr val="lt1"/>
+          </a:fontRef>
+        </p:style>
+      </p:cxnSp>
+      <p:cxnSp>
+        <p:nvCxnSpPr>
+          <p:cNvPr id="15" name="Elbow Connector 14">
+            <a:extLst>
+              <a:ext uri="{FF2B5EF4-FFF2-40B4-BE49-F238E27FC236}">
+                <a16:creationId xmlns:a16="http://schemas.microsoft.com/office/drawing/2014/main" id="{FC69E15E-EB9D-9F2C-87F3-5A91B881A484}"/>
+              </a:ext>
+            </a:extLst>
+          </p:cNvPr>
+          <p:cNvCxnSpPr>
+            <a:cxnSpLocks/>
+            <a:stCxn id="4" idx="2"/>
+            <a:endCxn id="5" idx="0"/>
+          </p:cNvCxnSpPr>
+          <p:nvPr/>
+        </p:nvCxnSpPr>
+        <p:spPr>
+          <a:xfrm rot="5400000">
+            <a:off x="1133953" y="1398302"/>
+            <a:ext cx="454571" cy="1063551"/>
+          </a:xfrm>
+          <a:prstGeom prst="bentConnector3">
+            <a:avLst>
+              <a:gd name="adj1" fmla="val 50000"/>
+            </a:avLst>
+          </a:prstGeom>
+          <a:ln w="25400" cmpd="sng">
+            <a:solidFill>
+              <a:schemeClr val="tx1"/>
+            </a:solidFill>
+            <a:headEnd type="none"/>
+            <a:tailEnd type="triangle" w="lg" len="med"/>
+          </a:ln>
+        </p:spPr>
+        <p:style>
+          <a:lnRef idx="2">
+            <a:schemeClr val="accent5">
+              <a:shade val="50000"/>
+            </a:schemeClr>
+          </a:lnRef>
+          <a:fillRef idx="1">
+            <a:schemeClr val="accent5"/>
+          </a:fillRef>
+          <a:effectRef idx="0">
+            <a:schemeClr val="accent5"/>
+          </a:effectRef>
+          <a:fontRef idx="minor">
+            <a:schemeClr val="lt1"/>
+          </a:fontRef>
+        </p:style>
+      </p:cxnSp>
+      <p:sp>
+        <p:nvSpPr>
+          <p:cNvPr id="16" name="TextBox 15">
+            <a:extLst>
+              <a:ext uri="{FF2B5EF4-FFF2-40B4-BE49-F238E27FC236}">
+                <a16:creationId xmlns:a16="http://schemas.microsoft.com/office/drawing/2014/main" id="{A25CFECF-B3E7-259F-0311-30C6427A9733}"/>
               </a:ext>
             </a:extLst>
           </p:cNvPr>
@@ -11709,8 +9952,8 @@
         </p:nvSpPr>
         <p:spPr>
           <a:xfrm>
-            <a:off x="1014093" y="712943"/>
-            <a:ext cx="1144672" cy="369332"/>
+            <a:off x="545560" y="1587104"/>
+            <a:ext cx="622286" cy="369332"/>
           </a:xfrm>
           <a:prstGeom prst="rect">
             <a:avLst/>
@@ -11725,17 +9968,17 @@
           <a:p>
             <a:r>
               <a:rPr lang="en-US" dirty="0"/>
-              <a:t>Exposure</a:t>
-            </a:r>
-          </a:p>
-        </p:txBody>
-      </p:sp>
-      <p:sp>
-        <p:nvSpPr>
-          <p:cNvPr id="11" name="TextBox 10">
-            <a:extLst>
-              <a:ext uri="{FF2B5EF4-FFF2-40B4-BE49-F238E27FC236}">
-                <a16:creationId xmlns:a16="http://schemas.microsoft.com/office/drawing/2014/main" id="{BB52EB73-2D1D-5140-17EB-DBE7E43C7B4A}"/>
+              <a:t>25%</a:t>
+            </a:r>
+          </a:p>
+        </p:txBody>
+      </p:sp>
+      <p:sp>
+        <p:nvSpPr>
+          <p:cNvPr id="17" name="TextBox 16">
+            <a:extLst>
+              <a:ext uri="{FF2B5EF4-FFF2-40B4-BE49-F238E27FC236}">
+                <a16:creationId xmlns:a16="http://schemas.microsoft.com/office/drawing/2014/main" id="{EDA329F7-9E7F-ED87-45D6-349913604E06}"/>
               </a:ext>
             </a:extLst>
           </p:cNvPr>
@@ -11744,8 +9987,8 @@
         </p:nvSpPr>
         <p:spPr>
           <a:xfrm>
-            <a:off x="2731101" y="737863"/>
-            <a:ext cx="1519390" cy="369332"/>
+            <a:off x="2584604" y="1622406"/>
+            <a:ext cx="622286" cy="369332"/>
           </a:xfrm>
           <a:prstGeom prst="rect">
             <a:avLst/>
@@ -11760,53 +10003,785 @@
           <a:p>
             <a:r>
               <a:rPr lang="en-US" dirty="0"/>
-              <a:t>First Chancre</a:t>
-            </a:r>
+              <a:t>75%</a:t>
+            </a:r>
+          </a:p>
+        </p:txBody>
+      </p:sp>
+      <p:sp>
+        <p:nvSpPr>
+          <p:cNvPr id="22" name="Rectangle 21">
+            <a:extLst>
+              <a:ext uri="{FF2B5EF4-FFF2-40B4-BE49-F238E27FC236}">
+                <a16:creationId xmlns:a16="http://schemas.microsoft.com/office/drawing/2014/main" id="{75A747FA-C7C4-0BE4-1020-CC34B56A2F89}"/>
+              </a:ext>
+            </a:extLst>
+          </p:cNvPr>
+          <p:cNvSpPr/>
+          <p:nvPr/>
+        </p:nvSpPr>
+        <p:spPr>
+          <a:xfrm>
+            <a:off x="3206889" y="7248158"/>
+            <a:ext cx="1937173" cy="369333"/>
+          </a:xfrm>
+          <a:prstGeom prst="rect">
+            <a:avLst/>
+          </a:prstGeom>
+          <a:solidFill>
+            <a:srgbClr val="AED9D8"/>
+          </a:solidFill>
+          <a:ln w="25400">
+            <a:solidFill>
+              <a:schemeClr val="tx1"/>
+            </a:solidFill>
+          </a:ln>
+        </p:spPr>
+        <p:style>
+          <a:lnRef idx="2">
+            <a:schemeClr val="dk1"/>
+          </a:lnRef>
+          <a:fillRef idx="1">
+            <a:schemeClr val="lt1"/>
+          </a:fillRef>
+          <a:effectRef idx="0">
+            <a:schemeClr val="dk1"/>
+          </a:effectRef>
+          <a:fontRef idx="minor">
+            <a:schemeClr val="dk1"/>
+          </a:fontRef>
+        </p:style>
+        <p:txBody>
+          <a:bodyPr rtlCol="0" anchor="ctr"/>
+          <a:lstStyle/>
+          <a:p>
+            <a:pPr algn="ctr"/>
+            <a:r>
+              <a:rPr lang="en-US" dirty="0" err="1">
+                <a:latin typeface="Arial" panose="020B0604020202020204" pitchFamily="34" charset="0"/>
+                <a:cs typeface="Arial" panose="020B0604020202020204" pitchFamily="34" charset="0"/>
+              </a:rPr>
+              <a:t>Gummatous</a:t>
+            </a:r>
+            <a:endParaRPr lang="en-US" sz="1800" dirty="0">
+              <a:latin typeface="Arial" panose="020B0604020202020204" pitchFamily="34" charset="0"/>
+              <a:cs typeface="Arial" panose="020B0604020202020204" pitchFamily="34" charset="0"/>
+            </a:endParaRPr>
+          </a:p>
+        </p:txBody>
+      </p:sp>
+      <p:sp>
+        <p:nvSpPr>
+          <p:cNvPr id="24" name="TextBox 23">
+            <a:extLst>
+              <a:ext uri="{FF2B5EF4-FFF2-40B4-BE49-F238E27FC236}">
+                <a16:creationId xmlns:a16="http://schemas.microsoft.com/office/drawing/2014/main" id="{1407927C-0F27-86F1-6418-514BB219217C}"/>
+              </a:ext>
+            </a:extLst>
+          </p:cNvPr>
+          <p:cNvSpPr txBox="1"/>
+          <p:nvPr/>
+        </p:nvSpPr>
+        <p:spPr>
+          <a:xfrm>
+            <a:off x="5542379" y="3247063"/>
+            <a:ext cx="6885464" cy="4001095"/>
+          </a:xfrm>
+          <a:prstGeom prst="rect">
+            <a:avLst/>
+          </a:prstGeom>
+          <a:noFill/>
+        </p:spPr>
+        <p:txBody>
+          <a:bodyPr wrap="square" rtlCol="0">
+            <a:spAutoFit/>
+          </a:bodyPr>
+          <a:lstStyle/>
+          <a:p>
+            <a:r>
+              <a:rPr lang="en-US" sz="1100" i="1" dirty="0" err="1">
+                <a:solidFill>
+                  <a:srgbClr val="555555"/>
+                </a:solidFill>
+                <a:effectLst/>
+                <a:latin typeface="Times"/>
+              </a:rPr>
+              <a:t>Garnette</a:t>
+            </a:r>
+            <a:r>
+              <a:rPr lang="en-US" sz="1100" i="1" dirty="0">
+                <a:solidFill>
+                  <a:srgbClr val="555555"/>
+                </a:solidFill>
+                <a:effectLst/>
+                <a:latin typeface="Times"/>
+              </a:rPr>
+              <a:t>: Over </a:t>
+            </a:r>
+            <a:r>
+              <a:rPr lang="en-US" sz="1100" i="1" dirty="0">
+                <a:solidFill>
+                  <a:srgbClr val="696969"/>
+                </a:solidFill>
+                <a:effectLst/>
+                <a:latin typeface="Times"/>
+              </a:rPr>
+              <a:t>a </a:t>
+            </a:r>
+            <a:r>
+              <a:rPr lang="en-US" sz="1100" i="1" dirty="0">
+                <a:solidFill>
+                  <a:srgbClr val="555555"/>
+                </a:solidFill>
+                <a:effectLst/>
+                <a:latin typeface="Times"/>
+              </a:rPr>
+              <a:t>period </a:t>
+            </a:r>
+            <a:r>
+              <a:rPr lang="en-US" sz="1100" i="1" dirty="0">
+                <a:solidFill>
+                  <a:srgbClr val="696969"/>
+                </a:solidFill>
+                <a:effectLst/>
+                <a:latin typeface="Times"/>
+              </a:rPr>
+              <a:t>of 35 years, </a:t>
+            </a:r>
+            <a:r>
+              <a:rPr lang="en-US" sz="1100" i="1" dirty="0">
+                <a:solidFill>
+                  <a:srgbClr val="555555"/>
+                </a:solidFill>
+                <a:effectLst/>
+                <a:latin typeface="Times"/>
+              </a:rPr>
+              <a:t>benign late </a:t>
+            </a:r>
+            <a:r>
+              <a:rPr lang="en-US" sz="1100" i="1" dirty="0">
+                <a:solidFill>
+                  <a:srgbClr val="696969"/>
+                </a:solidFill>
+                <a:effectLst/>
+                <a:latin typeface="Times"/>
+              </a:rPr>
+              <a:t>syphilis </a:t>
+            </a:r>
+            <a:r>
+              <a:rPr lang="en-US" sz="1100" i="1" dirty="0">
+                <a:solidFill>
+                  <a:srgbClr val="555555"/>
+                </a:solidFill>
+                <a:effectLst/>
+                <a:latin typeface="Times"/>
+              </a:rPr>
+              <a:t>had developed in one </a:t>
+            </a:r>
+            <a:r>
+              <a:rPr lang="en-US" sz="1100" i="1" dirty="0">
+                <a:solidFill>
+                  <a:srgbClr val="696969"/>
+                </a:solidFill>
+                <a:effectLst/>
+                <a:latin typeface="Times"/>
+              </a:rPr>
+              <a:t>sixth of </a:t>
+            </a:r>
+            <a:r>
+              <a:rPr lang="en-US" sz="1100" i="1" dirty="0">
+                <a:solidFill>
+                  <a:srgbClr val="555555"/>
+                </a:solidFill>
+                <a:effectLst/>
+                <a:latin typeface="Times"/>
+              </a:rPr>
+              <a:t>the men </a:t>
+            </a:r>
+            <a:r>
+              <a:rPr lang="en-US" sz="1100" i="1" dirty="0">
+                <a:solidFill>
+                  <a:srgbClr val="696969"/>
+                </a:solidFill>
+                <a:effectLst/>
+                <a:latin typeface="Times"/>
+              </a:rPr>
+              <a:t>and one fifth of </a:t>
+            </a:r>
+            <a:r>
+              <a:rPr lang="en-US" sz="1100" i="1" dirty="0">
+                <a:solidFill>
+                  <a:srgbClr val="555555"/>
+                </a:solidFill>
+                <a:effectLst/>
+                <a:latin typeface="Times"/>
+              </a:rPr>
+              <a:t>the </a:t>
+            </a:r>
+            <a:r>
+              <a:rPr lang="en-US" sz="1100" i="1" dirty="0">
+                <a:solidFill>
+                  <a:srgbClr val="696969"/>
+                </a:solidFill>
+                <a:effectLst/>
+                <a:latin typeface="Times"/>
+              </a:rPr>
+              <a:t>women. </a:t>
+            </a:r>
+            <a:r>
+              <a:rPr lang="en-US" sz="1100" i="1" dirty="0">
+                <a:solidFill>
+                  <a:srgbClr val="555555"/>
+                </a:solidFill>
+                <a:effectLst/>
+                <a:latin typeface="Times"/>
+              </a:rPr>
+              <a:t>For 953 patients, </a:t>
+            </a:r>
+            <a:r>
+              <a:rPr lang="en-US" sz="1100" i="1" dirty="0">
+                <a:solidFill>
+                  <a:srgbClr val="696969"/>
+                </a:solidFill>
+                <a:effectLst/>
+                <a:latin typeface="Times"/>
+              </a:rPr>
+              <a:t>cardiovascular syphilis </a:t>
+            </a:r>
+            <a:r>
+              <a:rPr lang="en-US" sz="1100" i="1" dirty="0">
+                <a:solidFill>
+                  <a:srgbClr val="555555"/>
+                </a:solidFill>
+                <a:effectLst/>
+                <a:latin typeface="Times"/>
+              </a:rPr>
+              <a:t>developed in 14% </a:t>
+            </a:r>
+            <a:r>
+              <a:rPr lang="en-US" sz="1100" i="1" dirty="0">
+                <a:solidFill>
+                  <a:srgbClr val="696969"/>
+                </a:solidFill>
+                <a:effectLst/>
+                <a:latin typeface="Times"/>
+              </a:rPr>
+              <a:t>of </a:t>
+            </a:r>
+            <a:r>
+              <a:rPr lang="en-US" sz="1100" i="1" dirty="0">
+                <a:solidFill>
+                  <a:srgbClr val="555555"/>
+                </a:solidFill>
+                <a:effectLst/>
+                <a:latin typeface="Times"/>
+              </a:rPr>
+              <a:t>men </a:t>
+            </a:r>
+            <a:r>
+              <a:rPr lang="en-US" sz="1100" i="1" dirty="0">
+                <a:solidFill>
+                  <a:srgbClr val="696969"/>
+                </a:solidFill>
+                <a:effectLst/>
+                <a:latin typeface="Times"/>
+              </a:rPr>
+              <a:t>and 8% of women, and </a:t>
+            </a:r>
+            <a:r>
+              <a:rPr lang="en-US" sz="1100" i="1" dirty="0">
+                <a:solidFill>
+                  <a:srgbClr val="555555"/>
+                </a:solidFill>
+                <a:effectLst/>
+                <a:latin typeface="Times"/>
+              </a:rPr>
+              <a:t>neurosyphilis developed in </a:t>
+            </a:r>
+            <a:r>
+              <a:rPr lang="en-US" sz="1100" i="1" dirty="0">
+                <a:solidFill>
+                  <a:srgbClr val="696969"/>
+                </a:solidFill>
+                <a:effectLst/>
+                <a:latin typeface="Times"/>
+              </a:rPr>
+              <a:t>31 of 331 </a:t>
+            </a:r>
+            <a:r>
+              <a:rPr lang="en-US" sz="1100" i="1" dirty="0">
+                <a:solidFill>
+                  <a:srgbClr val="555555"/>
+                </a:solidFill>
+                <a:effectLst/>
+                <a:latin typeface="Times"/>
+              </a:rPr>
+              <a:t>men </a:t>
+            </a:r>
+            <a:r>
+              <a:rPr lang="en-US" sz="1100" i="1" dirty="0">
+                <a:solidFill>
+                  <a:srgbClr val="696969"/>
+                </a:solidFill>
+                <a:effectLst/>
+                <a:latin typeface="Times"/>
+              </a:rPr>
+              <a:t>(9%) </a:t>
+            </a:r>
+            <a:r>
+              <a:rPr lang="en-US" sz="1100" i="1" dirty="0">
+                <a:solidFill>
+                  <a:srgbClr val="555555"/>
+                </a:solidFill>
+                <a:effectLst/>
+                <a:latin typeface="Times"/>
+              </a:rPr>
+              <a:t>and </a:t>
+            </a:r>
+            <a:r>
+              <a:rPr lang="en-US" sz="1100" i="1" dirty="0">
+                <a:solidFill>
+                  <a:srgbClr val="696969"/>
+                </a:solidFill>
+                <a:effectLst/>
+                <a:latin typeface="Times"/>
+              </a:rPr>
+              <a:t>31 </a:t>
+            </a:r>
+            <a:r>
+              <a:rPr lang="en-US" sz="1100" i="1" dirty="0">
+                <a:solidFill>
+                  <a:srgbClr val="555555"/>
+                </a:solidFill>
+                <a:effectLst/>
+                <a:latin typeface="Times"/>
+              </a:rPr>
+              <a:t>of 622 </a:t>
+            </a:r>
+            <a:r>
+              <a:rPr lang="en-US" sz="1100" i="1" dirty="0">
+                <a:solidFill>
+                  <a:srgbClr val="696969"/>
+                </a:solidFill>
+                <a:effectLst/>
+                <a:latin typeface="Times"/>
+              </a:rPr>
+              <a:t>women (5%). </a:t>
+            </a:r>
+            <a:r>
+              <a:rPr lang="en-US" sz="1100" i="1" dirty="0">
+                <a:solidFill>
+                  <a:srgbClr val="555555"/>
+                </a:solidFill>
+                <a:effectLst/>
+                <a:latin typeface="Times"/>
+              </a:rPr>
+              <a:t>Of 694 known to have died, </a:t>
+            </a:r>
+            <a:r>
+              <a:rPr lang="en-US" sz="1100" i="1" dirty="0">
+                <a:solidFill>
+                  <a:srgbClr val="696969"/>
+                </a:solidFill>
+                <a:effectLst/>
+                <a:latin typeface="Times"/>
+              </a:rPr>
+              <a:t>syphilis </a:t>
+            </a:r>
+            <a:r>
+              <a:rPr lang="en-US" sz="1100" i="1" dirty="0">
+                <a:solidFill>
+                  <a:srgbClr val="555555"/>
+                </a:solidFill>
+                <a:effectLst/>
+                <a:latin typeface="Times"/>
+              </a:rPr>
+              <a:t>was recorded </a:t>
+            </a:r>
+            <a:r>
+              <a:rPr lang="en-US" sz="1100" i="1" dirty="0">
+                <a:solidFill>
+                  <a:srgbClr val="696969"/>
+                </a:solidFill>
+                <a:effectLst/>
+                <a:latin typeface="Times"/>
+              </a:rPr>
+              <a:t>as </a:t>
+            </a:r>
+            <a:r>
+              <a:rPr lang="en-US" sz="1100" i="1" dirty="0">
+                <a:solidFill>
+                  <a:srgbClr val="555555"/>
+                </a:solidFill>
+                <a:effectLst/>
+                <a:latin typeface="Times"/>
+              </a:rPr>
+              <a:t>the primary </a:t>
+            </a:r>
+            <a:r>
+              <a:rPr lang="en-US" sz="1100" i="1" dirty="0">
+                <a:solidFill>
+                  <a:srgbClr val="696969"/>
+                </a:solidFill>
+                <a:effectLst/>
+                <a:latin typeface="Times"/>
+              </a:rPr>
+              <a:t>cause of </a:t>
+            </a:r>
+            <a:r>
+              <a:rPr lang="en-US" sz="1100" i="1" dirty="0">
+                <a:solidFill>
+                  <a:srgbClr val="555555"/>
+                </a:solidFill>
+                <a:effectLst/>
+                <a:latin typeface="Times"/>
+              </a:rPr>
+              <a:t>death in 74 </a:t>
+            </a:r>
+            <a:r>
+              <a:rPr lang="en-US" sz="1100" i="1" dirty="0">
+                <a:solidFill>
+                  <a:srgbClr val="696969"/>
+                </a:solidFill>
+                <a:effectLst/>
+                <a:latin typeface="Times"/>
+              </a:rPr>
+              <a:t>(11 </a:t>
+            </a:r>
+            <a:r>
+              <a:rPr lang="en-US" sz="1100" i="1" dirty="0">
+                <a:solidFill>
+                  <a:srgbClr val="959595"/>
+                </a:solidFill>
+                <a:effectLst/>
+                <a:latin typeface="Times"/>
+              </a:rPr>
+              <a:t>%).</a:t>
+            </a:r>
+            <a:endParaRPr lang="en-US" sz="1100" dirty="0">
+              <a:solidFill>
+                <a:srgbClr val="555555"/>
+              </a:solidFill>
+              <a:effectLst/>
+              <a:latin typeface="Times"/>
+            </a:endParaRPr>
+          </a:p>
+          <a:p>
+            <a:endParaRPr lang="en-US" sz="1400" dirty="0"/>
+          </a:p>
+          <a:p>
+            <a:r>
+              <a:rPr lang="en-US" sz="1400" dirty="0"/>
+              <a:t>If we assume a constant rate over 35 period, we can model probability of developing disease using an exponential growth model:</a:t>
+            </a:r>
+          </a:p>
+          <a:p>
+            <a:r>
+              <a:rPr lang="en-US" sz="1400" b="0" i="0" u="none" strike="noStrike" dirty="0">
+                <a:solidFill>
+                  <a:srgbClr val="000000"/>
+                </a:solidFill>
+                <a:effectLst/>
+              </a:rPr>
+              <a:t>P=1-e</a:t>
+            </a:r>
+            <a:r>
+              <a:rPr lang="en-US" sz="1400" b="0" i="0" u="none" strike="noStrike" baseline="30000" dirty="0">
+                <a:solidFill>
+                  <a:srgbClr val="000000"/>
+                </a:solidFill>
+                <a:effectLst/>
+              </a:rPr>
+              <a:t>−r⋅t</a:t>
+            </a:r>
+          </a:p>
+          <a:p>
+            <a:pPr marL="285750" indent="-285750">
+              <a:buFont typeface="Arial" panose="020B0604020202020204" pitchFamily="34" charset="0"/>
+              <a:buChar char="•"/>
+            </a:pPr>
+            <a:r>
+              <a:rPr lang="en-US" sz="1400" dirty="0"/>
+              <a:t>P is the probability of developing the disease </a:t>
+            </a:r>
+          </a:p>
+          <a:p>
+            <a:pPr marL="285750" indent="-285750">
+              <a:buFont typeface="Arial" panose="020B0604020202020204" pitchFamily="34" charset="0"/>
+              <a:buChar char="•"/>
+            </a:pPr>
+            <a:r>
+              <a:rPr lang="en-US" sz="1400" dirty="0"/>
+              <a:t>r is the annual rate</a:t>
+            </a:r>
+          </a:p>
+          <a:p>
+            <a:pPr marL="285750" indent="-285750">
+              <a:buFont typeface="Arial" panose="020B0604020202020204" pitchFamily="34" charset="0"/>
+              <a:buChar char="•"/>
+            </a:pPr>
+            <a:r>
+              <a:rPr lang="en-US" sz="1400" dirty="0"/>
+              <a:t>t is the time in years  </a:t>
+            </a:r>
+          </a:p>
+          <a:p>
+            <a:endParaRPr lang="en-US" sz="1400" dirty="0"/>
+          </a:p>
+          <a:p>
+            <a:r>
+              <a:rPr lang="en-US" sz="1400" b="0" i="0" u="none" strike="noStrike" dirty="0">
+                <a:solidFill>
+                  <a:srgbClr val="000000"/>
+                </a:solidFill>
+                <a:effectLst/>
+              </a:rPr>
+              <a:t>r=−ln(1−P)​/t</a:t>
+            </a:r>
+          </a:p>
+          <a:p>
+            <a:endParaRPr lang="en-US" sz="1400" b="0" i="1" u="none" strike="noStrike" dirty="0">
+              <a:solidFill>
+                <a:srgbClr val="000000"/>
+              </a:solidFill>
+              <a:effectLst/>
+              <a:latin typeface="-webkit-standard"/>
+            </a:endParaRPr>
+          </a:p>
+          <a:p>
+            <a:r>
+              <a:rPr lang="en-US" sz="1400" i="1" dirty="0">
+                <a:solidFill>
+                  <a:srgbClr val="000000"/>
+                </a:solidFill>
+                <a:latin typeface="-webkit-standard"/>
+              </a:rPr>
+              <a:t>Cardio: </a:t>
+            </a:r>
+            <a:r>
+              <a:rPr lang="en-US" sz="1400" b="0" i="1" u="none" strike="noStrike" dirty="0">
+                <a:solidFill>
+                  <a:srgbClr val="000000"/>
+                </a:solidFill>
+                <a:effectLst/>
+                <a:latin typeface="-webkit-standard"/>
+              </a:rPr>
+              <a:t>Men: 0.43% per year </a:t>
+            </a:r>
+            <a:r>
+              <a:rPr lang="en-US" sz="1400" i="1" dirty="0">
+                <a:solidFill>
+                  <a:srgbClr val="000000"/>
+                </a:solidFill>
+                <a:latin typeface="-webkit-standard"/>
+              </a:rPr>
+              <a:t>Women: 24% per year</a:t>
+            </a:r>
+            <a:endParaRPr lang="en-US" sz="1400" i="1" dirty="0"/>
+          </a:p>
+          <a:p>
+            <a:r>
+              <a:rPr lang="en-US" sz="1400" b="0" i="0" u="none" strike="noStrike" dirty="0">
+                <a:solidFill>
+                  <a:srgbClr val="000000"/>
+                </a:solidFill>
+                <a:effectLst/>
+              </a:rPr>
+              <a:t>Gumm: </a:t>
+            </a:r>
+            <a:r>
+              <a:rPr lang="en-US" sz="1400" i="1" dirty="0"/>
+              <a:t>Men: 0.52% per year, Women: 0.64% per year</a:t>
+            </a:r>
+          </a:p>
+          <a:p>
+            <a:r>
+              <a:rPr lang="en-US" sz="1400" i="1" dirty="0"/>
+              <a:t>Neuro: Men: 0.27% per year, Women: 0.15% per year</a:t>
+            </a:r>
+          </a:p>
+          <a:p>
+            <a:endParaRPr lang="en-US" sz="1400" b="0" i="0" u="none" strike="noStrike" dirty="0">
+              <a:solidFill>
+                <a:srgbClr val="000000"/>
+              </a:solidFill>
+              <a:effectLst/>
+            </a:endParaRPr>
+          </a:p>
+          <a:p>
+            <a:endParaRPr lang="en-US" sz="1400" dirty="0"/>
+          </a:p>
+        </p:txBody>
+      </p:sp>
+      <p:sp>
+        <p:nvSpPr>
+          <p:cNvPr id="31" name="Rectangle 30">
+            <a:extLst>
+              <a:ext uri="{FF2B5EF4-FFF2-40B4-BE49-F238E27FC236}">
+                <a16:creationId xmlns:a16="http://schemas.microsoft.com/office/drawing/2014/main" id="{7B768FA7-1BE4-099C-93CA-2F50BB30F71B}"/>
+              </a:ext>
+            </a:extLst>
+          </p:cNvPr>
+          <p:cNvSpPr/>
+          <p:nvPr/>
+        </p:nvSpPr>
+        <p:spPr>
+          <a:xfrm>
+            <a:off x="4810858" y="2104268"/>
+            <a:ext cx="1937173" cy="2834676"/>
+          </a:xfrm>
+          <a:prstGeom prst="rect">
+            <a:avLst/>
+          </a:prstGeom>
+          <a:solidFill>
+            <a:srgbClr val="AED9D8"/>
+          </a:solidFill>
+          <a:ln w="25400">
+            <a:solidFill>
+              <a:schemeClr val="tx1"/>
+            </a:solidFill>
+          </a:ln>
+        </p:spPr>
+        <p:style>
+          <a:lnRef idx="2">
+            <a:schemeClr val="dk1"/>
+          </a:lnRef>
+          <a:fillRef idx="1">
+            <a:schemeClr val="lt1"/>
+          </a:fillRef>
+          <a:effectRef idx="0">
+            <a:schemeClr val="dk1"/>
+          </a:effectRef>
+          <a:fontRef idx="minor">
+            <a:schemeClr val="dk1"/>
+          </a:fontRef>
+        </p:style>
+        <p:txBody>
+          <a:bodyPr rtlCol="0" anchor="ctr"/>
+          <a:lstStyle/>
+          <a:p>
+            <a:pPr algn="ctr"/>
+            <a:r>
+              <a:rPr lang="en-US" dirty="0">
+                <a:latin typeface="Arial" panose="020B0604020202020204" pitchFamily="34" charset="0"/>
+                <a:cs typeface="Arial" panose="020B0604020202020204" pitchFamily="34" charset="0"/>
+              </a:rPr>
+              <a:t>Neurosyphilis</a:t>
+            </a:r>
+            <a:endParaRPr lang="en-US" sz="1800" dirty="0">
+              <a:latin typeface="Arial" panose="020B0604020202020204" pitchFamily="34" charset="0"/>
+              <a:cs typeface="Arial" panose="020B0604020202020204" pitchFamily="34" charset="0"/>
+            </a:endParaRPr>
           </a:p>
         </p:txBody>
       </p:sp>
       <p:cxnSp>
         <p:nvCxnSpPr>
-          <p:cNvPr id="12" name="Straight Connector 11">
-            <a:extLst>
-              <a:ext uri="{FF2B5EF4-FFF2-40B4-BE49-F238E27FC236}">
-                <a16:creationId xmlns:a16="http://schemas.microsoft.com/office/drawing/2014/main" id="{12557A3D-5686-4CE4-D532-41874F055A9A}"/>
-              </a:ext>
-            </a:extLst>
-          </p:cNvPr>
-          <p:cNvCxnSpPr/>
+          <p:cNvPr id="32" name="Elbow Connector 31">
+            <a:extLst>
+              <a:ext uri="{FF2B5EF4-FFF2-40B4-BE49-F238E27FC236}">
+                <a16:creationId xmlns:a16="http://schemas.microsoft.com/office/drawing/2014/main" id="{2FFCBDC5-FE6E-9393-DF9E-64DC9C40F124}"/>
+              </a:ext>
+            </a:extLst>
+          </p:cNvPr>
+          <p:cNvCxnSpPr>
+            <a:cxnSpLocks/>
+            <a:stCxn id="6" idx="2"/>
+            <a:endCxn id="22" idx="1"/>
+          </p:cNvCxnSpPr>
           <p:nvPr/>
         </p:nvCxnSpPr>
         <p:spPr>
-          <a:xfrm>
-            <a:off x="5284425" y="1094608"/>
-            <a:ext cx="0" cy="396607"/>
-          </a:xfrm>
-          <a:prstGeom prst="line">
+          <a:xfrm rot="16200000" flipH="1">
+            <a:off x="1145537" y="5371472"/>
+            <a:ext cx="2802475" cy="1320229"/>
+          </a:xfrm>
+          <a:prstGeom prst="bentConnector2">
             <a:avLst/>
           </a:prstGeom>
+          <a:ln w="25400" cmpd="sng">
+            <a:solidFill>
+              <a:schemeClr val="tx1"/>
+            </a:solidFill>
+            <a:headEnd type="none"/>
+            <a:tailEnd type="triangle" w="lg" len="med"/>
+          </a:ln>
         </p:spPr>
         <p:style>
           <a:lnRef idx="2">
-            <a:schemeClr val="accent1"/>
+            <a:schemeClr val="accent5">
+              <a:shade val="50000"/>
+            </a:schemeClr>
           </a:lnRef>
-          <a:fillRef idx="0">
-            <a:schemeClr val="accent1"/>
+          <a:fillRef idx="1">
+            <a:schemeClr val="accent5"/>
           </a:fillRef>
-          <a:effectRef idx="1">
-            <a:schemeClr val="accent1"/>
+          <a:effectRef idx="0">
+            <a:schemeClr val="accent5"/>
           </a:effectRef>
           <a:fontRef idx="minor">
-            <a:schemeClr val="tx1"/>
+            <a:schemeClr val="lt1"/>
           </a:fontRef>
         </p:style>
       </p:cxnSp>
-      <p:sp>
-        <p:nvSpPr>
-          <p:cNvPr id="13" name="TextBox 12">
-            <a:extLst>
-              <a:ext uri="{FF2B5EF4-FFF2-40B4-BE49-F238E27FC236}">
-                <a16:creationId xmlns:a16="http://schemas.microsoft.com/office/drawing/2014/main" id="{6EC33A90-4F69-5A8F-6146-155355D0FE81}"/>
+      <p:cxnSp>
+        <p:nvCxnSpPr>
+          <p:cNvPr id="35" name="Elbow Connector 34">
+            <a:extLst>
+              <a:ext uri="{FF2B5EF4-FFF2-40B4-BE49-F238E27FC236}">
+                <a16:creationId xmlns:a16="http://schemas.microsoft.com/office/drawing/2014/main" id="{384A074E-973F-E17A-7E4D-21A551D1F3FE}"/>
+              </a:ext>
+            </a:extLst>
+          </p:cNvPr>
+          <p:cNvCxnSpPr>
+            <a:cxnSpLocks/>
+            <a:stCxn id="6" idx="2"/>
+            <a:endCxn id="31" idx="1"/>
+          </p:cNvCxnSpPr>
+          <p:nvPr/>
+        </p:nvCxnSpPr>
+        <p:spPr>
+          <a:xfrm rot="5400000" flipH="1" flipV="1">
+            <a:off x="2794387" y="2613879"/>
+            <a:ext cx="1108744" cy="2924198"/>
+          </a:xfrm>
+          <a:prstGeom prst="bentConnector4">
+            <a:avLst>
+              <a:gd name="adj1" fmla="val -20618"/>
+              <a:gd name="adj2" fmla="val 62508"/>
+            </a:avLst>
+          </a:prstGeom>
+          <a:ln w="25400" cmpd="sng">
+            <a:solidFill>
+              <a:schemeClr val="tx1"/>
+            </a:solidFill>
+            <a:headEnd type="none"/>
+            <a:tailEnd type="triangle" w="lg" len="med"/>
+          </a:ln>
+        </p:spPr>
+        <p:style>
+          <a:lnRef idx="2">
+            <a:schemeClr val="accent5">
+              <a:shade val="50000"/>
+            </a:schemeClr>
+          </a:lnRef>
+          <a:fillRef idx="1">
+            <a:schemeClr val="accent5"/>
+          </a:fillRef>
+          <a:effectRef idx="0">
+            <a:schemeClr val="accent5"/>
+          </a:effectRef>
+          <a:fontRef idx="minor">
+            <a:schemeClr val="lt1"/>
+          </a:fontRef>
+        </p:style>
+      </p:cxnSp>
+      <p:sp>
+        <p:nvSpPr>
+          <p:cNvPr id="50" name="TextBox 49">
+            <a:extLst>
+              <a:ext uri="{FF2B5EF4-FFF2-40B4-BE49-F238E27FC236}">
+                <a16:creationId xmlns:a16="http://schemas.microsoft.com/office/drawing/2014/main" id="{FF17560D-7CBA-F6C4-36F5-D7925938CA2C}"/>
               </a:ext>
             </a:extLst>
           </p:cNvPr>
@@ -11815,8 +10790,176 @@
         </p:nvSpPr>
         <p:spPr>
           <a:xfrm>
-            <a:off x="1839072" y="96252"/>
-            <a:ext cx="1248612" cy="646331"/>
+            <a:off x="5598631" y="7086941"/>
+            <a:ext cx="6096000" cy="1200329"/>
+          </a:xfrm>
+          <a:prstGeom prst="rect">
+            <a:avLst/>
+          </a:prstGeom>
+          <a:noFill/>
+        </p:spPr>
+        <p:txBody>
+          <a:bodyPr wrap="square">
+            <a:spAutoFit/>
+          </a:bodyPr>
+          <a:lstStyle/>
+          <a:p>
+            <a:r>
+              <a:rPr lang="en-US" i="1" dirty="0">
+                <a:effectLst/>
+                <a:latin typeface="Times"/>
+              </a:rPr>
+              <a:t>Gross (2011): Chapter13: There is a 72% chance of spontaneous healing for all untreated patients, the remaining 28% patients will proceed to tertiary syphilis (after 3–10 years) or to quaternary syphilis (after 3 or 4 decades) [</a:t>
+            </a:r>
+            <a:r>
+              <a:rPr lang="en-US" i="1" dirty="0">
+                <a:solidFill>
+                  <a:srgbClr val="0000FB"/>
+                </a:solidFill>
+                <a:effectLst/>
+                <a:latin typeface="Times"/>
+              </a:rPr>
+              <a:t>10</a:t>
+            </a:r>
+            <a:r>
+              <a:rPr lang="en-US" i="1" dirty="0">
+                <a:effectLst/>
+                <a:latin typeface="Times"/>
+              </a:rPr>
+              <a:t>].</a:t>
+            </a:r>
+            <a:endParaRPr lang="en-US" dirty="0">
+              <a:effectLst/>
+              <a:latin typeface="Times"/>
+            </a:endParaRPr>
+          </a:p>
+        </p:txBody>
+      </p:sp>
+      <p:cxnSp>
+        <p:nvCxnSpPr>
+          <p:cNvPr id="51" name="Elbow Connector 50">
+            <a:extLst>
+              <a:ext uri="{FF2B5EF4-FFF2-40B4-BE49-F238E27FC236}">
+                <a16:creationId xmlns:a16="http://schemas.microsoft.com/office/drawing/2014/main" id="{4D7B894B-6E12-1570-2A8B-2F08970C9F48}"/>
+              </a:ext>
+            </a:extLst>
+          </p:cNvPr>
+          <p:cNvCxnSpPr>
+            <a:cxnSpLocks/>
+            <a:stCxn id="6" idx="2"/>
+            <a:endCxn id="53" idx="0"/>
+          </p:cNvCxnSpPr>
+          <p:nvPr/>
+        </p:nvCxnSpPr>
+        <p:spPr>
+          <a:xfrm rot="5400000">
+            <a:off x="741237" y="4674343"/>
+            <a:ext cx="1189416" cy="1101430"/>
+          </a:xfrm>
+          <a:prstGeom prst="bentConnector3">
+            <a:avLst>
+              <a:gd name="adj1" fmla="val 50000"/>
+            </a:avLst>
+          </a:prstGeom>
+          <a:ln w="25400" cmpd="sng">
+            <a:solidFill>
+              <a:schemeClr val="tx1"/>
+            </a:solidFill>
+            <a:headEnd type="none"/>
+            <a:tailEnd type="triangle" w="lg" len="med"/>
+          </a:ln>
+        </p:spPr>
+        <p:style>
+          <a:lnRef idx="2">
+            <a:schemeClr val="accent5">
+              <a:shade val="50000"/>
+            </a:schemeClr>
+          </a:lnRef>
+          <a:fillRef idx="1">
+            <a:schemeClr val="accent5"/>
+          </a:fillRef>
+          <a:effectRef idx="0">
+            <a:schemeClr val="accent5"/>
+          </a:effectRef>
+          <a:fontRef idx="minor">
+            <a:schemeClr val="lt1"/>
+          </a:fontRef>
+        </p:style>
+      </p:cxnSp>
+      <p:sp>
+        <p:nvSpPr>
+          <p:cNvPr id="53" name="Rectangle 52">
+            <a:extLst>
+              <a:ext uri="{FF2B5EF4-FFF2-40B4-BE49-F238E27FC236}">
+                <a16:creationId xmlns:a16="http://schemas.microsoft.com/office/drawing/2014/main" id="{9CB46B1C-2EE4-7C4D-A4D9-B41F710FCB6A}"/>
+              </a:ext>
+            </a:extLst>
+          </p:cNvPr>
+          <p:cNvSpPr/>
+          <p:nvPr/>
+        </p:nvSpPr>
+        <p:spPr>
+          <a:xfrm>
+            <a:off x="53710" y="5819766"/>
+            <a:ext cx="1463040" cy="694746"/>
+          </a:xfrm>
+          <a:prstGeom prst="rect">
+            <a:avLst/>
+          </a:prstGeom>
+          <a:solidFill>
+            <a:srgbClr val="AED9D8"/>
+          </a:solidFill>
+          <a:ln w="25400">
+            <a:solidFill>
+              <a:schemeClr val="tx1"/>
+            </a:solidFill>
+          </a:ln>
+        </p:spPr>
+        <p:style>
+          <a:lnRef idx="2">
+            <a:schemeClr val="dk1"/>
+          </a:lnRef>
+          <a:fillRef idx="1">
+            <a:schemeClr val="lt1"/>
+          </a:fillRef>
+          <a:effectRef idx="0">
+            <a:schemeClr val="dk1"/>
+          </a:effectRef>
+          <a:fontRef idx="minor">
+            <a:schemeClr val="dk1"/>
+          </a:fontRef>
+        </p:style>
+        <p:txBody>
+          <a:bodyPr rtlCol="0" anchor="ctr"/>
+          <a:lstStyle/>
+          <a:p>
+            <a:pPr algn="ctr"/>
+            <a:r>
+              <a:rPr lang="en-US" dirty="0">
+                <a:latin typeface="Arial" panose="020B0604020202020204" pitchFamily="34" charset="0"/>
+                <a:cs typeface="Arial" panose="020B0604020202020204" pitchFamily="34" charset="0"/>
+              </a:rPr>
+              <a:t>Recovered ?</a:t>
+            </a:r>
+          </a:p>
+        </p:txBody>
+      </p:sp>
+      <p:sp>
+        <p:nvSpPr>
+          <p:cNvPr id="56" name="TextBox 55">
+            <a:extLst>
+              <a:ext uri="{FF2B5EF4-FFF2-40B4-BE49-F238E27FC236}">
+                <a16:creationId xmlns:a16="http://schemas.microsoft.com/office/drawing/2014/main" id="{01D848A1-2961-F0F9-B433-175A56DD3B90}"/>
+              </a:ext>
+            </a:extLst>
+          </p:cNvPr>
+          <p:cNvSpPr txBox="1"/>
+          <p:nvPr/>
+        </p:nvSpPr>
+        <p:spPr>
+          <a:xfrm>
+            <a:off x="819100" y="4881452"/>
+            <a:ext cx="622286" cy="369332"/>
           </a:xfrm>
           <a:prstGeom prst="rect">
             <a:avLst/>
@@ -11830,24 +10973,18 @@
           <a:lstStyle/>
           <a:p>
             <a:r>
-              <a:rPr lang="en-US" i="1" dirty="0"/>
-              <a:t>Primary </a:t>
-            </a:r>
-          </a:p>
-          <a:p>
-            <a:r>
-              <a:rPr lang="en-US" i="1" dirty="0"/>
-              <a:t>Incubation</a:t>
-            </a:r>
-          </a:p>
-        </p:txBody>
-      </p:sp>
-      <p:sp>
-        <p:nvSpPr>
-          <p:cNvPr id="14" name="TextBox 13">
-            <a:extLst>
-              <a:ext uri="{FF2B5EF4-FFF2-40B4-BE49-F238E27FC236}">
-                <a16:creationId xmlns:a16="http://schemas.microsoft.com/office/drawing/2014/main" id="{158B7D49-478A-1696-C8B6-A988F9BDF272}"/>
+              <a:rPr lang="en-US" dirty="0"/>
+              <a:t>72%</a:t>
+            </a:r>
+          </a:p>
+        </p:txBody>
+      </p:sp>
+      <p:sp>
+        <p:nvSpPr>
+          <p:cNvPr id="57" name="TextBox 56">
+            <a:extLst>
+              <a:ext uri="{FF2B5EF4-FFF2-40B4-BE49-F238E27FC236}">
+                <a16:creationId xmlns:a16="http://schemas.microsoft.com/office/drawing/2014/main" id="{56757C1F-017D-4B8D-0C5C-D0C987060042}"/>
               </a:ext>
             </a:extLst>
           </p:cNvPr>
@@ -11856,8 +10993,8 @@
         </p:nvSpPr>
         <p:spPr>
           <a:xfrm>
-            <a:off x="3786873" y="96252"/>
-            <a:ext cx="1292918" cy="646331"/>
+            <a:off x="2065867" y="5520267"/>
+            <a:ext cx="784189" cy="369332"/>
           </a:xfrm>
           <a:prstGeom prst="rect">
             <a:avLst/>
@@ -11871,24 +11008,18 @@
           <a:lstStyle/>
           <a:p>
             <a:r>
-              <a:rPr lang="en-US" i="1" dirty="0"/>
-              <a:t>Secondary </a:t>
-            </a:r>
-          </a:p>
-          <a:p>
-            <a:r>
-              <a:rPr lang="en-US" i="1" dirty="0"/>
-              <a:t>Incubation</a:t>
-            </a:r>
-          </a:p>
-        </p:txBody>
-      </p:sp>
-      <p:sp>
-        <p:nvSpPr>
-          <p:cNvPr id="16" name="TextBox 15">
-            <a:extLst>
-              <a:ext uri="{FF2B5EF4-FFF2-40B4-BE49-F238E27FC236}">
-                <a16:creationId xmlns:a16="http://schemas.microsoft.com/office/drawing/2014/main" id="{A2429FCF-7854-1F41-C72D-64EE50505574}"/>
+              <a:rPr lang="en-US" dirty="0"/>
+              <a:t>28%? </a:t>
+            </a:r>
+          </a:p>
+        </p:txBody>
+      </p:sp>
+      <p:sp>
+        <p:nvSpPr>
+          <p:cNvPr id="59" name="TextBox 58">
+            <a:extLst>
+              <a:ext uri="{FF2B5EF4-FFF2-40B4-BE49-F238E27FC236}">
+                <a16:creationId xmlns:a16="http://schemas.microsoft.com/office/drawing/2014/main" id="{F8DE58A2-4943-93F6-CDDF-805ACB169C44}"/>
               </a:ext>
             </a:extLst>
           </p:cNvPr>
@@ -11897,8 +11028,8 @@
         </p:nvSpPr>
         <p:spPr>
           <a:xfrm>
-            <a:off x="5819293" y="100972"/>
-            <a:ext cx="1292918" cy="646331"/>
+            <a:off x="5452533" y="220133"/>
+            <a:ext cx="6933373" cy="646331"/>
           </a:xfrm>
           <a:prstGeom prst="rect">
             <a:avLst/>
@@ -11912,60 +11043,255 @@
           <a:lstStyle/>
           <a:p>
             <a:r>
-              <a:rPr lang="en-US" i="1" dirty="0"/>
-              <a:t>Secondary </a:t>
-            </a:r>
-          </a:p>
-          <a:p>
-            <a:r>
-              <a:rPr lang="en-US" i="1" dirty="0"/>
-              <a:t>Disease</a:t>
+              <a:rPr lang="en-US" dirty="0"/>
+              <a:t>Breaking down tertiary syphilis </a:t>
+            </a:r>
+          </a:p>
+          <a:p>
+            <a:r>
+              <a:rPr lang="en-US" dirty="0"/>
+              <a:t>What proportion of cases actually develop tertiary or get recovered? </a:t>
+            </a:r>
+          </a:p>
+        </p:txBody>
+      </p:sp>
+      <p:sp>
+        <p:nvSpPr>
+          <p:cNvPr id="3" name="TextBox 2">
+            <a:extLst>
+              <a:ext uri="{FF2B5EF4-FFF2-40B4-BE49-F238E27FC236}">
+                <a16:creationId xmlns:a16="http://schemas.microsoft.com/office/drawing/2014/main" id="{D1090A29-09AE-AF7B-FA63-14834AD4351A}"/>
+              </a:ext>
+            </a:extLst>
+          </p:cNvPr>
+          <p:cNvSpPr txBox="1"/>
+          <p:nvPr/>
+        </p:nvSpPr>
+        <p:spPr>
+          <a:xfrm>
+            <a:off x="-1932968" y="6601827"/>
+            <a:ext cx="3140155" cy="646331"/>
+          </a:xfrm>
+          <a:prstGeom prst="rect">
+            <a:avLst/>
+          </a:prstGeom>
+          <a:noFill/>
+        </p:spPr>
+        <p:txBody>
+          <a:bodyPr wrap="none" rtlCol="0">
+            <a:spAutoFit/>
+          </a:bodyPr>
+          <a:lstStyle/>
+          <a:p>
+            <a:r>
+              <a:rPr lang="en-US" dirty="0"/>
+              <a:t>Does it worth adding this?</a:t>
+            </a:r>
+          </a:p>
+          <a:p>
+            <a:r>
+              <a:rPr lang="en-US" dirty="0"/>
+              <a:t>Helps us map mortality better</a:t>
+            </a:r>
+          </a:p>
+        </p:txBody>
+      </p:sp>
+      <p:sp>
+        <p:nvSpPr>
+          <p:cNvPr id="18" name="TextBox 17">
+            <a:extLst>
+              <a:ext uri="{FF2B5EF4-FFF2-40B4-BE49-F238E27FC236}">
+                <a16:creationId xmlns:a16="http://schemas.microsoft.com/office/drawing/2014/main" id="{3C5BD241-7DA0-C85D-A2FE-56DC7ED793E4}"/>
+              </a:ext>
+            </a:extLst>
+          </p:cNvPr>
+          <p:cNvSpPr txBox="1"/>
+          <p:nvPr/>
+        </p:nvSpPr>
+        <p:spPr>
+          <a:xfrm>
+            <a:off x="5795158" y="1104405"/>
+            <a:ext cx="1289135" cy="369332"/>
+          </a:xfrm>
+          <a:prstGeom prst="rect">
+            <a:avLst/>
+          </a:prstGeom>
+          <a:noFill/>
+        </p:spPr>
+        <p:txBody>
+          <a:bodyPr wrap="none" rtlCol="0">
+            <a:spAutoFit/>
+          </a:bodyPr>
+          <a:lstStyle/>
+          <a:p>
+            <a:r>
+              <a:rPr lang="en-US" dirty="0"/>
+              <a:t>Immunity? </a:t>
             </a:r>
           </a:p>
         </p:txBody>
       </p:sp>
       <p:cxnSp>
         <p:nvCxnSpPr>
-          <p:cNvPr id="17" name="Straight Connector 16">
-            <a:extLst>
-              <a:ext uri="{FF2B5EF4-FFF2-40B4-BE49-F238E27FC236}">
-                <a16:creationId xmlns:a16="http://schemas.microsoft.com/office/drawing/2014/main" id="{6DB88E1D-4BCF-9DC5-8F73-227B218EB435}"/>
-              </a:ext>
-            </a:extLst>
-          </p:cNvPr>
-          <p:cNvCxnSpPr/>
+          <p:cNvPr id="28" name="Elbow Connector 27">
+            <a:extLst>
+              <a:ext uri="{FF2B5EF4-FFF2-40B4-BE49-F238E27FC236}">
+                <a16:creationId xmlns:a16="http://schemas.microsoft.com/office/drawing/2014/main" id="{E8B89A95-A9E4-47FB-89AA-E99C36299625}"/>
+              </a:ext>
+            </a:extLst>
+          </p:cNvPr>
+          <p:cNvCxnSpPr>
+            <a:cxnSpLocks/>
+            <a:stCxn id="8" idx="2"/>
+            <a:endCxn id="31" idx="0"/>
+          </p:cNvCxnSpPr>
           <p:nvPr/>
         </p:nvCxnSpPr>
         <p:spPr>
-          <a:xfrm>
-            <a:off x="8455446" y="1112703"/>
-            <a:ext cx="0" cy="396607"/>
-          </a:xfrm>
-          <a:prstGeom prst="line">
-            <a:avLst/>
-          </a:prstGeom>
+          <a:xfrm rot="16200000" flipH="1">
+            <a:off x="3075671" y="-599506"/>
+            <a:ext cx="1514762" cy="3892785"/>
+          </a:xfrm>
+          <a:prstGeom prst="bentConnector3">
+            <a:avLst>
+              <a:gd name="adj1" fmla="val 50000"/>
+            </a:avLst>
+          </a:prstGeom>
+          <a:ln w="25400" cmpd="sng">
+            <a:solidFill>
+              <a:schemeClr val="tx1"/>
+            </a:solidFill>
+            <a:headEnd type="none"/>
+            <a:tailEnd type="triangle" w="lg" len="med"/>
+          </a:ln>
         </p:spPr>
         <p:style>
           <a:lnRef idx="2">
-            <a:schemeClr val="accent1"/>
+            <a:schemeClr val="accent5">
+              <a:shade val="50000"/>
+            </a:schemeClr>
           </a:lnRef>
-          <a:fillRef idx="0">
-            <a:schemeClr val="accent1"/>
+          <a:fillRef idx="1">
+            <a:schemeClr val="accent5"/>
           </a:fillRef>
-          <a:effectRef idx="1">
-            <a:schemeClr val="accent1"/>
+          <a:effectRef idx="0">
+            <a:schemeClr val="accent5"/>
           </a:effectRef>
           <a:fontRef idx="minor">
-            <a:schemeClr val="tx1"/>
+            <a:schemeClr val="lt1"/>
           </a:fontRef>
         </p:style>
       </p:cxnSp>
-      <p:sp>
-        <p:nvSpPr>
-          <p:cNvPr id="18" name="TextBox 17">
-            <a:extLst>
-              <a:ext uri="{FF2B5EF4-FFF2-40B4-BE49-F238E27FC236}">
-                <a16:creationId xmlns:a16="http://schemas.microsoft.com/office/drawing/2014/main" id="{FC8A6303-CCFB-7D6E-045D-B923418BC24C}"/>
+      <p:cxnSp>
+        <p:nvCxnSpPr>
+          <p:cNvPr id="33" name="Elbow Connector 32">
+            <a:extLst>
+              <a:ext uri="{FF2B5EF4-FFF2-40B4-BE49-F238E27FC236}">
+                <a16:creationId xmlns:a16="http://schemas.microsoft.com/office/drawing/2014/main" id="{B5FFE9C9-BA10-C588-BC67-040DC5936108}"/>
+              </a:ext>
+            </a:extLst>
+          </p:cNvPr>
+          <p:cNvCxnSpPr>
+            <a:cxnSpLocks/>
+            <a:stCxn id="5" idx="3"/>
+            <a:endCxn id="31" idx="0"/>
+          </p:cNvCxnSpPr>
+          <p:nvPr/>
+        </p:nvCxnSpPr>
+        <p:spPr>
+          <a:xfrm flipV="1">
+            <a:off x="1560982" y="2104268"/>
+            <a:ext cx="4218463" cy="400468"/>
+          </a:xfrm>
+          <a:prstGeom prst="bentConnector4">
+            <a:avLst>
+              <a:gd name="adj1" fmla="val 38520"/>
+              <a:gd name="adj2" fmla="val 157083"/>
+            </a:avLst>
+          </a:prstGeom>
+          <a:ln w="25400" cmpd="sng">
+            <a:solidFill>
+              <a:schemeClr val="tx1"/>
+            </a:solidFill>
+            <a:headEnd type="none"/>
+            <a:tailEnd type="triangle" w="lg" len="med"/>
+          </a:ln>
+        </p:spPr>
+        <p:style>
+          <a:lnRef idx="2">
+            <a:schemeClr val="accent5">
+              <a:shade val="50000"/>
+            </a:schemeClr>
+          </a:lnRef>
+          <a:fillRef idx="1">
+            <a:schemeClr val="accent5"/>
+          </a:fillRef>
+          <a:effectRef idx="0">
+            <a:schemeClr val="accent5"/>
+          </a:effectRef>
+          <a:fontRef idx="minor">
+            <a:schemeClr val="lt1"/>
+          </a:fontRef>
+        </p:style>
+      </p:cxnSp>
+      <p:cxnSp>
+        <p:nvCxnSpPr>
+          <p:cNvPr id="37" name="Elbow Connector 36">
+            <a:extLst>
+              <a:ext uri="{FF2B5EF4-FFF2-40B4-BE49-F238E27FC236}">
+                <a16:creationId xmlns:a16="http://schemas.microsoft.com/office/drawing/2014/main" id="{AF97A98F-98C9-773D-E2E4-4437313853A4}"/>
+              </a:ext>
+            </a:extLst>
+          </p:cNvPr>
+          <p:cNvCxnSpPr>
+            <a:cxnSpLocks/>
+            <a:stCxn id="11" idx="3"/>
+            <a:endCxn id="31" idx="0"/>
+          </p:cNvCxnSpPr>
+          <p:nvPr/>
+        </p:nvCxnSpPr>
+        <p:spPr>
+          <a:xfrm flipV="1">
+            <a:off x="1560982" y="2104268"/>
+            <a:ext cx="4218463" cy="1261077"/>
+          </a:xfrm>
+          <a:prstGeom prst="bentConnector4">
+            <a:avLst>
+              <a:gd name="adj1" fmla="val 38520"/>
+              <a:gd name="adj2" fmla="val 118127"/>
+            </a:avLst>
+          </a:prstGeom>
+          <a:ln w="25400" cmpd="sng">
+            <a:solidFill>
+              <a:schemeClr val="tx1"/>
+            </a:solidFill>
+            <a:headEnd type="none"/>
+            <a:tailEnd type="triangle" w="lg" len="med"/>
+          </a:ln>
+        </p:spPr>
+        <p:style>
+          <a:lnRef idx="2">
+            <a:schemeClr val="accent5">
+              <a:shade val="50000"/>
+            </a:schemeClr>
+          </a:lnRef>
+          <a:fillRef idx="1">
+            <a:schemeClr val="accent5"/>
+          </a:fillRef>
+          <a:effectRef idx="0">
+            <a:schemeClr val="accent5"/>
+          </a:effectRef>
+          <a:fontRef idx="minor">
+            <a:schemeClr val="lt1"/>
+          </a:fontRef>
+        </p:style>
+      </p:cxnSp>
+      <p:sp>
+        <p:nvSpPr>
+          <p:cNvPr id="44" name="TextBox 43">
+            <a:extLst>
+              <a:ext uri="{FF2B5EF4-FFF2-40B4-BE49-F238E27FC236}">
+                <a16:creationId xmlns:a16="http://schemas.microsoft.com/office/drawing/2014/main" id="{193D914B-2E87-5317-5CDD-1078B7545C4D}"/>
               </a:ext>
             </a:extLst>
           </p:cNvPr>
@@ -11974,8 +11300,8 @@
         </p:nvSpPr>
         <p:spPr>
           <a:xfrm>
-            <a:off x="8945697" y="89167"/>
-            <a:ext cx="989373" cy="646331"/>
+            <a:off x="6852062" y="2446317"/>
+            <a:ext cx="4889608" cy="646331"/>
           </a:xfrm>
           <a:prstGeom prst="rect">
             <a:avLst/>
@@ -11989,908 +11315,14 @@
           <a:lstStyle/>
           <a:p>
             <a:r>
-              <a:rPr lang="en-US" i="1" dirty="0"/>
-              <a:t>Latent </a:t>
-            </a:r>
-          </a:p>
-          <a:p>
-            <a:r>
-              <a:rPr lang="en-US" i="1" dirty="0"/>
-              <a:t>Disease</a:t>
-            </a:r>
-          </a:p>
-        </p:txBody>
-      </p:sp>
-      <p:sp>
-        <p:nvSpPr>
-          <p:cNvPr id="19" name="TextBox 18">
-            <a:extLst>
-              <a:ext uri="{FF2B5EF4-FFF2-40B4-BE49-F238E27FC236}">
-                <a16:creationId xmlns:a16="http://schemas.microsoft.com/office/drawing/2014/main" id="{3D6DBAFC-D1E9-B976-99CA-908C3898BAB4}"/>
-              </a:ext>
-            </a:extLst>
-          </p:cNvPr>
-          <p:cNvSpPr txBox="1"/>
-          <p:nvPr/>
-        </p:nvSpPr>
-        <p:spPr>
-          <a:xfrm>
-            <a:off x="1521055" y="1660670"/>
-            <a:ext cx="2035557" cy="369332"/>
-          </a:xfrm>
-          <a:prstGeom prst="rect">
-            <a:avLst/>
-          </a:prstGeom>
-          <a:noFill/>
-        </p:spPr>
-        <p:txBody>
-          <a:bodyPr wrap="none" rtlCol="0">
-            <a:spAutoFit/>
-          </a:bodyPr>
-          <a:lstStyle/>
-          <a:p>
-            <a:r>
               <a:rPr lang="en-US" dirty="0"/>
-              <a:t>3weeks [3-90days]</a:t>
-            </a:r>
-          </a:p>
-        </p:txBody>
-      </p:sp>
-      <p:sp>
-        <p:nvSpPr>
-          <p:cNvPr id="20" name="TextBox 19">
-            <a:extLst>
-              <a:ext uri="{FF2B5EF4-FFF2-40B4-BE49-F238E27FC236}">
-                <a16:creationId xmlns:a16="http://schemas.microsoft.com/office/drawing/2014/main" id="{F74A2441-42FE-D08B-99B0-D147C2A6C46E}"/>
-              </a:ext>
-            </a:extLst>
-          </p:cNvPr>
-          <p:cNvSpPr txBox="1"/>
-          <p:nvPr/>
-        </p:nvSpPr>
-        <p:spPr>
-          <a:xfrm>
-            <a:off x="-52123" y="4798172"/>
-            <a:ext cx="1068369" cy="369332"/>
-          </a:xfrm>
-          <a:prstGeom prst="rect">
-            <a:avLst/>
-          </a:prstGeom>
-          <a:noFill/>
-        </p:spPr>
-        <p:txBody>
-          <a:bodyPr wrap="none" rtlCol="0">
-            <a:spAutoFit/>
-          </a:bodyPr>
-          <a:lstStyle/>
-          <a:p>
-            <a:r>
-              <a:rPr lang="en-US" dirty="0" err="1"/>
-              <a:t>Garnette</a:t>
-            </a:r>
-            <a:endParaRPr lang="en-US" dirty="0"/>
-          </a:p>
-        </p:txBody>
-      </p:sp>
-      <p:sp>
-        <p:nvSpPr>
-          <p:cNvPr id="21" name="TextBox 20">
-            <a:extLst>
-              <a:ext uri="{FF2B5EF4-FFF2-40B4-BE49-F238E27FC236}">
-                <a16:creationId xmlns:a16="http://schemas.microsoft.com/office/drawing/2014/main" id="{65F863D7-374A-4641-287A-3986C57F2ECF}"/>
-              </a:ext>
-            </a:extLst>
-          </p:cNvPr>
-          <p:cNvSpPr txBox="1"/>
-          <p:nvPr/>
-        </p:nvSpPr>
-        <p:spPr>
-          <a:xfrm>
-            <a:off x="-204117" y="1652091"/>
-            <a:ext cx="1533048" cy="369332"/>
-          </a:xfrm>
-          <a:prstGeom prst="rect">
-            <a:avLst/>
-          </a:prstGeom>
-          <a:noFill/>
-        </p:spPr>
-        <p:txBody>
-          <a:bodyPr wrap="none" rtlCol="0">
-            <a:spAutoFit/>
-          </a:bodyPr>
-          <a:lstStyle/>
+              <a:t>Dominant stage</a:t>
+            </a:r>
+          </a:p>
           <a:p>
             <a:r>
               <a:rPr lang="en-US" dirty="0"/>
-              <a:t>Other studies</a:t>
-            </a:r>
-          </a:p>
-        </p:txBody>
-      </p:sp>
-      <p:sp>
-        <p:nvSpPr>
-          <p:cNvPr id="22" name="TextBox 21">
-            <a:extLst>
-              <a:ext uri="{FF2B5EF4-FFF2-40B4-BE49-F238E27FC236}">
-                <a16:creationId xmlns:a16="http://schemas.microsoft.com/office/drawing/2014/main" id="{FD836C12-EBFF-1F8E-DEE9-6A98C87EE5CD}"/>
-              </a:ext>
-            </a:extLst>
-          </p:cNvPr>
-          <p:cNvSpPr txBox="1"/>
-          <p:nvPr/>
-        </p:nvSpPr>
-        <p:spPr>
-          <a:xfrm>
-            <a:off x="3840349" y="1712625"/>
-            <a:ext cx="1185966" cy="369332"/>
-          </a:xfrm>
-          <a:prstGeom prst="rect">
-            <a:avLst/>
-          </a:prstGeom>
-          <a:noFill/>
-        </p:spPr>
-        <p:txBody>
-          <a:bodyPr wrap="none" rtlCol="0">
-            <a:spAutoFit/>
-          </a:bodyPr>
-          <a:lstStyle/>
-          <a:p>
-            <a:r>
-              <a:rPr lang="en-US" dirty="0"/>
-              <a:t>2-6 weeks</a:t>
-            </a:r>
-          </a:p>
-        </p:txBody>
-      </p:sp>
-      <p:sp>
-        <p:nvSpPr>
-          <p:cNvPr id="23" name="TextBox 22">
-            <a:extLst>
-              <a:ext uri="{FF2B5EF4-FFF2-40B4-BE49-F238E27FC236}">
-                <a16:creationId xmlns:a16="http://schemas.microsoft.com/office/drawing/2014/main" id="{30090C7B-78B7-91FD-1542-F4CDC4E0B53D}"/>
-              </a:ext>
-            </a:extLst>
-          </p:cNvPr>
-          <p:cNvSpPr txBox="1"/>
-          <p:nvPr/>
-        </p:nvSpPr>
-        <p:spPr>
-          <a:xfrm>
-            <a:off x="4014669" y="5006536"/>
-            <a:ext cx="937501" cy="369332"/>
-          </a:xfrm>
-          <a:prstGeom prst="rect">
-            <a:avLst/>
-          </a:prstGeom>
-          <a:noFill/>
-        </p:spPr>
-        <p:txBody>
-          <a:bodyPr wrap="none" rtlCol="0">
-            <a:spAutoFit/>
-          </a:bodyPr>
-          <a:lstStyle/>
-          <a:p>
-            <a:r>
-              <a:rPr lang="en-US" dirty="0"/>
-              <a:t>6weeks</a:t>
-            </a:r>
-          </a:p>
-        </p:txBody>
-      </p:sp>
-      <p:sp>
-        <p:nvSpPr>
-          <p:cNvPr id="24" name="TextBox 23">
-            <a:extLst>
-              <a:ext uri="{FF2B5EF4-FFF2-40B4-BE49-F238E27FC236}">
-                <a16:creationId xmlns:a16="http://schemas.microsoft.com/office/drawing/2014/main" id="{13904E82-96F5-AF52-4CC4-7F8A11B4DDD8}"/>
-              </a:ext>
-            </a:extLst>
-          </p:cNvPr>
-          <p:cNvSpPr txBox="1"/>
-          <p:nvPr/>
-        </p:nvSpPr>
-        <p:spPr>
-          <a:xfrm>
-            <a:off x="6314258" y="5023203"/>
-            <a:ext cx="1851148" cy="738664"/>
-          </a:xfrm>
-          <a:prstGeom prst="rect">
-            <a:avLst/>
-          </a:prstGeom>
-          <a:noFill/>
-        </p:spPr>
-        <p:txBody>
-          <a:bodyPr wrap="none" rtlCol="0">
-            <a:spAutoFit/>
-          </a:bodyPr>
-          <a:lstStyle/>
-          <a:p>
-            <a:r>
-              <a:rPr lang="en-US" dirty="0"/>
-              <a:t>~14weeks</a:t>
-            </a:r>
-          </a:p>
-          <a:p>
-            <a:r>
-              <a:rPr lang="en-US" sz="1200" i="1" dirty="0"/>
-              <a:t>3.6months (1-12 months)</a:t>
-            </a:r>
-          </a:p>
-          <a:p>
-            <a:r>
-              <a:rPr lang="en-US" sz="1200" i="1" dirty="0"/>
-              <a:t>~[4-48weeks]</a:t>
-            </a:r>
-          </a:p>
-        </p:txBody>
-      </p:sp>
-      <p:sp>
-        <p:nvSpPr>
-          <p:cNvPr id="25" name="Left Brace 24">
-            <a:extLst>
-              <a:ext uri="{FF2B5EF4-FFF2-40B4-BE49-F238E27FC236}">
-                <a16:creationId xmlns:a16="http://schemas.microsoft.com/office/drawing/2014/main" id="{C0093F16-7F43-1F0D-642B-AE7548D4848C}"/>
-              </a:ext>
-            </a:extLst>
-          </p:cNvPr>
-          <p:cNvSpPr/>
-          <p:nvPr/>
-        </p:nvSpPr>
-        <p:spPr>
-          <a:xfrm rot="16200000">
-            <a:off x="2471697" y="754453"/>
-            <a:ext cx="242458" cy="1795741"/>
-          </a:xfrm>
-          <a:prstGeom prst="leftBrace">
-            <a:avLst>
-              <a:gd name="adj1" fmla="val 44906"/>
-              <a:gd name="adj2" fmla="val 50000"/>
-            </a:avLst>
-          </a:prstGeom>
-        </p:spPr>
-        <p:style>
-          <a:lnRef idx="2">
-            <a:schemeClr val="accent1"/>
-          </a:lnRef>
-          <a:fillRef idx="0">
-            <a:schemeClr val="accent1"/>
-          </a:fillRef>
-          <a:effectRef idx="1">
-            <a:schemeClr val="accent1"/>
-          </a:effectRef>
-          <a:fontRef idx="minor">
-            <a:schemeClr val="tx1"/>
-          </a:fontRef>
-        </p:style>
-        <p:txBody>
-          <a:bodyPr rtlCol="0" anchor="ctr"/>
-          <a:lstStyle/>
-          <a:p>
-            <a:pPr algn="ctr"/>
-            <a:endParaRPr lang="en-US"/>
-          </a:p>
-        </p:txBody>
-      </p:sp>
-      <p:sp>
-        <p:nvSpPr>
-          <p:cNvPr id="26" name="Left Brace 25">
-            <a:extLst>
-              <a:ext uri="{FF2B5EF4-FFF2-40B4-BE49-F238E27FC236}">
-                <a16:creationId xmlns:a16="http://schemas.microsoft.com/office/drawing/2014/main" id="{81FBF07B-5445-AA17-63F0-08FBA253D9B3}"/>
-              </a:ext>
-            </a:extLst>
-          </p:cNvPr>
-          <p:cNvSpPr/>
-          <p:nvPr/>
-        </p:nvSpPr>
-        <p:spPr>
-          <a:xfrm rot="16200000">
-            <a:off x="4343248" y="917948"/>
-            <a:ext cx="242452" cy="1523173"/>
-          </a:xfrm>
-          <a:prstGeom prst="leftBrace">
-            <a:avLst>
-              <a:gd name="adj1" fmla="val 44906"/>
-              <a:gd name="adj2" fmla="val 50000"/>
-            </a:avLst>
-          </a:prstGeom>
-        </p:spPr>
-        <p:style>
-          <a:lnRef idx="2">
-            <a:schemeClr val="accent1"/>
-          </a:lnRef>
-          <a:fillRef idx="0">
-            <a:schemeClr val="accent1"/>
-          </a:fillRef>
-          <a:effectRef idx="1">
-            <a:schemeClr val="accent1"/>
-          </a:effectRef>
-          <a:fontRef idx="minor">
-            <a:schemeClr val="tx1"/>
-          </a:fontRef>
-        </p:style>
-        <p:txBody>
-          <a:bodyPr rtlCol="0" anchor="ctr"/>
-          <a:lstStyle/>
-          <a:p>
-            <a:pPr algn="ctr"/>
-            <a:endParaRPr lang="en-US"/>
-          </a:p>
-        </p:txBody>
-      </p:sp>
-      <p:sp>
-        <p:nvSpPr>
-          <p:cNvPr id="27" name="Left Brace 26">
-            <a:extLst>
-              <a:ext uri="{FF2B5EF4-FFF2-40B4-BE49-F238E27FC236}">
-                <a16:creationId xmlns:a16="http://schemas.microsoft.com/office/drawing/2014/main" id="{BCE248B6-D4E7-C47B-B935-D71B3764C92C}"/>
-              </a:ext>
-            </a:extLst>
-          </p:cNvPr>
-          <p:cNvSpPr/>
-          <p:nvPr/>
-        </p:nvSpPr>
-        <p:spPr>
-          <a:xfrm rot="16200000">
-            <a:off x="4952653" y="898077"/>
-            <a:ext cx="242450" cy="2741981"/>
-          </a:xfrm>
-          <a:prstGeom prst="leftBrace">
-            <a:avLst>
-              <a:gd name="adj1" fmla="val 44906"/>
-              <a:gd name="adj2" fmla="val 50000"/>
-            </a:avLst>
-          </a:prstGeom>
-        </p:spPr>
-        <p:style>
-          <a:lnRef idx="2">
-            <a:schemeClr val="accent1"/>
-          </a:lnRef>
-          <a:fillRef idx="0">
-            <a:schemeClr val="accent1"/>
-          </a:fillRef>
-          <a:effectRef idx="1">
-            <a:schemeClr val="accent1"/>
-          </a:effectRef>
-          <a:fontRef idx="minor">
-            <a:schemeClr val="tx1"/>
-          </a:fontRef>
-        </p:style>
-        <p:txBody>
-          <a:bodyPr rtlCol="0" anchor="ctr"/>
-          <a:lstStyle/>
-          <a:p>
-            <a:pPr algn="ctr"/>
-            <a:endParaRPr lang="en-US"/>
-          </a:p>
-        </p:txBody>
-      </p:sp>
-      <p:sp>
-        <p:nvSpPr>
-          <p:cNvPr id="28" name="TextBox 27">
-            <a:extLst>
-              <a:ext uri="{FF2B5EF4-FFF2-40B4-BE49-F238E27FC236}">
-                <a16:creationId xmlns:a16="http://schemas.microsoft.com/office/drawing/2014/main" id="{B3F1A739-BACB-C685-6A97-0D7181126A19}"/>
-              </a:ext>
-            </a:extLst>
-          </p:cNvPr>
-          <p:cNvSpPr txBox="1"/>
-          <p:nvPr/>
-        </p:nvSpPr>
-        <p:spPr>
-          <a:xfrm>
-            <a:off x="4633078" y="2305708"/>
-            <a:ext cx="1707130" cy="738664"/>
-          </a:xfrm>
-          <a:prstGeom prst="rect">
-            <a:avLst/>
-          </a:prstGeom>
-          <a:noFill/>
-        </p:spPr>
-        <p:txBody>
-          <a:bodyPr wrap="square" rtlCol="0">
-            <a:spAutoFit/>
-          </a:bodyPr>
-          <a:lstStyle/>
-          <a:p>
-            <a:r>
-              <a:rPr lang="en-US" dirty="0"/>
-              <a:t>2-8weeks</a:t>
-            </a:r>
-          </a:p>
-          <a:p>
-            <a:r>
-              <a:rPr lang="en-US" sz="1200" i="1" dirty="0"/>
-              <a:t>Secondary develops after chancre appears </a:t>
-            </a:r>
-          </a:p>
-        </p:txBody>
-      </p:sp>
-      <p:sp>
-        <p:nvSpPr>
-          <p:cNvPr id="29" name="TextBox 28">
-            <a:extLst>
-              <a:ext uri="{FF2B5EF4-FFF2-40B4-BE49-F238E27FC236}">
-                <a16:creationId xmlns:a16="http://schemas.microsoft.com/office/drawing/2014/main" id="{F7FEFD46-C22C-C075-A8B5-1F4DB9BFA47E}"/>
-              </a:ext>
-            </a:extLst>
-          </p:cNvPr>
-          <p:cNvSpPr txBox="1"/>
-          <p:nvPr/>
-        </p:nvSpPr>
-        <p:spPr>
-          <a:xfrm>
-            <a:off x="6191480" y="1949986"/>
-            <a:ext cx="184731" cy="369332"/>
-          </a:xfrm>
-          <a:prstGeom prst="rect">
-            <a:avLst/>
-          </a:prstGeom>
-          <a:noFill/>
-        </p:spPr>
-        <p:txBody>
-          <a:bodyPr wrap="none" rtlCol="0">
-            <a:spAutoFit/>
-          </a:bodyPr>
-          <a:lstStyle/>
-          <a:p>
-            <a:endParaRPr lang="en-US" dirty="0"/>
-          </a:p>
-        </p:txBody>
-      </p:sp>
-      <p:sp>
-        <p:nvSpPr>
-          <p:cNvPr id="30" name="Left Brace 29">
-            <a:extLst>
-              <a:ext uri="{FF2B5EF4-FFF2-40B4-BE49-F238E27FC236}">
-                <a16:creationId xmlns:a16="http://schemas.microsoft.com/office/drawing/2014/main" id="{CF939BAA-7F32-20BB-229A-511F0A05BE95}"/>
-              </a:ext>
-            </a:extLst>
-          </p:cNvPr>
-          <p:cNvSpPr/>
-          <p:nvPr/>
-        </p:nvSpPr>
-        <p:spPr>
-          <a:xfrm rot="16200000">
-            <a:off x="7339378" y="1296468"/>
-            <a:ext cx="242448" cy="1989695"/>
-          </a:xfrm>
-          <a:prstGeom prst="leftBrace">
-            <a:avLst>
-              <a:gd name="adj1" fmla="val 44906"/>
-              <a:gd name="adj2" fmla="val 50000"/>
-            </a:avLst>
-          </a:prstGeom>
-        </p:spPr>
-        <p:style>
-          <a:lnRef idx="2">
-            <a:schemeClr val="accent1"/>
-          </a:lnRef>
-          <a:fillRef idx="0">
-            <a:schemeClr val="accent1"/>
-          </a:fillRef>
-          <a:effectRef idx="1">
-            <a:schemeClr val="accent1"/>
-          </a:effectRef>
-          <a:fontRef idx="minor">
-            <a:schemeClr val="tx1"/>
-          </a:fontRef>
-        </p:style>
-        <p:txBody>
-          <a:bodyPr rtlCol="0" anchor="ctr"/>
-          <a:lstStyle/>
-          <a:p>
-            <a:pPr algn="ctr"/>
-            <a:endParaRPr lang="en-US"/>
-          </a:p>
-        </p:txBody>
-      </p:sp>
-      <p:sp>
-        <p:nvSpPr>
-          <p:cNvPr id="31" name="TextBox 30">
-            <a:extLst>
-              <a:ext uri="{FF2B5EF4-FFF2-40B4-BE49-F238E27FC236}">
-                <a16:creationId xmlns:a16="http://schemas.microsoft.com/office/drawing/2014/main" id="{7FCB49AE-7ABA-B286-77E5-0410C7C910A5}"/>
-              </a:ext>
-            </a:extLst>
-          </p:cNvPr>
-          <p:cNvSpPr txBox="1"/>
-          <p:nvPr/>
-        </p:nvSpPr>
-        <p:spPr>
-          <a:xfrm>
-            <a:off x="6769204" y="2346438"/>
-            <a:ext cx="1707130" cy="738664"/>
-          </a:xfrm>
-          <a:prstGeom prst="rect">
-            <a:avLst/>
-          </a:prstGeom>
-          <a:noFill/>
-        </p:spPr>
-        <p:txBody>
-          <a:bodyPr wrap="square" rtlCol="0">
-            <a:spAutoFit/>
-          </a:bodyPr>
-          <a:lstStyle/>
-          <a:p>
-            <a:r>
-              <a:rPr lang="en-US" dirty="0"/>
-              <a:t>4-8weeks</a:t>
-            </a:r>
-          </a:p>
-          <a:p>
-            <a:r>
-              <a:rPr lang="en-US" sz="1200" i="1" dirty="0"/>
-              <a:t>Heals in absence of treatment</a:t>
-            </a:r>
-          </a:p>
-        </p:txBody>
-      </p:sp>
-      <p:sp>
-        <p:nvSpPr>
-          <p:cNvPr id="32" name="Left Brace 31">
-            <a:extLst>
-              <a:ext uri="{FF2B5EF4-FFF2-40B4-BE49-F238E27FC236}">
-                <a16:creationId xmlns:a16="http://schemas.microsoft.com/office/drawing/2014/main" id="{AB6D485A-D5D2-D8A5-E6CA-2544B959A8DA}"/>
-              </a:ext>
-            </a:extLst>
-          </p:cNvPr>
-          <p:cNvSpPr/>
-          <p:nvPr/>
-        </p:nvSpPr>
-        <p:spPr>
-          <a:xfrm rot="16200000">
-            <a:off x="4952651" y="-378110"/>
-            <a:ext cx="242451" cy="6962050"/>
-          </a:xfrm>
-          <a:prstGeom prst="leftBrace">
-            <a:avLst>
-              <a:gd name="adj1" fmla="val 44906"/>
-              <a:gd name="adj2" fmla="val 50000"/>
-            </a:avLst>
-          </a:prstGeom>
-        </p:spPr>
-        <p:style>
-          <a:lnRef idx="2">
-            <a:schemeClr val="accent1"/>
-          </a:lnRef>
-          <a:fillRef idx="0">
-            <a:schemeClr val="accent1"/>
-          </a:fillRef>
-          <a:effectRef idx="1">
-            <a:schemeClr val="accent1"/>
-          </a:effectRef>
-          <a:fontRef idx="minor">
-            <a:schemeClr val="tx1"/>
-          </a:fontRef>
-        </p:style>
-        <p:txBody>
-          <a:bodyPr rtlCol="0" anchor="ctr"/>
-          <a:lstStyle/>
-          <a:p>
-            <a:pPr algn="ctr"/>
-            <a:endParaRPr lang="en-US"/>
-          </a:p>
-        </p:txBody>
-      </p:sp>
-      <p:sp>
-        <p:nvSpPr>
-          <p:cNvPr id="33" name="TextBox 32">
-            <a:extLst>
-              <a:ext uri="{FF2B5EF4-FFF2-40B4-BE49-F238E27FC236}">
-                <a16:creationId xmlns:a16="http://schemas.microsoft.com/office/drawing/2014/main" id="{F72BADC3-E871-9651-EDEB-B7C56B936727}"/>
-              </a:ext>
-            </a:extLst>
-          </p:cNvPr>
-          <p:cNvSpPr txBox="1"/>
-          <p:nvPr/>
-        </p:nvSpPr>
-        <p:spPr>
-          <a:xfrm>
-            <a:off x="4737253" y="3227939"/>
-            <a:ext cx="3642792" cy="923330"/>
-          </a:xfrm>
-          <a:prstGeom prst="rect">
-            <a:avLst/>
-          </a:prstGeom>
-          <a:noFill/>
-        </p:spPr>
-        <p:txBody>
-          <a:bodyPr wrap="none" rtlCol="0">
-            <a:spAutoFit/>
-          </a:bodyPr>
-          <a:lstStyle/>
-          <a:p>
-            <a:r>
-              <a:rPr lang="en-US" dirty="0"/>
-              <a:t>9-19weeks </a:t>
-            </a:r>
-            <a:r>
-              <a:rPr lang="en-US" sz="1200" i="1" dirty="0"/>
-              <a:t>assuming primary 3weeks</a:t>
-            </a:r>
-          </a:p>
-          <a:p>
-            <a:r>
-              <a:rPr lang="en-US" b="1" dirty="0"/>
-              <a:t>7-28 weeks </a:t>
-            </a:r>
-            <a:r>
-              <a:rPr lang="en-US" sz="1400" i="1" dirty="0"/>
-              <a:t>assuming primary 1-12 weeks</a:t>
-            </a:r>
-          </a:p>
-          <a:p>
-            <a:endParaRPr lang="en-US" i="1" dirty="0"/>
-          </a:p>
-        </p:txBody>
-      </p:sp>
-      <p:sp>
-        <p:nvSpPr>
-          <p:cNvPr id="34" name="Left Brace 33">
-            <a:extLst>
-              <a:ext uri="{FF2B5EF4-FFF2-40B4-BE49-F238E27FC236}">
-                <a16:creationId xmlns:a16="http://schemas.microsoft.com/office/drawing/2014/main" id="{50007AA3-A8D8-55BA-0417-3F48976D3C93}"/>
-              </a:ext>
-            </a:extLst>
-          </p:cNvPr>
-          <p:cNvSpPr/>
-          <p:nvPr/>
-        </p:nvSpPr>
-        <p:spPr>
-          <a:xfrm rot="16200000">
-            <a:off x="2392274" y="4084968"/>
-            <a:ext cx="191673" cy="1795741"/>
-          </a:xfrm>
-          <a:prstGeom prst="leftBrace">
-            <a:avLst>
-              <a:gd name="adj1" fmla="val 44906"/>
-              <a:gd name="adj2" fmla="val 50000"/>
-            </a:avLst>
-          </a:prstGeom>
-        </p:spPr>
-        <p:style>
-          <a:lnRef idx="2">
-            <a:schemeClr val="accent1"/>
-          </a:lnRef>
-          <a:fillRef idx="0">
-            <a:schemeClr val="accent1"/>
-          </a:fillRef>
-          <a:effectRef idx="1">
-            <a:schemeClr val="accent1"/>
-          </a:effectRef>
-          <a:fontRef idx="minor">
-            <a:schemeClr val="tx1"/>
-          </a:fontRef>
-        </p:style>
-        <p:txBody>
-          <a:bodyPr rtlCol="0" anchor="ctr"/>
-          <a:lstStyle/>
-          <a:p>
-            <a:pPr algn="ctr"/>
-            <a:endParaRPr lang="en-US"/>
-          </a:p>
-        </p:txBody>
-      </p:sp>
-      <p:sp>
-        <p:nvSpPr>
-          <p:cNvPr id="35" name="Left Brace 34">
-            <a:extLst>
-              <a:ext uri="{FF2B5EF4-FFF2-40B4-BE49-F238E27FC236}">
-                <a16:creationId xmlns:a16="http://schemas.microsoft.com/office/drawing/2014/main" id="{EA5CBB90-B15B-97A8-FE7B-A7DD21638A5E}"/>
-              </a:ext>
-            </a:extLst>
-          </p:cNvPr>
-          <p:cNvSpPr/>
-          <p:nvPr/>
-        </p:nvSpPr>
-        <p:spPr>
-          <a:xfrm rot="16200000">
-            <a:off x="4263824" y="4248462"/>
-            <a:ext cx="191668" cy="1523173"/>
-          </a:xfrm>
-          <a:prstGeom prst="leftBrace">
-            <a:avLst>
-              <a:gd name="adj1" fmla="val 44906"/>
-              <a:gd name="adj2" fmla="val 50000"/>
-            </a:avLst>
-          </a:prstGeom>
-        </p:spPr>
-        <p:style>
-          <a:lnRef idx="2">
-            <a:schemeClr val="accent1"/>
-          </a:lnRef>
-          <a:fillRef idx="0">
-            <a:schemeClr val="accent1"/>
-          </a:fillRef>
-          <a:effectRef idx="1">
-            <a:schemeClr val="accent1"/>
-          </a:effectRef>
-          <a:fontRef idx="minor">
-            <a:schemeClr val="tx1"/>
-          </a:fontRef>
-        </p:style>
-        <p:txBody>
-          <a:bodyPr rtlCol="0" anchor="ctr"/>
-          <a:lstStyle/>
-          <a:p>
-            <a:pPr algn="ctr"/>
-            <a:endParaRPr lang="en-US"/>
-          </a:p>
-        </p:txBody>
-      </p:sp>
-      <p:sp>
-        <p:nvSpPr>
-          <p:cNvPr id="36" name="Left Brace 35">
-            <a:extLst>
-              <a:ext uri="{FF2B5EF4-FFF2-40B4-BE49-F238E27FC236}">
-                <a16:creationId xmlns:a16="http://schemas.microsoft.com/office/drawing/2014/main" id="{7C2E926A-6DEE-9453-9D59-0CD6646C3B61}"/>
-              </a:ext>
-            </a:extLst>
-          </p:cNvPr>
-          <p:cNvSpPr/>
-          <p:nvPr/>
-        </p:nvSpPr>
-        <p:spPr>
-          <a:xfrm rot="16200000">
-            <a:off x="6824336" y="3374766"/>
-            <a:ext cx="191580" cy="3270478"/>
-          </a:xfrm>
-          <a:prstGeom prst="leftBrace">
-            <a:avLst>
-              <a:gd name="adj1" fmla="val 44906"/>
-              <a:gd name="adj2" fmla="val 50000"/>
-            </a:avLst>
-          </a:prstGeom>
-        </p:spPr>
-        <p:style>
-          <a:lnRef idx="2">
-            <a:schemeClr val="accent1"/>
-          </a:lnRef>
-          <a:fillRef idx="0">
-            <a:schemeClr val="accent1"/>
-          </a:fillRef>
-          <a:effectRef idx="1">
-            <a:schemeClr val="accent1"/>
-          </a:effectRef>
-          <a:fontRef idx="minor">
-            <a:schemeClr val="tx1"/>
-          </a:fontRef>
-        </p:style>
-        <p:txBody>
-          <a:bodyPr rtlCol="0" anchor="ctr"/>
-          <a:lstStyle/>
-          <a:p>
-            <a:pPr algn="ctr"/>
-            <a:endParaRPr lang="en-US"/>
-          </a:p>
-        </p:txBody>
-      </p:sp>
-      <p:sp>
-        <p:nvSpPr>
-          <p:cNvPr id="37" name="Left Brace 36">
-            <a:extLst>
-              <a:ext uri="{FF2B5EF4-FFF2-40B4-BE49-F238E27FC236}">
-                <a16:creationId xmlns:a16="http://schemas.microsoft.com/office/drawing/2014/main" id="{8D16FD1A-725C-A337-1C3B-232CE200F904}"/>
-              </a:ext>
-            </a:extLst>
-          </p:cNvPr>
-          <p:cNvSpPr/>
-          <p:nvPr/>
-        </p:nvSpPr>
-        <p:spPr>
-          <a:xfrm rot="16200000">
-            <a:off x="4999324" y="2217401"/>
-            <a:ext cx="242451" cy="6962050"/>
-          </a:xfrm>
-          <a:prstGeom prst="leftBrace">
-            <a:avLst>
-              <a:gd name="adj1" fmla="val 44906"/>
-              <a:gd name="adj2" fmla="val 50000"/>
-            </a:avLst>
-          </a:prstGeom>
-        </p:spPr>
-        <p:style>
-          <a:lnRef idx="2">
-            <a:schemeClr val="accent1"/>
-          </a:lnRef>
-          <a:fillRef idx="0">
-            <a:schemeClr val="accent1"/>
-          </a:fillRef>
-          <a:effectRef idx="1">
-            <a:schemeClr val="accent1"/>
-          </a:effectRef>
-          <a:fontRef idx="minor">
-            <a:schemeClr val="tx1"/>
-          </a:fontRef>
-        </p:style>
-        <p:txBody>
-          <a:bodyPr rtlCol="0" anchor="ctr"/>
-          <a:lstStyle/>
-          <a:p>
-            <a:pPr algn="ctr"/>
-            <a:endParaRPr lang="en-US"/>
-          </a:p>
-        </p:txBody>
-      </p:sp>
-      <p:sp>
-        <p:nvSpPr>
-          <p:cNvPr id="38" name="TextBox 37">
-            <a:extLst>
-              <a:ext uri="{FF2B5EF4-FFF2-40B4-BE49-F238E27FC236}">
-                <a16:creationId xmlns:a16="http://schemas.microsoft.com/office/drawing/2014/main" id="{A9404E61-29B0-B21A-1BD1-45CCBC6BA008}"/>
-              </a:ext>
-            </a:extLst>
-          </p:cNvPr>
-          <p:cNvSpPr txBox="1"/>
-          <p:nvPr/>
-        </p:nvSpPr>
-        <p:spPr>
-          <a:xfrm>
-            <a:off x="4783926" y="5823450"/>
-            <a:ext cx="1520994" cy="923330"/>
-          </a:xfrm>
-          <a:prstGeom prst="rect">
-            <a:avLst/>
-          </a:prstGeom>
-          <a:noFill/>
-        </p:spPr>
-        <p:txBody>
-          <a:bodyPr wrap="none" rtlCol="0">
-            <a:spAutoFit/>
-          </a:bodyPr>
-          <a:lstStyle/>
-          <a:p>
-            <a:r>
-              <a:rPr lang="en-US" dirty="0"/>
-              <a:t>23weeks</a:t>
-            </a:r>
-          </a:p>
-          <a:p>
-            <a:r>
-              <a:rPr lang="en-US" i="1" dirty="0"/>
-              <a:t>Or</a:t>
-            </a:r>
-          </a:p>
-          <a:p>
-            <a:r>
-              <a:rPr lang="en-US" i="1" dirty="0"/>
-              <a:t>[13-57weeks]</a:t>
-            </a:r>
-          </a:p>
-        </p:txBody>
-      </p:sp>
-      <p:sp>
-        <p:nvSpPr>
-          <p:cNvPr id="39" name="TextBox 38">
-            <a:extLst>
-              <a:ext uri="{FF2B5EF4-FFF2-40B4-BE49-F238E27FC236}">
-                <a16:creationId xmlns:a16="http://schemas.microsoft.com/office/drawing/2014/main" id="{8A41B089-035F-6BA1-89AF-04284C456D7A}"/>
-              </a:ext>
-            </a:extLst>
-          </p:cNvPr>
-          <p:cNvSpPr txBox="1"/>
-          <p:nvPr/>
-        </p:nvSpPr>
-        <p:spPr>
-          <a:xfrm>
-            <a:off x="-126466" y="-508782"/>
-            <a:ext cx="3637919" cy="369332"/>
-          </a:xfrm>
-          <a:prstGeom prst="rect">
-            <a:avLst/>
-          </a:prstGeom>
-          <a:noFill/>
-        </p:spPr>
-        <p:txBody>
-          <a:bodyPr wrap="none" rtlCol="0">
-            <a:spAutoFit/>
-          </a:bodyPr>
-          <a:lstStyle/>
-          <a:p>
-            <a:r>
-              <a:rPr lang="en-US" b="1" dirty="0"/>
-              <a:t>Parametrizing the natural history </a:t>
+              <a:t>Need to make sure how it’s captured in the data </a:t>
             </a:r>
           </a:p>
         </p:txBody>
@@ -12898,7 +11330,7 @@
     </p:spTree>
     <p:extLst>
       <p:ext uri="{BB962C8B-B14F-4D97-AF65-F5344CB8AC3E}">
-        <p14:creationId xmlns:p14="http://schemas.microsoft.com/office/powerpoint/2010/main" val="448451357"/>
+        <p14:creationId xmlns:p14="http://schemas.microsoft.com/office/powerpoint/2010/main" val="866495063"/>
       </p:ext>
     </p:extLst>
   </p:cSld>
@@ -12925,76 +11357,51 @@
           <a:chExt cx="0" cy="0"/>
         </a:xfrm>
       </p:grpSpPr>
-      <p:sp>
-        <p:nvSpPr>
-          <p:cNvPr id="2" name="Title 1">
-            <a:extLst>
-              <a:ext uri="{FF2B5EF4-FFF2-40B4-BE49-F238E27FC236}">
-                <a16:creationId xmlns:a16="http://schemas.microsoft.com/office/drawing/2014/main" id="{2C3569EE-9EDA-F9E6-791A-020C37FCBFBA}"/>
-              </a:ext>
-            </a:extLst>
-          </p:cNvPr>
-          <p:cNvSpPr>
-            <a:spLocks noGrp="1"/>
-          </p:cNvSpPr>
-          <p:nvPr>
-            <p:ph type="title"/>
-          </p:nvPr>
-        </p:nvSpPr>
-        <p:spPr/>
-        <p:txBody>
-          <a:bodyPr/>
-          <a:lstStyle/>
-          <a:p>
-            <a:r>
-              <a:rPr lang="en-US" dirty="0"/>
-              <a:t>Screen more or screen more often? </a:t>
-            </a:r>
-            <a:br>
-              <a:rPr lang="en-US" dirty="0"/>
-            </a:br>
-            <a:r>
-              <a:rPr lang="en-US" dirty="0"/>
-              <a:t>Tuite 2013</a:t>
-            </a:r>
-          </a:p>
-        </p:txBody>
-      </p:sp>
-      <p:pic>
-        <p:nvPicPr>
-          <p:cNvPr id="7" name="Content Placeholder 6" descr="A diagram of a model&#10;&#10;Description automatically generated">
-            <a:extLst>
-              <a:ext uri="{FF2B5EF4-FFF2-40B4-BE49-F238E27FC236}">
-                <a16:creationId xmlns:a16="http://schemas.microsoft.com/office/drawing/2014/main" id="{DA2D305E-6E2F-ADC1-840B-87A58B2F2DE1}"/>
-              </a:ext>
-            </a:extLst>
-          </p:cNvPr>
-          <p:cNvPicPr>
-            <a:picLocks noGrp="1" noChangeAspect="1"/>
-          </p:cNvPicPr>
-          <p:nvPr>
-            <p:ph idx="1"/>
-          </p:nvPr>
-        </p:nvPicPr>
-        <p:blipFill>
-          <a:blip r:embed="rId3"/>
-          <a:stretch>
-            <a:fillRect/>
-          </a:stretch>
-        </p:blipFill>
-        <p:spPr>
-          <a:xfrm>
-            <a:off x="7797631" y="1690688"/>
-            <a:ext cx="3674869" cy="4351338"/>
-          </a:xfrm>
-        </p:spPr>
-      </p:pic>
-      <p:sp>
-        <p:nvSpPr>
-          <p:cNvPr id="9" name="TextBox 8">
-            <a:extLst>
-              <a:ext uri="{FF2B5EF4-FFF2-40B4-BE49-F238E27FC236}">
-                <a16:creationId xmlns:a16="http://schemas.microsoft.com/office/drawing/2014/main" id="{26057193-8AB2-E719-37AB-18685A6DA7B0}"/>
+      <p:cxnSp>
+        <p:nvCxnSpPr>
+          <p:cNvPr id="5" name="Straight Arrow Connector 4">
+            <a:extLst>
+              <a:ext uri="{FF2B5EF4-FFF2-40B4-BE49-F238E27FC236}">
+                <a16:creationId xmlns:a16="http://schemas.microsoft.com/office/drawing/2014/main" id="{8792FB08-2CB7-40F8-640A-3926FFA8C226}"/>
+              </a:ext>
+            </a:extLst>
+          </p:cNvPr>
+          <p:cNvCxnSpPr/>
+          <p:nvPr/>
+        </p:nvCxnSpPr>
+        <p:spPr>
+          <a:xfrm>
+            <a:off x="1586429" y="1322024"/>
+            <a:ext cx="9507557" cy="0"/>
+          </a:xfrm>
+          <a:prstGeom prst="straightConnector1">
+            <a:avLst/>
+          </a:prstGeom>
+          <a:ln>
+            <a:tailEnd type="triangle"/>
+          </a:ln>
+        </p:spPr>
+        <p:style>
+          <a:lnRef idx="2">
+            <a:schemeClr val="accent1"/>
+          </a:lnRef>
+          <a:fillRef idx="0">
+            <a:schemeClr val="accent1"/>
+          </a:fillRef>
+          <a:effectRef idx="1">
+            <a:schemeClr val="accent1"/>
+          </a:effectRef>
+          <a:fontRef idx="minor">
+            <a:schemeClr val="tx1"/>
+          </a:fontRef>
+        </p:style>
+      </p:cxnSp>
+      <p:sp>
+        <p:nvSpPr>
+          <p:cNvPr id="6" name="TextBox 5">
+            <a:extLst>
+              <a:ext uri="{FF2B5EF4-FFF2-40B4-BE49-F238E27FC236}">
+                <a16:creationId xmlns:a16="http://schemas.microsoft.com/office/drawing/2014/main" id="{C78820EC-FEB7-541C-562B-5A385E0A2B47}"/>
               </a:ext>
             </a:extLst>
           </p:cNvPr>
@@ -13003,8 +11410,8 @@
         </p:nvSpPr>
         <p:spPr>
           <a:xfrm>
-            <a:off x="406400" y="5846544"/>
-            <a:ext cx="6096000" cy="646331"/>
+            <a:off x="2040928" y="5010004"/>
+            <a:ext cx="937501" cy="369332"/>
           </a:xfrm>
           <a:prstGeom prst="rect">
             <a:avLst/>
@@ -13012,60 +11419,1294 @@
           <a:noFill/>
         </p:spPr>
         <p:txBody>
-          <a:bodyPr wrap="square">
+          <a:bodyPr wrap="none" rtlCol="0">
             <a:spAutoFit/>
           </a:bodyPr>
           <a:lstStyle/>
           <a:p>
             <a:r>
               <a:rPr lang="en-US" dirty="0"/>
-              <a:t>https://</a:t>
-            </a:r>
-            <a:r>
-              <a:rPr lang="en-US" dirty="0" err="1"/>
-              <a:t>bmcpublichealth.biomedcentral.com</a:t>
-            </a:r>
-            <a:r>
-              <a:rPr lang="en-US" dirty="0"/>
-              <a:t>/counter/pdf/10.1186/1471-2458-13-606.pdf</a:t>
-            </a:r>
-          </a:p>
-        </p:txBody>
-      </p:sp>
-      <p:pic>
-        <p:nvPicPr>
-          <p:cNvPr id="11" name="Picture 10" descr="A screenshot of a medical report&#10;&#10;Description automatically generated">
-            <a:extLst>
-              <a:ext uri="{FF2B5EF4-FFF2-40B4-BE49-F238E27FC236}">
-                <a16:creationId xmlns:a16="http://schemas.microsoft.com/office/drawing/2014/main" id="{7EB2A73D-2BAB-E375-CA55-D02A1FDC2171}"/>
-              </a:ext>
-            </a:extLst>
-          </p:cNvPr>
-          <p:cNvPicPr>
-            <a:picLocks noChangeAspect="1"/>
-          </p:cNvPicPr>
-          <p:nvPr/>
-        </p:nvPicPr>
-        <p:blipFill>
-          <a:blip r:embed="rId4"/>
-          <a:stretch>
-            <a:fillRect/>
-          </a:stretch>
-        </p:blipFill>
-        <p:spPr>
-          <a:xfrm>
-            <a:off x="838200" y="2164822"/>
-            <a:ext cx="5974944" cy="2965979"/>
+              <a:t>3weeks</a:t>
+            </a:r>
+          </a:p>
+        </p:txBody>
+      </p:sp>
+      <p:cxnSp>
+        <p:nvCxnSpPr>
+          <p:cNvPr id="8" name="Straight Connector 7">
+            <a:extLst>
+              <a:ext uri="{FF2B5EF4-FFF2-40B4-BE49-F238E27FC236}">
+                <a16:creationId xmlns:a16="http://schemas.microsoft.com/office/drawing/2014/main" id="{C84FA524-4E60-CED1-3860-A13D513A5164}"/>
+              </a:ext>
+            </a:extLst>
+          </p:cNvPr>
+          <p:cNvCxnSpPr/>
+          <p:nvPr/>
+        </p:nvCxnSpPr>
+        <p:spPr>
+          <a:xfrm>
+            <a:off x="1586429" y="1112704"/>
+            <a:ext cx="0" cy="396607"/>
+          </a:xfrm>
+          <a:prstGeom prst="line">
+            <a:avLst/>
+          </a:prstGeom>
+        </p:spPr>
+        <p:style>
+          <a:lnRef idx="2">
+            <a:schemeClr val="accent1"/>
+          </a:lnRef>
+          <a:fillRef idx="0">
+            <a:schemeClr val="accent1"/>
+          </a:fillRef>
+          <a:effectRef idx="1">
+            <a:schemeClr val="accent1"/>
+          </a:effectRef>
+          <a:fontRef idx="minor">
+            <a:schemeClr val="tx1"/>
+          </a:fontRef>
+        </p:style>
+      </p:cxnSp>
+      <p:cxnSp>
+        <p:nvCxnSpPr>
+          <p:cNvPr id="9" name="Straight Connector 8">
+            <a:extLst>
+              <a:ext uri="{FF2B5EF4-FFF2-40B4-BE49-F238E27FC236}">
+                <a16:creationId xmlns:a16="http://schemas.microsoft.com/office/drawing/2014/main" id="{6F4C5A24-9010-296F-8BA3-35E5F8695B90}"/>
+              </a:ext>
+            </a:extLst>
+          </p:cNvPr>
+          <p:cNvCxnSpPr/>
+          <p:nvPr/>
+        </p:nvCxnSpPr>
+        <p:spPr>
+          <a:xfrm>
+            <a:off x="3556612" y="1112703"/>
+            <a:ext cx="0" cy="396607"/>
+          </a:xfrm>
+          <a:prstGeom prst="line">
+            <a:avLst/>
+          </a:prstGeom>
+        </p:spPr>
+        <p:style>
+          <a:lnRef idx="2">
+            <a:schemeClr val="accent1"/>
+          </a:lnRef>
+          <a:fillRef idx="0">
+            <a:schemeClr val="accent1"/>
+          </a:fillRef>
+          <a:effectRef idx="1">
+            <a:schemeClr val="accent1"/>
+          </a:effectRef>
+          <a:fontRef idx="minor">
+            <a:schemeClr val="tx1"/>
+          </a:fontRef>
+        </p:style>
+      </p:cxnSp>
+      <p:sp>
+        <p:nvSpPr>
+          <p:cNvPr id="10" name="TextBox 9">
+            <a:extLst>
+              <a:ext uri="{FF2B5EF4-FFF2-40B4-BE49-F238E27FC236}">
+                <a16:creationId xmlns:a16="http://schemas.microsoft.com/office/drawing/2014/main" id="{DE59BACB-497E-FB39-69A2-14690DAA2229}"/>
+              </a:ext>
+            </a:extLst>
+          </p:cNvPr>
+          <p:cNvSpPr txBox="1"/>
+          <p:nvPr/>
+        </p:nvSpPr>
+        <p:spPr>
+          <a:xfrm>
+            <a:off x="1014093" y="712943"/>
+            <a:ext cx="1144672" cy="369332"/>
           </a:xfrm>
           <a:prstGeom prst="rect">
             <a:avLst/>
           </a:prstGeom>
-        </p:spPr>
-      </p:pic>
+          <a:noFill/>
+        </p:spPr>
+        <p:txBody>
+          <a:bodyPr wrap="none" rtlCol="0">
+            <a:spAutoFit/>
+          </a:bodyPr>
+          <a:lstStyle/>
+          <a:p>
+            <a:r>
+              <a:rPr lang="en-US" dirty="0"/>
+              <a:t>Exposure</a:t>
+            </a:r>
+          </a:p>
+        </p:txBody>
+      </p:sp>
+      <p:sp>
+        <p:nvSpPr>
+          <p:cNvPr id="11" name="TextBox 10">
+            <a:extLst>
+              <a:ext uri="{FF2B5EF4-FFF2-40B4-BE49-F238E27FC236}">
+                <a16:creationId xmlns:a16="http://schemas.microsoft.com/office/drawing/2014/main" id="{BB52EB73-2D1D-5140-17EB-DBE7E43C7B4A}"/>
+              </a:ext>
+            </a:extLst>
+          </p:cNvPr>
+          <p:cNvSpPr txBox="1"/>
+          <p:nvPr/>
+        </p:nvSpPr>
+        <p:spPr>
+          <a:xfrm>
+            <a:off x="2731101" y="737863"/>
+            <a:ext cx="1519390" cy="369332"/>
+          </a:xfrm>
+          <a:prstGeom prst="rect">
+            <a:avLst/>
+          </a:prstGeom>
+          <a:noFill/>
+        </p:spPr>
+        <p:txBody>
+          <a:bodyPr wrap="none" rtlCol="0">
+            <a:spAutoFit/>
+          </a:bodyPr>
+          <a:lstStyle/>
+          <a:p>
+            <a:r>
+              <a:rPr lang="en-US" dirty="0"/>
+              <a:t>First Chancre</a:t>
+            </a:r>
+          </a:p>
+        </p:txBody>
+      </p:sp>
+      <p:cxnSp>
+        <p:nvCxnSpPr>
+          <p:cNvPr id="12" name="Straight Connector 11">
+            <a:extLst>
+              <a:ext uri="{FF2B5EF4-FFF2-40B4-BE49-F238E27FC236}">
+                <a16:creationId xmlns:a16="http://schemas.microsoft.com/office/drawing/2014/main" id="{12557A3D-5686-4CE4-D532-41874F055A9A}"/>
+              </a:ext>
+            </a:extLst>
+          </p:cNvPr>
+          <p:cNvCxnSpPr/>
+          <p:nvPr/>
+        </p:nvCxnSpPr>
+        <p:spPr>
+          <a:xfrm>
+            <a:off x="5284425" y="1094608"/>
+            <a:ext cx="0" cy="396607"/>
+          </a:xfrm>
+          <a:prstGeom prst="line">
+            <a:avLst/>
+          </a:prstGeom>
+        </p:spPr>
+        <p:style>
+          <a:lnRef idx="2">
+            <a:schemeClr val="accent1"/>
+          </a:lnRef>
+          <a:fillRef idx="0">
+            <a:schemeClr val="accent1"/>
+          </a:fillRef>
+          <a:effectRef idx="1">
+            <a:schemeClr val="accent1"/>
+          </a:effectRef>
+          <a:fontRef idx="minor">
+            <a:schemeClr val="tx1"/>
+          </a:fontRef>
+        </p:style>
+      </p:cxnSp>
+      <p:sp>
+        <p:nvSpPr>
+          <p:cNvPr id="13" name="TextBox 12">
+            <a:extLst>
+              <a:ext uri="{FF2B5EF4-FFF2-40B4-BE49-F238E27FC236}">
+                <a16:creationId xmlns:a16="http://schemas.microsoft.com/office/drawing/2014/main" id="{6EC33A90-4F69-5A8F-6146-155355D0FE81}"/>
+              </a:ext>
+            </a:extLst>
+          </p:cNvPr>
+          <p:cNvSpPr txBox="1"/>
+          <p:nvPr/>
+        </p:nvSpPr>
+        <p:spPr>
+          <a:xfrm>
+            <a:off x="1839072" y="96252"/>
+            <a:ext cx="1248612" cy="646331"/>
+          </a:xfrm>
+          <a:prstGeom prst="rect">
+            <a:avLst/>
+          </a:prstGeom>
+          <a:noFill/>
+        </p:spPr>
+        <p:txBody>
+          <a:bodyPr wrap="none" rtlCol="0">
+            <a:spAutoFit/>
+          </a:bodyPr>
+          <a:lstStyle/>
+          <a:p>
+            <a:r>
+              <a:rPr lang="en-US" i="1" dirty="0"/>
+              <a:t>Primary </a:t>
+            </a:r>
+          </a:p>
+          <a:p>
+            <a:r>
+              <a:rPr lang="en-US" i="1" dirty="0"/>
+              <a:t>Incubation</a:t>
+            </a:r>
+          </a:p>
+        </p:txBody>
+      </p:sp>
+      <p:sp>
+        <p:nvSpPr>
+          <p:cNvPr id="14" name="TextBox 13">
+            <a:extLst>
+              <a:ext uri="{FF2B5EF4-FFF2-40B4-BE49-F238E27FC236}">
+                <a16:creationId xmlns:a16="http://schemas.microsoft.com/office/drawing/2014/main" id="{158B7D49-478A-1696-C8B6-A988F9BDF272}"/>
+              </a:ext>
+            </a:extLst>
+          </p:cNvPr>
+          <p:cNvSpPr txBox="1"/>
+          <p:nvPr/>
+        </p:nvSpPr>
+        <p:spPr>
+          <a:xfrm>
+            <a:off x="3786873" y="96252"/>
+            <a:ext cx="1292918" cy="646331"/>
+          </a:xfrm>
+          <a:prstGeom prst="rect">
+            <a:avLst/>
+          </a:prstGeom>
+          <a:noFill/>
+        </p:spPr>
+        <p:txBody>
+          <a:bodyPr wrap="none" rtlCol="0">
+            <a:spAutoFit/>
+          </a:bodyPr>
+          <a:lstStyle/>
+          <a:p>
+            <a:r>
+              <a:rPr lang="en-US" i="1" dirty="0"/>
+              <a:t>Secondary </a:t>
+            </a:r>
+          </a:p>
+          <a:p>
+            <a:r>
+              <a:rPr lang="en-US" i="1" dirty="0"/>
+              <a:t>Incubation</a:t>
+            </a:r>
+          </a:p>
+        </p:txBody>
+      </p:sp>
+      <p:sp>
+        <p:nvSpPr>
+          <p:cNvPr id="16" name="TextBox 15">
+            <a:extLst>
+              <a:ext uri="{FF2B5EF4-FFF2-40B4-BE49-F238E27FC236}">
+                <a16:creationId xmlns:a16="http://schemas.microsoft.com/office/drawing/2014/main" id="{A2429FCF-7854-1F41-C72D-64EE50505574}"/>
+              </a:ext>
+            </a:extLst>
+          </p:cNvPr>
+          <p:cNvSpPr txBox="1"/>
+          <p:nvPr/>
+        </p:nvSpPr>
+        <p:spPr>
+          <a:xfrm>
+            <a:off x="5819293" y="100972"/>
+            <a:ext cx="1292918" cy="646331"/>
+          </a:xfrm>
+          <a:prstGeom prst="rect">
+            <a:avLst/>
+          </a:prstGeom>
+          <a:noFill/>
+        </p:spPr>
+        <p:txBody>
+          <a:bodyPr wrap="none" rtlCol="0">
+            <a:spAutoFit/>
+          </a:bodyPr>
+          <a:lstStyle/>
+          <a:p>
+            <a:r>
+              <a:rPr lang="en-US" i="1" dirty="0"/>
+              <a:t>Secondary </a:t>
+            </a:r>
+          </a:p>
+          <a:p>
+            <a:r>
+              <a:rPr lang="en-US" i="1" dirty="0"/>
+              <a:t>Disease</a:t>
+            </a:r>
+          </a:p>
+        </p:txBody>
+      </p:sp>
+      <p:cxnSp>
+        <p:nvCxnSpPr>
+          <p:cNvPr id="17" name="Straight Connector 16">
+            <a:extLst>
+              <a:ext uri="{FF2B5EF4-FFF2-40B4-BE49-F238E27FC236}">
+                <a16:creationId xmlns:a16="http://schemas.microsoft.com/office/drawing/2014/main" id="{6DB88E1D-4BCF-9DC5-8F73-227B218EB435}"/>
+              </a:ext>
+            </a:extLst>
+          </p:cNvPr>
+          <p:cNvCxnSpPr/>
+          <p:nvPr/>
+        </p:nvCxnSpPr>
+        <p:spPr>
+          <a:xfrm>
+            <a:off x="8455446" y="1112703"/>
+            <a:ext cx="0" cy="396607"/>
+          </a:xfrm>
+          <a:prstGeom prst="line">
+            <a:avLst/>
+          </a:prstGeom>
+        </p:spPr>
+        <p:style>
+          <a:lnRef idx="2">
+            <a:schemeClr val="accent1"/>
+          </a:lnRef>
+          <a:fillRef idx="0">
+            <a:schemeClr val="accent1"/>
+          </a:fillRef>
+          <a:effectRef idx="1">
+            <a:schemeClr val="accent1"/>
+          </a:effectRef>
+          <a:fontRef idx="minor">
+            <a:schemeClr val="tx1"/>
+          </a:fontRef>
+        </p:style>
+      </p:cxnSp>
+      <p:sp>
+        <p:nvSpPr>
+          <p:cNvPr id="18" name="TextBox 17">
+            <a:extLst>
+              <a:ext uri="{FF2B5EF4-FFF2-40B4-BE49-F238E27FC236}">
+                <a16:creationId xmlns:a16="http://schemas.microsoft.com/office/drawing/2014/main" id="{FC8A6303-CCFB-7D6E-045D-B923418BC24C}"/>
+              </a:ext>
+            </a:extLst>
+          </p:cNvPr>
+          <p:cNvSpPr txBox="1"/>
+          <p:nvPr/>
+        </p:nvSpPr>
+        <p:spPr>
+          <a:xfrm>
+            <a:off x="8945697" y="89167"/>
+            <a:ext cx="989373" cy="646331"/>
+          </a:xfrm>
+          <a:prstGeom prst="rect">
+            <a:avLst/>
+          </a:prstGeom>
+          <a:noFill/>
+        </p:spPr>
+        <p:txBody>
+          <a:bodyPr wrap="none" rtlCol="0">
+            <a:spAutoFit/>
+          </a:bodyPr>
+          <a:lstStyle/>
+          <a:p>
+            <a:r>
+              <a:rPr lang="en-US" i="1" dirty="0"/>
+              <a:t>Latent </a:t>
+            </a:r>
+          </a:p>
+          <a:p>
+            <a:r>
+              <a:rPr lang="en-US" i="1" dirty="0"/>
+              <a:t>Disease</a:t>
+            </a:r>
+          </a:p>
+        </p:txBody>
+      </p:sp>
+      <p:sp>
+        <p:nvSpPr>
+          <p:cNvPr id="19" name="TextBox 18">
+            <a:extLst>
+              <a:ext uri="{FF2B5EF4-FFF2-40B4-BE49-F238E27FC236}">
+                <a16:creationId xmlns:a16="http://schemas.microsoft.com/office/drawing/2014/main" id="{3D6DBAFC-D1E9-B976-99CA-908C3898BAB4}"/>
+              </a:ext>
+            </a:extLst>
+          </p:cNvPr>
+          <p:cNvSpPr txBox="1"/>
+          <p:nvPr/>
+        </p:nvSpPr>
+        <p:spPr>
+          <a:xfrm>
+            <a:off x="1521055" y="1660670"/>
+            <a:ext cx="2035557" cy="369332"/>
+          </a:xfrm>
+          <a:prstGeom prst="rect">
+            <a:avLst/>
+          </a:prstGeom>
+          <a:noFill/>
+        </p:spPr>
+        <p:txBody>
+          <a:bodyPr wrap="none" rtlCol="0">
+            <a:spAutoFit/>
+          </a:bodyPr>
+          <a:lstStyle/>
+          <a:p>
+            <a:r>
+              <a:rPr lang="en-US" dirty="0"/>
+              <a:t>3weeks [3-90days]</a:t>
+            </a:r>
+          </a:p>
+        </p:txBody>
+      </p:sp>
+      <p:sp>
+        <p:nvSpPr>
+          <p:cNvPr id="20" name="TextBox 19">
+            <a:extLst>
+              <a:ext uri="{FF2B5EF4-FFF2-40B4-BE49-F238E27FC236}">
+                <a16:creationId xmlns:a16="http://schemas.microsoft.com/office/drawing/2014/main" id="{F74A2441-42FE-D08B-99B0-D147C2A6C46E}"/>
+              </a:ext>
+            </a:extLst>
+          </p:cNvPr>
+          <p:cNvSpPr txBox="1"/>
+          <p:nvPr/>
+        </p:nvSpPr>
+        <p:spPr>
+          <a:xfrm>
+            <a:off x="-52123" y="4798172"/>
+            <a:ext cx="1068369" cy="369332"/>
+          </a:xfrm>
+          <a:prstGeom prst="rect">
+            <a:avLst/>
+          </a:prstGeom>
+          <a:noFill/>
+        </p:spPr>
+        <p:txBody>
+          <a:bodyPr wrap="none" rtlCol="0">
+            <a:spAutoFit/>
+          </a:bodyPr>
+          <a:lstStyle/>
+          <a:p>
+            <a:r>
+              <a:rPr lang="en-US" dirty="0" err="1"/>
+              <a:t>Garnette</a:t>
+            </a:r>
+            <a:endParaRPr lang="en-US" dirty="0"/>
+          </a:p>
+        </p:txBody>
+      </p:sp>
+      <p:sp>
+        <p:nvSpPr>
+          <p:cNvPr id="21" name="TextBox 20">
+            <a:extLst>
+              <a:ext uri="{FF2B5EF4-FFF2-40B4-BE49-F238E27FC236}">
+                <a16:creationId xmlns:a16="http://schemas.microsoft.com/office/drawing/2014/main" id="{65F863D7-374A-4641-287A-3986C57F2ECF}"/>
+              </a:ext>
+            </a:extLst>
+          </p:cNvPr>
+          <p:cNvSpPr txBox="1"/>
+          <p:nvPr/>
+        </p:nvSpPr>
+        <p:spPr>
+          <a:xfrm>
+            <a:off x="-204117" y="1652091"/>
+            <a:ext cx="1533048" cy="369332"/>
+          </a:xfrm>
+          <a:prstGeom prst="rect">
+            <a:avLst/>
+          </a:prstGeom>
+          <a:noFill/>
+        </p:spPr>
+        <p:txBody>
+          <a:bodyPr wrap="none" rtlCol="0">
+            <a:spAutoFit/>
+          </a:bodyPr>
+          <a:lstStyle/>
+          <a:p>
+            <a:r>
+              <a:rPr lang="en-US" dirty="0"/>
+              <a:t>Other studies</a:t>
+            </a:r>
+          </a:p>
+        </p:txBody>
+      </p:sp>
+      <p:sp>
+        <p:nvSpPr>
+          <p:cNvPr id="22" name="TextBox 21">
+            <a:extLst>
+              <a:ext uri="{FF2B5EF4-FFF2-40B4-BE49-F238E27FC236}">
+                <a16:creationId xmlns:a16="http://schemas.microsoft.com/office/drawing/2014/main" id="{FD836C12-EBFF-1F8E-DEE9-6A98C87EE5CD}"/>
+              </a:ext>
+            </a:extLst>
+          </p:cNvPr>
+          <p:cNvSpPr txBox="1"/>
+          <p:nvPr/>
+        </p:nvSpPr>
+        <p:spPr>
+          <a:xfrm>
+            <a:off x="3840349" y="1712625"/>
+            <a:ext cx="1185966" cy="369332"/>
+          </a:xfrm>
+          <a:prstGeom prst="rect">
+            <a:avLst/>
+          </a:prstGeom>
+          <a:noFill/>
+        </p:spPr>
+        <p:txBody>
+          <a:bodyPr wrap="none" rtlCol="0">
+            <a:spAutoFit/>
+          </a:bodyPr>
+          <a:lstStyle/>
+          <a:p>
+            <a:r>
+              <a:rPr lang="en-US" dirty="0"/>
+              <a:t>2-6 weeks</a:t>
+            </a:r>
+          </a:p>
+        </p:txBody>
+      </p:sp>
+      <p:sp>
+        <p:nvSpPr>
+          <p:cNvPr id="23" name="TextBox 22">
+            <a:extLst>
+              <a:ext uri="{FF2B5EF4-FFF2-40B4-BE49-F238E27FC236}">
+                <a16:creationId xmlns:a16="http://schemas.microsoft.com/office/drawing/2014/main" id="{30090C7B-78B7-91FD-1542-F4CDC4E0B53D}"/>
+              </a:ext>
+            </a:extLst>
+          </p:cNvPr>
+          <p:cNvSpPr txBox="1"/>
+          <p:nvPr/>
+        </p:nvSpPr>
+        <p:spPr>
+          <a:xfrm>
+            <a:off x="4014669" y="5006536"/>
+            <a:ext cx="937501" cy="369332"/>
+          </a:xfrm>
+          <a:prstGeom prst="rect">
+            <a:avLst/>
+          </a:prstGeom>
+          <a:noFill/>
+        </p:spPr>
+        <p:txBody>
+          <a:bodyPr wrap="none" rtlCol="0">
+            <a:spAutoFit/>
+          </a:bodyPr>
+          <a:lstStyle/>
+          <a:p>
+            <a:r>
+              <a:rPr lang="en-US" dirty="0"/>
+              <a:t>6weeks</a:t>
+            </a:r>
+          </a:p>
+        </p:txBody>
+      </p:sp>
+      <p:sp>
+        <p:nvSpPr>
+          <p:cNvPr id="24" name="TextBox 23">
+            <a:extLst>
+              <a:ext uri="{FF2B5EF4-FFF2-40B4-BE49-F238E27FC236}">
+                <a16:creationId xmlns:a16="http://schemas.microsoft.com/office/drawing/2014/main" id="{13904E82-96F5-AF52-4CC4-7F8A11B4DDD8}"/>
+              </a:ext>
+            </a:extLst>
+          </p:cNvPr>
+          <p:cNvSpPr txBox="1"/>
+          <p:nvPr/>
+        </p:nvSpPr>
+        <p:spPr>
+          <a:xfrm>
+            <a:off x="6314258" y="5023203"/>
+            <a:ext cx="1851148" cy="738664"/>
+          </a:xfrm>
+          <a:prstGeom prst="rect">
+            <a:avLst/>
+          </a:prstGeom>
+          <a:noFill/>
+        </p:spPr>
+        <p:txBody>
+          <a:bodyPr wrap="none" rtlCol="0">
+            <a:spAutoFit/>
+          </a:bodyPr>
+          <a:lstStyle/>
+          <a:p>
+            <a:r>
+              <a:rPr lang="en-US" dirty="0"/>
+              <a:t>~14weeks</a:t>
+            </a:r>
+          </a:p>
+          <a:p>
+            <a:r>
+              <a:rPr lang="en-US" sz="1200" i="1" dirty="0"/>
+              <a:t>3.6months (1-12 months)</a:t>
+            </a:r>
+          </a:p>
+          <a:p>
+            <a:r>
+              <a:rPr lang="en-US" sz="1200" i="1" dirty="0"/>
+              <a:t>~[4-48weeks]</a:t>
+            </a:r>
+          </a:p>
+        </p:txBody>
+      </p:sp>
+      <p:sp>
+        <p:nvSpPr>
+          <p:cNvPr id="25" name="Left Brace 24">
+            <a:extLst>
+              <a:ext uri="{FF2B5EF4-FFF2-40B4-BE49-F238E27FC236}">
+                <a16:creationId xmlns:a16="http://schemas.microsoft.com/office/drawing/2014/main" id="{C0093F16-7F43-1F0D-642B-AE7548D4848C}"/>
+              </a:ext>
+            </a:extLst>
+          </p:cNvPr>
+          <p:cNvSpPr/>
+          <p:nvPr/>
+        </p:nvSpPr>
+        <p:spPr>
+          <a:xfrm rot="16200000">
+            <a:off x="2471697" y="754453"/>
+            <a:ext cx="242458" cy="1795741"/>
+          </a:xfrm>
+          <a:prstGeom prst="leftBrace">
+            <a:avLst>
+              <a:gd name="adj1" fmla="val 44906"/>
+              <a:gd name="adj2" fmla="val 50000"/>
+            </a:avLst>
+          </a:prstGeom>
+        </p:spPr>
+        <p:style>
+          <a:lnRef idx="2">
+            <a:schemeClr val="accent1"/>
+          </a:lnRef>
+          <a:fillRef idx="0">
+            <a:schemeClr val="accent1"/>
+          </a:fillRef>
+          <a:effectRef idx="1">
+            <a:schemeClr val="accent1"/>
+          </a:effectRef>
+          <a:fontRef idx="minor">
+            <a:schemeClr val="tx1"/>
+          </a:fontRef>
+        </p:style>
+        <p:txBody>
+          <a:bodyPr rtlCol="0" anchor="ctr"/>
+          <a:lstStyle/>
+          <a:p>
+            <a:pPr algn="ctr"/>
+            <a:endParaRPr lang="en-US"/>
+          </a:p>
+        </p:txBody>
+      </p:sp>
+      <p:sp>
+        <p:nvSpPr>
+          <p:cNvPr id="26" name="Left Brace 25">
+            <a:extLst>
+              <a:ext uri="{FF2B5EF4-FFF2-40B4-BE49-F238E27FC236}">
+                <a16:creationId xmlns:a16="http://schemas.microsoft.com/office/drawing/2014/main" id="{81FBF07B-5445-AA17-63F0-08FBA253D9B3}"/>
+              </a:ext>
+            </a:extLst>
+          </p:cNvPr>
+          <p:cNvSpPr/>
+          <p:nvPr/>
+        </p:nvSpPr>
+        <p:spPr>
+          <a:xfrm rot="16200000">
+            <a:off x="4343248" y="917948"/>
+            <a:ext cx="242452" cy="1523173"/>
+          </a:xfrm>
+          <a:prstGeom prst="leftBrace">
+            <a:avLst>
+              <a:gd name="adj1" fmla="val 44906"/>
+              <a:gd name="adj2" fmla="val 50000"/>
+            </a:avLst>
+          </a:prstGeom>
+        </p:spPr>
+        <p:style>
+          <a:lnRef idx="2">
+            <a:schemeClr val="accent1"/>
+          </a:lnRef>
+          <a:fillRef idx="0">
+            <a:schemeClr val="accent1"/>
+          </a:fillRef>
+          <a:effectRef idx="1">
+            <a:schemeClr val="accent1"/>
+          </a:effectRef>
+          <a:fontRef idx="minor">
+            <a:schemeClr val="tx1"/>
+          </a:fontRef>
+        </p:style>
+        <p:txBody>
+          <a:bodyPr rtlCol="0" anchor="ctr"/>
+          <a:lstStyle/>
+          <a:p>
+            <a:pPr algn="ctr"/>
+            <a:endParaRPr lang="en-US"/>
+          </a:p>
+        </p:txBody>
+      </p:sp>
+      <p:sp>
+        <p:nvSpPr>
+          <p:cNvPr id="27" name="Left Brace 26">
+            <a:extLst>
+              <a:ext uri="{FF2B5EF4-FFF2-40B4-BE49-F238E27FC236}">
+                <a16:creationId xmlns:a16="http://schemas.microsoft.com/office/drawing/2014/main" id="{BCE248B6-D4E7-C47B-B935-D71B3764C92C}"/>
+              </a:ext>
+            </a:extLst>
+          </p:cNvPr>
+          <p:cNvSpPr/>
+          <p:nvPr/>
+        </p:nvSpPr>
+        <p:spPr>
+          <a:xfrm rot="16200000">
+            <a:off x="4952653" y="898077"/>
+            <a:ext cx="242450" cy="2741981"/>
+          </a:xfrm>
+          <a:prstGeom prst="leftBrace">
+            <a:avLst>
+              <a:gd name="adj1" fmla="val 44906"/>
+              <a:gd name="adj2" fmla="val 50000"/>
+            </a:avLst>
+          </a:prstGeom>
+        </p:spPr>
+        <p:style>
+          <a:lnRef idx="2">
+            <a:schemeClr val="accent1"/>
+          </a:lnRef>
+          <a:fillRef idx="0">
+            <a:schemeClr val="accent1"/>
+          </a:fillRef>
+          <a:effectRef idx="1">
+            <a:schemeClr val="accent1"/>
+          </a:effectRef>
+          <a:fontRef idx="minor">
+            <a:schemeClr val="tx1"/>
+          </a:fontRef>
+        </p:style>
+        <p:txBody>
+          <a:bodyPr rtlCol="0" anchor="ctr"/>
+          <a:lstStyle/>
+          <a:p>
+            <a:pPr algn="ctr"/>
+            <a:endParaRPr lang="en-US"/>
+          </a:p>
+        </p:txBody>
+      </p:sp>
+      <p:sp>
+        <p:nvSpPr>
+          <p:cNvPr id="28" name="TextBox 27">
+            <a:extLst>
+              <a:ext uri="{FF2B5EF4-FFF2-40B4-BE49-F238E27FC236}">
+                <a16:creationId xmlns:a16="http://schemas.microsoft.com/office/drawing/2014/main" id="{B3F1A739-BACB-C685-6A97-0D7181126A19}"/>
+              </a:ext>
+            </a:extLst>
+          </p:cNvPr>
+          <p:cNvSpPr txBox="1"/>
+          <p:nvPr/>
+        </p:nvSpPr>
+        <p:spPr>
+          <a:xfrm>
+            <a:off x="4633078" y="2305708"/>
+            <a:ext cx="1707130" cy="738664"/>
+          </a:xfrm>
+          <a:prstGeom prst="rect">
+            <a:avLst/>
+          </a:prstGeom>
+          <a:noFill/>
+        </p:spPr>
+        <p:txBody>
+          <a:bodyPr wrap="square" rtlCol="0">
+            <a:spAutoFit/>
+          </a:bodyPr>
+          <a:lstStyle/>
+          <a:p>
+            <a:r>
+              <a:rPr lang="en-US" dirty="0"/>
+              <a:t>2-8weeks</a:t>
+            </a:r>
+          </a:p>
+          <a:p>
+            <a:r>
+              <a:rPr lang="en-US" sz="1200" i="1" dirty="0"/>
+              <a:t>Secondary develops after chancre appears </a:t>
+            </a:r>
+          </a:p>
+        </p:txBody>
+      </p:sp>
+      <p:sp>
+        <p:nvSpPr>
+          <p:cNvPr id="29" name="TextBox 28">
+            <a:extLst>
+              <a:ext uri="{FF2B5EF4-FFF2-40B4-BE49-F238E27FC236}">
+                <a16:creationId xmlns:a16="http://schemas.microsoft.com/office/drawing/2014/main" id="{F7FEFD46-C22C-C075-A8B5-1F4DB9BFA47E}"/>
+              </a:ext>
+            </a:extLst>
+          </p:cNvPr>
+          <p:cNvSpPr txBox="1"/>
+          <p:nvPr/>
+        </p:nvSpPr>
+        <p:spPr>
+          <a:xfrm>
+            <a:off x="6191480" y="1949986"/>
+            <a:ext cx="184731" cy="369332"/>
+          </a:xfrm>
+          <a:prstGeom prst="rect">
+            <a:avLst/>
+          </a:prstGeom>
+          <a:noFill/>
+        </p:spPr>
+        <p:txBody>
+          <a:bodyPr wrap="none" rtlCol="0">
+            <a:spAutoFit/>
+          </a:bodyPr>
+          <a:lstStyle/>
+          <a:p>
+            <a:endParaRPr lang="en-US" dirty="0"/>
+          </a:p>
+        </p:txBody>
+      </p:sp>
+      <p:sp>
+        <p:nvSpPr>
+          <p:cNvPr id="30" name="Left Brace 29">
+            <a:extLst>
+              <a:ext uri="{FF2B5EF4-FFF2-40B4-BE49-F238E27FC236}">
+                <a16:creationId xmlns:a16="http://schemas.microsoft.com/office/drawing/2014/main" id="{CF939BAA-7F32-20BB-229A-511F0A05BE95}"/>
+              </a:ext>
+            </a:extLst>
+          </p:cNvPr>
+          <p:cNvSpPr/>
+          <p:nvPr/>
+        </p:nvSpPr>
+        <p:spPr>
+          <a:xfrm rot="16200000">
+            <a:off x="7339378" y="1296468"/>
+            <a:ext cx="242448" cy="1989695"/>
+          </a:xfrm>
+          <a:prstGeom prst="leftBrace">
+            <a:avLst>
+              <a:gd name="adj1" fmla="val 44906"/>
+              <a:gd name="adj2" fmla="val 50000"/>
+            </a:avLst>
+          </a:prstGeom>
+        </p:spPr>
+        <p:style>
+          <a:lnRef idx="2">
+            <a:schemeClr val="accent1"/>
+          </a:lnRef>
+          <a:fillRef idx="0">
+            <a:schemeClr val="accent1"/>
+          </a:fillRef>
+          <a:effectRef idx="1">
+            <a:schemeClr val="accent1"/>
+          </a:effectRef>
+          <a:fontRef idx="minor">
+            <a:schemeClr val="tx1"/>
+          </a:fontRef>
+        </p:style>
+        <p:txBody>
+          <a:bodyPr rtlCol="0" anchor="ctr"/>
+          <a:lstStyle/>
+          <a:p>
+            <a:pPr algn="ctr"/>
+            <a:endParaRPr lang="en-US"/>
+          </a:p>
+        </p:txBody>
+      </p:sp>
+      <p:sp>
+        <p:nvSpPr>
+          <p:cNvPr id="31" name="TextBox 30">
+            <a:extLst>
+              <a:ext uri="{FF2B5EF4-FFF2-40B4-BE49-F238E27FC236}">
+                <a16:creationId xmlns:a16="http://schemas.microsoft.com/office/drawing/2014/main" id="{7FCB49AE-7ABA-B286-77E5-0410C7C910A5}"/>
+              </a:ext>
+            </a:extLst>
+          </p:cNvPr>
+          <p:cNvSpPr txBox="1"/>
+          <p:nvPr/>
+        </p:nvSpPr>
+        <p:spPr>
+          <a:xfrm>
+            <a:off x="6769204" y="2346438"/>
+            <a:ext cx="1707130" cy="738664"/>
+          </a:xfrm>
+          <a:prstGeom prst="rect">
+            <a:avLst/>
+          </a:prstGeom>
+          <a:noFill/>
+        </p:spPr>
+        <p:txBody>
+          <a:bodyPr wrap="square" rtlCol="0">
+            <a:spAutoFit/>
+          </a:bodyPr>
+          <a:lstStyle/>
+          <a:p>
+            <a:r>
+              <a:rPr lang="en-US" dirty="0"/>
+              <a:t>4-8weeks</a:t>
+            </a:r>
+          </a:p>
+          <a:p>
+            <a:r>
+              <a:rPr lang="en-US" sz="1200" i="1" dirty="0"/>
+              <a:t>Heals in absence of treatment</a:t>
+            </a:r>
+          </a:p>
+        </p:txBody>
+      </p:sp>
+      <p:sp>
+        <p:nvSpPr>
+          <p:cNvPr id="32" name="Left Brace 31">
+            <a:extLst>
+              <a:ext uri="{FF2B5EF4-FFF2-40B4-BE49-F238E27FC236}">
+                <a16:creationId xmlns:a16="http://schemas.microsoft.com/office/drawing/2014/main" id="{AB6D485A-D5D2-D8A5-E6CA-2544B959A8DA}"/>
+              </a:ext>
+            </a:extLst>
+          </p:cNvPr>
+          <p:cNvSpPr/>
+          <p:nvPr/>
+        </p:nvSpPr>
+        <p:spPr>
+          <a:xfrm rot="16200000">
+            <a:off x="4952651" y="-378110"/>
+            <a:ext cx="242451" cy="6962050"/>
+          </a:xfrm>
+          <a:prstGeom prst="leftBrace">
+            <a:avLst>
+              <a:gd name="adj1" fmla="val 44906"/>
+              <a:gd name="adj2" fmla="val 50000"/>
+            </a:avLst>
+          </a:prstGeom>
+        </p:spPr>
+        <p:style>
+          <a:lnRef idx="2">
+            <a:schemeClr val="accent1"/>
+          </a:lnRef>
+          <a:fillRef idx="0">
+            <a:schemeClr val="accent1"/>
+          </a:fillRef>
+          <a:effectRef idx="1">
+            <a:schemeClr val="accent1"/>
+          </a:effectRef>
+          <a:fontRef idx="minor">
+            <a:schemeClr val="tx1"/>
+          </a:fontRef>
+        </p:style>
+        <p:txBody>
+          <a:bodyPr rtlCol="0" anchor="ctr"/>
+          <a:lstStyle/>
+          <a:p>
+            <a:pPr algn="ctr"/>
+            <a:endParaRPr lang="en-US"/>
+          </a:p>
+        </p:txBody>
+      </p:sp>
+      <p:sp>
+        <p:nvSpPr>
+          <p:cNvPr id="33" name="TextBox 32">
+            <a:extLst>
+              <a:ext uri="{FF2B5EF4-FFF2-40B4-BE49-F238E27FC236}">
+                <a16:creationId xmlns:a16="http://schemas.microsoft.com/office/drawing/2014/main" id="{F72BADC3-E871-9651-EDEB-B7C56B936727}"/>
+              </a:ext>
+            </a:extLst>
+          </p:cNvPr>
+          <p:cNvSpPr txBox="1"/>
+          <p:nvPr/>
+        </p:nvSpPr>
+        <p:spPr>
+          <a:xfrm>
+            <a:off x="4737253" y="3227939"/>
+            <a:ext cx="3642792" cy="923330"/>
+          </a:xfrm>
+          <a:prstGeom prst="rect">
+            <a:avLst/>
+          </a:prstGeom>
+          <a:noFill/>
+        </p:spPr>
+        <p:txBody>
+          <a:bodyPr wrap="none" rtlCol="0">
+            <a:spAutoFit/>
+          </a:bodyPr>
+          <a:lstStyle/>
+          <a:p>
+            <a:r>
+              <a:rPr lang="en-US" dirty="0"/>
+              <a:t>9-19weeks </a:t>
+            </a:r>
+            <a:r>
+              <a:rPr lang="en-US" sz="1200" i="1" dirty="0"/>
+              <a:t>assuming primary 3weeks</a:t>
+            </a:r>
+          </a:p>
+          <a:p>
+            <a:r>
+              <a:rPr lang="en-US" b="1" dirty="0"/>
+              <a:t>7-28 weeks </a:t>
+            </a:r>
+            <a:r>
+              <a:rPr lang="en-US" sz="1400" i="1" dirty="0"/>
+              <a:t>assuming primary 1-12 weeks</a:t>
+            </a:r>
+          </a:p>
+          <a:p>
+            <a:endParaRPr lang="en-US" i="1" dirty="0"/>
+          </a:p>
+        </p:txBody>
+      </p:sp>
+      <p:sp>
+        <p:nvSpPr>
+          <p:cNvPr id="34" name="Left Brace 33">
+            <a:extLst>
+              <a:ext uri="{FF2B5EF4-FFF2-40B4-BE49-F238E27FC236}">
+                <a16:creationId xmlns:a16="http://schemas.microsoft.com/office/drawing/2014/main" id="{50007AA3-A8D8-55BA-0417-3F48976D3C93}"/>
+              </a:ext>
+            </a:extLst>
+          </p:cNvPr>
+          <p:cNvSpPr/>
+          <p:nvPr/>
+        </p:nvSpPr>
+        <p:spPr>
+          <a:xfrm rot="16200000">
+            <a:off x="2392274" y="4084968"/>
+            <a:ext cx="191673" cy="1795741"/>
+          </a:xfrm>
+          <a:prstGeom prst="leftBrace">
+            <a:avLst>
+              <a:gd name="adj1" fmla="val 44906"/>
+              <a:gd name="adj2" fmla="val 50000"/>
+            </a:avLst>
+          </a:prstGeom>
+        </p:spPr>
+        <p:style>
+          <a:lnRef idx="2">
+            <a:schemeClr val="accent1"/>
+          </a:lnRef>
+          <a:fillRef idx="0">
+            <a:schemeClr val="accent1"/>
+          </a:fillRef>
+          <a:effectRef idx="1">
+            <a:schemeClr val="accent1"/>
+          </a:effectRef>
+          <a:fontRef idx="minor">
+            <a:schemeClr val="tx1"/>
+          </a:fontRef>
+        </p:style>
+        <p:txBody>
+          <a:bodyPr rtlCol="0" anchor="ctr"/>
+          <a:lstStyle/>
+          <a:p>
+            <a:pPr algn="ctr"/>
+            <a:endParaRPr lang="en-US"/>
+          </a:p>
+        </p:txBody>
+      </p:sp>
+      <p:sp>
+        <p:nvSpPr>
+          <p:cNvPr id="35" name="Left Brace 34">
+            <a:extLst>
+              <a:ext uri="{FF2B5EF4-FFF2-40B4-BE49-F238E27FC236}">
+                <a16:creationId xmlns:a16="http://schemas.microsoft.com/office/drawing/2014/main" id="{EA5CBB90-B15B-97A8-FE7B-A7DD21638A5E}"/>
+              </a:ext>
+            </a:extLst>
+          </p:cNvPr>
+          <p:cNvSpPr/>
+          <p:nvPr/>
+        </p:nvSpPr>
+        <p:spPr>
+          <a:xfrm rot="16200000">
+            <a:off x="4263824" y="4248462"/>
+            <a:ext cx="191668" cy="1523173"/>
+          </a:xfrm>
+          <a:prstGeom prst="leftBrace">
+            <a:avLst>
+              <a:gd name="adj1" fmla="val 44906"/>
+              <a:gd name="adj2" fmla="val 50000"/>
+            </a:avLst>
+          </a:prstGeom>
+        </p:spPr>
+        <p:style>
+          <a:lnRef idx="2">
+            <a:schemeClr val="accent1"/>
+          </a:lnRef>
+          <a:fillRef idx="0">
+            <a:schemeClr val="accent1"/>
+          </a:fillRef>
+          <a:effectRef idx="1">
+            <a:schemeClr val="accent1"/>
+          </a:effectRef>
+          <a:fontRef idx="minor">
+            <a:schemeClr val="tx1"/>
+          </a:fontRef>
+        </p:style>
+        <p:txBody>
+          <a:bodyPr rtlCol="0" anchor="ctr"/>
+          <a:lstStyle/>
+          <a:p>
+            <a:pPr algn="ctr"/>
+            <a:endParaRPr lang="en-US"/>
+          </a:p>
+        </p:txBody>
+      </p:sp>
+      <p:sp>
+        <p:nvSpPr>
+          <p:cNvPr id="36" name="Left Brace 35">
+            <a:extLst>
+              <a:ext uri="{FF2B5EF4-FFF2-40B4-BE49-F238E27FC236}">
+                <a16:creationId xmlns:a16="http://schemas.microsoft.com/office/drawing/2014/main" id="{7C2E926A-6DEE-9453-9D59-0CD6646C3B61}"/>
+              </a:ext>
+            </a:extLst>
+          </p:cNvPr>
+          <p:cNvSpPr/>
+          <p:nvPr/>
+        </p:nvSpPr>
+        <p:spPr>
+          <a:xfrm rot="16200000">
+            <a:off x="6824336" y="3374766"/>
+            <a:ext cx="191580" cy="3270478"/>
+          </a:xfrm>
+          <a:prstGeom prst="leftBrace">
+            <a:avLst>
+              <a:gd name="adj1" fmla="val 44906"/>
+              <a:gd name="adj2" fmla="val 50000"/>
+            </a:avLst>
+          </a:prstGeom>
+        </p:spPr>
+        <p:style>
+          <a:lnRef idx="2">
+            <a:schemeClr val="accent1"/>
+          </a:lnRef>
+          <a:fillRef idx="0">
+            <a:schemeClr val="accent1"/>
+          </a:fillRef>
+          <a:effectRef idx="1">
+            <a:schemeClr val="accent1"/>
+          </a:effectRef>
+          <a:fontRef idx="minor">
+            <a:schemeClr val="tx1"/>
+          </a:fontRef>
+        </p:style>
+        <p:txBody>
+          <a:bodyPr rtlCol="0" anchor="ctr"/>
+          <a:lstStyle/>
+          <a:p>
+            <a:pPr algn="ctr"/>
+            <a:endParaRPr lang="en-US"/>
+          </a:p>
+        </p:txBody>
+      </p:sp>
+      <p:sp>
+        <p:nvSpPr>
+          <p:cNvPr id="37" name="Left Brace 36">
+            <a:extLst>
+              <a:ext uri="{FF2B5EF4-FFF2-40B4-BE49-F238E27FC236}">
+                <a16:creationId xmlns:a16="http://schemas.microsoft.com/office/drawing/2014/main" id="{8D16FD1A-725C-A337-1C3B-232CE200F904}"/>
+              </a:ext>
+            </a:extLst>
+          </p:cNvPr>
+          <p:cNvSpPr/>
+          <p:nvPr/>
+        </p:nvSpPr>
+        <p:spPr>
+          <a:xfrm rot="16200000">
+            <a:off x="4999324" y="2217401"/>
+            <a:ext cx="242451" cy="6962050"/>
+          </a:xfrm>
+          <a:prstGeom prst="leftBrace">
+            <a:avLst>
+              <a:gd name="adj1" fmla="val 44906"/>
+              <a:gd name="adj2" fmla="val 50000"/>
+            </a:avLst>
+          </a:prstGeom>
+        </p:spPr>
+        <p:style>
+          <a:lnRef idx="2">
+            <a:schemeClr val="accent1"/>
+          </a:lnRef>
+          <a:fillRef idx="0">
+            <a:schemeClr val="accent1"/>
+          </a:fillRef>
+          <a:effectRef idx="1">
+            <a:schemeClr val="accent1"/>
+          </a:effectRef>
+          <a:fontRef idx="minor">
+            <a:schemeClr val="tx1"/>
+          </a:fontRef>
+        </p:style>
+        <p:txBody>
+          <a:bodyPr rtlCol="0" anchor="ctr"/>
+          <a:lstStyle/>
+          <a:p>
+            <a:pPr algn="ctr"/>
+            <a:endParaRPr lang="en-US"/>
+          </a:p>
+        </p:txBody>
+      </p:sp>
+      <p:sp>
+        <p:nvSpPr>
+          <p:cNvPr id="38" name="TextBox 37">
+            <a:extLst>
+              <a:ext uri="{FF2B5EF4-FFF2-40B4-BE49-F238E27FC236}">
+                <a16:creationId xmlns:a16="http://schemas.microsoft.com/office/drawing/2014/main" id="{A9404E61-29B0-B21A-1BD1-45CCBC6BA008}"/>
+              </a:ext>
+            </a:extLst>
+          </p:cNvPr>
+          <p:cNvSpPr txBox="1"/>
+          <p:nvPr/>
+        </p:nvSpPr>
+        <p:spPr>
+          <a:xfrm>
+            <a:off x="4783926" y="5823450"/>
+            <a:ext cx="1520994" cy="923330"/>
+          </a:xfrm>
+          <a:prstGeom prst="rect">
+            <a:avLst/>
+          </a:prstGeom>
+          <a:noFill/>
+        </p:spPr>
+        <p:txBody>
+          <a:bodyPr wrap="none" rtlCol="0">
+            <a:spAutoFit/>
+          </a:bodyPr>
+          <a:lstStyle/>
+          <a:p>
+            <a:r>
+              <a:rPr lang="en-US" dirty="0"/>
+              <a:t>23weeks</a:t>
+            </a:r>
+          </a:p>
+          <a:p>
+            <a:r>
+              <a:rPr lang="en-US" i="1" dirty="0"/>
+              <a:t>Or</a:t>
+            </a:r>
+          </a:p>
+          <a:p>
+            <a:r>
+              <a:rPr lang="en-US" i="1" dirty="0"/>
+              <a:t>[13-57weeks]</a:t>
+            </a:r>
+          </a:p>
+        </p:txBody>
+      </p:sp>
+      <p:sp>
+        <p:nvSpPr>
+          <p:cNvPr id="39" name="TextBox 38">
+            <a:extLst>
+              <a:ext uri="{FF2B5EF4-FFF2-40B4-BE49-F238E27FC236}">
+                <a16:creationId xmlns:a16="http://schemas.microsoft.com/office/drawing/2014/main" id="{8A41B089-035F-6BA1-89AF-04284C456D7A}"/>
+              </a:ext>
+            </a:extLst>
+          </p:cNvPr>
+          <p:cNvSpPr txBox="1"/>
+          <p:nvPr/>
+        </p:nvSpPr>
+        <p:spPr>
+          <a:xfrm>
+            <a:off x="-126466" y="-508782"/>
+            <a:ext cx="3637919" cy="369332"/>
+          </a:xfrm>
+          <a:prstGeom prst="rect">
+            <a:avLst/>
+          </a:prstGeom>
+          <a:noFill/>
+        </p:spPr>
+        <p:txBody>
+          <a:bodyPr wrap="none" rtlCol="0">
+            <a:spAutoFit/>
+          </a:bodyPr>
+          <a:lstStyle/>
+          <a:p>
+            <a:r>
+              <a:rPr lang="en-US" b="1" dirty="0"/>
+              <a:t>Parametrizing the natural history </a:t>
+            </a:r>
+          </a:p>
+        </p:txBody>
+      </p:sp>
     </p:spTree>
     <p:extLst>
       <p:ext uri="{BB962C8B-B14F-4D97-AF65-F5344CB8AC3E}">
-        <p14:creationId xmlns:p14="http://schemas.microsoft.com/office/powerpoint/2010/main" val="3949775476"/>
+        <p14:creationId xmlns:p14="http://schemas.microsoft.com/office/powerpoint/2010/main" val="448451357"/>
       </p:ext>
     </p:extLst>
   </p:cSld>
@@ -13097,6 +12738,173 @@
           <p:cNvPr id="2" name="Title 1">
             <a:extLst>
               <a:ext uri="{FF2B5EF4-FFF2-40B4-BE49-F238E27FC236}">
+                <a16:creationId xmlns:a16="http://schemas.microsoft.com/office/drawing/2014/main" id="{2C3569EE-9EDA-F9E6-791A-020C37FCBFBA}"/>
+              </a:ext>
+            </a:extLst>
+          </p:cNvPr>
+          <p:cNvSpPr>
+            <a:spLocks noGrp="1"/>
+          </p:cNvSpPr>
+          <p:nvPr>
+            <p:ph type="title"/>
+          </p:nvPr>
+        </p:nvSpPr>
+        <p:spPr/>
+        <p:txBody>
+          <a:bodyPr/>
+          <a:lstStyle/>
+          <a:p>
+            <a:r>
+              <a:rPr lang="en-US" dirty="0"/>
+              <a:t>Screen more or screen more often? </a:t>
+            </a:r>
+            <a:br>
+              <a:rPr lang="en-US" dirty="0"/>
+            </a:br>
+            <a:r>
+              <a:rPr lang="en-US" dirty="0"/>
+              <a:t>Tuite 2013</a:t>
+            </a:r>
+          </a:p>
+        </p:txBody>
+      </p:sp>
+      <p:pic>
+        <p:nvPicPr>
+          <p:cNvPr id="7" name="Content Placeholder 6" descr="A diagram of a model&#10;&#10;Description automatically generated">
+            <a:extLst>
+              <a:ext uri="{FF2B5EF4-FFF2-40B4-BE49-F238E27FC236}">
+                <a16:creationId xmlns:a16="http://schemas.microsoft.com/office/drawing/2014/main" id="{DA2D305E-6E2F-ADC1-840B-87A58B2F2DE1}"/>
+              </a:ext>
+            </a:extLst>
+          </p:cNvPr>
+          <p:cNvPicPr>
+            <a:picLocks noGrp="1" noChangeAspect="1"/>
+          </p:cNvPicPr>
+          <p:nvPr>
+            <p:ph idx="1"/>
+          </p:nvPr>
+        </p:nvPicPr>
+        <p:blipFill>
+          <a:blip r:embed="rId3"/>
+          <a:stretch>
+            <a:fillRect/>
+          </a:stretch>
+        </p:blipFill>
+        <p:spPr>
+          <a:xfrm>
+            <a:off x="7797631" y="1690688"/>
+            <a:ext cx="3674869" cy="4351338"/>
+          </a:xfrm>
+        </p:spPr>
+      </p:pic>
+      <p:sp>
+        <p:nvSpPr>
+          <p:cNvPr id="9" name="TextBox 8">
+            <a:extLst>
+              <a:ext uri="{FF2B5EF4-FFF2-40B4-BE49-F238E27FC236}">
+                <a16:creationId xmlns:a16="http://schemas.microsoft.com/office/drawing/2014/main" id="{26057193-8AB2-E719-37AB-18685A6DA7B0}"/>
+              </a:ext>
+            </a:extLst>
+          </p:cNvPr>
+          <p:cNvSpPr txBox="1"/>
+          <p:nvPr/>
+        </p:nvSpPr>
+        <p:spPr>
+          <a:xfrm>
+            <a:off x="406400" y="5846544"/>
+            <a:ext cx="6096000" cy="646331"/>
+          </a:xfrm>
+          <a:prstGeom prst="rect">
+            <a:avLst/>
+          </a:prstGeom>
+          <a:noFill/>
+        </p:spPr>
+        <p:txBody>
+          <a:bodyPr wrap="square">
+            <a:spAutoFit/>
+          </a:bodyPr>
+          <a:lstStyle/>
+          <a:p>
+            <a:r>
+              <a:rPr lang="en-US" dirty="0"/>
+              <a:t>https://</a:t>
+            </a:r>
+            <a:r>
+              <a:rPr lang="en-US" dirty="0" err="1"/>
+              <a:t>bmcpublichealth.biomedcentral.com</a:t>
+            </a:r>
+            <a:r>
+              <a:rPr lang="en-US" dirty="0"/>
+              <a:t>/counter/pdf/10.1186/1471-2458-13-606.pdf</a:t>
+            </a:r>
+          </a:p>
+        </p:txBody>
+      </p:sp>
+      <p:pic>
+        <p:nvPicPr>
+          <p:cNvPr id="11" name="Picture 10" descr="A screenshot of a medical report&#10;&#10;Description automatically generated">
+            <a:extLst>
+              <a:ext uri="{FF2B5EF4-FFF2-40B4-BE49-F238E27FC236}">
+                <a16:creationId xmlns:a16="http://schemas.microsoft.com/office/drawing/2014/main" id="{7EB2A73D-2BAB-E375-CA55-D02A1FDC2171}"/>
+              </a:ext>
+            </a:extLst>
+          </p:cNvPr>
+          <p:cNvPicPr>
+            <a:picLocks noChangeAspect="1"/>
+          </p:cNvPicPr>
+          <p:nvPr/>
+        </p:nvPicPr>
+        <p:blipFill>
+          <a:blip r:embed="rId4"/>
+          <a:stretch>
+            <a:fillRect/>
+          </a:stretch>
+        </p:blipFill>
+        <p:spPr>
+          <a:xfrm>
+            <a:off x="838200" y="2164822"/>
+            <a:ext cx="5974944" cy="2965979"/>
+          </a:xfrm>
+          <a:prstGeom prst="rect">
+            <a:avLst/>
+          </a:prstGeom>
+        </p:spPr>
+      </p:pic>
+    </p:spTree>
+    <p:extLst>
+      <p:ext uri="{BB962C8B-B14F-4D97-AF65-F5344CB8AC3E}">
+        <p14:creationId xmlns:p14="http://schemas.microsoft.com/office/powerpoint/2010/main" val="3949775476"/>
+      </p:ext>
+    </p:extLst>
+  </p:cSld>
+  <p:clrMapOvr>
+    <a:masterClrMapping/>
+  </p:clrMapOvr>
+</p:sld>
+</file>
+
+<file path=ppt/slides/slide8.xml><?xml version="1.0" encoding="utf-8"?>
+<p:sld xmlns:a="http://schemas.openxmlformats.org/drawingml/2006/main" xmlns:r="http://schemas.openxmlformats.org/officeDocument/2006/relationships" xmlns:p="http://schemas.openxmlformats.org/presentationml/2006/main">
+  <p:cSld>
+    <p:spTree>
+      <p:nvGrpSpPr>
+        <p:cNvPr id="1" name=""/>
+        <p:cNvGrpSpPr/>
+        <p:nvPr/>
+      </p:nvGrpSpPr>
+      <p:grpSpPr>
+        <a:xfrm>
+          <a:off x="0" y="0"/>
+          <a:ext cx="0" cy="0"/>
+          <a:chOff x="0" y="0"/>
+          <a:chExt cx="0" cy="0"/>
+        </a:xfrm>
+      </p:grpSpPr>
+      <p:sp>
+        <p:nvSpPr>
+          <p:cNvPr id="2" name="Title 1">
+            <a:extLst>
+              <a:ext uri="{FF2B5EF4-FFF2-40B4-BE49-F238E27FC236}">
                 <a16:creationId xmlns:a16="http://schemas.microsoft.com/office/drawing/2014/main" id="{075B1228-68B0-08C3-57AA-4CE8053F0303}"/>
               </a:ext>
             </a:extLst>
@@ -13228,7 +13036,7 @@
 </p:sld>
 </file>
 
-<file path=ppt/slides/slide8.xml><?xml version="1.0" encoding="utf-8"?>
+<file path=ppt/slides/slide9.xml><?xml version="1.0" encoding="utf-8"?>
 <p:sld xmlns:a="http://schemas.openxmlformats.org/drawingml/2006/main" xmlns:r="http://schemas.openxmlformats.org/officeDocument/2006/relationships" xmlns:p="http://schemas.openxmlformats.org/presentationml/2006/main">
   <p:cSld>
     <p:spTree>

--- a/applications/SHIELD/support/docs/syphilis_natural_history.pptx
+++ b/applications/SHIELD/support/docs/syphilis_natural_history.pptx
@@ -127,7 +127,7 @@
 <file path=ppt/revisionInfo.xml><?xml version="1.0" encoding="utf-8"?>
 <p1510:revInfo xmlns:a="http://schemas.openxmlformats.org/drawingml/2006/main" xmlns:r="http://schemas.openxmlformats.org/officeDocument/2006/relationships" xmlns:p1510="http://schemas.microsoft.com/office/powerpoint/2015/10/main">
   <p1510:revLst>
-    <p1510:client id="{BC65F091-BD9C-8D45-8968-C4ABBADED754}" v="1" dt="2025-01-10T16:53:51.939"/>
+    <p1510:client id="{BC65F091-BD9C-8D45-8968-C4ABBADED754}" v="21" dt="2025-01-17T20:00:21.103"/>
   </p1510:revLst>
 </p1510:revInfo>
 </file>
@@ -733,32 +733,16 @@
   <pc:docChgLst>
     <pc:chgData name="Parastu Kasaie" userId="1e6f2ad9-07d6-4e69-b2cb-e8eac35e5cb9" providerId="ADAL" clId="{BC65F091-BD9C-8D45-8968-C4ABBADED754}"/>
     <pc:docChg chg="custSel addSld modSld">
-      <pc:chgData name="Parastu Kasaie" userId="1e6f2ad9-07d6-4e69-b2cb-e8eac35e5cb9" providerId="ADAL" clId="{BC65F091-BD9C-8D45-8968-C4ABBADED754}" dt="2025-01-10T16:55:56.746" v="26" actId="1076"/>
+      <pc:chgData name="Parastu Kasaie" userId="1e6f2ad9-07d6-4e69-b2cb-e8eac35e5cb9" providerId="ADAL" clId="{BC65F091-BD9C-8D45-8968-C4ABBADED754}" dt="2025-01-17T20:01:19.129" v="492" actId="20577"/>
       <pc:docMkLst>
         <pc:docMk/>
       </pc:docMkLst>
       <pc:sldChg chg="addSp delSp modSp mod">
-        <pc:chgData name="Parastu Kasaie" userId="1e6f2ad9-07d6-4e69-b2cb-e8eac35e5cb9" providerId="ADAL" clId="{BC65F091-BD9C-8D45-8968-C4ABBADED754}" dt="2025-01-10T16:55:56.746" v="26" actId="1076"/>
+        <pc:chgData name="Parastu Kasaie" userId="1e6f2ad9-07d6-4e69-b2cb-e8eac35e5cb9" providerId="ADAL" clId="{BC65F091-BD9C-8D45-8968-C4ABBADED754}" dt="2025-01-17T18:34:52.903" v="47" actId="20577"/>
         <pc:sldMkLst>
           <pc:docMk/>
           <pc:sldMk cId="1306503906" sldId="264"/>
         </pc:sldMkLst>
-        <pc:spChg chg="del">
-          <ac:chgData name="Parastu Kasaie" userId="1e6f2ad9-07d6-4e69-b2cb-e8eac35e5cb9" providerId="ADAL" clId="{BC65F091-BD9C-8D45-8968-C4ABBADED754}" dt="2025-01-10T16:53:56.227" v="1" actId="478"/>
-          <ac:spMkLst>
-            <pc:docMk/>
-            <pc:sldMk cId="1306503906" sldId="264"/>
-            <ac:spMk id="2" creationId="{6ADB367A-C39A-EF09-13CE-4B1D1DD8E80E}"/>
-          </ac:spMkLst>
-        </pc:spChg>
-        <pc:spChg chg="del">
-          <ac:chgData name="Parastu Kasaie" userId="1e6f2ad9-07d6-4e69-b2cb-e8eac35e5cb9" providerId="ADAL" clId="{BC65F091-BD9C-8D45-8968-C4ABBADED754}" dt="2025-01-10T16:53:56.227" v="1" actId="478"/>
-          <ac:spMkLst>
-            <pc:docMk/>
-            <pc:sldMk cId="1306503906" sldId="264"/>
-            <ac:spMk id="3" creationId="{6E36A6E0-B35E-1DD1-DD67-459EADA7F195}"/>
-          </ac:spMkLst>
-        </pc:spChg>
         <pc:spChg chg="add mod">
           <ac:chgData name="Parastu Kasaie" userId="1e6f2ad9-07d6-4e69-b2cb-e8eac35e5cb9" providerId="ADAL" clId="{BC65F091-BD9C-8D45-8968-C4ABBADED754}" dt="2025-01-10T16:53:51.939" v="0"/>
           <ac:spMkLst>
@@ -919,13 +903,405 @@
             <ac:spMk id="48" creationId="{1BEEF22F-E1D3-B8EA-E1EA-BB05ED1DFCFB}"/>
           </ac:spMkLst>
         </pc:spChg>
+        <pc:spChg chg="add mod">
+          <ac:chgData name="Parastu Kasaie" userId="1e6f2ad9-07d6-4e69-b2cb-e8eac35e5cb9" providerId="ADAL" clId="{BC65F091-BD9C-8D45-8968-C4ABBADED754}" dt="2025-01-17T18:34:52.903" v="47" actId="20577"/>
+          <ac:spMkLst>
+            <pc:docMk/>
+            <pc:sldMk cId="1306503906" sldId="264"/>
+            <ac:spMk id="49" creationId="{D5708A01-C0D3-99DB-85D5-569C116F92B9}"/>
+          </ac:spMkLst>
+        </pc:spChg>
       </pc:sldChg>
-      <pc:sldChg chg="new">
-        <pc:chgData name="Parastu Kasaie" userId="1e6f2ad9-07d6-4e69-b2cb-e8eac35e5cb9" providerId="ADAL" clId="{BC65F091-BD9C-8D45-8968-C4ABBADED754}" dt="2025-01-10T16:54:02.719" v="2" actId="680"/>
+      <pc:sldChg chg="addSp delSp modSp new mod">
+        <pc:chgData name="Parastu Kasaie" userId="1e6f2ad9-07d6-4e69-b2cb-e8eac35e5cb9" providerId="ADAL" clId="{BC65F091-BD9C-8D45-8968-C4ABBADED754}" dt="2025-01-17T20:01:19.129" v="492" actId="20577"/>
         <pc:sldMkLst>
           <pc:docMk/>
           <pc:sldMk cId="2394394389" sldId="265"/>
         </pc:sldMkLst>
+        <pc:spChg chg="del">
+          <ac:chgData name="Parastu Kasaie" userId="1e6f2ad9-07d6-4e69-b2cb-e8eac35e5cb9" providerId="ADAL" clId="{BC65F091-BD9C-8D45-8968-C4ABBADED754}" dt="2025-01-17T19:48:04.958" v="48" actId="478"/>
+          <ac:spMkLst>
+            <pc:docMk/>
+            <pc:sldMk cId="2394394389" sldId="265"/>
+            <ac:spMk id="2" creationId="{4CAADF30-0B4A-B6A8-651B-B1C8B7A1944A}"/>
+          </ac:spMkLst>
+        </pc:spChg>
+        <pc:spChg chg="del">
+          <ac:chgData name="Parastu Kasaie" userId="1e6f2ad9-07d6-4e69-b2cb-e8eac35e5cb9" providerId="ADAL" clId="{BC65F091-BD9C-8D45-8968-C4ABBADED754}" dt="2025-01-17T19:48:04.958" v="48" actId="478"/>
+          <ac:spMkLst>
+            <pc:docMk/>
+            <pc:sldMk cId="2394394389" sldId="265"/>
+            <ac:spMk id="3" creationId="{B4B11854-E121-68EE-DB0F-3260C7A21C63}"/>
+          </ac:spMkLst>
+        </pc:spChg>
+        <pc:spChg chg="add del mod">
+          <ac:chgData name="Parastu Kasaie" userId="1e6f2ad9-07d6-4e69-b2cb-e8eac35e5cb9" providerId="ADAL" clId="{BC65F091-BD9C-8D45-8968-C4ABBADED754}" dt="2025-01-17T19:48:28.705" v="58"/>
+          <ac:spMkLst>
+            <pc:docMk/>
+            <pc:sldMk cId="2394394389" sldId="265"/>
+            <ac:spMk id="10" creationId="{3C4CA2F8-965C-1BB0-C20B-DE30B12E89C0}"/>
+          </ac:spMkLst>
+        </pc:spChg>
+        <pc:spChg chg="add mod">
+          <ac:chgData name="Parastu Kasaie" userId="1e6f2ad9-07d6-4e69-b2cb-e8eac35e5cb9" providerId="ADAL" clId="{BC65F091-BD9C-8D45-8968-C4ABBADED754}" dt="2025-01-17T19:55:35.808" v="183" actId="1076"/>
+          <ac:spMkLst>
+            <pc:docMk/>
+            <pc:sldMk cId="2394394389" sldId="265"/>
+            <ac:spMk id="11" creationId="{B81F9289-55E6-3EA5-17D0-9B19BD78F814}"/>
+          </ac:spMkLst>
+        </pc:spChg>
+        <pc:spChg chg="add mod">
+          <ac:chgData name="Parastu Kasaie" userId="1e6f2ad9-07d6-4e69-b2cb-e8eac35e5cb9" providerId="ADAL" clId="{BC65F091-BD9C-8D45-8968-C4ABBADED754}" dt="2025-01-17T19:55:35.808" v="183" actId="1076"/>
+          <ac:spMkLst>
+            <pc:docMk/>
+            <pc:sldMk cId="2394394389" sldId="265"/>
+            <ac:spMk id="14" creationId="{B433714E-FD73-551F-469A-676392B2AE73}"/>
+          </ac:spMkLst>
+        </pc:spChg>
+        <pc:spChg chg="add mod">
+          <ac:chgData name="Parastu Kasaie" userId="1e6f2ad9-07d6-4e69-b2cb-e8eac35e5cb9" providerId="ADAL" clId="{BC65F091-BD9C-8D45-8968-C4ABBADED754}" dt="2025-01-17T19:55:35.808" v="183" actId="1076"/>
+          <ac:spMkLst>
+            <pc:docMk/>
+            <pc:sldMk cId="2394394389" sldId="265"/>
+            <ac:spMk id="15" creationId="{0AAFB432-320E-0BCE-3091-ABD153549FF4}"/>
+          </ac:spMkLst>
+        </pc:spChg>
+        <pc:spChg chg="add mod">
+          <ac:chgData name="Parastu Kasaie" userId="1e6f2ad9-07d6-4e69-b2cb-e8eac35e5cb9" providerId="ADAL" clId="{BC65F091-BD9C-8D45-8968-C4ABBADED754}" dt="2025-01-17T19:55:35.808" v="183" actId="1076"/>
+          <ac:spMkLst>
+            <pc:docMk/>
+            <pc:sldMk cId="2394394389" sldId="265"/>
+            <ac:spMk id="16" creationId="{B249B3E6-99CB-A993-9DAB-098ED102F7DB}"/>
+          </ac:spMkLst>
+        </pc:spChg>
+        <pc:spChg chg="add mod">
+          <ac:chgData name="Parastu Kasaie" userId="1e6f2ad9-07d6-4e69-b2cb-e8eac35e5cb9" providerId="ADAL" clId="{BC65F091-BD9C-8D45-8968-C4ABBADED754}" dt="2025-01-17T19:55:35.808" v="183" actId="1076"/>
+          <ac:spMkLst>
+            <pc:docMk/>
+            <pc:sldMk cId="2394394389" sldId="265"/>
+            <ac:spMk id="17" creationId="{4499282F-5A0C-2ED9-A5BB-78E55922F7A8}"/>
+          </ac:spMkLst>
+        </pc:spChg>
+        <pc:spChg chg="add mod">
+          <ac:chgData name="Parastu Kasaie" userId="1e6f2ad9-07d6-4e69-b2cb-e8eac35e5cb9" providerId="ADAL" clId="{BC65F091-BD9C-8D45-8968-C4ABBADED754}" dt="2025-01-17T19:55:35.808" v="183" actId="1076"/>
+          <ac:spMkLst>
+            <pc:docMk/>
+            <pc:sldMk cId="2394394389" sldId="265"/>
+            <ac:spMk id="18" creationId="{242BF9EF-1FFE-14FF-E44A-473192407234}"/>
+          </ac:spMkLst>
+        </pc:spChg>
+        <pc:spChg chg="add mod">
+          <ac:chgData name="Parastu Kasaie" userId="1e6f2ad9-07d6-4e69-b2cb-e8eac35e5cb9" providerId="ADAL" clId="{BC65F091-BD9C-8D45-8968-C4ABBADED754}" dt="2025-01-17T19:55:35.808" v="183" actId="1076"/>
+          <ac:spMkLst>
+            <pc:docMk/>
+            <pc:sldMk cId="2394394389" sldId="265"/>
+            <ac:spMk id="19" creationId="{C1F65478-DD11-249D-25B5-AC9D25441781}"/>
+          </ac:spMkLst>
+        </pc:spChg>
+        <pc:spChg chg="add del mod">
+          <ac:chgData name="Parastu Kasaie" userId="1e6f2ad9-07d6-4e69-b2cb-e8eac35e5cb9" providerId="ADAL" clId="{BC65F091-BD9C-8D45-8968-C4ABBADED754}" dt="2025-01-17T19:55:40.252" v="186" actId="478"/>
+          <ac:spMkLst>
+            <pc:docMk/>
+            <pc:sldMk cId="2394394389" sldId="265"/>
+            <ac:spMk id="22" creationId="{29BD1470-E2D8-4571-DC47-7FC535ADDFDA}"/>
+          </ac:spMkLst>
+        </pc:spChg>
+        <pc:spChg chg="add del mod">
+          <ac:chgData name="Parastu Kasaie" userId="1e6f2ad9-07d6-4e69-b2cb-e8eac35e5cb9" providerId="ADAL" clId="{BC65F091-BD9C-8D45-8968-C4ABBADED754}" dt="2025-01-17T19:56:10.662" v="191" actId="478"/>
+          <ac:spMkLst>
+            <pc:docMk/>
+            <pc:sldMk cId="2394394389" sldId="265"/>
+            <ac:spMk id="23" creationId="{6DA89D7F-1E15-EB23-30C0-C9EDAB05F54B}"/>
+          </ac:spMkLst>
+        </pc:spChg>
+        <pc:spChg chg="add mod">
+          <ac:chgData name="Parastu Kasaie" userId="1e6f2ad9-07d6-4e69-b2cb-e8eac35e5cb9" providerId="ADAL" clId="{BC65F091-BD9C-8D45-8968-C4ABBADED754}" dt="2025-01-17T19:55:38.286" v="185" actId="1076"/>
+          <ac:spMkLst>
+            <pc:docMk/>
+            <pc:sldMk cId="2394394389" sldId="265"/>
+            <ac:spMk id="24" creationId="{947D68FF-CD16-D649-E39D-119C77F0F9A6}"/>
+          </ac:spMkLst>
+        </pc:spChg>
+        <pc:spChg chg="add mod">
+          <ac:chgData name="Parastu Kasaie" userId="1e6f2ad9-07d6-4e69-b2cb-e8eac35e5cb9" providerId="ADAL" clId="{BC65F091-BD9C-8D45-8968-C4ABBADED754}" dt="2025-01-17T19:56:04.341" v="189" actId="1076"/>
+          <ac:spMkLst>
+            <pc:docMk/>
+            <pc:sldMk cId="2394394389" sldId="265"/>
+            <ac:spMk id="25" creationId="{EBE8BA20-6E77-01C3-E267-8D47FE883B02}"/>
+          </ac:spMkLst>
+        </pc:spChg>
+        <pc:spChg chg="add del mod">
+          <ac:chgData name="Parastu Kasaie" userId="1e6f2ad9-07d6-4e69-b2cb-e8eac35e5cb9" providerId="ADAL" clId="{BC65F091-BD9C-8D45-8968-C4ABBADED754}" dt="2025-01-17T19:56:40.945" v="209" actId="478"/>
+          <ac:spMkLst>
+            <pc:docMk/>
+            <pc:sldMk cId="2394394389" sldId="265"/>
+            <ac:spMk id="26" creationId="{7E151157-E82B-EB34-4D80-93EAA402F7C7}"/>
+          </ac:spMkLst>
+        </pc:spChg>
+        <pc:spChg chg="add del mod">
+          <ac:chgData name="Parastu Kasaie" userId="1e6f2ad9-07d6-4e69-b2cb-e8eac35e5cb9" providerId="ADAL" clId="{BC65F091-BD9C-8D45-8968-C4ABBADED754}" dt="2025-01-17T20:00:18.902" v="376" actId="478"/>
+          <ac:spMkLst>
+            <pc:docMk/>
+            <pc:sldMk cId="2394394389" sldId="265"/>
+            <ac:spMk id="27" creationId="{32714643-BD7C-7506-E9F2-40B171AD4544}"/>
+          </ac:spMkLst>
+        </pc:spChg>
+        <pc:spChg chg="add mod">
+          <ac:chgData name="Parastu Kasaie" userId="1e6f2ad9-07d6-4e69-b2cb-e8eac35e5cb9" providerId="ADAL" clId="{BC65F091-BD9C-8D45-8968-C4ABBADED754}" dt="2025-01-17T20:01:16.165" v="489" actId="20577"/>
+          <ac:spMkLst>
+            <pc:docMk/>
+            <pc:sldMk cId="2394394389" sldId="265"/>
+            <ac:spMk id="28" creationId="{432D7E20-CCE4-152C-04FB-C3F7FD85A714}"/>
+          </ac:spMkLst>
+        </pc:spChg>
+        <pc:spChg chg="add">
+          <ac:chgData name="Parastu Kasaie" userId="1e6f2ad9-07d6-4e69-b2cb-e8eac35e5cb9" providerId="ADAL" clId="{BC65F091-BD9C-8D45-8968-C4ABBADED754}" dt="2025-01-17T19:56:00.965" v="188" actId="11529"/>
+          <ac:spMkLst>
+            <pc:docMk/>
+            <pc:sldMk cId="2394394389" sldId="265"/>
+            <ac:spMk id="29" creationId="{7AF9D15F-09BE-3626-E773-6364AFB71EE9}"/>
+          </ac:spMkLst>
+        </pc:spChg>
+        <pc:spChg chg="add mod">
+          <ac:chgData name="Parastu Kasaie" userId="1e6f2ad9-07d6-4e69-b2cb-e8eac35e5cb9" providerId="ADAL" clId="{BC65F091-BD9C-8D45-8968-C4ABBADED754}" dt="2025-01-17T19:56:22.075" v="199" actId="1076"/>
+          <ac:spMkLst>
+            <pc:docMk/>
+            <pc:sldMk cId="2394394389" sldId="265"/>
+            <ac:spMk id="31" creationId="{E7361221-C6FA-E7C0-E540-07712EC055A4}"/>
+          </ac:spMkLst>
+        </pc:spChg>
+        <pc:spChg chg="add mod">
+          <ac:chgData name="Parastu Kasaie" userId="1e6f2ad9-07d6-4e69-b2cb-e8eac35e5cb9" providerId="ADAL" clId="{BC65F091-BD9C-8D45-8968-C4ABBADED754}" dt="2025-01-17T19:56:29.254" v="202" actId="20577"/>
+          <ac:spMkLst>
+            <pc:docMk/>
+            <pc:sldMk cId="2394394389" sldId="265"/>
+            <ac:spMk id="32" creationId="{9BF23213-0BC0-946E-1C97-AA3BFE859464}"/>
+          </ac:spMkLst>
+        </pc:spChg>
+        <pc:spChg chg="add mod">
+          <ac:chgData name="Parastu Kasaie" userId="1e6f2ad9-07d6-4e69-b2cb-e8eac35e5cb9" providerId="ADAL" clId="{BC65F091-BD9C-8D45-8968-C4ABBADED754}" dt="2025-01-17T19:56:38.402" v="208" actId="1076"/>
+          <ac:spMkLst>
+            <pc:docMk/>
+            <pc:sldMk cId="2394394389" sldId="265"/>
+            <ac:spMk id="33" creationId="{690DC7E3-2043-9588-3278-2F085DBBCD1B}"/>
+          </ac:spMkLst>
+        </pc:spChg>
+        <pc:spChg chg="add mod">
+          <ac:chgData name="Parastu Kasaie" userId="1e6f2ad9-07d6-4e69-b2cb-e8eac35e5cb9" providerId="ADAL" clId="{BC65F091-BD9C-8D45-8968-C4ABBADED754}" dt="2025-01-17T19:57:43.263" v="232" actId="14100"/>
+          <ac:spMkLst>
+            <pc:docMk/>
+            <pc:sldMk cId="2394394389" sldId="265"/>
+            <ac:spMk id="41" creationId="{3D053946-FF79-C996-C7E6-00DD290F84E7}"/>
+          </ac:spMkLst>
+        </pc:spChg>
+        <pc:spChg chg="add mod">
+          <ac:chgData name="Parastu Kasaie" userId="1e6f2ad9-07d6-4e69-b2cb-e8eac35e5cb9" providerId="ADAL" clId="{BC65F091-BD9C-8D45-8968-C4ABBADED754}" dt="2025-01-17T19:58:29.192" v="246" actId="207"/>
+          <ac:spMkLst>
+            <pc:docMk/>
+            <pc:sldMk cId="2394394389" sldId="265"/>
+            <ac:spMk id="49" creationId="{C57B9DAE-4ED5-3538-17E5-DAE75A5714D0}"/>
+          </ac:spMkLst>
+        </pc:spChg>
+        <pc:spChg chg="add mod">
+          <ac:chgData name="Parastu Kasaie" userId="1e6f2ad9-07d6-4e69-b2cb-e8eac35e5cb9" providerId="ADAL" clId="{BC65F091-BD9C-8D45-8968-C4ABBADED754}" dt="2025-01-17T19:58:46.278" v="275" actId="207"/>
+          <ac:spMkLst>
+            <pc:docMk/>
+            <pc:sldMk cId="2394394389" sldId="265"/>
+            <ac:spMk id="50" creationId="{8693EF93-3FD1-82A4-9A6A-1D89FC19555A}"/>
+          </ac:spMkLst>
+        </pc:spChg>
+        <pc:spChg chg="add del">
+          <ac:chgData name="Parastu Kasaie" userId="1e6f2ad9-07d6-4e69-b2cb-e8eac35e5cb9" providerId="ADAL" clId="{BC65F091-BD9C-8D45-8968-C4ABBADED754}" dt="2025-01-17T19:59:40.921" v="284" actId="478"/>
+          <ac:spMkLst>
+            <pc:docMk/>
+            <pc:sldMk cId="2394394389" sldId="265"/>
+            <ac:spMk id="51" creationId="{00B52A94-B46E-1A35-0332-510A686762BD}"/>
+          </ac:spMkLst>
+        </pc:spChg>
+        <pc:spChg chg="add del mod">
+          <ac:chgData name="Parastu Kasaie" userId="1e6f2ad9-07d6-4e69-b2cb-e8eac35e5cb9" providerId="ADAL" clId="{BC65F091-BD9C-8D45-8968-C4ABBADED754}" dt="2025-01-17T20:00:18.902" v="376" actId="478"/>
+          <ac:spMkLst>
+            <pc:docMk/>
+            <pc:sldMk cId="2394394389" sldId="265"/>
+            <ac:spMk id="55" creationId="{B1989394-3648-7D13-7AD9-8A767E78B824}"/>
+          </ac:spMkLst>
+        </pc:spChg>
+        <pc:spChg chg="add del mod">
+          <ac:chgData name="Parastu Kasaie" userId="1e6f2ad9-07d6-4e69-b2cb-e8eac35e5cb9" providerId="ADAL" clId="{BC65F091-BD9C-8D45-8968-C4ABBADED754}" dt="2025-01-17T20:00:18.919" v="378"/>
+          <ac:spMkLst>
+            <pc:docMk/>
+            <pc:sldMk cId="2394394389" sldId="265"/>
+            <ac:spMk id="56" creationId="{D5627440-4EEA-148A-735C-A6C611112D64}"/>
+          </ac:spMkLst>
+        </pc:spChg>
+        <pc:spChg chg="add del mod">
+          <ac:chgData name="Parastu Kasaie" userId="1e6f2ad9-07d6-4e69-b2cb-e8eac35e5cb9" providerId="ADAL" clId="{BC65F091-BD9C-8D45-8968-C4ABBADED754}" dt="2025-01-17T19:59:30.144" v="281" actId="478"/>
+          <ac:spMkLst>
+            <pc:docMk/>
+            <pc:sldMk cId="2394394389" sldId="265"/>
+            <ac:spMk id="57" creationId="{FC9A51F0-2AF9-F9FF-E668-41AAB84BBAA6}"/>
+          </ac:spMkLst>
+        </pc:spChg>
+        <pc:spChg chg="add mod">
+          <ac:chgData name="Parastu Kasaie" userId="1e6f2ad9-07d6-4e69-b2cb-e8eac35e5cb9" providerId="ADAL" clId="{BC65F091-BD9C-8D45-8968-C4ABBADED754}" dt="2025-01-17T19:59:28.234" v="280" actId="1076"/>
+          <ac:spMkLst>
+            <pc:docMk/>
+            <pc:sldMk cId="2394394389" sldId="265"/>
+            <ac:spMk id="58" creationId="{5BCD6933-4E0B-C43A-797D-ADE125A2A2DE}"/>
+          </ac:spMkLst>
+        </pc:spChg>
+        <pc:spChg chg="add mod">
+          <ac:chgData name="Parastu Kasaie" userId="1e6f2ad9-07d6-4e69-b2cb-e8eac35e5cb9" providerId="ADAL" clId="{BC65F091-BD9C-8D45-8968-C4ABBADED754}" dt="2025-01-17T19:59:28.234" v="280" actId="1076"/>
+          <ac:spMkLst>
+            <pc:docMk/>
+            <pc:sldMk cId="2394394389" sldId="265"/>
+            <ac:spMk id="59" creationId="{457F8CE5-DA28-B219-1CFA-4741E73B13F0}"/>
+          </ac:spMkLst>
+        </pc:spChg>
+        <pc:spChg chg="add mod">
+          <ac:chgData name="Parastu Kasaie" userId="1e6f2ad9-07d6-4e69-b2cb-e8eac35e5cb9" providerId="ADAL" clId="{BC65F091-BD9C-8D45-8968-C4ABBADED754}" dt="2025-01-17T19:59:28.234" v="280" actId="1076"/>
+          <ac:spMkLst>
+            <pc:docMk/>
+            <pc:sldMk cId="2394394389" sldId="265"/>
+            <ac:spMk id="60" creationId="{9E765CDD-ACE6-F3FB-353A-E861A82FE28C}"/>
+          </ac:spMkLst>
+        </pc:spChg>
+        <pc:spChg chg="add del mod">
+          <ac:chgData name="Parastu Kasaie" userId="1e6f2ad9-07d6-4e69-b2cb-e8eac35e5cb9" providerId="ADAL" clId="{BC65F091-BD9C-8D45-8968-C4ABBADED754}" dt="2025-01-17T20:00:54.420" v="483" actId="478"/>
+          <ac:spMkLst>
+            <pc:docMk/>
+            <pc:sldMk cId="2394394389" sldId="265"/>
+            <ac:spMk id="64" creationId="{94CC67D2-19A5-E546-A926-50BFBAAC7866}"/>
+          </ac:spMkLst>
+        </pc:spChg>
+        <pc:spChg chg="add mod">
+          <ac:chgData name="Parastu Kasaie" userId="1e6f2ad9-07d6-4e69-b2cb-e8eac35e5cb9" providerId="ADAL" clId="{BC65F091-BD9C-8D45-8968-C4ABBADED754}" dt="2025-01-17T20:01:07.996" v="485" actId="207"/>
+          <ac:spMkLst>
+            <pc:docMk/>
+            <pc:sldMk cId="2394394389" sldId="265"/>
+            <ac:spMk id="66" creationId="{D0ABE0EB-5C43-228C-C4D2-DFB764D60D52}"/>
+          </ac:spMkLst>
+        </pc:spChg>
+        <pc:spChg chg="add del mod">
+          <ac:chgData name="Parastu Kasaie" userId="1e6f2ad9-07d6-4e69-b2cb-e8eac35e5cb9" providerId="ADAL" clId="{BC65F091-BD9C-8D45-8968-C4ABBADED754}" dt="2025-01-17T20:01:11.119" v="486" actId="478"/>
+          <ac:spMkLst>
+            <pc:docMk/>
+            <pc:sldMk cId="2394394389" sldId="265"/>
+            <ac:spMk id="67" creationId="{B976B106-BC5D-30FC-C9EB-2657169C35E7}"/>
+          </ac:spMkLst>
+        </pc:spChg>
+        <pc:spChg chg="add mod">
+          <ac:chgData name="Parastu Kasaie" userId="1e6f2ad9-07d6-4e69-b2cb-e8eac35e5cb9" providerId="ADAL" clId="{BC65F091-BD9C-8D45-8968-C4ABBADED754}" dt="2025-01-17T19:59:36.646" v="283" actId="14100"/>
+          <ac:spMkLst>
+            <pc:docMk/>
+            <pc:sldMk cId="2394394389" sldId="265"/>
+            <ac:spMk id="68" creationId="{F1EA41BA-6E1E-586C-5407-4B05399CD052}"/>
+          </ac:spMkLst>
+        </pc:spChg>
+        <pc:spChg chg="add mod">
+          <ac:chgData name="Parastu Kasaie" userId="1e6f2ad9-07d6-4e69-b2cb-e8eac35e5cb9" providerId="ADAL" clId="{BC65F091-BD9C-8D45-8968-C4ABBADED754}" dt="2025-01-17T20:01:19.129" v="492" actId="20577"/>
+          <ac:spMkLst>
+            <pc:docMk/>
+            <pc:sldMk cId="2394394389" sldId="265"/>
+            <ac:spMk id="69" creationId="{269C6B8C-831C-663D-A712-64D5072A5DA7}"/>
+          </ac:spMkLst>
+        </pc:spChg>
+        <pc:cxnChg chg="add mod">
+          <ac:chgData name="Parastu Kasaie" userId="1e6f2ad9-07d6-4e69-b2cb-e8eac35e5cb9" providerId="ADAL" clId="{BC65F091-BD9C-8D45-8968-C4ABBADED754}" dt="2025-01-17T19:55:35.808" v="183" actId="1076"/>
+          <ac:cxnSpMkLst>
+            <pc:docMk/>
+            <pc:sldMk cId="2394394389" sldId="265"/>
+            <ac:cxnSpMk id="5" creationId="{9B4EE457-D2A0-0B23-3745-1D286CD6131F}"/>
+          </ac:cxnSpMkLst>
+        </pc:cxnChg>
+        <pc:cxnChg chg="add mod">
+          <ac:chgData name="Parastu Kasaie" userId="1e6f2ad9-07d6-4e69-b2cb-e8eac35e5cb9" providerId="ADAL" clId="{BC65F091-BD9C-8D45-8968-C4ABBADED754}" dt="2025-01-17T19:55:35.808" v="183" actId="1076"/>
+          <ac:cxnSpMkLst>
+            <pc:docMk/>
+            <pc:sldMk cId="2394394389" sldId="265"/>
+            <ac:cxnSpMk id="6" creationId="{DE1FC783-B161-CD42-6DD2-99CEF6279248}"/>
+          </ac:cxnSpMkLst>
+        </pc:cxnChg>
+        <pc:cxnChg chg="add del mod">
+          <ac:chgData name="Parastu Kasaie" userId="1e6f2ad9-07d6-4e69-b2cb-e8eac35e5cb9" providerId="ADAL" clId="{BC65F091-BD9C-8D45-8968-C4ABBADED754}" dt="2025-01-17T19:48:28.118" v="56" actId="478"/>
+          <ac:cxnSpMkLst>
+            <pc:docMk/>
+            <pc:sldMk cId="2394394389" sldId="265"/>
+            <ac:cxnSpMk id="9" creationId="{F37AF60E-E144-C315-2D56-741E38719655}"/>
+          </ac:cxnSpMkLst>
+        </pc:cxnChg>
+        <pc:cxnChg chg="add del mod">
+          <ac:chgData name="Parastu Kasaie" userId="1e6f2ad9-07d6-4e69-b2cb-e8eac35e5cb9" providerId="ADAL" clId="{BC65F091-BD9C-8D45-8968-C4ABBADED754}" dt="2025-01-17T19:55:43.831" v="187" actId="478"/>
+          <ac:cxnSpMkLst>
+            <pc:docMk/>
+            <pc:sldMk cId="2394394389" sldId="265"/>
+            <ac:cxnSpMk id="20" creationId="{0CBAC574-6AE5-F3C0-6195-FA02C6A058ED}"/>
+          </ac:cxnSpMkLst>
+        </pc:cxnChg>
+        <pc:cxnChg chg="add mod">
+          <ac:chgData name="Parastu Kasaie" userId="1e6f2ad9-07d6-4e69-b2cb-e8eac35e5cb9" providerId="ADAL" clId="{BC65F091-BD9C-8D45-8968-C4ABBADED754}" dt="2025-01-17T19:56:17.361" v="193" actId="14100"/>
+          <ac:cxnSpMkLst>
+            <pc:docMk/>
+            <pc:sldMk cId="2394394389" sldId="265"/>
+            <ac:cxnSpMk id="21" creationId="{D3E61AA8-FBDA-942E-9BC1-03AD19C96655}"/>
+          </ac:cxnSpMkLst>
+        </pc:cxnChg>
+        <pc:cxnChg chg="add mod">
+          <ac:chgData name="Parastu Kasaie" userId="1e6f2ad9-07d6-4e69-b2cb-e8eac35e5cb9" providerId="ADAL" clId="{BC65F091-BD9C-8D45-8968-C4ABBADED754}" dt="2025-01-17T19:56:53.309" v="211" actId="692"/>
+          <ac:cxnSpMkLst>
+            <pc:docMk/>
+            <pc:sldMk cId="2394394389" sldId="265"/>
+            <ac:cxnSpMk id="35" creationId="{2765D74F-4EE3-8522-1166-C7A53FC02C25}"/>
+          </ac:cxnSpMkLst>
+        </pc:cxnChg>
+        <pc:cxnChg chg="add mod">
+          <ac:chgData name="Parastu Kasaie" userId="1e6f2ad9-07d6-4e69-b2cb-e8eac35e5cb9" providerId="ADAL" clId="{BC65F091-BD9C-8D45-8968-C4ABBADED754}" dt="2025-01-17T19:57:56.801" v="237" actId="692"/>
+          <ac:cxnSpMkLst>
+            <pc:docMk/>
+            <pc:sldMk cId="2394394389" sldId="265"/>
+            <ac:cxnSpMk id="36" creationId="{8DF4D48F-1D80-FF44-DDD3-ABA55C0DF661}"/>
+          </ac:cxnSpMkLst>
+        </pc:cxnChg>
+        <pc:cxnChg chg="add mod">
+          <ac:chgData name="Parastu Kasaie" userId="1e6f2ad9-07d6-4e69-b2cb-e8eac35e5cb9" providerId="ADAL" clId="{BC65F091-BD9C-8D45-8968-C4ABBADED754}" dt="2025-01-17T19:57:40.795" v="231" actId="692"/>
+          <ac:cxnSpMkLst>
+            <pc:docMk/>
+            <pc:sldMk cId="2394394389" sldId="265"/>
+            <ac:cxnSpMk id="40" creationId="{EC293307-0EB3-1960-B3CD-B170AFA80E83}"/>
+          </ac:cxnSpMkLst>
+        </pc:cxnChg>
+        <pc:cxnChg chg="add mod">
+          <ac:chgData name="Parastu Kasaie" userId="1e6f2ad9-07d6-4e69-b2cb-e8eac35e5cb9" providerId="ADAL" clId="{BC65F091-BD9C-8D45-8968-C4ABBADED754}" dt="2025-01-17T19:57:56.801" v="237" actId="692"/>
+          <ac:cxnSpMkLst>
+            <pc:docMk/>
+            <pc:sldMk cId="2394394389" sldId="265"/>
+            <ac:cxnSpMk id="42" creationId="{DCB5DBC7-B1E9-7BF9-0EF0-E0CA3766AD30}"/>
+          </ac:cxnSpMkLst>
+        </pc:cxnChg>
+        <pc:cxnChg chg="add del mod">
+          <ac:chgData name="Parastu Kasaie" userId="1e6f2ad9-07d6-4e69-b2cb-e8eac35e5cb9" providerId="ADAL" clId="{BC65F091-BD9C-8D45-8968-C4ABBADED754}" dt="2025-01-17T19:58:17.110" v="241" actId="478"/>
+          <ac:cxnSpMkLst>
+            <pc:docMk/>
+            <pc:sldMk cId="2394394389" sldId="265"/>
+            <ac:cxnSpMk id="46" creationId="{E5B00ACB-831A-E1C5-E872-AF1D90BBEB06}"/>
+          </ac:cxnSpMkLst>
+        </pc:cxnChg>
+        <pc:cxnChg chg="mod">
+          <ac:chgData name="Parastu Kasaie" userId="1e6f2ad9-07d6-4e69-b2cb-e8eac35e5cb9" providerId="ADAL" clId="{BC65F091-BD9C-8D45-8968-C4ABBADED754}" dt="2025-01-17T19:59:30.144" v="281" actId="478"/>
+          <ac:cxnSpMkLst>
+            <pc:docMk/>
+            <pc:sldMk cId="2394394389" sldId="265"/>
+            <ac:cxnSpMk id="61" creationId="{96CD479D-CC9E-ADBD-2A27-9DA32397FEDA}"/>
+          </ac:cxnSpMkLst>
+        </pc:cxnChg>
+        <pc:cxnChg chg="del">
+          <ac:chgData name="Parastu Kasaie" userId="1e6f2ad9-07d6-4e69-b2cb-e8eac35e5cb9" providerId="ADAL" clId="{BC65F091-BD9C-8D45-8968-C4ABBADED754}" dt="2025-01-17T20:01:02.884" v="484" actId="478"/>
+          <ac:cxnSpMkLst>
+            <pc:docMk/>
+            <pc:sldMk cId="2394394389" sldId="265"/>
+            <ac:cxnSpMk id="63" creationId="{9C6252A5-1F26-3E24-4039-F41B78009FF1}"/>
+          </ac:cxnSpMkLst>
+        </pc:cxnChg>
       </pc:sldChg>
     </pc:docChg>
   </pc:docChgLst>
@@ -6928,6 +7304,41 @@
           </a:p>
         </p:txBody>
       </p:sp>
+      <p:sp>
+        <p:nvSpPr>
+          <p:cNvPr id="49" name="TextBox 48">
+            <a:extLst>
+              <a:ext uri="{FF2B5EF4-FFF2-40B4-BE49-F238E27FC236}">
+                <a16:creationId xmlns:a16="http://schemas.microsoft.com/office/drawing/2014/main" id="{D5708A01-C0D3-99DB-85D5-569C116F92B9}"/>
+              </a:ext>
+            </a:extLst>
+          </p:cNvPr>
+          <p:cNvSpPr txBox="1"/>
+          <p:nvPr/>
+        </p:nvSpPr>
+        <p:spPr>
+          <a:xfrm>
+            <a:off x="7592291" y="2216727"/>
+            <a:ext cx="1723805" cy="369332"/>
+          </a:xfrm>
+          <a:prstGeom prst="rect">
+            <a:avLst/>
+          </a:prstGeom>
+          <a:noFill/>
+        </p:spPr>
+        <p:txBody>
+          <a:bodyPr wrap="none" rtlCol="0">
+            <a:spAutoFit/>
+          </a:bodyPr>
+          <a:lstStyle/>
+          <a:p>
+            <a:r>
+              <a:rPr lang="en-US" dirty="0"/>
+              <a:t>Contact tracing</a:t>
+            </a:r>
+          </a:p>
+        </p:txBody>
+      </p:sp>
     </p:spTree>
     <p:extLst>
       <p:ext uri="{BB962C8B-B14F-4D97-AF65-F5344CB8AC3E}">
@@ -7133,53 +7544,1727 @@
           <a:chExt cx="0" cy="0"/>
         </a:xfrm>
       </p:grpSpPr>
-      <p:sp>
-        <p:nvSpPr>
-          <p:cNvPr id="2" name="Title 1">
-            <a:extLst>
-              <a:ext uri="{FF2B5EF4-FFF2-40B4-BE49-F238E27FC236}">
-                <a16:creationId xmlns:a16="http://schemas.microsoft.com/office/drawing/2014/main" id="{4CAADF30-0B4A-B6A8-651B-B1C8B7A1944A}"/>
-              </a:ext>
-            </a:extLst>
-          </p:cNvPr>
-          <p:cNvSpPr>
-            <a:spLocks noGrp="1"/>
-          </p:cNvSpPr>
-          <p:nvPr>
-            <p:ph type="title"/>
-          </p:nvPr>
-        </p:nvSpPr>
-        <p:spPr/>
-        <p:txBody>
-          <a:bodyPr/>
-          <a:lstStyle/>
-          <a:p>
+      <p:cxnSp>
+        <p:nvCxnSpPr>
+          <p:cNvPr id="5" name="Straight Arrow Connector 4">
+            <a:extLst>
+              <a:ext uri="{FF2B5EF4-FFF2-40B4-BE49-F238E27FC236}">
+                <a16:creationId xmlns:a16="http://schemas.microsoft.com/office/drawing/2014/main" id="{9B4EE457-D2A0-0B23-3745-1D286CD6131F}"/>
+              </a:ext>
+            </a:extLst>
+          </p:cNvPr>
+          <p:cNvCxnSpPr>
+            <a:cxnSpLocks/>
+          </p:cNvCxnSpPr>
+          <p:nvPr/>
+        </p:nvCxnSpPr>
+        <p:spPr>
+          <a:xfrm flipV="1">
+            <a:off x="-894773" y="-128792"/>
+            <a:ext cx="0" cy="3269672"/>
+          </a:xfrm>
+          <a:prstGeom prst="straightConnector1">
+            <a:avLst/>
+          </a:prstGeom>
+          <a:ln>
+            <a:solidFill>
+              <a:schemeClr val="tx1"/>
+            </a:solidFill>
+            <a:tailEnd type="triangle" w="lg" len="lg"/>
+          </a:ln>
+        </p:spPr>
+        <p:style>
+          <a:lnRef idx="2">
+            <a:schemeClr val="accent1"/>
+          </a:lnRef>
+          <a:fillRef idx="0">
+            <a:schemeClr val="accent1"/>
+          </a:fillRef>
+          <a:effectRef idx="1">
+            <a:schemeClr val="accent1"/>
+          </a:effectRef>
+          <a:fontRef idx="minor">
+            <a:schemeClr val="tx1"/>
+          </a:fontRef>
+        </p:style>
+      </p:cxnSp>
+      <p:cxnSp>
+        <p:nvCxnSpPr>
+          <p:cNvPr id="6" name="Straight Arrow Connector 5">
+            <a:extLst>
+              <a:ext uri="{FF2B5EF4-FFF2-40B4-BE49-F238E27FC236}">
+                <a16:creationId xmlns:a16="http://schemas.microsoft.com/office/drawing/2014/main" id="{DE1FC783-B161-CD42-6DD2-99CEF6279248}"/>
+              </a:ext>
+            </a:extLst>
+          </p:cNvPr>
+          <p:cNvCxnSpPr>
+            <a:cxnSpLocks/>
+          </p:cNvCxnSpPr>
+          <p:nvPr/>
+        </p:nvCxnSpPr>
+        <p:spPr>
+          <a:xfrm>
+            <a:off x="-867064" y="2462008"/>
+            <a:ext cx="3477491" cy="0"/>
+          </a:xfrm>
+          <a:prstGeom prst="straightConnector1">
+            <a:avLst/>
+          </a:prstGeom>
+          <a:ln>
+            <a:solidFill>
+              <a:schemeClr val="tx1"/>
+            </a:solidFill>
+            <a:tailEnd type="triangle" w="lg" len="lg"/>
+          </a:ln>
+        </p:spPr>
+        <p:style>
+          <a:lnRef idx="2">
+            <a:schemeClr val="accent1"/>
+          </a:lnRef>
+          <a:fillRef idx="0">
+            <a:schemeClr val="accent1"/>
+          </a:fillRef>
+          <a:effectRef idx="1">
+            <a:schemeClr val="accent1"/>
+          </a:effectRef>
+          <a:fontRef idx="minor">
+            <a:schemeClr val="tx1"/>
+          </a:fontRef>
+        </p:style>
+      </p:cxnSp>
+      <p:sp>
+        <p:nvSpPr>
+          <p:cNvPr id="11" name="Freeform 10">
+            <a:extLst>
+              <a:ext uri="{FF2B5EF4-FFF2-40B4-BE49-F238E27FC236}">
+                <a16:creationId xmlns:a16="http://schemas.microsoft.com/office/drawing/2014/main" id="{B81F9289-55E6-3EA5-17D0-9B19BD78F814}"/>
+              </a:ext>
+            </a:extLst>
+          </p:cNvPr>
+          <p:cNvSpPr/>
+          <p:nvPr/>
+        </p:nvSpPr>
+        <p:spPr>
+          <a:xfrm>
+            <a:off x="-423718" y="522371"/>
+            <a:ext cx="1967345" cy="2480601"/>
+          </a:xfrm>
+          <a:custGeom>
+            <a:avLst/>
+            <a:gdLst>
+              <a:gd name="connsiteX0" fmla="*/ 0 w 1967345"/>
+              <a:gd name="connsiteY0" fmla="*/ 41564 h 2480601"/>
+              <a:gd name="connsiteX1" fmla="*/ 360218 w 1967345"/>
+              <a:gd name="connsiteY1" fmla="*/ 1995055 h 2480601"/>
+              <a:gd name="connsiteX2" fmla="*/ 969818 w 1967345"/>
+              <a:gd name="connsiteY2" fmla="*/ 2479964 h 2480601"/>
+              <a:gd name="connsiteX3" fmla="*/ 1524000 w 1967345"/>
+              <a:gd name="connsiteY3" fmla="*/ 1939637 h 2480601"/>
+              <a:gd name="connsiteX4" fmla="*/ 1967345 w 1967345"/>
+              <a:gd name="connsiteY4" fmla="*/ 0 h 2480601"/>
+            </a:gdLst>
+            <a:ahLst/>
+            <a:cxnLst>
+              <a:cxn ang="0">
+                <a:pos x="connsiteX0" y="connsiteY0"/>
+              </a:cxn>
+              <a:cxn ang="0">
+                <a:pos x="connsiteX1" y="connsiteY1"/>
+              </a:cxn>
+              <a:cxn ang="0">
+                <a:pos x="connsiteX2" y="connsiteY2"/>
+              </a:cxn>
+              <a:cxn ang="0">
+                <a:pos x="connsiteX3" y="connsiteY3"/>
+              </a:cxn>
+              <a:cxn ang="0">
+                <a:pos x="connsiteX4" y="connsiteY4"/>
+              </a:cxn>
+            </a:cxnLst>
+            <a:rect l="l" t="t" r="r" b="b"/>
+            <a:pathLst>
+              <a:path w="1967345" h="2480601">
+                <a:moveTo>
+                  <a:pt x="0" y="41564"/>
+                </a:moveTo>
+                <a:cubicBezTo>
+                  <a:pt x="99291" y="815109"/>
+                  <a:pt x="198582" y="1588655"/>
+                  <a:pt x="360218" y="1995055"/>
+                </a:cubicBezTo>
+                <a:cubicBezTo>
+                  <a:pt x="521854" y="2401455"/>
+                  <a:pt x="775854" y="2489200"/>
+                  <a:pt x="969818" y="2479964"/>
+                </a:cubicBezTo>
+                <a:cubicBezTo>
+                  <a:pt x="1163782" y="2470728"/>
+                  <a:pt x="1357746" y="2352964"/>
+                  <a:pt x="1524000" y="1939637"/>
+                </a:cubicBezTo>
+                <a:cubicBezTo>
+                  <a:pt x="1690255" y="1526310"/>
+                  <a:pt x="1828800" y="763155"/>
+                  <a:pt x="1967345" y="0"/>
+                </a:cubicBezTo>
+              </a:path>
+            </a:pathLst>
+          </a:custGeom>
+          <a:noFill/>
+          <a:ln>
+            <a:solidFill>
+              <a:schemeClr val="accent2"/>
+            </a:solidFill>
+          </a:ln>
+        </p:spPr>
+        <p:style>
+          <a:lnRef idx="2">
+            <a:schemeClr val="accent1">
+              <a:shade val="15000"/>
+            </a:schemeClr>
+          </a:lnRef>
+          <a:fillRef idx="1">
+            <a:schemeClr val="accent1"/>
+          </a:fillRef>
+          <a:effectRef idx="0">
+            <a:schemeClr val="accent1"/>
+          </a:effectRef>
+          <a:fontRef idx="minor">
+            <a:schemeClr val="lt1"/>
+          </a:fontRef>
+        </p:style>
+        <p:txBody>
+          <a:bodyPr rtlCol="0" anchor="ctr"/>
+          <a:lstStyle/>
+          <a:p>
+            <a:pPr algn="ctr"/>
             <a:endParaRPr lang="en-US"/>
           </a:p>
         </p:txBody>
       </p:sp>
       <p:sp>
         <p:nvSpPr>
-          <p:cNvPr id="3" name="Content Placeholder 2">
-            <a:extLst>
-              <a:ext uri="{FF2B5EF4-FFF2-40B4-BE49-F238E27FC236}">
-                <a16:creationId xmlns:a16="http://schemas.microsoft.com/office/drawing/2014/main" id="{B4B11854-E121-68EE-DB0F-3260C7A21C63}"/>
-              </a:ext>
-            </a:extLst>
-          </p:cNvPr>
-          <p:cNvSpPr>
-            <a:spLocks noGrp="1"/>
-          </p:cNvSpPr>
-          <p:nvPr>
-            <p:ph idx="1"/>
-          </p:nvPr>
-        </p:nvSpPr>
-        <p:spPr/>
-        <p:txBody>
-          <a:bodyPr/>
-          <a:lstStyle/>
-          <a:p>
+          <p:cNvPr id="14" name="Oval 13">
+            <a:extLst>
+              <a:ext uri="{FF2B5EF4-FFF2-40B4-BE49-F238E27FC236}">
+                <a16:creationId xmlns:a16="http://schemas.microsoft.com/office/drawing/2014/main" id="{B433714E-FD73-551F-469A-676392B2AE73}"/>
+              </a:ext>
+            </a:extLst>
+          </p:cNvPr>
+          <p:cNvSpPr/>
+          <p:nvPr/>
+        </p:nvSpPr>
+        <p:spPr>
+          <a:xfrm flipH="1">
+            <a:off x="-454842" y="522371"/>
+            <a:ext cx="91440" cy="91440"/>
+          </a:xfrm>
+          <a:prstGeom prst="ellipse">
+            <a:avLst/>
+          </a:prstGeom>
+        </p:spPr>
+        <p:style>
+          <a:lnRef idx="2">
+            <a:schemeClr val="accent1">
+              <a:shade val="15000"/>
+            </a:schemeClr>
+          </a:lnRef>
+          <a:fillRef idx="1">
+            <a:schemeClr val="accent1"/>
+          </a:fillRef>
+          <a:effectRef idx="0">
+            <a:schemeClr val="accent1"/>
+          </a:effectRef>
+          <a:fontRef idx="minor">
+            <a:schemeClr val="lt1"/>
+          </a:fontRef>
+        </p:style>
+        <p:txBody>
+          <a:bodyPr rtlCol="0" anchor="ctr"/>
+          <a:lstStyle/>
+          <a:p>
+            <a:pPr algn="ctr"/>
             <a:endParaRPr lang="en-US"/>
+          </a:p>
+        </p:txBody>
+      </p:sp>
+      <p:sp>
+        <p:nvSpPr>
+          <p:cNvPr id="15" name="Oval 14">
+            <a:extLst>
+              <a:ext uri="{FF2B5EF4-FFF2-40B4-BE49-F238E27FC236}">
+                <a16:creationId xmlns:a16="http://schemas.microsoft.com/office/drawing/2014/main" id="{0AAFB432-320E-0BCE-3091-ABD153549FF4}"/>
+              </a:ext>
+            </a:extLst>
+          </p:cNvPr>
+          <p:cNvSpPr/>
+          <p:nvPr/>
+        </p:nvSpPr>
+        <p:spPr>
+          <a:xfrm flipH="1">
+            <a:off x="-220461" y="2150424"/>
+            <a:ext cx="91440" cy="91440"/>
+          </a:xfrm>
+          <a:prstGeom prst="ellipse">
+            <a:avLst/>
+          </a:prstGeom>
+        </p:spPr>
+        <p:style>
+          <a:lnRef idx="2">
+            <a:schemeClr val="accent1">
+              <a:shade val="15000"/>
+            </a:schemeClr>
+          </a:lnRef>
+          <a:fillRef idx="1">
+            <a:schemeClr val="accent1"/>
+          </a:fillRef>
+          <a:effectRef idx="0">
+            <a:schemeClr val="accent1"/>
+          </a:effectRef>
+          <a:fontRef idx="minor">
+            <a:schemeClr val="lt1"/>
+          </a:fontRef>
+        </p:style>
+        <p:txBody>
+          <a:bodyPr rtlCol="0" anchor="ctr"/>
+          <a:lstStyle/>
+          <a:p>
+            <a:pPr algn="ctr"/>
+            <a:endParaRPr lang="en-US"/>
+          </a:p>
+        </p:txBody>
+      </p:sp>
+      <p:sp>
+        <p:nvSpPr>
+          <p:cNvPr id="16" name="Oval 15">
+            <a:extLst>
+              <a:ext uri="{FF2B5EF4-FFF2-40B4-BE49-F238E27FC236}">
+                <a16:creationId xmlns:a16="http://schemas.microsoft.com/office/drawing/2014/main" id="{B249B3E6-99CB-A993-9DAB-098ED102F7DB}"/>
+              </a:ext>
+            </a:extLst>
+          </p:cNvPr>
+          <p:cNvSpPr/>
+          <p:nvPr/>
+        </p:nvSpPr>
+        <p:spPr>
+          <a:xfrm flipH="1">
+            <a:off x="1204741" y="1966015"/>
+            <a:ext cx="91440" cy="91440"/>
+          </a:xfrm>
+          <a:prstGeom prst="ellipse">
+            <a:avLst/>
+          </a:prstGeom>
+        </p:spPr>
+        <p:style>
+          <a:lnRef idx="2">
+            <a:schemeClr val="accent1">
+              <a:shade val="15000"/>
+            </a:schemeClr>
+          </a:lnRef>
+          <a:fillRef idx="1">
+            <a:schemeClr val="accent1"/>
+          </a:fillRef>
+          <a:effectRef idx="0">
+            <a:schemeClr val="accent1"/>
+          </a:effectRef>
+          <a:fontRef idx="minor">
+            <a:schemeClr val="lt1"/>
+          </a:fontRef>
+        </p:style>
+        <p:txBody>
+          <a:bodyPr rtlCol="0" anchor="ctr"/>
+          <a:lstStyle/>
+          <a:p>
+            <a:pPr algn="ctr"/>
+            <a:endParaRPr lang="en-US"/>
+          </a:p>
+        </p:txBody>
+      </p:sp>
+      <p:sp>
+        <p:nvSpPr>
+          <p:cNvPr id="17" name="Oval 16">
+            <a:extLst>
+              <a:ext uri="{FF2B5EF4-FFF2-40B4-BE49-F238E27FC236}">
+                <a16:creationId xmlns:a16="http://schemas.microsoft.com/office/drawing/2014/main" id="{4499282F-5A0C-2ED9-A5BB-78E55922F7A8}"/>
+              </a:ext>
+            </a:extLst>
+          </p:cNvPr>
+          <p:cNvSpPr/>
+          <p:nvPr/>
+        </p:nvSpPr>
+        <p:spPr>
+          <a:xfrm flipH="1">
+            <a:off x="1436590" y="871314"/>
+            <a:ext cx="91440" cy="91440"/>
+          </a:xfrm>
+          <a:prstGeom prst="ellipse">
+            <a:avLst/>
+          </a:prstGeom>
+        </p:spPr>
+        <p:style>
+          <a:lnRef idx="2">
+            <a:schemeClr val="accent1">
+              <a:shade val="15000"/>
+            </a:schemeClr>
+          </a:lnRef>
+          <a:fillRef idx="1">
+            <a:schemeClr val="accent1"/>
+          </a:fillRef>
+          <a:effectRef idx="0">
+            <a:schemeClr val="accent1"/>
+          </a:effectRef>
+          <a:fontRef idx="minor">
+            <a:schemeClr val="lt1"/>
+          </a:fontRef>
+        </p:style>
+        <p:txBody>
+          <a:bodyPr rtlCol="0" anchor="ctr"/>
+          <a:lstStyle/>
+          <a:p>
+            <a:pPr algn="ctr"/>
+            <a:endParaRPr lang="en-US"/>
+          </a:p>
+        </p:txBody>
+      </p:sp>
+      <p:sp>
+        <p:nvSpPr>
+          <p:cNvPr id="18" name="TextBox 17">
+            <a:extLst>
+              <a:ext uri="{FF2B5EF4-FFF2-40B4-BE49-F238E27FC236}">
+                <a16:creationId xmlns:a16="http://schemas.microsoft.com/office/drawing/2014/main" id="{242BF9EF-1FFE-14FF-E44A-473192407234}"/>
+              </a:ext>
+            </a:extLst>
+          </p:cNvPr>
+          <p:cNvSpPr txBox="1"/>
+          <p:nvPr/>
+        </p:nvSpPr>
+        <p:spPr>
+          <a:xfrm>
+            <a:off x="1090536" y="2782669"/>
+            <a:ext cx="3138103" cy="646331"/>
+          </a:xfrm>
+          <a:prstGeom prst="rect">
+            <a:avLst/>
+          </a:prstGeom>
+          <a:noFill/>
+        </p:spPr>
+        <p:txBody>
+          <a:bodyPr wrap="none" rtlCol="0">
+            <a:spAutoFit/>
+          </a:bodyPr>
+          <a:lstStyle/>
+          <a:p>
+            <a:r>
+              <a:rPr lang="en-US" dirty="0"/>
+              <a:t>Spline falling below 0</a:t>
+            </a:r>
+          </a:p>
+          <a:p>
+            <a:r>
+              <a:rPr lang="en-US" dirty="0"/>
+              <a:t>Min=0 will protect against this</a:t>
+            </a:r>
+          </a:p>
+        </p:txBody>
+      </p:sp>
+      <p:sp>
+        <p:nvSpPr>
+          <p:cNvPr id="19" name="TextBox 18">
+            <a:extLst>
+              <a:ext uri="{FF2B5EF4-FFF2-40B4-BE49-F238E27FC236}">
+                <a16:creationId xmlns:a16="http://schemas.microsoft.com/office/drawing/2014/main" id="{C1F65478-DD11-249D-25B5-AC9D25441781}"/>
+              </a:ext>
+            </a:extLst>
+          </p:cNvPr>
+          <p:cNvSpPr txBox="1"/>
+          <p:nvPr/>
+        </p:nvSpPr>
+        <p:spPr>
+          <a:xfrm>
+            <a:off x="1632870" y="834051"/>
+            <a:ext cx="2872197" cy="646331"/>
+          </a:xfrm>
+          <a:prstGeom prst="rect">
+            <a:avLst/>
+          </a:prstGeom>
+          <a:noFill/>
+        </p:spPr>
+        <p:txBody>
+          <a:bodyPr wrap="none" rtlCol="0">
+            <a:spAutoFit/>
+          </a:bodyPr>
+          <a:lstStyle/>
+          <a:p>
+            <a:r>
+              <a:rPr lang="en-US" dirty="0" err="1"/>
+              <a:t>Knot.min</a:t>
+            </a:r>
+            <a:r>
+              <a:rPr lang="en-US" dirty="0"/>
+              <a:t>/max</a:t>
+            </a:r>
+          </a:p>
+          <a:p>
+            <a:r>
+              <a:rPr lang="en-US" dirty="0"/>
+              <a:t>Will control the knot values</a:t>
+            </a:r>
+          </a:p>
+        </p:txBody>
+      </p:sp>
+      <p:cxnSp>
+        <p:nvCxnSpPr>
+          <p:cNvPr id="21" name="Straight Arrow Connector 20">
+            <a:extLst>
+              <a:ext uri="{FF2B5EF4-FFF2-40B4-BE49-F238E27FC236}">
+                <a16:creationId xmlns:a16="http://schemas.microsoft.com/office/drawing/2014/main" id="{D3E61AA8-FBDA-942E-9BC1-03AD19C96655}"/>
+              </a:ext>
+            </a:extLst>
+          </p:cNvPr>
+          <p:cNvCxnSpPr>
+            <a:cxnSpLocks/>
+          </p:cNvCxnSpPr>
+          <p:nvPr/>
+        </p:nvCxnSpPr>
+        <p:spPr>
+          <a:xfrm flipV="1">
+            <a:off x="6536344" y="3002972"/>
+            <a:ext cx="5095703" cy="63501"/>
+          </a:xfrm>
+          <a:prstGeom prst="straightConnector1">
+            <a:avLst/>
+          </a:prstGeom>
+          <a:ln>
+            <a:solidFill>
+              <a:schemeClr val="tx1"/>
+            </a:solidFill>
+            <a:tailEnd type="triangle" w="lg" len="lg"/>
+          </a:ln>
+        </p:spPr>
+        <p:style>
+          <a:lnRef idx="2">
+            <a:schemeClr val="accent1"/>
+          </a:lnRef>
+          <a:fillRef idx="0">
+            <a:schemeClr val="accent1"/>
+          </a:fillRef>
+          <a:effectRef idx="1">
+            <a:schemeClr val="accent1"/>
+          </a:effectRef>
+          <a:fontRef idx="minor">
+            <a:schemeClr val="tx1"/>
+          </a:fontRef>
+        </p:style>
+      </p:cxnSp>
+      <p:sp>
+        <p:nvSpPr>
+          <p:cNvPr id="24" name="Oval 23">
+            <a:extLst>
+              <a:ext uri="{FF2B5EF4-FFF2-40B4-BE49-F238E27FC236}">
+                <a16:creationId xmlns:a16="http://schemas.microsoft.com/office/drawing/2014/main" id="{947D68FF-CD16-D649-E39D-119C77F0F9A6}"/>
+              </a:ext>
+            </a:extLst>
+          </p:cNvPr>
+          <p:cNvSpPr/>
+          <p:nvPr/>
+        </p:nvSpPr>
+        <p:spPr>
+          <a:xfrm flipH="1">
+            <a:off x="7182947" y="2754889"/>
+            <a:ext cx="91440" cy="91440"/>
+          </a:xfrm>
+          <a:prstGeom prst="ellipse">
+            <a:avLst/>
+          </a:prstGeom>
+        </p:spPr>
+        <p:style>
+          <a:lnRef idx="2">
+            <a:schemeClr val="accent1">
+              <a:shade val="15000"/>
+            </a:schemeClr>
+          </a:lnRef>
+          <a:fillRef idx="1">
+            <a:schemeClr val="accent1"/>
+          </a:fillRef>
+          <a:effectRef idx="0">
+            <a:schemeClr val="accent1"/>
+          </a:effectRef>
+          <a:fontRef idx="minor">
+            <a:schemeClr val="lt1"/>
+          </a:fontRef>
+        </p:style>
+        <p:txBody>
+          <a:bodyPr rtlCol="0" anchor="ctr"/>
+          <a:lstStyle/>
+          <a:p>
+            <a:pPr algn="ctr"/>
+            <a:endParaRPr lang="en-US"/>
+          </a:p>
+        </p:txBody>
+      </p:sp>
+      <p:sp>
+        <p:nvSpPr>
+          <p:cNvPr id="25" name="Oval 24">
+            <a:extLst>
+              <a:ext uri="{FF2B5EF4-FFF2-40B4-BE49-F238E27FC236}">
+                <a16:creationId xmlns:a16="http://schemas.microsoft.com/office/drawing/2014/main" id="{EBE8BA20-6E77-01C3-E267-8D47FE883B02}"/>
+              </a:ext>
+            </a:extLst>
+          </p:cNvPr>
+          <p:cNvSpPr/>
+          <p:nvPr/>
+        </p:nvSpPr>
+        <p:spPr>
+          <a:xfrm flipH="1">
+            <a:off x="8608149" y="2364530"/>
+            <a:ext cx="91440" cy="91440"/>
+          </a:xfrm>
+          <a:prstGeom prst="ellipse">
+            <a:avLst/>
+          </a:prstGeom>
+        </p:spPr>
+        <p:style>
+          <a:lnRef idx="2">
+            <a:schemeClr val="accent1">
+              <a:shade val="15000"/>
+            </a:schemeClr>
+          </a:lnRef>
+          <a:fillRef idx="1">
+            <a:schemeClr val="accent1"/>
+          </a:fillRef>
+          <a:effectRef idx="0">
+            <a:schemeClr val="accent1"/>
+          </a:effectRef>
+          <a:fontRef idx="minor">
+            <a:schemeClr val="lt1"/>
+          </a:fontRef>
+        </p:style>
+        <p:txBody>
+          <a:bodyPr rtlCol="0" anchor="ctr"/>
+          <a:lstStyle/>
+          <a:p>
+            <a:pPr algn="ctr"/>
+            <a:endParaRPr lang="en-US"/>
+          </a:p>
+        </p:txBody>
+      </p:sp>
+      <p:sp>
+        <p:nvSpPr>
+          <p:cNvPr id="28" name="TextBox 27">
+            <a:extLst>
+              <a:ext uri="{FF2B5EF4-FFF2-40B4-BE49-F238E27FC236}">
+                <a16:creationId xmlns:a16="http://schemas.microsoft.com/office/drawing/2014/main" id="{432D7E20-CCE4-152C-04FB-C3F7FD85A714}"/>
+              </a:ext>
+            </a:extLst>
+          </p:cNvPr>
+          <p:cNvSpPr txBox="1"/>
+          <p:nvPr/>
+        </p:nvSpPr>
+        <p:spPr>
+          <a:xfrm>
+            <a:off x="6322176" y="1422234"/>
+            <a:ext cx="2240253" cy="1077218"/>
+          </a:xfrm>
+          <a:prstGeom prst="rect">
+            <a:avLst/>
+          </a:prstGeom>
+          <a:noFill/>
+        </p:spPr>
+        <p:txBody>
+          <a:bodyPr wrap="square" rtlCol="0">
+            <a:spAutoFit/>
+          </a:bodyPr>
+          <a:lstStyle/>
+          <a:p>
+            <a:r>
+              <a:rPr lang="en-US" sz="1600" dirty="0"/>
+              <a:t>A. The first spline uses 2 knots and projected values in 2030 are unrealistic</a:t>
+            </a:r>
+          </a:p>
+        </p:txBody>
+      </p:sp>
+      <p:sp>
+        <p:nvSpPr>
+          <p:cNvPr id="29" name="Freeform 28">
+            <a:extLst>
+              <a:ext uri="{FF2B5EF4-FFF2-40B4-BE49-F238E27FC236}">
+                <a16:creationId xmlns:a16="http://schemas.microsoft.com/office/drawing/2014/main" id="{7AF9D15F-09BE-3626-E773-6364AFB71EE9}"/>
+              </a:ext>
+            </a:extLst>
+          </p:cNvPr>
+          <p:cNvSpPr/>
+          <p:nvPr/>
+        </p:nvSpPr>
+        <p:spPr>
+          <a:xfrm>
+            <a:off x="6502400" y="1371600"/>
+            <a:ext cx="3441700" cy="1511544"/>
+          </a:xfrm>
+          <a:custGeom>
+            <a:avLst/>
+            <a:gdLst>
+              <a:gd name="connsiteX0" fmla="*/ 0 w 3441700"/>
+              <a:gd name="connsiteY0" fmla="*/ 1511300 h 1511544"/>
+              <a:gd name="connsiteX1" fmla="*/ 749300 w 3441700"/>
+              <a:gd name="connsiteY1" fmla="*/ 1435100 h 1511544"/>
+              <a:gd name="connsiteX2" fmla="*/ 2184400 w 3441700"/>
+              <a:gd name="connsiteY2" fmla="*/ 1041400 h 1511544"/>
+              <a:gd name="connsiteX3" fmla="*/ 3441700 w 3441700"/>
+              <a:gd name="connsiteY3" fmla="*/ 0 h 1511544"/>
+            </a:gdLst>
+            <a:ahLst/>
+            <a:cxnLst>
+              <a:cxn ang="0">
+                <a:pos x="connsiteX0" y="connsiteY0"/>
+              </a:cxn>
+              <a:cxn ang="0">
+                <a:pos x="connsiteX1" y="connsiteY1"/>
+              </a:cxn>
+              <a:cxn ang="0">
+                <a:pos x="connsiteX2" y="connsiteY2"/>
+              </a:cxn>
+              <a:cxn ang="0">
+                <a:pos x="connsiteX3" y="connsiteY3"/>
+              </a:cxn>
+            </a:cxnLst>
+            <a:rect l="l" t="t" r="r" b="b"/>
+            <a:pathLst>
+              <a:path w="3441700" h="1511544">
+                <a:moveTo>
+                  <a:pt x="0" y="1511300"/>
+                </a:moveTo>
+                <a:cubicBezTo>
+                  <a:pt x="192616" y="1512358"/>
+                  <a:pt x="385233" y="1513417"/>
+                  <a:pt x="749300" y="1435100"/>
+                </a:cubicBezTo>
+                <a:cubicBezTo>
+                  <a:pt x="1113367" y="1356783"/>
+                  <a:pt x="1735667" y="1280583"/>
+                  <a:pt x="2184400" y="1041400"/>
+                </a:cubicBezTo>
+                <a:cubicBezTo>
+                  <a:pt x="2633133" y="802217"/>
+                  <a:pt x="3037416" y="401108"/>
+                  <a:pt x="3441700" y="0"/>
+                </a:cubicBezTo>
+              </a:path>
+            </a:pathLst>
+          </a:custGeom>
+          <a:noFill/>
+        </p:spPr>
+        <p:style>
+          <a:lnRef idx="2">
+            <a:schemeClr val="accent1">
+              <a:shade val="15000"/>
+            </a:schemeClr>
+          </a:lnRef>
+          <a:fillRef idx="1">
+            <a:schemeClr val="accent1"/>
+          </a:fillRef>
+          <a:effectRef idx="0">
+            <a:schemeClr val="accent1"/>
+          </a:effectRef>
+          <a:fontRef idx="minor">
+            <a:schemeClr val="lt1"/>
+          </a:fontRef>
+        </p:style>
+        <p:txBody>
+          <a:bodyPr rtlCol="0" anchor="ctr"/>
+          <a:lstStyle/>
+          <a:p>
+            <a:pPr algn="ctr"/>
+            <a:endParaRPr lang="en-US"/>
+          </a:p>
+        </p:txBody>
+      </p:sp>
+      <p:sp>
+        <p:nvSpPr>
+          <p:cNvPr id="31" name="TextBox 30">
+            <a:extLst>
+              <a:ext uri="{FF2B5EF4-FFF2-40B4-BE49-F238E27FC236}">
+                <a16:creationId xmlns:a16="http://schemas.microsoft.com/office/drawing/2014/main" id="{E7361221-C6FA-E7C0-E540-07712EC055A4}"/>
+              </a:ext>
+            </a:extLst>
+          </p:cNvPr>
+          <p:cNvSpPr txBox="1"/>
+          <p:nvPr/>
+        </p:nvSpPr>
+        <p:spPr>
+          <a:xfrm>
+            <a:off x="6935191" y="3017802"/>
+            <a:ext cx="678391" cy="369332"/>
+          </a:xfrm>
+          <a:prstGeom prst="rect">
+            <a:avLst/>
+          </a:prstGeom>
+          <a:noFill/>
+        </p:spPr>
+        <p:txBody>
+          <a:bodyPr wrap="none" rtlCol="0">
+            <a:spAutoFit/>
+          </a:bodyPr>
+          <a:lstStyle/>
+          <a:p>
+            <a:r>
+              <a:rPr lang="en-US" dirty="0"/>
+              <a:t>2010</a:t>
+            </a:r>
+          </a:p>
+        </p:txBody>
+      </p:sp>
+      <p:sp>
+        <p:nvSpPr>
+          <p:cNvPr id="32" name="TextBox 31">
+            <a:extLst>
+              <a:ext uri="{FF2B5EF4-FFF2-40B4-BE49-F238E27FC236}">
+                <a16:creationId xmlns:a16="http://schemas.microsoft.com/office/drawing/2014/main" id="{9BF23213-0BC0-946E-1C97-AA3BFE859464}"/>
+              </a:ext>
+            </a:extLst>
+          </p:cNvPr>
+          <p:cNvSpPr txBox="1"/>
+          <p:nvPr/>
+        </p:nvSpPr>
+        <p:spPr>
+          <a:xfrm>
+            <a:off x="8360393" y="3002972"/>
+            <a:ext cx="678391" cy="369332"/>
+          </a:xfrm>
+          <a:prstGeom prst="rect">
+            <a:avLst/>
+          </a:prstGeom>
+          <a:noFill/>
+        </p:spPr>
+        <p:txBody>
+          <a:bodyPr wrap="none" rtlCol="0">
+            <a:spAutoFit/>
+          </a:bodyPr>
+          <a:lstStyle/>
+          <a:p>
+            <a:r>
+              <a:rPr lang="en-US" dirty="0"/>
+              <a:t>2020</a:t>
+            </a:r>
+          </a:p>
+        </p:txBody>
+      </p:sp>
+      <p:sp>
+        <p:nvSpPr>
+          <p:cNvPr id="33" name="TextBox 32">
+            <a:extLst>
+              <a:ext uri="{FF2B5EF4-FFF2-40B4-BE49-F238E27FC236}">
+                <a16:creationId xmlns:a16="http://schemas.microsoft.com/office/drawing/2014/main" id="{690DC7E3-2043-9588-3278-2F085DBBCD1B}"/>
+              </a:ext>
+            </a:extLst>
+          </p:cNvPr>
+          <p:cNvSpPr txBox="1"/>
+          <p:nvPr/>
+        </p:nvSpPr>
+        <p:spPr>
+          <a:xfrm>
+            <a:off x="9785595" y="3042138"/>
+            <a:ext cx="678391" cy="369332"/>
+          </a:xfrm>
+          <a:prstGeom prst="rect">
+            <a:avLst/>
+          </a:prstGeom>
+          <a:noFill/>
+        </p:spPr>
+        <p:txBody>
+          <a:bodyPr wrap="none" rtlCol="0">
+            <a:spAutoFit/>
+          </a:bodyPr>
+          <a:lstStyle/>
+          <a:p>
+            <a:r>
+              <a:rPr lang="en-US" dirty="0"/>
+              <a:t>2030</a:t>
+            </a:r>
+          </a:p>
+        </p:txBody>
+      </p:sp>
+      <p:cxnSp>
+        <p:nvCxnSpPr>
+          <p:cNvPr id="35" name="Straight Connector 34">
+            <a:extLst>
+              <a:ext uri="{FF2B5EF4-FFF2-40B4-BE49-F238E27FC236}">
+                <a16:creationId xmlns:a16="http://schemas.microsoft.com/office/drawing/2014/main" id="{2765D74F-4EE3-8522-1166-C7A53FC02C25}"/>
+              </a:ext>
+            </a:extLst>
+          </p:cNvPr>
+          <p:cNvCxnSpPr>
+            <a:stCxn id="29" idx="3"/>
+          </p:cNvCxnSpPr>
+          <p:nvPr/>
+        </p:nvCxnSpPr>
+        <p:spPr>
+          <a:xfrm>
+            <a:off x="9944100" y="1371600"/>
+            <a:ext cx="0" cy="1646202"/>
+          </a:xfrm>
+          <a:prstGeom prst="line">
+            <a:avLst/>
+          </a:prstGeom>
+          <a:ln>
+            <a:prstDash val="dash"/>
+          </a:ln>
+        </p:spPr>
+        <p:style>
+          <a:lnRef idx="2">
+            <a:schemeClr val="accent1"/>
+          </a:lnRef>
+          <a:fillRef idx="0">
+            <a:schemeClr val="accent1"/>
+          </a:fillRef>
+          <a:effectRef idx="1">
+            <a:schemeClr val="accent1"/>
+          </a:effectRef>
+          <a:fontRef idx="minor">
+            <a:schemeClr val="tx1"/>
+          </a:fontRef>
+        </p:style>
+      </p:cxnSp>
+      <p:cxnSp>
+        <p:nvCxnSpPr>
+          <p:cNvPr id="36" name="Straight Connector 35">
+            <a:extLst>
+              <a:ext uri="{FF2B5EF4-FFF2-40B4-BE49-F238E27FC236}">
+                <a16:creationId xmlns:a16="http://schemas.microsoft.com/office/drawing/2014/main" id="{8DF4D48F-1D80-FF44-DDD3-ABA55C0DF661}"/>
+              </a:ext>
+            </a:extLst>
+          </p:cNvPr>
+          <p:cNvCxnSpPr>
+            <a:cxnSpLocks/>
+            <a:stCxn id="24" idx="3"/>
+          </p:cNvCxnSpPr>
+          <p:nvPr/>
+        </p:nvCxnSpPr>
+        <p:spPr>
+          <a:xfrm flipV="1">
+            <a:off x="7260996" y="2800609"/>
+            <a:ext cx="1392873" cy="32329"/>
+          </a:xfrm>
+          <a:prstGeom prst="line">
+            <a:avLst/>
+          </a:prstGeom>
+          <a:ln>
+            <a:prstDash val="sysDot"/>
+          </a:ln>
+        </p:spPr>
+        <p:style>
+          <a:lnRef idx="2">
+            <a:schemeClr val="accent1"/>
+          </a:lnRef>
+          <a:fillRef idx="0">
+            <a:schemeClr val="accent1"/>
+          </a:fillRef>
+          <a:effectRef idx="1">
+            <a:schemeClr val="accent1"/>
+          </a:effectRef>
+          <a:fontRef idx="minor">
+            <a:schemeClr val="tx1"/>
+          </a:fontRef>
+        </p:style>
+      </p:cxnSp>
+      <p:cxnSp>
+        <p:nvCxnSpPr>
+          <p:cNvPr id="40" name="Straight Arrow Connector 39">
+            <a:extLst>
+              <a:ext uri="{FF2B5EF4-FFF2-40B4-BE49-F238E27FC236}">
+                <a16:creationId xmlns:a16="http://schemas.microsoft.com/office/drawing/2014/main" id="{EC293307-0EB3-1960-B3CD-B170AFA80E83}"/>
+              </a:ext>
+            </a:extLst>
+          </p:cNvPr>
+          <p:cNvCxnSpPr/>
+          <p:nvPr/>
+        </p:nvCxnSpPr>
+        <p:spPr>
+          <a:xfrm>
+            <a:off x="8653869" y="2491991"/>
+            <a:ext cx="0" cy="262898"/>
+          </a:xfrm>
+          <a:prstGeom prst="straightConnector1">
+            <a:avLst/>
+          </a:prstGeom>
+          <a:ln>
+            <a:solidFill>
+              <a:srgbClr val="C00000"/>
+            </a:solidFill>
+            <a:headEnd type="triangle"/>
+            <a:tailEnd type="triangle"/>
+          </a:ln>
+        </p:spPr>
+        <p:style>
+          <a:lnRef idx="2">
+            <a:schemeClr val="accent1"/>
+          </a:lnRef>
+          <a:fillRef idx="0">
+            <a:schemeClr val="accent1"/>
+          </a:fillRef>
+          <a:effectRef idx="1">
+            <a:schemeClr val="accent1"/>
+          </a:effectRef>
+          <a:fontRef idx="minor">
+            <a:schemeClr val="tx1"/>
+          </a:fontRef>
+        </p:style>
+      </p:cxnSp>
+      <p:sp>
+        <p:nvSpPr>
+          <p:cNvPr id="41" name="TextBox 40">
+            <a:extLst>
+              <a:ext uri="{FF2B5EF4-FFF2-40B4-BE49-F238E27FC236}">
+                <a16:creationId xmlns:a16="http://schemas.microsoft.com/office/drawing/2014/main" id="{3D053946-FF79-C996-C7E6-00DD290F84E7}"/>
+              </a:ext>
+            </a:extLst>
+          </p:cNvPr>
+          <p:cNvSpPr txBox="1"/>
+          <p:nvPr/>
+        </p:nvSpPr>
+        <p:spPr>
+          <a:xfrm>
+            <a:off x="8195845" y="2529300"/>
+            <a:ext cx="541191" cy="253916"/>
+          </a:xfrm>
+          <a:prstGeom prst="rect">
+            <a:avLst/>
+          </a:prstGeom>
+          <a:noFill/>
+        </p:spPr>
+        <p:txBody>
+          <a:bodyPr wrap="square" rtlCol="0">
+            <a:spAutoFit/>
+          </a:bodyPr>
+          <a:lstStyle/>
+          <a:p>
+            <a:r>
+              <a:rPr lang="en-US" sz="1050" dirty="0">
+                <a:solidFill>
+                  <a:srgbClr val="FF0000"/>
+                </a:solidFill>
+              </a:rPr>
+              <a:t>Delta</a:t>
+            </a:r>
+          </a:p>
+        </p:txBody>
+      </p:sp>
+      <p:cxnSp>
+        <p:nvCxnSpPr>
+          <p:cNvPr id="42" name="Straight Connector 41">
+            <a:extLst>
+              <a:ext uri="{FF2B5EF4-FFF2-40B4-BE49-F238E27FC236}">
+                <a16:creationId xmlns:a16="http://schemas.microsoft.com/office/drawing/2014/main" id="{DCB5DBC7-B1E9-7BF9-0EF0-E0CA3766AD30}"/>
+              </a:ext>
+            </a:extLst>
+          </p:cNvPr>
+          <p:cNvCxnSpPr>
+            <a:cxnSpLocks/>
+          </p:cNvCxnSpPr>
+          <p:nvPr/>
+        </p:nvCxnSpPr>
+        <p:spPr>
+          <a:xfrm flipV="1">
+            <a:off x="8686198" y="2409472"/>
+            <a:ext cx="1221477" cy="10671"/>
+          </a:xfrm>
+          <a:prstGeom prst="line">
+            <a:avLst/>
+          </a:prstGeom>
+          <a:ln>
+            <a:prstDash val="sysDot"/>
+          </a:ln>
+        </p:spPr>
+        <p:style>
+          <a:lnRef idx="2">
+            <a:schemeClr val="accent1"/>
+          </a:lnRef>
+          <a:fillRef idx="0">
+            <a:schemeClr val="accent1"/>
+          </a:fillRef>
+          <a:effectRef idx="1">
+            <a:schemeClr val="accent1"/>
+          </a:effectRef>
+          <a:fontRef idx="minor">
+            <a:schemeClr val="tx1"/>
+          </a:fontRef>
+        </p:style>
+      </p:cxnSp>
+      <p:sp>
+        <p:nvSpPr>
+          <p:cNvPr id="49" name="Oval 48">
+            <a:extLst>
+              <a:ext uri="{FF2B5EF4-FFF2-40B4-BE49-F238E27FC236}">
+                <a16:creationId xmlns:a16="http://schemas.microsoft.com/office/drawing/2014/main" id="{C57B9DAE-4ED5-3538-17E5-DAE75A5714D0}"/>
+              </a:ext>
+            </a:extLst>
+          </p:cNvPr>
+          <p:cNvSpPr/>
+          <p:nvPr/>
+        </p:nvSpPr>
+        <p:spPr>
+          <a:xfrm flipH="1">
+            <a:off x="9898381" y="2008374"/>
+            <a:ext cx="91440" cy="91440"/>
+          </a:xfrm>
+          <a:prstGeom prst="ellipse">
+            <a:avLst/>
+          </a:prstGeom>
+          <a:solidFill>
+            <a:srgbClr val="FF0000"/>
+          </a:solidFill>
+          <a:ln>
+            <a:solidFill>
+              <a:schemeClr val="accent1">
+                <a:shade val="15000"/>
+              </a:schemeClr>
+            </a:solidFill>
+          </a:ln>
+        </p:spPr>
+        <p:style>
+          <a:lnRef idx="2">
+            <a:schemeClr val="accent1">
+              <a:shade val="15000"/>
+            </a:schemeClr>
+          </a:lnRef>
+          <a:fillRef idx="1">
+            <a:schemeClr val="accent1"/>
+          </a:fillRef>
+          <a:effectRef idx="0">
+            <a:schemeClr val="accent1"/>
+          </a:effectRef>
+          <a:fontRef idx="minor">
+            <a:schemeClr val="lt1"/>
+          </a:fontRef>
+        </p:style>
+        <p:txBody>
+          <a:bodyPr rtlCol="0" anchor="ctr"/>
+          <a:lstStyle/>
+          <a:p>
+            <a:pPr algn="ctr"/>
+            <a:endParaRPr lang="en-US"/>
+          </a:p>
+        </p:txBody>
+      </p:sp>
+      <p:sp>
+        <p:nvSpPr>
+          <p:cNvPr id="50" name="TextBox 49">
+            <a:extLst>
+              <a:ext uri="{FF2B5EF4-FFF2-40B4-BE49-F238E27FC236}">
+                <a16:creationId xmlns:a16="http://schemas.microsoft.com/office/drawing/2014/main" id="{8693EF93-3FD1-82A4-9A6A-1D89FC19555A}"/>
+              </a:ext>
+            </a:extLst>
+          </p:cNvPr>
+          <p:cNvSpPr txBox="1"/>
+          <p:nvPr/>
+        </p:nvSpPr>
+        <p:spPr>
+          <a:xfrm>
+            <a:off x="9944100" y="1933091"/>
+            <a:ext cx="1407758" cy="261610"/>
+          </a:xfrm>
+          <a:prstGeom prst="rect">
+            <a:avLst/>
+          </a:prstGeom>
+          <a:noFill/>
+        </p:spPr>
+        <p:txBody>
+          <a:bodyPr wrap="none" rtlCol="0">
+            <a:spAutoFit/>
+          </a:bodyPr>
+          <a:lstStyle/>
+          <a:p>
+            <a:r>
+              <a:rPr lang="en-US" sz="1100" dirty="0">
+                <a:solidFill>
+                  <a:srgbClr val="FF0000"/>
+                </a:solidFill>
+              </a:rPr>
+              <a:t>Delta*</a:t>
+            </a:r>
+            <a:r>
+              <a:rPr lang="en-US" sz="1100" dirty="0" err="1">
+                <a:solidFill>
+                  <a:srgbClr val="FF0000"/>
+                </a:solidFill>
+              </a:rPr>
+              <a:t>after.modifier</a:t>
+            </a:r>
+            <a:endParaRPr lang="en-US" sz="1100" dirty="0">
+              <a:solidFill>
+                <a:srgbClr val="FF0000"/>
+              </a:solidFill>
+            </a:endParaRPr>
+          </a:p>
+        </p:txBody>
+      </p:sp>
+      <p:cxnSp>
+        <p:nvCxnSpPr>
+          <p:cNvPr id="52" name="Straight Arrow Connector 51">
+            <a:extLst>
+              <a:ext uri="{FF2B5EF4-FFF2-40B4-BE49-F238E27FC236}">
+                <a16:creationId xmlns:a16="http://schemas.microsoft.com/office/drawing/2014/main" id="{CC753322-AAFF-5A4F-7094-1219711F175F}"/>
+              </a:ext>
+            </a:extLst>
+          </p:cNvPr>
+          <p:cNvCxnSpPr>
+            <a:cxnSpLocks/>
+          </p:cNvCxnSpPr>
+          <p:nvPr/>
+        </p:nvCxnSpPr>
+        <p:spPr>
+          <a:xfrm flipV="1">
+            <a:off x="6481132" y="5189066"/>
+            <a:ext cx="5095703" cy="63501"/>
+          </a:xfrm>
+          <a:prstGeom prst="straightConnector1">
+            <a:avLst/>
+          </a:prstGeom>
+          <a:ln>
+            <a:solidFill>
+              <a:schemeClr val="tx1"/>
+            </a:solidFill>
+            <a:tailEnd type="triangle" w="lg" len="lg"/>
+          </a:ln>
+        </p:spPr>
+        <p:style>
+          <a:lnRef idx="2">
+            <a:schemeClr val="accent1"/>
+          </a:lnRef>
+          <a:fillRef idx="0">
+            <a:schemeClr val="accent1"/>
+          </a:fillRef>
+          <a:effectRef idx="1">
+            <a:schemeClr val="accent1"/>
+          </a:effectRef>
+          <a:fontRef idx="minor">
+            <a:schemeClr val="tx1"/>
+          </a:fontRef>
+        </p:style>
+      </p:cxnSp>
+      <p:sp>
+        <p:nvSpPr>
+          <p:cNvPr id="53" name="Oval 52">
+            <a:extLst>
+              <a:ext uri="{FF2B5EF4-FFF2-40B4-BE49-F238E27FC236}">
+                <a16:creationId xmlns:a16="http://schemas.microsoft.com/office/drawing/2014/main" id="{7A868122-319F-900F-FAF3-23E9C47E5493}"/>
+              </a:ext>
+            </a:extLst>
+          </p:cNvPr>
+          <p:cNvSpPr/>
+          <p:nvPr/>
+        </p:nvSpPr>
+        <p:spPr>
+          <a:xfrm flipH="1">
+            <a:off x="7127735" y="4940983"/>
+            <a:ext cx="91440" cy="91440"/>
+          </a:xfrm>
+          <a:prstGeom prst="ellipse">
+            <a:avLst/>
+          </a:prstGeom>
+        </p:spPr>
+        <p:style>
+          <a:lnRef idx="2">
+            <a:schemeClr val="accent1">
+              <a:shade val="15000"/>
+            </a:schemeClr>
+          </a:lnRef>
+          <a:fillRef idx="1">
+            <a:schemeClr val="accent1"/>
+          </a:fillRef>
+          <a:effectRef idx="0">
+            <a:schemeClr val="accent1"/>
+          </a:effectRef>
+          <a:fontRef idx="minor">
+            <a:schemeClr val="lt1"/>
+          </a:fontRef>
+        </p:style>
+        <p:txBody>
+          <a:bodyPr rtlCol="0" anchor="ctr"/>
+          <a:lstStyle/>
+          <a:p>
+            <a:pPr algn="ctr"/>
+            <a:endParaRPr lang="en-US"/>
+          </a:p>
+        </p:txBody>
+      </p:sp>
+      <p:sp>
+        <p:nvSpPr>
+          <p:cNvPr id="54" name="Oval 53">
+            <a:extLst>
+              <a:ext uri="{FF2B5EF4-FFF2-40B4-BE49-F238E27FC236}">
+                <a16:creationId xmlns:a16="http://schemas.microsoft.com/office/drawing/2014/main" id="{C69EC45B-5BAD-312F-022D-A4C912CE6B25}"/>
+              </a:ext>
+            </a:extLst>
+          </p:cNvPr>
+          <p:cNvSpPr/>
+          <p:nvPr/>
+        </p:nvSpPr>
+        <p:spPr>
+          <a:xfrm flipH="1">
+            <a:off x="8552937" y="4550624"/>
+            <a:ext cx="91440" cy="91440"/>
+          </a:xfrm>
+          <a:prstGeom prst="ellipse">
+            <a:avLst/>
+          </a:prstGeom>
+        </p:spPr>
+        <p:style>
+          <a:lnRef idx="2">
+            <a:schemeClr val="accent1">
+              <a:shade val="15000"/>
+            </a:schemeClr>
+          </a:lnRef>
+          <a:fillRef idx="1">
+            <a:schemeClr val="accent1"/>
+          </a:fillRef>
+          <a:effectRef idx="0">
+            <a:schemeClr val="accent1"/>
+          </a:effectRef>
+          <a:fontRef idx="minor">
+            <a:schemeClr val="lt1"/>
+          </a:fontRef>
+        </p:style>
+        <p:txBody>
+          <a:bodyPr rtlCol="0" anchor="ctr"/>
+          <a:lstStyle/>
+          <a:p>
+            <a:pPr algn="ctr"/>
+            <a:endParaRPr lang="en-US"/>
+          </a:p>
+        </p:txBody>
+      </p:sp>
+      <p:sp>
+        <p:nvSpPr>
+          <p:cNvPr id="58" name="TextBox 57">
+            <a:extLst>
+              <a:ext uri="{FF2B5EF4-FFF2-40B4-BE49-F238E27FC236}">
+                <a16:creationId xmlns:a16="http://schemas.microsoft.com/office/drawing/2014/main" id="{5BCD6933-4E0B-C43A-797D-ADE125A2A2DE}"/>
+              </a:ext>
+            </a:extLst>
+          </p:cNvPr>
+          <p:cNvSpPr txBox="1"/>
+          <p:nvPr/>
+        </p:nvSpPr>
+        <p:spPr>
+          <a:xfrm>
+            <a:off x="6879979" y="5203896"/>
+            <a:ext cx="678391" cy="369332"/>
+          </a:xfrm>
+          <a:prstGeom prst="rect">
+            <a:avLst/>
+          </a:prstGeom>
+          <a:noFill/>
+        </p:spPr>
+        <p:txBody>
+          <a:bodyPr wrap="none" rtlCol="0">
+            <a:spAutoFit/>
+          </a:bodyPr>
+          <a:lstStyle/>
+          <a:p>
+            <a:r>
+              <a:rPr lang="en-US" dirty="0"/>
+              <a:t>2010</a:t>
+            </a:r>
+          </a:p>
+        </p:txBody>
+      </p:sp>
+      <p:sp>
+        <p:nvSpPr>
+          <p:cNvPr id="59" name="TextBox 58">
+            <a:extLst>
+              <a:ext uri="{FF2B5EF4-FFF2-40B4-BE49-F238E27FC236}">
+                <a16:creationId xmlns:a16="http://schemas.microsoft.com/office/drawing/2014/main" id="{457F8CE5-DA28-B219-1CFA-4741E73B13F0}"/>
+              </a:ext>
+            </a:extLst>
+          </p:cNvPr>
+          <p:cNvSpPr txBox="1"/>
+          <p:nvPr/>
+        </p:nvSpPr>
+        <p:spPr>
+          <a:xfrm>
+            <a:off x="8305181" y="5189066"/>
+            <a:ext cx="678391" cy="369332"/>
+          </a:xfrm>
+          <a:prstGeom prst="rect">
+            <a:avLst/>
+          </a:prstGeom>
+          <a:noFill/>
+        </p:spPr>
+        <p:txBody>
+          <a:bodyPr wrap="none" rtlCol="0">
+            <a:spAutoFit/>
+          </a:bodyPr>
+          <a:lstStyle/>
+          <a:p>
+            <a:r>
+              <a:rPr lang="en-US" dirty="0"/>
+              <a:t>2020</a:t>
+            </a:r>
+          </a:p>
+        </p:txBody>
+      </p:sp>
+      <p:sp>
+        <p:nvSpPr>
+          <p:cNvPr id="60" name="TextBox 59">
+            <a:extLst>
+              <a:ext uri="{FF2B5EF4-FFF2-40B4-BE49-F238E27FC236}">
+                <a16:creationId xmlns:a16="http://schemas.microsoft.com/office/drawing/2014/main" id="{9E765CDD-ACE6-F3FB-353A-E861A82FE28C}"/>
+              </a:ext>
+            </a:extLst>
+          </p:cNvPr>
+          <p:cNvSpPr txBox="1"/>
+          <p:nvPr/>
+        </p:nvSpPr>
+        <p:spPr>
+          <a:xfrm>
+            <a:off x="9730383" y="5228232"/>
+            <a:ext cx="678391" cy="369332"/>
+          </a:xfrm>
+          <a:prstGeom prst="rect">
+            <a:avLst/>
+          </a:prstGeom>
+          <a:noFill/>
+        </p:spPr>
+        <p:txBody>
+          <a:bodyPr wrap="none" rtlCol="0">
+            <a:spAutoFit/>
+          </a:bodyPr>
+          <a:lstStyle/>
+          <a:p>
+            <a:r>
+              <a:rPr lang="en-US" dirty="0"/>
+              <a:t>2030</a:t>
+            </a:r>
+          </a:p>
+        </p:txBody>
+      </p:sp>
+      <p:cxnSp>
+        <p:nvCxnSpPr>
+          <p:cNvPr id="61" name="Straight Connector 60">
+            <a:extLst>
+              <a:ext uri="{FF2B5EF4-FFF2-40B4-BE49-F238E27FC236}">
+                <a16:creationId xmlns:a16="http://schemas.microsoft.com/office/drawing/2014/main" id="{96CD479D-CC9E-ADBD-2A27-9DA32397FEDA}"/>
+              </a:ext>
+            </a:extLst>
+          </p:cNvPr>
+          <p:cNvCxnSpPr>
+            <a:cxnSpLocks/>
+          </p:cNvCxnSpPr>
+          <p:nvPr/>
+        </p:nvCxnSpPr>
+        <p:spPr>
+          <a:xfrm>
+            <a:off x="9888888" y="3557694"/>
+            <a:ext cx="0" cy="1646202"/>
+          </a:xfrm>
+          <a:prstGeom prst="line">
+            <a:avLst/>
+          </a:prstGeom>
+          <a:ln>
+            <a:prstDash val="dash"/>
+          </a:ln>
+        </p:spPr>
+        <p:style>
+          <a:lnRef idx="2">
+            <a:schemeClr val="accent1"/>
+          </a:lnRef>
+          <a:fillRef idx="0">
+            <a:schemeClr val="accent1"/>
+          </a:fillRef>
+          <a:effectRef idx="1">
+            <a:schemeClr val="accent1"/>
+          </a:effectRef>
+          <a:fontRef idx="minor">
+            <a:schemeClr val="tx1"/>
+          </a:fontRef>
+        </p:style>
+      </p:cxnSp>
+      <p:cxnSp>
+        <p:nvCxnSpPr>
+          <p:cNvPr id="62" name="Straight Connector 61">
+            <a:extLst>
+              <a:ext uri="{FF2B5EF4-FFF2-40B4-BE49-F238E27FC236}">
+                <a16:creationId xmlns:a16="http://schemas.microsoft.com/office/drawing/2014/main" id="{70DF5ECF-4878-168F-A948-C6EDDA53EB49}"/>
+              </a:ext>
+            </a:extLst>
+          </p:cNvPr>
+          <p:cNvCxnSpPr>
+            <a:cxnSpLocks/>
+            <a:stCxn id="53" idx="3"/>
+          </p:cNvCxnSpPr>
+          <p:nvPr/>
+        </p:nvCxnSpPr>
+        <p:spPr>
+          <a:xfrm flipV="1">
+            <a:off x="7205784" y="4986703"/>
+            <a:ext cx="1392873" cy="32329"/>
+          </a:xfrm>
+          <a:prstGeom prst="line">
+            <a:avLst/>
+          </a:prstGeom>
+          <a:ln>
+            <a:prstDash val="sysDot"/>
+          </a:ln>
+        </p:spPr>
+        <p:style>
+          <a:lnRef idx="2">
+            <a:schemeClr val="accent1"/>
+          </a:lnRef>
+          <a:fillRef idx="0">
+            <a:schemeClr val="accent1"/>
+          </a:fillRef>
+          <a:effectRef idx="1">
+            <a:schemeClr val="accent1"/>
+          </a:effectRef>
+          <a:fontRef idx="minor">
+            <a:schemeClr val="tx1"/>
+          </a:fontRef>
+        </p:style>
+      </p:cxnSp>
+      <p:cxnSp>
+        <p:nvCxnSpPr>
+          <p:cNvPr id="65" name="Straight Connector 64">
+            <a:extLst>
+              <a:ext uri="{FF2B5EF4-FFF2-40B4-BE49-F238E27FC236}">
+                <a16:creationId xmlns:a16="http://schemas.microsoft.com/office/drawing/2014/main" id="{0695519F-A469-5032-8500-287A5D43B71E}"/>
+              </a:ext>
+            </a:extLst>
+          </p:cNvPr>
+          <p:cNvCxnSpPr>
+            <a:cxnSpLocks/>
+          </p:cNvCxnSpPr>
+          <p:nvPr/>
+        </p:nvCxnSpPr>
+        <p:spPr>
+          <a:xfrm flipV="1">
+            <a:off x="8630986" y="4595566"/>
+            <a:ext cx="1221477" cy="10671"/>
+          </a:xfrm>
+          <a:prstGeom prst="line">
+            <a:avLst/>
+          </a:prstGeom>
+          <a:ln>
+            <a:prstDash val="sysDot"/>
+          </a:ln>
+        </p:spPr>
+        <p:style>
+          <a:lnRef idx="2">
+            <a:schemeClr val="accent1"/>
+          </a:lnRef>
+          <a:fillRef idx="0">
+            <a:schemeClr val="accent1"/>
+          </a:fillRef>
+          <a:effectRef idx="1">
+            <a:schemeClr val="accent1"/>
+          </a:effectRef>
+          <a:fontRef idx="minor">
+            <a:schemeClr val="tx1"/>
+          </a:fontRef>
+        </p:style>
+      </p:cxnSp>
+      <p:sp>
+        <p:nvSpPr>
+          <p:cNvPr id="66" name="Oval 65">
+            <a:extLst>
+              <a:ext uri="{FF2B5EF4-FFF2-40B4-BE49-F238E27FC236}">
+                <a16:creationId xmlns:a16="http://schemas.microsoft.com/office/drawing/2014/main" id="{D0ABE0EB-5C43-228C-C4D2-DFB764D60D52}"/>
+              </a:ext>
+            </a:extLst>
+          </p:cNvPr>
+          <p:cNvSpPr/>
+          <p:nvPr/>
+        </p:nvSpPr>
+        <p:spPr>
+          <a:xfrm flipH="1">
+            <a:off x="9843169" y="4194468"/>
+            <a:ext cx="91440" cy="91440"/>
+          </a:xfrm>
+          <a:prstGeom prst="ellipse">
+            <a:avLst/>
+          </a:prstGeom>
+          <a:solidFill>
+            <a:schemeClr val="accent1"/>
+          </a:solidFill>
+          <a:ln>
+            <a:solidFill>
+              <a:schemeClr val="accent1">
+                <a:shade val="15000"/>
+              </a:schemeClr>
+            </a:solidFill>
+          </a:ln>
+        </p:spPr>
+        <p:style>
+          <a:lnRef idx="2">
+            <a:schemeClr val="accent1">
+              <a:shade val="15000"/>
+            </a:schemeClr>
+          </a:lnRef>
+          <a:fillRef idx="1">
+            <a:schemeClr val="accent1"/>
+          </a:fillRef>
+          <a:effectRef idx="0">
+            <a:schemeClr val="accent1"/>
+          </a:effectRef>
+          <a:fontRef idx="minor">
+            <a:schemeClr val="lt1"/>
+          </a:fontRef>
+        </p:style>
+        <p:txBody>
+          <a:bodyPr rtlCol="0" anchor="ctr"/>
+          <a:lstStyle/>
+          <a:p>
+            <a:pPr algn="ctr"/>
+            <a:endParaRPr lang="en-US"/>
+          </a:p>
+        </p:txBody>
+      </p:sp>
+      <p:sp>
+        <p:nvSpPr>
+          <p:cNvPr id="68" name="Freeform 67">
+            <a:extLst>
+              <a:ext uri="{FF2B5EF4-FFF2-40B4-BE49-F238E27FC236}">
+                <a16:creationId xmlns:a16="http://schemas.microsoft.com/office/drawing/2014/main" id="{F1EA41BA-6E1E-586C-5407-4B05399CD052}"/>
+              </a:ext>
+            </a:extLst>
+          </p:cNvPr>
+          <p:cNvSpPr/>
+          <p:nvPr/>
+        </p:nvSpPr>
+        <p:spPr>
+          <a:xfrm>
+            <a:off x="6441505" y="4160972"/>
+            <a:ext cx="5095704" cy="910035"/>
+          </a:xfrm>
+          <a:custGeom>
+            <a:avLst/>
+            <a:gdLst>
+              <a:gd name="connsiteX0" fmla="*/ 0 w 5396805"/>
+              <a:gd name="connsiteY0" fmla="*/ 896210 h 910035"/>
+              <a:gd name="connsiteX1" fmla="*/ 773723 w 5396805"/>
+              <a:gd name="connsiteY1" fmla="*/ 851449 h 910035"/>
+              <a:gd name="connsiteX2" fmla="*/ 2193281 w 5396805"/>
+              <a:gd name="connsiteY2" fmla="*/ 429419 h 910035"/>
+              <a:gd name="connsiteX3" fmla="*/ 3484951 w 5396805"/>
+              <a:gd name="connsiteY3" fmla="*/ 84121 h 910035"/>
+              <a:gd name="connsiteX4" fmla="*/ 5102736 w 5396805"/>
+              <a:gd name="connsiteY4" fmla="*/ 993 h 910035"/>
+              <a:gd name="connsiteX5" fmla="*/ 5390484 w 5396805"/>
+              <a:gd name="connsiteY5" fmla="*/ 45754 h 910035"/>
+            </a:gdLst>
+            <a:ahLst/>
+            <a:cxnLst>
+              <a:cxn ang="0">
+                <a:pos x="connsiteX0" y="connsiteY0"/>
+              </a:cxn>
+              <a:cxn ang="0">
+                <a:pos x="connsiteX1" y="connsiteY1"/>
+              </a:cxn>
+              <a:cxn ang="0">
+                <a:pos x="connsiteX2" y="connsiteY2"/>
+              </a:cxn>
+              <a:cxn ang="0">
+                <a:pos x="connsiteX3" y="connsiteY3"/>
+              </a:cxn>
+              <a:cxn ang="0">
+                <a:pos x="connsiteX4" y="connsiteY4"/>
+              </a:cxn>
+              <a:cxn ang="0">
+                <a:pos x="connsiteX5" y="connsiteY5"/>
+              </a:cxn>
+            </a:cxnLst>
+            <a:rect l="l" t="t" r="r" b="b"/>
+            <a:pathLst>
+              <a:path w="5396805" h="910035">
+                <a:moveTo>
+                  <a:pt x="0" y="896210"/>
+                </a:moveTo>
+                <a:cubicBezTo>
+                  <a:pt x="204088" y="912728"/>
+                  <a:pt x="408176" y="929247"/>
+                  <a:pt x="773723" y="851449"/>
+                </a:cubicBezTo>
+                <a:cubicBezTo>
+                  <a:pt x="1139270" y="773651"/>
+                  <a:pt x="1741410" y="557307"/>
+                  <a:pt x="2193281" y="429419"/>
+                </a:cubicBezTo>
+                <a:cubicBezTo>
+                  <a:pt x="2645152" y="301531"/>
+                  <a:pt x="3000042" y="155525"/>
+                  <a:pt x="3484951" y="84121"/>
+                </a:cubicBezTo>
+                <a:cubicBezTo>
+                  <a:pt x="3969860" y="12717"/>
+                  <a:pt x="4785147" y="7387"/>
+                  <a:pt x="5102736" y="993"/>
+                </a:cubicBezTo>
+                <a:cubicBezTo>
+                  <a:pt x="5420325" y="-5401"/>
+                  <a:pt x="5405404" y="20176"/>
+                  <a:pt x="5390484" y="45754"/>
+                </a:cubicBezTo>
+              </a:path>
+            </a:pathLst>
+          </a:custGeom>
+          <a:noFill/>
+        </p:spPr>
+        <p:style>
+          <a:lnRef idx="2">
+            <a:schemeClr val="accent1">
+              <a:shade val="15000"/>
+            </a:schemeClr>
+          </a:lnRef>
+          <a:fillRef idx="1">
+            <a:schemeClr val="accent1"/>
+          </a:fillRef>
+          <a:effectRef idx="0">
+            <a:schemeClr val="accent1"/>
+          </a:effectRef>
+          <a:fontRef idx="minor">
+            <a:schemeClr val="lt1"/>
+          </a:fontRef>
+        </p:style>
+        <p:txBody>
+          <a:bodyPr rtlCol="0" anchor="ctr"/>
+          <a:lstStyle/>
+          <a:p>
+            <a:pPr algn="ctr"/>
+            <a:endParaRPr lang="en-US"/>
+          </a:p>
+        </p:txBody>
+      </p:sp>
+      <p:sp>
+        <p:nvSpPr>
+          <p:cNvPr id="69" name="TextBox 68">
+            <a:extLst>
+              <a:ext uri="{FF2B5EF4-FFF2-40B4-BE49-F238E27FC236}">
+                <a16:creationId xmlns:a16="http://schemas.microsoft.com/office/drawing/2014/main" id="{269C6B8C-831C-663D-A712-64D5072A5DA7}"/>
+              </a:ext>
+            </a:extLst>
+          </p:cNvPr>
+          <p:cNvSpPr txBox="1"/>
+          <p:nvPr/>
+        </p:nvSpPr>
+        <p:spPr>
+          <a:xfrm>
+            <a:off x="6312683" y="3629480"/>
+            <a:ext cx="2240253" cy="1323439"/>
+          </a:xfrm>
+          <a:prstGeom prst="rect">
+            <a:avLst/>
+          </a:prstGeom>
+          <a:noFill/>
+        </p:spPr>
+        <p:txBody>
+          <a:bodyPr wrap="square" rtlCol="0">
+            <a:spAutoFit/>
+          </a:bodyPr>
+          <a:lstStyle/>
+          <a:p>
+            <a:r>
+              <a:rPr lang="en-US" sz="1600" dirty="0"/>
+              <a:t>B. Using the 3 knots, a new spline is projected that has more realistic projections in 2030 and beyond</a:t>
+            </a:r>
           </a:p>
         </p:txBody>
       </p:sp>
